--- a/1821121_shimaoka_tyuukan.pptx
+++ b/1821121_shimaoka_tyuukan.pptx
@@ -5,7 +5,7 @@
     <p:sldMasterId id="2147483660" r:id="rId1"/>
   </p:sldMasterIdLst>
   <p:notesMasterIdLst>
-    <p:notesMasterId r:id="rId11"/>
+    <p:notesMasterId r:id="rId12"/>
   </p:notesMasterIdLst>
   <p:sldIdLst>
     <p:sldId id="256" r:id="rId2"/>
@@ -13,10 +13,11 @@
     <p:sldId id="258" r:id="rId4"/>
     <p:sldId id="259" r:id="rId5"/>
     <p:sldId id="260" r:id="rId6"/>
-    <p:sldId id="261" r:id="rId7"/>
-    <p:sldId id="262" r:id="rId8"/>
+    <p:sldId id="262" r:id="rId7"/>
+    <p:sldId id="261" r:id="rId8"/>
     <p:sldId id="263" r:id="rId9"/>
     <p:sldId id="264" r:id="rId10"/>
+    <p:sldId id="265" r:id="rId11"/>
   </p:sldIdLst>
   <p:sldSz cx="9144000" cy="6858000" type="screen4x3"/>
   <p:notesSz cx="6858000" cy="9144000"/>
@@ -234,7 +235,7 @@
           <a:p>
             <a:fld id="{27571B5F-C8EC-4379-AD76-80FD414F3861}" type="datetimeFigureOut">
               <a:rPr kumimoji="1" lang="ja-JP" altLang="en-US" smtClean="0"/>
-              <a:t>2021/7/16</a:t>
+              <a:t>2021/7/21</a:t>
             </a:fld>
             <a:endParaRPr kumimoji="1" lang="ja-JP" altLang="en-US"/>
           </a:p>
@@ -706,6 +707,130 @@
 </p:notes>
 </file>
 
+<file path=ppt/notesSlides/notesSlide3.xml><?xml version="1.0" encoding="utf-8"?>
+<p:notes xmlns:a="http://schemas.openxmlformats.org/drawingml/2006/main" xmlns:r="http://schemas.openxmlformats.org/officeDocument/2006/relationships" xmlns:p="http://schemas.openxmlformats.org/presentationml/2006/main">
+  <p:cSld>
+    <p:spTree>
+      <p:nvGrpSpPr>
+        <p:cNvPr id="1" name=""/>
+        <p:cNvGrpSpPr/>
+        <p:nvPr/>
+      </p:nvGrpSpPr>
+      <p:grpSpPr>
+        <a:xfrm>
+          <a:off x="0" y="0"/>
+          <a:ext cx="0" cy="0"/>
+          <a:chOff x="0" y="0"/>
+          <a:chExt cx="0" cy="0"/>
+        </a:xfrm>
+      </p:grpSpPr>
+      <p:sp>
+        <p:nvSpPr>
+          <p:cNvPr id="2" name="スライド イメージ プレースホルダー 1"/>
+          <p:cNvSpPr>
+            <a:spLocks noGrp="1" noRot="1" noChangeAspect="1"/>
+          </p:cNvSpPr>
+          <p:nvPr>
+            <p:ph type="sldImg"/>
+          </p:nvPr>
+        </p:nvSpPr>
+        <p:spPr/>
+      </p:sp>
+      <p:sp>
+        <p:nvSpPr>
+          <p:cNvPr id="3" name="ノート プレースホルダー 2"/>
+          <p:cNvSpPr>
+            <a:spLocks noGrp="1"/>
+          </p:cNvSpPr>
+          <p:nvPr>
+            <p:ph type="body" idx="1"/>
+          </p:nvPr>
+        </p:nvSpPr>
+        <p:spPr/>
+        <p:txBody>
+          <a:bodyPr/>
+          <a:lstStyle/>
+          <a:p>
+            <a:r>
+              <a:rPr kumimoji="1" lang="ja-JP" altLang="en-US" sz="1200" dirty="0" smtClean="0"/>
+              <a:t>論理的思考を教えることを軽視する教育環境</a:t>
+            </a:r>
+            <a:endParaRPr kumimoji="1" lang="en-US" altLang="ja-JP" sz="1200" dirty="0" smtClean="0"/>
+          </a:p>
+          <a:p>
+            <a:pPr marL="0" indent="0">
+              <a:buNone/>
+            </a:pPr>
+            <a:r>
+              <a:rPr lang="ja-JP" altLang="en-US" sz="1200" dirty="0" smtClean="0"/>
+              <a:t>　→ただ問題文からユーザがブロックを組み合わせるだけでは論理的思考を身に着けるのは難しい</a:t>
+            </a:r>
+            <a:endParaRPr lang="en-US" altLang="ja-JP" sz="1200" dirty="0" smtClean="0"/>
+          </a:p>
+          <a:p>
+            <a:pPr marL="0" indent="0">
+              <a:buNone/>
+            </a:pPr>
+            <a:r>
+              <a:rPr lang="ja-JP" altLang="en-US" sz="1200" dirty="0" smtClean="0"/>
+              <a:t>　→チュートリアルのようなものや、ヒントなどを実装することで、論理的思考を身に着ける手助けになる</a:t>
+            </a:r>
+            <a:endParaRPr lang="en-US" altLang="ja-JP" sz="1200" dirty="0" smtClean="0"/>
+          </a:p>
+          <a:p>
+            <a:pPr marL="0" indent="0">
+              <a:buNone/>
+            </a:pPr>
+            <a:endParaRPr kumimoji="1" lang="en-US" altLang="ja-JP" sz="1200" dirty="0" smtClean="0"/>
+          </a:p>
+          <a:p>
+            <a:r>
+              <a:rPr lang="ja-JP" altLang="en-US" sz="1200" dirty="0" smtClean="0"/>
+              <a:t>問題の穴埋め方式を採択する予定だが、ユーザのレベルに合わせる機能が実現されていない</a:t>
+            </a:r>
+            <a:endParaRPr lang="en-US" altLang="ja-JP" sz="1200" dirty="0" smtClean="0"/>
+          </a:p>
+          <a:p>
+            <a:endParaRPr kumimoji="1" lang="ja-JP" altLang="en-US" dirty="0"/>
+          </a:p>
+        </p:txBody>
+      </p:sp>
+      <p:sp>
+        <p:nvSpPr>
+          <p:cNvPr id="4" name="スライド番号プレースホルダー 3"/>
+          <p:cNvSpPr>
+            <a:spLocks noGrp="1"/>
+          </p:cNvSpPr>
+          <p:nvPr>
+            <p:ph type="sldNum" sz="quarter" idx="10"/>
+          </p:nvPr>
+        </p:nvSpPr>
+        <p:spPr/>
+        <p:txBody>
+          <a:bodyPr/>
+          <a:lstStyle/>
+          <a:p>
+            <a:fld id="{9D828324-DCC9-430F-AD2C-1DD1805E2C40}" type="slidenum">
+              <a:rPr kumimoji="1" lang="ja-JP" altLang="en-US" smtClean="0"/>
+              <a:t>4</a:t>
+            </a:fld>
+            <a:endParaRPr kumimoji="1" lang="ja-JP" altLang="en-US"/>
+          </a:p>
+        </p:txBody>
+      </p:sp>
+    </p:spTree>
+    <p:extLst>
+      <p:ext uri="{BB962C8B-B14F-4D97-AF65-F5344CB8AC3E}">
+        <p14:creationId xmlns:p14="http://schemas.microsoft.com/office/powerpoint/2010/main" val="364110076"/>
+      </p:ext>
+    </p:extLst>
+  </p:cSld>
+  <p:clrMapOvr>
+    <a:masterClrMapping/>
+  </p:clrMapOvr>
+</p:notes>
+</file>
+
 <file path=ppt/slideLayouts/slideLayout1.xml><?xml version="1.0" encoding="utf-8"?>
 <p:sldLayout xmlns:a="http://schemas.openxmlformats.org/drawingml/2006/main" xmlns:r="http://schemas.openxmlformats.org/officeDocument/2006/relationships" xmlns:p="http://schemas.openxmlformats.org/presentationml/2006/main" type="title" preserve="1">
   <p:cSld name="タイトル スライド">
@@ -835,9 +960,9 @@
           <a:bodyPr/>
           <a:lstStyle/>
           <a:p>
-            <a:fld id="{ED609840-96BF-4512-A2C1-C87E0BBF3D2F}" type="datetime1">
+            <a:fld id="{C335E573-B421-42F4-AB5C-2F3D82120347}" type="datetime1">
               <a:rPr kumimoji="1" lang="ja-JP" altLang="en-US" smtClean="0"/>
-              <a:t>2021/7/16</a:t>
+              <a:t>2021/7/21</a:t>
             </a:fld>
             <a:endParaRPr kumimoji="1" lang="ja-JP" altLang="en-US"/>
           </a:p>
@@ -1038,9 +1163,9 @@
           <a:bodyPr/>
           <a:lstStyle/>
           <a:p>
-            <a:fld id="{F97B6116-28DE-44C1-8891-65688903BD50}" type="datetime1">
+            <a:fld id="{6C0E558A-98ED-43ED-A5EF-95B14F8C4104}" type="datetime1">
               <a:rPr kumimoji="1" lang="ja-JP" altLang="en-US" smtClean="0"/>
-              <a:t>2021/7/16</a:t>
+              <a:t>2021/7/21</a:t>
             </a:fld>
             <a:endParaRPr kumimoji="1" lang="ja-JP" altLang="en-US"/>
           </a:p>
@@ -1251,9 +1376,9 @@
           <a:bodyPr/>
           <a:lstStyle/>
           <a:p>
-            <a:fld id="{EDE04BF4-1FC0-40EE-A15F-5986BB2387E9}" type="datetime1">
+            <a:fld id="{8EFF5399-0718-4B2B-97EA-56D755853484}" type="datetime1">
               <a:rPr kumimoji="1" lang="ja-JP" altLang="en-US" smtClean="0"/>
-              <a:t>2021/7/16</a:t>
+              <a:t>2021/7/21</a:t>
             </a:fld>
             <a:endParaRPr kumimoji="1" lang="ja-JP" altLang="en-US"/>
           </a:p>
@@ -1454,9 +1579,9 @@
           <a:bodyPr/>
           <a:lstStyle/>
           <a:p>
-            <a:fld id="{AFE4124D-C094-469A-99BC-7EA66CDB293F}" type="datetime1">
+            <a:fld id="{E364310B-A730-4FDD-A52E-FCDA0D9CD090}" type="datetime1">
               <a:rPr kumimoji="1" lang="ja-JP" altLang="en-US" smtClean="0"/>
-              <a:t>2021/7/16</a:t>
+              <a:t>2021/7/21</a:t>
             </a:fld>
             <a:endParaRPr kumimoji="1" lang="ja-JP" altLang="en-US"/>
           </a:p>
@@ -1699,9 +1824,9 @@
           <a:bodyPr/>
           <a:lstStyle/>
           <a:p>
-            <a:fld id="{F808FAA8-DC38-46BC-9A48-0414366DDF43}" type="datetime1">
+            <a:fld id="{9EFF9BB4-F462-4009-9CDB-BE51CDCE36D2}" type="datetime1">
               <a:rPr kumimoji="1" lang="ja-JP" altLang="en-US" smtClean="0"/>
-              <a:t>2021/7/16</a:t>
+              <a:t>2021/7/21</a:t>
             </a:fld>
             <a:endParaRPr kumimoji="1" lang="ja-JP" altLang="en-US"/>
           </a:p>
@@ -1996,9 +2121,9 @@
           <a:bodyPr/>
           <a:lstStyle/>
           <a:p>
-            <a:fld id="{43B61DD3-8484-4FD8-9D55-71FA047E405C}" type="datetime1">
+            <a:fld id="{4616E83A-02B2-4E37-B901-916FC1ABA284}" type="datetime1">
               <a:rPr kumimoji="1" lang="ja-JP" altLang="en-US" smtClean="0"/>
-              <a:t>2021/7/16</a:t>
+              <a:t>2021/7/21</a:t>
             </a:fld>
             <a:endParaRPr kumimoji="1" lang="ja-JP" altLang="en-US"/>
           </a:p>
@@ -2428,9 +2553,9 @@
           <a:bodyPr/>
           <a:lstStyle/>
           <a:p>
-            <a:fld id="{61FE3252-B303-4BFD-B995-E88780D087A2}" type="datetime1">
+            <a:fld id="{0F30A100-A925-4562-8BAD-6D9DFB833C69}" type="datetime1">
               <a:rPr kumimoji="1" lang="ja-JP" altLang="en-US" smtClean="0"/>
-              <a:t>2021/7/16</a:t>
+              <a:t>2021/7/21</a:t>
             </a:fld>
             <a:endParaRPr kumimoji="1" lang="ja-JP" altLang="en-US"/>
           </a:p>
@@ -2547,9 +2672,9 @@
           <a:bodyPr/>
           <a:lstStyle/>
           <a:p>
-            <a:fld id="{83973884-A525-473B-9B85-E710649C3EE9}" type="datetime1">
+            <a:fld id="{2B092801-85DE-4E2D-BB20-4CEFD3DE12D7}" type="datetime1">
               <a:rPr kumimoji="1" lang="ja-JP" altLang="en-US" smtClean="0"/>
-              <a:t>2021/7/16</a:t>
+              <a:t>2021/7/21</a:t>
             </a:fld>
             <a:endParaRPr kumimoji="1" lang="ja-JP" altLang="en-US"/>
           </a:p>
@@ -2643,9 +2768,9 @@
           <a:bodyPr/>
           <a:lstStyle/>
           <a:p>
-            <a:fld id="{630B9591-4670-4AF8-B7B7-F5F2443A761A}" type="datetime1">
+            <a:fld id="{E3C0B233-1262-4C80-939E-E1C0347ED250}" type="datetime1">
               <a:rPr kumimoji="1" lang="ja-JP" altLang="en-US" smtClean="0"/>
-              <a:t>2021/7/16</a:t>
+              <a:t>2021/7/21</a:t>
             </a:fld>
             <a:endParaRPr kumimoji="1" lang="ja-JP" altLang="en-US"/>
           </a:p>
@@ -2953,9 +3078,9 @@
           <a:bodyPr/>
           <a:lstStyle/>
           <a:p>
-            <a:fld id="{434F6BA0-5DA2-4153-9B76-E2457FA21F47}" type="datetime1">
+            <a:fld id="{12654F1A-76CD-47D9-B513-65C1FA3EED3E}" type="datetime1">
               <a:rPr kumimoji="1" lang="ja-JP" altLang="en-US" smtClean="0"/>
-              <a:t>2021/7/16</a:t>
+              <a:t>2021/7/21</a:t>
             </a:fld>
             <a:endParaRPr kumimoji="1" lang="ja-JP" altLang="en-US"/>
           </a:p>
@@ -3211,9 +3336,9 @@
           <a:bodyPr/>
           <a:lstStyle/>
           <a:p>
-            <a:fld id="{590B58CC-0A81-4826-A84E-1F1030B25368}" type="datetime1">
+            <a:fld id="{8261E7BE-EC7F-4989-A57E-EB9E1D8B8B4A}" type="datetime1">
               <a:rPr kumimoji="1" lang="ja-JP" altLang="en-US" smtClean="0"/>
-              <a:t>2021/7/16</a:t>
+              <a:t>2021/7/21</a:t>
             </a:fld>
             <a:endParaRPr kumimoji="1" lang="ja-JP" altLang="en-US"/>
           </a:p>
@@ -3457,9 +3582,9 @@
             </a:lvl1pPr>
           </a:lstStyle>
           <a:p>
-            <a:fld id="{77253A0B-EAD4-46D7-BD2F-C5BFFB89C890}" type="datetime1">
+            <a:fld id="{F53EBE1F-A560-407A-96D7-EDB5C3A8DEBD}" type="datetime1">
               <a:rPr kumimoji="1" lang="ja-JP" altLang="en-US" smtClean="0"/>
-              <a:t>2021/7/16</a:t>
+              <a:t>2021/7/21</a:t>
             </a:fld>
             <a:endParaRPr kumimoji="1" lang="ja-JP" altLang="en-US"/>
           </a:p>
@@ -3525,7 +3650,7 @@
           <a:bodyPr vert="horz" lIns="91440" tIns="45720" rIns="91440" bIns="45720" rtlCol="0" anchor="ctr"/>
           <a:lstStyle>
             <a:lvl1pPr algn="r">
-              <a:defRPr sz="1200">
+              <a:defRPr sz="2800">
                 <a:solidFill>
                   <a:schemeClr val="tx1">
                     <a:tint val="75000"/>
@@ -3536,10 +3661,11 @@
           </a:lstStyle>
           <a:p>
             <a:fld id="{B4451160-128F-4DAD-AE29-4A8CC0E7B9E9}" type="slidenum">
-              <a:rPr kumimoji="1" lang="ja-JP" altLang="en-US" smtClean="0"/>
+              <a:rPr lang="ja-JP" altLang="en-US" smtClean="0"/>
+              <a:pPr/>
               <a:t>‹#›</a:t>
             </a:fld>
-            <a:endParaRPr kumimoji="1" lang="ja-JP" altLang="en-US"/>
+            <a:endParaRPr lang="ja-JP" altLang="en-US"/>
           </a:p>
         </p:txBody>
       </p:sp>
@@ -3883,14 +4009,10 @@
         </p:spPr>
         <p:txBody>
           <a:bodyPr>
-            <a:normAutofit fontScale="90000"/>
+            <a:normAutofit/>
           </a:bodyPr>
           <a:lstStyle/>
           <a:p>
-            <a:r>
-              <a:rPr lang="ja-JP" altLang="en-US" dirty="0"/>
-              <a:t>ブロックプログラミングを用いたプログラムの論理的思考・コーディングを身に着けるための研究</a:t>
-            </a:r>
             <a:endParaRPr kumimoji="1" lang="ja-JP" altLang="en-US" dirty="0"/>
           </a:p>
         </p:txBody>
@@ -3935,11 +4057,7 @@
           <a:p>
             <a:r>
               <a:rPr lang="ja-JP" altLang="en-US" dirty="0"/>
-              <a:t>指導教員</a:t>
-            </a:r>
-            <a:r>
-              <a:rPr lang="ja-JP" altLang="en-US" dirty="0"/>
-              <a:t>：鷹野 孝典 教授</a:t>
+              <a:t>指導教員：鷹野 孝典 教授</a:t>
             </a:r>
           </a:p>
           <a:p>
@@ -4036,6 +4154,135 @@
     <p:extLst>
       <p:ext uri="{BB962C8B-B14F-4D97-AF65-F5344CB8AC3E}">
         <p14:creationId xmlns:p14="http://schemas.microsoft.com/office/powerpoint/2010/main" val="4177902719"/>
+      </p:ext>
+    </p:extLst>
+  </p:cSld>
+  <p:clrMapOvr>
+    <a:masterClrMapping/>
+  </p:clrMapOvr>
+</p:sld>
+</file>
+
+<file path=ppt/slides/slide10.xml><?xml version="1.0" encoding="utf-8"?>
+<p:sld xmlns:a="http://schemas.openxmlformats.org/drawingml/2006/main" xmlns:r="http://schemas.openxmlformats.org/officeDocument/2006/relationships" xmlns:p="http://schemas.openxmlformats.org/presentationml/2006/main">
+  <p:cSld>
+    <p:spTree>
+      <p:nvGrpSpPr>
+        <p:cNvPr id="1" name=""/>
+        <p:cNvGrpSpPr/>
+        <p:nvPr/>
+      </p:nvGrpSpPr>
+      <p:grpSpPr>
+        <a:xfrm>
+          <a:off x="0" y="0"/>
+          <a:ext cx="0" cy="0"/>
+          <a:chOff x="0" y="0"/>
+          <a:chExt cx="0" cy="0"/>
+        </a:xfrm>
+      </p:grpSpPr>
+      <p:sp>
+        <p:nvSpPr>
+          <p:cNvPr id="2" name="タイトル 1"/>
+          <p:cNvSpPr>
+            <a:spLocks noGrp="1"/>
+          </p:cNvSpPr>
+          <p:nvPr>
+            <p:ph type="title"/>
+          </p:nvPr>
+        </p:nvSpPr>
+        <p:spPr/>
+        <p:txBody>
+          <a:bodyPr/>
+          <a:lstStyle/>
+          <a:p>
+            <a:r>
+              <a:rPr kumimoji="1" lang="ja-JP" altLang="en-US" dirty="0" smtClean="0"/>
+              <a:t>タイトル案</a:t>
+            </a:r>
+            <a:endParaRPr kumimoji="1" lang="ja-JP" altLang="en-US" dirty="0"/>
+          </a:p>
+        </p:txBody>
+      </p:sp>
+      <p:sp>
+        <p:nvSpPr>
+          <p:cNvPr id="3" name="コンテンツ プレースホルダー 2"/>
+          <p:cNvSpPr>
+            <a:spLocks noGrp="1"/>
+          </p:cNvSpPr>
+          <p:nvPr>
+            <p:ph idx="1"/>
+          </p:nvPr>
+        </p:nvSpPr>
+        <p:spPr/>
+        <p:txBody>
+          <a:bodyPr/>
+          <a:lstStyle/>
+          <a:p>
+            <a:r>
+              <a:rPr kumimoji="1" lang="ja-JP" altLang="en-US" dirty="0" smtClean="0"/>
+              <a:t>ブロックプログラミングを用い</a:t>
+            </a:r>
+            <a:r>
+              <a:rPr lang="ja-JP" altLang="en-US" dirty="0" smtClean="0"/>
+              <a:t>たプログラムの論理的思考を身に着けるための研究</a:t>
+            </a:r>
+            <a:endParaRPr lang="en-US" altLang="ja-JP" dirty="0" smtClean="0"/>
+          </a:p>
+          <a:p>
+            <a:r>
+              <a:rPr lang="ja-JP" altLang="en-US" dirty="0" smtClean="0"/>
+              <a:t>ブロックプログラミングによる論理的思考を学ぶための研究</a:t>
+            </a:r>
+            <a:endParaRPr lang="en-US" altLang="ja-JP" dirty="0" smtClean="0"/>
+          </a:p>
+          <a:p>
+            <a:r>
+              <a:rPr lang="ja-JP" altLang="en-US" dirty="0" smtClean="0"/>
+              <a:t>アルゴリズムを理解するための</a:t>
+            </a:r>
+            <a:r>
+              <a:rPr lang="ja-JP" altLang="en-US" dirty="0"/>
+              <a:t>ブロックプログラミングを</a:t>
+            </a:r>
+            <a:r>
+              <a:rPr lang="ja-JP" altLang="en-US" dirty="0" smtClean="0"/>
+              <a:t>用いた研究</a:t>
+            </a:r>
+            <a:endParaRPr lang="en-US" altLang="ja-JP" dirty="0" smtClean="0"/>
+          </a:p>
+          <a:p>
+            <a:endParaRPr kumimoji="1" lang="ja-JP" altLang="en-US" dirty="0"/>
+          </a:p>
+        </p:txBody>
+      </p:sp>
+      <p:sp>
+        <p:nvSpPr>
+          <p:cNvPr id="4" name="スライド番号プレースホルダー 3"/>
+          <p:cNvSpPr>
+            <a:spLocks noGrp="1"/>
+          </p:cNvSpPr>
+          <p:nvPr>
+            <p:ph type="sldNum" sz="quarter" idx="12"/>
+          </p:nvPr>
+        </p:nvSpPr>
+        <p:spPr/>
+        <p:txBody>
+          <a:bodyPr/>
+          <a:lstStyle/>
+          <a:p>
+            <a:fld id="{B4451160-128F-4DAD-AE29-4A8CC0E7B9E9}" type="slidenum">
+              <a:rPr lang="ja-JP" altLang="en-US" smtClean="0"/>
+              <a:pPr/>
+              <a:t>10</a:t>
+            </a:fld>
+            <a:endParaRPr lang="ja-JP" altLang="en-US" dirty="0"/>
+          </a:p>
+        </p:txBody>
+      </p:sp>
+    </p:spTree>
+    <p:extLst>
+      <p:ext uri="{BB962C8B-B14F-4D97-AF65-F5344CB8AC3E}">
+        <p14:creationId xmlns:p14="http://schemas.microsoft.com/office/powerpoint/2010/main" val="854545885"/>
       </p:ext>
     </p:extLst>
   </p:cSld>
@@ -4227,29 +4474,96 @@
         <p:spPr/>
         <p:txBody>
           <a:bodyPr>
-            <a:normAutofit/>
+            <a:normAutofit fontScale="92500" lnSpcReduction="10000"/>
           </a:bodyPr>
           <a:lstStyle/>
           <a:p>
             <a:r>
-              <a:rPr lang="en-US" altLang="ja-JP" b="1" dirty="0" smtClean="0">
+              <a:rPr lang="ja-JP" altLang="en-US" dirty="0"/>
+              <a:t>論理的思考力を育成する国語科授業の</a:t>
+            </a:r>
+            <a:r>
+              <a:rPr lang="ja-JP" altLang="en-US"/>
+              <a:t>検証 </a:t>
+            </a:r>
+            <a:endParaRPr lang="en-US" altLang="ja-JP" dirty="0" smtClean="0">
+              <a:latin typeface="+mn-ea"/>
+            </a:endParaRPr>
+          </a:p>
+          <a:p>
+            <a:r>
+              <a:rPr lang="ja-JP" altLang="en-US" dirty="0" smtClean="0">
+                <a:latin typeface="+mn-ea"/>
+              </a:rPr>
+              <a:t>論理的</a:t>
+            </a:r>
+            <a:r>
+              <a:rPr lang="ja-JP" altLang="en-US" dirty="0">
+                <a:latin typeface="+mn-ea"/>
+              </a:rPr>
+              <a:t>思考とは何か</a:t>
+            </a:r>
+            <a:r>
+              <a:rPr lang="en-US" altLang="ja-JP" dirty="0" smtClean="0">
+                <a:latin typeface="+mn-ea"/>
+              </a:rPr>
+              <a:t>?</a:t>
+            </a:r>
+          </a:p>
+          <a:p>
+            <a:pPr marL="0" indent="0">
+              <a:buNone/>
+            </a:pPr>
+            <a:r>
+              <a:rPr lang="ja-JP" altLang="en-US" dirty="0" smtClean="0">
+                <a:latin typeface="+mn-ea"/>
+              </a:rPr>
+              <a:t>　道田</a:t>
+            </a:r>
+            <a:r>
+              <a:rPr lang="en-US" altLang="ja-JP" dirty="0">
+                <a:latin typeface="+mn-ea"/>
+              </a:rPr>
+              <a:t>, </a:t>
+            </a:r>
+            <a:r>
+              <a:rPr lang="ja-JP" altLang="en-US" dirty="0" smtClean="0">
+                <a:latin typeface="+mn-ea"/>
+              </a:rPr>
+              <a:t>泰司</a:t>
+            </a:r>
+            <a:endParaRPr lang="en-US" altLang="ja-JP" dirty="0" smtClean="0">
+              <a:latin typeface="+mn-ea"/>
+            </a:endParaRPr>
+          </a:p>
+          <a:p>
+            <a:pPr marL="0" indent="0">
+              <a:buNone/>
+            </a:pPr>
+            <a:endParaRPr lang="en-US" altLang="ja-JP" dirty="0" smtClean="0">
+              <a:latin typeface="+mn-ea"/>
+            </a:endParaRPr>
+          </a:p>
+          <a:p>
+            <a:r>
+              <a:rPr lang="en-US" altLang="ja-JP" dirty="0" smtClean="0">
                 <a:latin typeface="+mn-ea"/>
               </a:rPr>
               <a:t>Java </a:t>
             </a:r>
             <a:r>
-              <a:rPr lang="ja-JP" altLang="en-US" b="1" dirty="0">
+              <a:rPr lang="ja-JP" altLang="en-US" dirty="0">
                 <a:latin typeface="+mn-ea"/>
               </a:rPr>
               <a:t>プログラミングの予約語学習のためのオンライン穴埋め問題機能の</a:t>
             </a:r>
             <a:r>
-              <a:rPr lang="ja-JP" altLang="en-US" b="1" dirty="0" smtClean="0">
+              <a:rPr lang="ja-JP" altLang="en-US" dirty="0" smtClean="0">
                 <a:latin typeface="+mn-ea"/>
               </a:rPr>
               <a:t>実装</a:t>
             </a:r>
-            <a:endParaRPr lang="en-US" altLang="ja-JP" b="1" dirty="0" smtClean="0">
+            <a:endParaRPr lang="en-US" altLang="ja-JP" dirty="0" smtClean="0">
               <a:latin typeface="+mn-ea"/>
             </a:endParaRPr>
           </a:p>
@@ -4258,95 +4572,95 @@
               <a:buNone/>
             </a:pPr>
             <a:r>
-              <a:rPr lang="ja-JP" altLang="en-US" b="1" dirty="0" smtClean="0">
+              <a:rPr lang="ja-JP" altLang="en-US" dirty="0" smtClean="0">
                 <a:latin typeface="+mn-ea"/>
               </a:rPr>
               <a:t>　伊</a:t>
             </a:r>
             <a:r>
-              <a:rPr lang="ja-JP" altLang="en-US" b="1" dirty="0">
+              <a:rPr lang="ja-JP" altLang="en-US" dirty="0">
                 <a:latin typeface="+mn-ea"/>
               </a:rPr>
               <a:t>永 </a:t>
             </a:r>
             <a:r>
-              <a:rPr lang="ja-JP" altLang="en-US" b="1" dirty="0" smtClean="0">
+              <a:rPr lang="ja-JP" altLang="en-US" dirty="0" smtClean="0">
                 <a:latin typeface="+mn-ea"/>
               </a:rPr>
               <a:t>洋輔</a:t>
             </a:r>
             <a:r>
-              <a:rPr lang="en-US" altLang="ja-JP" b="1" dirty="0" smtClean="0">
+              <a:rPr lang="en-US" altLang="ja-JP" dirty="0" smtClean="0">
                 <a:latin typeface="+mn-ea"/>
               </a:rPr>
               <a:t>,</a:t>
             </a:r>
             <a:r>
-              <a:rPr lang="ja-JP" altLang="en-US" b="1" dirty="0">
+              <a:rPr lang="ja-JP" altLang="en-US" dirty="0">
                 <a:latin typeface="+mn-ea"/>
               </a:rPr>
               <a:t>松島 </a:t>
             </a:r>
             <a:r>
-              <a:rPr lang="ja-JP" altLang="en-US" b="1" dirty="0" smtClean="0">
+              <a:rPr lang="ja-JP" altLang="en-US" dirty="0" smtClean="0">
                 <a:latin typeface="+mn-ea"/>
               </a:rPr>
               <a:t>由紀子</a:t>
             </a:r>
             <a:r>
-              <a:rPr lang="en-US" altLang="ja-JP" b="1" dirty="0" smtClean="0">
+              <a:rPr lang="en-US" altLang="ja-JP" dirty="0" smtClean="0">
                 <a:latin typeface="+mn-ea"/>
               </a:rPr>
               <a:t>,</a:t>
             </a:r>
             <a:r>
-              <a:rPr lang="ja-JP" altLang="en-US" b="1" dirty="0">
+              <a:rPr lang="ja-JP" altLang="en-US" dirty="0">
                 <a:latin typeface="+mn-ea"/>
               </a:rPr>
               <a:t>舩曵 </a:t>
             </a:r>
             <a:r>
-              <a:rPr lang="ja-JP" altLang="en-US" b="1" dirty="0" smtClean="0">
+              <a:rPr lang="ja-JP" altLang="en-US" dirty="0" smtClean="0">
                 <a:latin typeface="+mn-ea"/>
               </a:rPr>
               <a:t>信生</a:t>
             </a:r>
             <a:r>
-              <a:rPr lang="en-US" altLang="ja-JP" b="1" dirty="0" smtClean="0">
+              <a:rPr lang="en-US" altLang="ja-JP" dirty="0" smtClean="0">
                 <a:latin typeface="+mn-ea"/>
               </a:rPr>
               <a:t>,</a:t>
             </a:r>
             <a:r>
-              <a:rPr lang="ja-JP" altLang="en-US" b="1" dirty="0">
+              <a:rPr lang="ja-JP" altLang="en-US" dirty="0">
                 <a:latin typeface="+mn-ea"/>
               </a:rPr>
               <a:t>中西 </a:t>
             </a:r>
             <a:r>
-              <a:rPr lang="ja-JP" altLang="en-US" b="1" dirty="0" smtClean="0">
+              <a:rPr lang="ja-JP" altLang="en-US" dirty="0" smtClean="0">
                 <a:latin typeface="+mn-ea"/>
               </a:rPr>
               <a:t>透</a:t>
             </a:r>
             <a:r>
-              <a:rPr lang="en-US" altLang="ja-JP" b="1" dirty="0" smtClean="0">
+              <a:rPr lang="en-US" altLang="ja-JP" dirty="0" smtClean="0">
                 <a:latin typeface="+mn-ea"/>
               </a:rPr>
               <a:t>,</a:t>
             </a:r>
             <a:r>
-              <a:rPr lang="ja-JP" altLang="en-US" b="1" dirty="0">
+              <a:rPr lang="ja-JP" altLang="en-US" dirty="0">
                 <a:latin typeface="+mn-ea"/>
               </a:rPr>
               <a:t>天野 憲樹</a:t>
             </a:r>
-            <a:endParaRPr lang="en-US" altLang="ja-JP" b="1" dirty="0" smtClean="0">
+            <a:endParaRPr lang="en-US" altLang="ja-JP" dirty="0" smtClean="0">
               <a:latin typeface="+mn-ea"/>
             </a:endParaRPr>
           </a:p>
           <a:p>
-            <a:endParaRPr kumimoji="1" lang="en-US" altLang="ja-JP" b="1" dirty="0">
+            <a:endParaRPr kumimoji="1" lang="en-US" altLang="ja-JP" dirty="0">
               <a:latin typeface="+mn-ea"/>
             </a:endParaRPr>
           </a:p>
@@ -4390,61 +4704,61 @@
               <a:buNone/>
             </a:pPr>
             <a:r>
-              <a:rPr lang="ja-JP" altLang="en-US" b="1" dirty="0">
+              <a:rPr lang="ja-JP" altLang="en-US" dirty="0">
                 <a:latin typeface="+mn-ea"/>
               </a:rPr>
               <a:t>　</a:t>
             </a:r>
             <a:r>
-              <a:rPr lang="zh-TW" altLang="en-US" b="1" dirty="0">
+              <a:rPr lang="zh-TW" altLang="en-US" dirty="0">
                 <a:latin typeface="ＭＳ Ｐゴシック" panose="020B0600070205080204" pitchFamily="50" charset="-128"/>
                 <a:ea typeface="ＭＳ Ｐゴシック" panose="020B0600070205080204" pitchFamily="50" charset="-128"/>
               </a:rPr>
               <a:t>森 秀樹</a:t>
             </a:r>
             <a:r>
-              <a:rPr lang="en-US" altLang="zh-TW" b="1" dirty="0">
+              <a:rPr lang="en-US" altLang="zh-TW" dirty="0">
                 <a:latin typeface="ＭＳ Ｐゴシック" panose="020B0600070205080204" pitchFamily="50" charset="-128"/>
                 <a:ea typeface="ＭＳ Ｐゴシック" panose="020B0600070205080204" pitchFamily="50" charset="-128"/>
               </a:rPr>
               <a:t>, </a:t>
             </a:r>
             <a:r>
-              <a:rPr lang="zh-TW" altLang="en-US" b="1" dirty="0">
+              <a:rPr lang="zh-TW" altLang="en-US" dirty="0">
                 <a:latin typeface="ＭＳ Ｐゴシック" panose="020B0600070205080204" pitchFamily="50" charset="-128"/>
                 <a:ea typeface="ＭＳ Ｐゴシック" panose="020B0600070205080204" pitchFamily="50" charset="-128"/>
               </a:rPr>
               <a:t>杉澤 学</a:t>
             </a:r>
             <a:r>
-              <a:rPr lang="en-US" altLang="zh-TW" b="1" dirty="0">
+              <a:rPr lang="en-US" altLang="zh-TW" dirty="0">
                 <a:latin typeface="ＭＳ Ｐゴシック" panose="020B0600070205080204" pitchFamily="50" charset="-128"/>
                 <a:ea typeface="ＭＳ Ｐゴシック" panose="020B0600070205080204" pitchFamily="50" charset="-128"/>
               </a:rPr>
               <a:t>, </a:t>
             </a:r>
             <a:r>
-              <a:rPr lang="zh-TW" altLang="en-US" b="1" dirty="0">
+              <a:rPr lang="zh-TW" altLang="en-US" dirty="0">
                 <a:latin typeface="ＭＳ Ｐゴシック" panose="020B0600070205080204" pitchFamily="50" charset="-128"/>
                 <a:ea typeface="ＭＳ Ｐゴシック" panose="020B0600070205080204" pitchFamily="50" charset="-128"/>
               </a:rPr>
               <a:t>張 海</a:t>
             </a:r>
             <a:r>
-              <a:rPr lang="en-US" altLang="zh-TW" b="1" dirty="0">
+              <a:rPr lang="en-US" altLang="zh-TW" dirty="0">
                 <a:latin typeface="ＭＳ Ｐゴシック" panose="020B0600070205080204" pitchFamily="50" charset="-128"/>
                 <a:ea typeface="ＭＳ Ｐゴシック" panose="020B0600070205080204" pitchFamily="50" charset="-128"/>
               </a:rPr>
               <a:t>, </a:t>
             </a:r>
             <a:r>
-              <a:rPr lang="zh-TW" altLang="en-US" b="1" dirty="0">
+              <a:rPr lang="zh-TW" altLang="en-US" dirty="0">
                 <a:latin typeface="ＭＳ Ｐゴシック" panose="020B0600070205080204" pitchFamily="50" charset="-128"/>
                 <a:ea typeface="ＭＳ Ｐゴシック" panose="020B0600070205080204" pitchFamily="50" charset="-128"/>
               </a:rPr>
               <a:t>前迫 孝憲</a:t>
             </a:r>
-            <a:endParaRPr lang="en-US" altLang="ja-JP" b="1" dirty="0">
+            <a:endParaRPr lang="en-US" altLang="ja-JP" dirty="0">
               <a:latin typeface="ＭＳ Ｐゴシック" panose="020B0600070205080204" pitchFamily="50" charset="-128"/>
               <a:ea typeface="ＭＳ Ｐゴシック" panose="020B0600070205080204" pitchFamily="50" charset="-128"/>
             </a:endParaRPr>
@@ -4542,16 +4856,23 @@
             <p:ph idx="1"/>
           </p:nvPr>
         </p:nvSpPr>
-        <p:spPr/>
-        <p:txBody>
-          <a:bodyPr/>
-          <a:lstStyle/>
-          <a:p>
-            <a:r>
-              <a:rPr kumimoji="1" lang="ja-JP" altLang="en-US" dirty="0" smtClean="0"/>
-              <a:t>ブロックプログラミングから論理的思考を身に着けるプロセスが実現できていない</a:t>
-            </a:r>
-            <a:endParaRPr kumimoji="1" lang="en-US" altLang="ja-JP" dirty="0" smtClean="0"/>
+        <p:spPr>
+          <a:xfrm>
+            <a:off x="628650" y="1847851"/>
+            <a:ext cx="7886700" cy="4351338"/>
+          </a:xfrm>
+        </p:spPr>
+        <p:txBody>
+          <a:bodyPr>
+            <a:normAutofit/>
+          </a:bodyPr>
+          <a:lstStyle/>
+          <a:p>
+            <a:r>
+              <a:rPr lang="ja-JP" altLang="en-US" dirty="0"/>
+              <a:t>論理的思考を教えることを軽視する教育環境</a:t>
+            </a:r>
+            <a:endParaRPr lang="en-US" altLang="ja-JP" dirty="0"/>
           </a:p>
           <a:p>
             <a:pPr marL="0" indent="0">
@@ -4559,32 +4880,25 @@
             </a:pPr>
             <a:r>
               <a:rPr lang="ja-JP" altLang="en-US" dirty="0"/>
-              <a:t>　</a:t>
-            </a:r>
-            <a:r>
-              <a:rPr lang="ja-JP" altLang="en-US" dirty="0" smtClean="0"/>
-              <a:t>→ただ問題文からブロックを組み合わせるだけでは論理的思考を身に着けるのは難しい</a:t>
-            </a:r>
-            <a:endParaRPr lang="en-US" altLang="ja-JP" dirty="0" smtClean="0"/>
+              <a:t>　→ただ問題文からユーザがブロックを組み合わせるだけでは論理的思考を身に着けるのは難しい</a:t>
+            </a:r>
+            <a:endParaRPr lang="en-US" altLang="ja-JP" dirty="0"/>
           </a:p>
           <a:p>
             <a:pPr marL="0" indent="0">
               <a:buNone/>
             </a:pPr>
-            <a:endParaRPr kumimoji="1" lang="en-US" altLang="ja-JP" dirty="0"/>
-          </a:p>
-          <a:p>
-            <a:r>
-              <a:rPr lang="ja-JP" altLang="en-US" dirty="0" smtClean="0"/>
-              <a:t>問題の穴埋め方式を採択する予定だが、ユーザのレベルに合わせる機能が実現されていない</a:t>
-            </a:r>
-            <a:endParaRPr lang="en-US" altLang="ja-JP" dirty="0" smtClean="0"/>
+            <a:r>
+              <a:rPr lang="ja-JP" altLang="en-US" dirty="0"/>
+              <a:t>　→チュートリアルのようなものや、ヒントなどを実装することで、論理的思考を身に着ける手助けになる</a:t>
+            </a:r>
+            <a:endParaRPr lang="en-US" altLang="ja-JP" dirty="0"/>
           </a:p>
           <a:p>
             <a:pPr marL="0" indent="0">
               <a:buNone/>
             </a:pPr>
-            <a:endParaRPr kumimoji="1" lang="ja-JP" altLang="en-US" dirty="0"/>
+            <a:endParaRPr kumimoji="1" lang="ja-JP" altLang="en-US" sz="2600" dirty="0"/>
           </a:p>
         </p:txBody>
       </p:sp>
@@ -4607,7 +4921,7 @@
               <a:rPr kumimoji="1" lang="ja-JP" altLang="en-US" smtClean="0"/>
               <a:t>4</a:t>
             </a:fld>
-            <a:endParaRPr kumimoji="1" lang="ja-JP" altLang="en-US"/>
+            <a:endParaRPr kumimoji="1" lang="ja-JP" altLang="en-US" dirty="0"/>
           </a:p>
         </p:txBody>
       </p:sp>
@@ -4675,7 +4989,9 @@
         </p:nvSpPr>
         <p:spPr/>
         <p:txBody>
-          <a:bodyPr/>
+          <a:bodyPr>
+            <a:normAutofit/>
+          </a:bodyPr>
           <a:lstStyle/>
           <a:p>
             <a:r>
@@ -4684,19 +5000,51 @@
             </a:r>
             <a:r>
               <a:rPr lang="ja-JP" altLang="en-US" dirty="0"/>
-              <a:t>年以降段階的に必修化となっていくプログラミング教育について、小学生から高校生までが勉強するために、教科書を読み進めるだけでは難しい場合が考えられる。そのような学習者が実際にプログラミングに触れてみることで、論理的思考を身に着けられる環境を作成</a:t>
+              <a:t>年以降段階的</a:t>
+            </a:r>
+            <a:r>
+              <a:rPr lang="ja-JP" altLang="en-US" dirty="0"/>
+              <a:t>にプログラミング</a:t>
+            </a:r>
+            <a:r>
+              <a:rPr lang="ja-JP" altLang="en-US" dirty="0" smtClean="0"/>
+              <a:t>教育</a:t>
+            </a:r>
+            <a:r>
+              <a:rPr lang="ja-JP" altLang="en-US" dirty="0" smtClean="0"/>
+              <a:t>が必修となる</a:t>
+            </a:r>
+            <a:endParaRPr lang="en-US" altLang="ja-JP" dirty="0" smtClean="0"/>
+          </a:p>
+          <a:p>
+            <a:r>
+              <a:rPr lang="ja-JP" altLang="en-US" dirty="0" smtClean="0"/>
+              <a:t>小学生</a:t>
+            </a:r>
+            <a:r>
+              <a:rPr lang="ja-JP" altLang="en-US" dirty="0"/>
+              <a:t>から高校生までが勉強するために、教科書を読み進めるだけでは難しい場合が</a:t>
+            </a:r>
+            <a:r>
+              <a:rPr lang="ja-JP" altLang="en-US" dirty="0" smtClean="0"/>
+              <a:t>考えられる</a:t>
+            </a:r>
+            <a:endParaRPr lang="en-US" altLang="ja-JP" dirty="0" smtClean="0"/>
+          </a:p>
+          <a:p>
+            <a:r>
+              <a:rPr lang="ja-JP" altLang="en-US" dirty="0" smtClean="0"/>
+              <a:t>学習者</a:t>
+            </a:r>
+            <a:r>
+              <a:rPr lang="ja-JP" altLang="en-US" dirty="0"/>
+              <a:t>が実際にプログラミングに触れてみることで、論理的思考を身に着けられる環境を作成</a:t>
             </a:r>
             <a:r>
               <a:rPr lang="ja-JP" altLang="en-US" dirty="0" smtClean="0"/>
               <a:t>する</a:t>
             </a:r>
             <a:endParaRPr lang="en-US" altLang="ja-JP" dirty="0" smtClean="0"/>
-          </a:p>
-          <a:p>
-            <a:endParaRPr lang="en-US" altLang="ja-JP" dirty="0"/>
-          </a:p>
-          <a:p>
-            <a:endParaRPr lang="en-US" altLang="ja-JP" dirty="0"/>
           </a:p>
           <a:p>
             <a:endParaRPr kumimoji="1" lang="ja-JP" altLang="en-US" dirty="0"/>
@@ -4772,9 +5120,14 @@
           <a:lstStyle/>
           <a:p>
             <a:r>
-              <a:rPr kumimoji="1" lang="ja-JP" altLang="en-US" dirty="0"/>
-              <a:t>研究目的</a:t>
-            </a:r>
+              <a:rPr lang="ja-JP" altLang="en-US" dirty="0"/>
+              <a:t>コードジェネレート機能</a:t>
+            </a:r>
+            <a:r>
+              <a:rPr lang="ja-JP" altLang="en-US" dirty="0" smtClean="0"/>
+              <a:t>を利用したプログラミング機能への理解</a:t>
+            </a:r>
+            <a:endParaRPr kumimoji="1" lang="ja-JP" altLang="en-US" dirty="0"/>
           </a:p>
         </p:txBody>
       </p:sp>
@@ -4795,8 +5148,54 @@
           <a:p>
             <a:r>
               <a:rPr kumimoji="1" lang="ja-JP" altLang="en-US" dirty="0" smtClean="0"/>
-              <a:t>本研究の目的は、学生向けに論理的思考を身に着けるための学習支援として、ブロックプログラミングを利用し、プログラムの動きについて、理解を深めることを目的とする</a:t>
-            </a:r>
+              <a:t>本研究では、ブロック型のプログラミング環境である</a:t>
+            </a:r>
+            <a:r>
+              <a:rPr lang="ja-JP" altLang="en-US" dirty="0" smtClean="0"/>
+              <a:t>「</a:t>
+            </a:r>
+            <a:r>
+              <a:rPr lang="en-US" altLang="ja-JP" dirty="0" err="1" smtClean="0"/>
+              <a:t>Blockly</a:t>
+            </a:r>
+            <a:r>
+              <a:rPr lang="ja-JP" altLang="en-US" dirty="0" smtClean="0"/>
+              <a:t>」を利用する</a:t>
+            </a:r>
+            <a:endParaRPr lang="en-US" altLang="ja-JP" dirty="0" smtClean="0"/>
+          </a:p>
+          <a:p>
+            <a:r>
+              <a:rPr kumimoji="1" lang="ja-JP" altLang="en-US" dirty="0" smtClean="0"/>
+              <a:t>「</a:t>
+            </a:r>
+            <a:r>
+              <a:rPr kumimoji="1" lang="en-US" altLang="ja-JP" dirty="0" err="1" smtClean="0"/>
+              <a:t>Blockly</a:t>
+            </a:r>
+            <a:r>
+              <a:rPr kumimoji="1" lang="ja-JP" altLang="en-US" dirty="0" smtClean="0"/>
+              <a:t>」には、作成したブロック</a:t>
+            </a:r>
+            <a:r>
+              <a:rPr lang="ja-JP" altLang="en-US" dirty="0" smtClean="0"/>
+              <a:t>から</a:t>
+            </a:r>
+            <a:r>
+              <a:rPr lang="ja-JP" altLang="en-US" dirty="0"/>
+              <a:t>、</a:t>
+            </a:r>
+            <a:r>
+              <a:rPr kumimoji="1" lang="ja-JP" altLang="en-US" dirty="0" smtClean="0"/>
+              <a:t>構文的に正しいコードを自動で生成する</a:t>
+            </a:r>
+            <a:r>
+              <a:rPr lang="ja-JP" altLang="en-US" dirty="0" smtClean="0"/>
+              <a:t>機能があり、その機能を用いることで、学習者はテキストでのプログラムにも触れることができる</a:t>
+            </a:r>
+            <a:endParaRPr lang="en-US" altLang="ja-JP" dirty="0" smtClean="0"/>
+          </a:p>
+          <a:p>
             <a:endParaRPr kumimoji="1" lang="ja-JP" altLang="en-US" dirty="0"/>
           </a:p>
         </p:txBody>
@@ -4827,7 +5226,7 @@
     </p:spTree>
     <p:extLst>
       <p:ext uri="{BB962C8B-B14F-4D97-AF65-F5344CB8AC3E}">
-        <p14:creationId xmlns:p14="http://schemas.microsoft.com/office/powerpoint/2010/main" val="114472190"/>
+        <p14:creationId xmlns:p14="http://schemas.microsoft.com/office/powerpoint/2010/main" val="4224668961"/>
       </p:ext>
     </p:extLst>
   </p:cSld>
@@ -4870,14 +5269,9 @@
           <a:lstStyle/>
           <a:p>
             <a:r>
-              <a:rPr lang="ja-JP" altLang="en-US" dirty="0"/>
-              <a:t>コードジェネレート機能</a:t>
-            </a:r>
-            <a:r>
-              <a:rPr lang="ja-JP" altLang="en-US" dirty="0" smtClean="0"/>
-              <a:t>を利用したプログラミング機能への理解</a:t>
-            </a:r>
-            <a:endParaRPr kumimoji="1" lang="ja-JP" altLang="en-US" dirty="0"/>
+              <a:rPr kumimoji="1" lang="ja-JP" altLang="en-US" dirty="0"/>
+              <a:t>研究目的</a:t>
+            </a:r>
           </a:p>
         </p:txBody>
       </p:sp>
@@ -4898,54 +5292,8 @@
           <a:p>
             <a:r>
               <a:rPr kumimoji="1" lang="ja-JP" altLang="en-US" dirty="0" smtClean="0"/>
-              <a:t>本研究では、ブロック型のプログラミング環境である</a:t>
-            </a:r>
-            <a:r>
-              <a:rPr lang="ja-JP" altLang="en-US" dirty="0" smtClean="0"/>
-              <a:t>「</a:t>
-            </a:r>
-            <a:r>
-              <a:rPr lang="en-US" altLang="ja-JP" dirty="0" err="1" smtClean="0"/>
-              <a:t>Blockly</a:t>
-            </a:r>
-            <a:r>
-              <a:rPr lang="ja-JP" altLang="en-US" dirty="0" smtClean="0"/>
-              <a:t>」を利用する</a:t>
-            </a:r>
-            <a:endParaRPr lang="en-US" altLang="ja-JP" dirty="0" smtClean="0"/>
-          </a:p>
-          <a:p>
-            <a:r>
-              <a:rPr kumimoji="1" lang="ja-JP" altLang="en-US" dirty="0" smtClean="0"/>
-              <a:t>「</a:t>
-            </a:r>
-            <a:r>
-              <a:rPr kumimoji="1" lang="en-US" altLang="ja-JP" dirty="0" err="1" smtClean="0"/>
-              <a:t>Blockly</a:t>
-            </a:r>
-            <a:r>
-              <a:rPr kumimoji="1" lang="ja-JP" altLang="en-US" dirty="0" smtClean="0"/>
-              <a:t>」には、作成したブロック</a:t>
-            </a:r>
-            <a:r>
-              <a:rPr lang="ja-JP" altLang="en-US" dirty="0" smtClean="0"/>
-              <a:t>から</a:t>
-            </a:r>
-            <a:r>
-              <a:rPr lang="ja-JP" altLang="en-US" dirty="0"/>
-              <a:t>、</a:t>
-            </a:r>
-            <a:r>
-              <a:rPr kumimoji="1" lang="ja-JP" altLang="en-US" dirty="0" smtClean="0"/>
-              <a:t>構文的に正しいコードを自動で生成する</a:t>
-            </a:r>
-            <a:r>
-              <a:rPr lang="ja-JP" altLang="en-US" dirty="0" smtClean="0"/>
-              <a:t>機能があり、その機能を用いることで、学習者はテキストでのプログラムにも触れることができる</a:t>
-            </a:r>
-            <a:endParaRPr lang="en-US" altLang="ja-JP" dirty="0" smtClean="0"/>
-          </a:p>
-          <a:p>
+              <a:t>本研究の目的は、学生向けに論理的思考を身に着けるための学習支援として、ブロックプログラミングを利用し、プログラムの動きについて、理解を深めることができる環境を作成することを目的とする</a:t>
+            </a:r>
             <a:endParaRPr kumimoji="1" lang="ja-JP" altLang="en-US" dirty="0"/>
           </a:p>
         </p:txBody>
@@ -4976,7 +5324,7 @@
     </p:spTree>
     <p:extLst>
       <p:ext uri="{BB962C8B-B14F-4D97-AF65-F5344CB8AC3E}">
-        <p14:creationId xmlns:p14="http://schemas.microsoft.com/office/powerpoint/2010/main" val="4224668961"/>
+        <p14:creationId xmlns:p14="http://schemas.microsoft.com/office/powerpoint/2010/main" val="114472190"/>
       </p:ext>
     </p:extLst>
   </p:cSld>
@@ -5041,23 +5389,12 @@
           <a:lstStyle/>
           <a:p>
             <a:r>
+              <a:rPr lang="ja-JP" altLang="en-US" dirty="0" smtClean="0"/>
+              <a:t>ブロックプログラミング</a:t>
+            </a:r>
+            <a:r>
               <a:rPr lang="ja-JP" altLang="en-US" dirty="0"/>
-              <a:t>視覚</a:t>
-            </a:r>
-            <a:r>
-              <a:rPr lang="ja-JP" altLang="en-US" dirty="0" smtClean="0"/>
-              <a:t>的</a:t>
-            </a:r>
-            <a:r>
-              <a:rPr lang="ja-JP" altLang="en-US" dirty="0"/>
-              <a:t>に理解のしやすいブロックプログラミングにより、プログラミングの論理的思考を身に着けられるシステムを提案する</a:t>
-            </a:r>
-            <a:endParaRPr lang="en-US" altLang="ja-JP" dirty="0"/>
-          </a:p>
-          <a:p>
-            <a:r>
-              <a:rPr lang="ja-JP" altLang="en-US" dirty="0"/>
-              <a:t>ブロックプログラミングからブロックリーによるコードへの変換を利用し、プログラミング言語への理解を深められるシステムを提案</a:t>
+              <a:t>からブロックリーによるコードへの変換を利用し、プログラミング言語への理解を深められるシステムを提案</a:t>
             </a:r>
             <a:endParaRPr lang="en-US" altLang="ja-JP" dirty="0"/>
           </a:p>

--- a/1821121_shimaoka_tyuukan.pptx
+++ b/1821121_shimaoka_tyuukan.pptx
@@ -7,6 +7,9 @@
   <p:notesMasterIdLst>
     <p:notesMasterId r:id="rId12"/>
   </p:notesMasterIdLst>
+  <p:handoutMasterIdLst>
+    <p:handoutMasterId r:id="rId13"/>
+  </p:handoutMasterIdLst>
   <p:sldIdLst>
     <p:sldId id="256" r:id="rId2"/>
     <p:sldId id="257" r:id="rId3"/>
@@ -151,6 +154,171 @@
     </pc:docChg>
   </pc:docChgLst>
 </pc:chgInfo>
+</file>
+
+<file path=ppt/handoutMasters/handoutMaster1.xml><?xml version="1.0" encoding="utf-8"?>
+<p:handoutMaster xmlns:a="http://schemas.openxmlformats.org/drawingml/2006/main" xmlns:r="http://schemas.openxmlformats.org/officeDocument/2006/relationships" xmlns:p="http://schemas.openxmlformats.org/presentationml/2006/main">
+  <p:cSld>
+    <p:bg>
+      <p:bgRef idx="1001">
+        <a:schemeClr val="bg1"/>
+      </p:bgRef>
+    </p:bg>
+    <p:spTree>
+      <p:nvGrpSpPr>
+        <p:cNvPr id="1" name=""/>
+        <p:cNvGrpSpPr/>
+        <p:nvPr/>
+      </p:nvGrpSpPr>
+      <p:grpSpPr>
+        <a:xfrm>
+          <a:off x="0" y="0"/>
+          <a:ext cx="0" cy="0"/>
+          <a:chOff x="0" y="0"/>
+          <a:chExt cx="0" cy="0"/>
+        </a:xfrm>
+      </p:grpSpPr>
+      <p:sp>
+        <p:nvSpPr>
+          <p:cNvPr id="2" name="ヘッダー プレースホルダー 1"/>
+          <p:cNvSpPr>
+            <a:spLocks noGrp="1"/>
+          </p:cNvSpPr>
+          <p:nvPr>
+            <p:ph type="hdr" sz="quarter"/>
+          </p:nvPr>
+        </p:nvSpPr>
+        <p:spPr>
+          <a:xfrm>
+            <a:off x="0" y="0"/>
+            <a:ext cx="2971800" cy="458788"/>
+          </a:xfrm>
+          <a:prstGeom prst="rect">
+            <a:avLst/>
+          </a:prstGeom>
+        </p:spPr>
+        <p:txBody>
+          <a:bodyPr vert="horz" lIns="91440" tIns="45720" rIns="91440" bIns="45720" rtlCol="0"/>
+          <a:lstStyle>
+            <a:lvl1pPr algn="l">
+              <a:defRPr sz="1200"/>
+            </a:lvl1pPr>
+          </a:lstStyle>
+          <a:p>
+            <a:endParaRPr kumimoji="1" lang="ja-JP" altLang="en-US"/>
+          </a:p>
+        </p:txBody>
+      </p:sp>
+      <p:sp>
+        <p:nvSpPr>
+          <p:cNvPr id="3" name="日付プレースホルダー 2"/>
+          <p:cNvSpPr>
+            <a:spLocks noGrp="1"/>
+          </p:cNvSpPr>
+          <p:nvPr>
+            <p:ph type="dt" sz="quarter" idx="1"/>
+          </p:nvPr>
+        </p:nvSpPr>
+        <p:spPr>
+          <a:xfrm>
+            <a:off x="3884613" y="0"/>
+            <a:ext cx="2971800" cy="458788"/>
+          </a:xfrm>
+          <a:prstGeom prst="rect">
+            <a:avLst/>
+          </a:prstGeom>
+        </p:spPr>
+        <p:txBody>
+          <a:bodyPr vert="horz" lIns="91440" tIns="45720" rIns="91440" bIns="45720" rtlCol="0"/>
+          <a:lstStyle>
+            <a:lvl1pPr algn="r">
+              <a:defRPr sz="1200"/>
+            </a:lvl1pPr>
+          </a:lstStyle>
+          <a:p>
+            <a:fld id="{4D62F260-72E3-4D76-A7C3-2EDF244737A6}" type="datetimeFigureOut">
+              <a:rPr kumimoji="1" lang="ja-JP" altLang="en-US" smtClean="0"/>
+              <a:t>2021/7/21</a:t>
+            </a:fld>
+            <a:endParaRPr kumimoji="1" lang="ja-JP" altLang="en-US"/>
+          </a:p>
+        </p:txBody>
+      </p:sp>
+      <p:sp>
+        <p:nvSpPr>
+          <p:cNvPr id="4" name="フッター プレースホルダー 3"/>
+          <p:cNvSpPr>
+            <a:spLocks noGrp="1"/>
+          </p:cNvSpPr>
+          <p:nvPr>
+            <p:ph type="ftr" sz="quarter" idx="2"/>
+          </p:nvPr>
+        </p:nvSpPr>
+        <p:spPr>
+          <a:xfrm>
+            <a:off x="0" y="8685213"/>
+            <a:ext cx="2971800" cy="458787"/>
+          </a:xfrm>
+          <a:prstGeom prst="rect">
+            <a:avLst/>
+          </a:prstGeom>
+        </p:spPr>
+        <p:txBody>
+          <a:bodyPr vert="horz" lIns="91440" tIns="45720" rIns="91440" bIns="45720" rtlCol="0" anchor="b"/>
+          <a:lstStyle>
+            <a:lvl1pPr algn="l">
+              <a:defRPr sz="1200"/>
+            </a:lvl1pPr>
+          </a:lstStyle>
+          <a:p>
+            <a:endParaRPr kumimoji="1" lang="ja-JP" altLang="en-US"/>
+          </a:p>
+        </p:txBody>
+      </p:sp>
+      <p:sp>
+        <p:nvSpPr>
+          <p:cNvPr id="5" name="スライド番号プレースホルダー 4"/>
+          <p:cNvSpPr>
+            <a:spLocks noGrp="1"/>
+          </p:cNvSpPr>
+          <p:nvPr>
+            <p:ph type="sldNum" sz="quarter" idx="3"/>
+          </p:nvPr>
+        </p:nvSpPr>
+        <p:spPr>
+          <a:xfrm>
+            <a:off x="3884613" y="8685213"/>
+            <a:ext cx="2971800" cy="458787"/>
+          </a:xfrm>
+          <a:prstGeom prst="rect">
+            <a:avLst/>
+          </a:prstGeom>
+        </p:spPr>
+        <p:txBody>
+          <a:bodyPr vert="horz" lIns="91440" tIns="45720" rIns="91440" bIns="45720" rtlCol="0" anchor="b"/>
+          <a:lstStyle>
+            <a:lvl1pPr algn="r">
+              <a:defRPr sz="1200"/>
+            </a:lvl1pPr>
+          </a:lstStyle>
+          <a:p>
+            <a:fld id="{6B57724A-651D-4949-B180-094C8B03F759}" type="slidenum">
+              <a:rPr kumimoji="1" lang="ja-JP" altLang="en-US" smtClean="0"/>
+              <a:t>‹#›</a:t>
+            </a:fld>
+            <a:endParaRPr kumimoji="1" lang="ja-JP" altLang="en-US"/>
+          </a:p>
+        </p:txBody>
+      </p:sp>
+    </p:spTree>
+    <p:extLst>
+      <p:ext uri="{BB962C8B-B14F-4D97-AF65-F5344CB8AC3E}">
+        <p14:creationId xmlns:p14="http://schemas.microsoft.com/office/powerpoint/2010/main" val="3471179193"/>
+      </p:ext>
+    </p:extLst>
+  </p:cSld>
+  <p:clrMap bg1="lt1" tx1="dk1" bg2="lt2" tx2="dk2" accent1="accent1" accent2="accent2" accent3="accent3" accent4="accent4" accent5="accent5" accent6="accent6" hlink="hlink" folHlink="folHlink"/>
+</p:handoutMaster>
 </file>
 
 <file path=ppt/notesMasters/notesMaster1.xml><?xml version="1.0" encoding="utf-8"?>
@@ -4160,6 +4328,13 @@
   <p:clrMapOvr>
     <a:masterClrMapping/>
   </p:clrMapOvr>
+  <p:timing>
+    <p:tnLst>
+      <p:par>
+        <p:cTn id="1" dur="indefinite" restart="never" nodeType="tmRoot"/>
+      </p:par>
+    </p:tnLst>
+  </p:timing>
 </p:sld>
 </file>
 
@@ -4344,7 +4519,7 @@
         <p:spPr/>
         <p:txBody>
           <a:bodyPr>
-            <a:normAutofit/>
+            <a:normAutofit lnSpcReduction="10000"/>
           </a:bodyPr>
           <a:lstStyle/>
           <a:p>
@@ -4354,7 +4529,27 @@
             </a:r>
             <a:r>
               <a:rPr lang="ja-JP" altLang="en-US" dirty="0" smtClean="0"/>
-              <a:t>年に小学校、以降１年毎に中学校、高等学校にてプログラミング教育の必修化が実施される</a:t>
+              <a:t>年に</a:t>
+            </a:r>
+            <a:r>
+              <a:rPr lang="ja-JP" altLang="en-US" dirty="0" smtClean="0"/>
+              <a:t>小学校</a:t>
+            </a:r>
+            <a:r>
+              <a:rPr lang="ja-JP" altLang="en-US" dirty="0"/>
+              <a:t>，</a:t>
+            </a:r>
+            <a:r>
+              <a:rPr lang="ja-JP" altLang="en-US" dirty="0" smtClean="0"/>
+              <a:t>以降</a:t>
+            </a:r>
+            <a:r>
+              <a:rPr lang="ja-JP" altLang="en-US" dirty="0" smtClean="0"/>
+              <a:t>１年毎に中学校、高等学校にてプログラミング教育の必修化が実施</a:t>
+            </a:r>
+            <a:r>
+              <a:rPr lang="ja-JP" altLang="en-US" dirty="0" smtClean="0"/>
+              <a:t>される．</a:t>
             </a:r>
             <a:endParaRPr lang="en-US" altLang="ja-JP" dirty="0" smtClean="0"/>
           </a:p>
@@ -4380,7 +4575,21 @@
             </a:r>
             <a:r>
               <a:rPr lang="ja-JP" altLang="en-US" dirty="0" smtClean="0"/>
-              <a:t>ことであると文部科学省が発表している</a:t>
+              <a:t>ことであると文部科学省が発表して</a:t>
+            </a:r>
+            <a:r>
+              <a:rPr lang="ja-JP" altLang="en-US" dirty="0" smtClean="0"/>
+              <a:t>いる。</a:t>
+            </a:r>
+            <a:endParaRPr lang="en-US" altLang="ja-JP" dirty="0" smtClean="0"/>
+          </a:p>
+          <a:p>
+            <a:endParaRPr kumimoji="1" lang="en-US" altLang="ja-JP" dirty="0"/>
+          </a:p>
+          <a:p>
+            <a:r>
+              <a:rPr lang="ja-JP" altLang="en-US" dirty="0" smtClean="0"/>
+              <a:t>日本の教育として、論理的思考がすでに育まれていることが前提となっている教育が一般的である。</a:t>
             </a:r>
             <a:endParaRPr kumimoji="1" lang="en-US" altLang="ja-JP" dirty="0" smtClean="0"/>
           </a:p>
@@ -4419,6 +4628,13 @@
   <p:clrMapOvr>
     <a:masterClrMapping/>
   </p:clrMapOvr>
+  <p:timing>
+    <p:tnLst>
+      <p:par>
+        <p:cTn id="1" dur="indefinite" restart="never" nodeType="tmRoot"/>
+      </p:par>
+    </p:tnLst>
+  </p:timing>
 </p:sld>
 </file>
 
@@ -4804,6 +5020,13 @@
   <p:clrMapOvr>
     <a:masterClrMapping/>
   </p:clrMapOvr>
+  <p:timing>
+    <p:tnLst>
+      <p:par>
+        <p:cTn id="1" dur="indefinite" restart="never" nodeType="tmRoot"/>
+      </p:par>
+    </p:tnLst>
+  </p:timing>
 </p:sld>
 </file>
 
@@ -4870,7 +5093,11 @@
           <a:p>
             <a:r>
               <a:rPr lang="ja-JP" altLang="en-US" dirty="0"/>
-              <a:t>論理的思考を教えることを軽視する教育環境</a:t>
+              <a:t>論理的思考を教えることを軽視する教育</a:t>
+            </a:r>
+            <a:r>
+              <a:rPr lang="ja-JP" altLang="en-US" dirty="0" smtClean="0"/>
+              <a:t>環境となっている。</a:t>
             </a:r>
             <a:endParaRPr lang="en-US" altLang="ja-JP" dirty="0"/>
           </a:p>
@@ -4880,7 +5107,43 @@
             </a:pPr>
             <a:r>
               <a:rPr lang="ja-JP" altLang="en-US" dirty="0"/>
-              <a:t>　→ただ問題文からユーザがブロックを組み合わせるだけでは論理的思考を身に着けるのは難しい</a:t>
+              <a:t>　</a:t>
+            </a:r>
+            <a:r>
+              <a:rPr lang="ja-JP" altLang="en-US" dirty="0" smtClean="0"/>
+              <a:t>→問題</a:t>
+            </a:r>
+            <a:r>
+              <a:rPr lang="ja-JP" altLang="en-US" dirty="0"/>
+              <a:t>文</a:t>
+            </a:r>
+            <a:r>
+              <a:rPr lang="ja-JP" altLang="en-US" dirty="0" smtClean="0"/>
+              <a:t>から、ユーザ</a:t>
+            </a:r>
+            <a:r>
+              <a:rPr lang="ja-JP" altLang="en-US" dirty="0"/>
+              <a:t>がブロックを</a:t>
+            </a:r>
+            <a:r>
+              <a:rPr lang="ja-JP" altLang="en-US" dirty="0" smtClean="0"/>
+              <a:t>組み合わせるシステムだけ</a:t>
+            </a:r>
+            <a:r>
+              <a:rPr lang="ja-JP" altLang="en-US" dirty="0"/>
+              <a:t>で</a:t>
+            </a:r>
+            <a:r>
+              <a:rPr lang="ja-JP" altLang="en-US" dirty="0" smtClean="0"/>
+              <a:t>は、論理的</a:t>
+            </a:r>
+            <a:r>
+              <a:rPr lang="ja-JP" altLang="en-US" dirty="0"/>
+              <a:t>思考を身に着けるのは</a:t>
+            </a:r>
+            <a:r>
+              <a:rPr lang="ja-JP" altLang="en-US" dirty="0" smtClean="0"/>
+              <a:t>難しい。</a:t>
             </a:r>
             <a:endParaRPr lang="en-US" altLang="ja-JP" dirty="0"/>
           </a:p>
@@ -4890,7 +5153,11 @@
             </a:pPr>
             <a:r>
               <a:rPr lang="ja-JP" altLang="en-US" dirty="0"/>
-              <a:t>　→チュートリアルのようなものや、ヒントなどを実装することで、論理的思考を身に着ける手助けになる</a:t>
+              <a:t>　→チュートリアルのようなものや、ヒントなどを実装することで、論理的思考を身に着ける手助けに</a:t>
+            </a:r>
+            <a:r>
+              <a:rPr lang="ja-JP" altLang="en-US" dirty="0" smtClean="0"/>
+              <a:t>なる。</a:t>
             </a:r>
             <a:endParaRPr lang="en-US" altLang="ja-JP" dirty="0"/>
           </a:p>
@@ -4935,6 +5202,13 @@
   <p:clrMapOvr>
     <a:masterClrMapping/>
   </p:clrMapOvr>
+  <p:timing>
+    <p:tnLst>
+      <p:par>
+        <p:cTn id="1" dur="indefinite" restart="never" nodeType="tmRoot"/>
+      </p:par>
+    </p:tnLst>
+  </p:timing>
 </p:sld>
 </file>
 
@@ -4995,29 +5269,6 @@
           <a:lstStyle/>
           <a:p>
             <a:r>
-              <a:rPr lang="en-US" altLang="ja-JP" dirty="0" smtClean="0"/>
-              <a:t>2020</a:t>
-            </a:r>
-            <a:r>
-              <a:rPr lang="ja-JP" altLang="en-US" dirty="0"/>
-              <a:t>年以降段階的</a:t>
-            </a:r>
-            <a:r>
-              <a:rPr lang="ja-JP" altLang="en-US" dirty="0"/>
-              <a:t>にプログラミング</a:t>
-            </a:r>
-            <a:r>
-              <a:rPr lang="ja-JP" altLang="en-US" dirty="0" smtClean="0"/>
-              <a:t>教育</a:t>
-            </a:r>
-            <a:r>
-              <a:rPr lang="ja-JP" altLang="en-US" dirty="0" smtClean="0"/>
-              <a:t>が必修となる</a:t>
-            </a:r>
-            <a:endParaRPr lang="en-US" altLang="ja-JP" dirty="0" smtClean="0"/>
-          </a:p>
-          <a:p>
-            <a:r>
               <a:rPr lang="ja-JP" altLang="en-US" dirty="0" smtClean="0"/>
               <a:t>小学生</a:t>
             </a:r>
@@ -5027,8 +5278,11 @@
             </a:r>
             <a:r>
               <a:rPr lang="ja-JP" altLang="en-US" dirty="0" smtClean="0"/>
-              <a:t>考えられる</a:t>
-            </a:r>
+              <a:t>考えられる。</a:t>
+            </a:r>
+            <a:endParaRPr lang="en-US" altLang="ja-JP" dirty="0" smtClean="0"/>
+          </a:p>
+          <a:p>
             <a:endParaRPr lang="en-US" altLang="ja-JP" dirty="0" smtClean="0"/>
           </a:p>
           <a:p>
@@ -5038,11 +5292,11 @@
             </a:r>
             <a:r>
               <a:rPr lang="ja-JP" altLang="en-US" dirty="0"/>
-              <a:t>が実際にプログラミングに触れてみることで、論理的思考を身に着けられる環境を作成</a:t>
+              <a:t>が実際にプログラミングに触れてみることで、論理的思考を身に着けられる環境を</a:t>
             </a:r>
             <a:r>
               <a:rPr lang="ja-JP" altLang="en-US" dirty="0" smtClean="0"/>
-              <a:t>する</a:t>
+              <a:t>作成したいと考えた。</a:t>
             </a:r>
             <a:endParaRPr lang="en-US" altLang="ja-JP" dirty="0" smtClean="0"/>
           </a:p>
@@ -5084,6 +5338,13 @@
   <p:clrMapOvr>
     <a:masterClrMapping/>
   </p:clrMapOvr>
+  <p:timing>
+    <p:tnLst>
+      <p:par>
+        <p:cTn id="1" dur="indefinite" restart="never" nodeType="tmRoot"/>
+      </p:par>
+    </p:tnLst>
+  </p:timing>
 </p:sld>
 </file>
 
@@ -5121,11 +5382,11 @@
           <a:p>
             <a:r>
               <a:rPr lang="ja-JP" altLang="en-US" dirty="0"/>
-              <a:t>コードジェネレート機能</a:t>
+              <a:t>コードジェネレート</a:t>
             </a:r>
             <a:r>
               <a:rPr lang="ja-JP" altLang="en-US" dirty="0" smtClean="0"/>
-              <a:t>を利用したプログラミング機能への理解</a:t>
+              <a:t>機能</a:t>
             </a:r>
             <a:endParaRPr kumimoji="1" lang="ja-JP" altLang="en-US" dirty="0"/>
           </a:p>
@@ -5160,7 +5421,11 @@
             </a:r>
             <a:r>
               <a:rPr lang="ja-JP" altLang="en-US" dirty="0" smtClean="0"/>
-              <a:t>」を利用する</a:t>
+              <a:t>」を利用</a:t>
+            </a:r>
+            <a:r>
+              <a:rPr lang="ja-JP" altLang="en-US" dirty="0" smtClean="0"/>
+              <a:t>する。</a:t>
             </a:r>
             <a:endParaRPr lang="en-US" altLang="ja-JP" dirty="0" smtClean="0"/>
           </a:p>
@@ -5191,7 +5456,22 @@
             </a:r>
             <a:r>
               <a:rPr lang="ja-JP" altLang="en-US" dirty="0" smtClean="0"/>
-              <a:t>機能があり、その機能を用いることで、学習者はテキストでのプログラムにも触れることができる</a:t>
+              <a:t>機能があり、その機能を用いることで、学習者はテキストでのプログラムにも触れることが</a:t>
+            </a:r>
+            <a:r>
+              <a:rPr lang="ja-JP" altLang="en-US" dirty="0" smtClean="0"/>
+              <a:t>できる</a:t>
+            </a:r>
+            <a:endParaRPr lang="en-US" altLang="ja-JP" dirty="0" smtClean="0"/>
+          </a:p>
+          <a:p>
+            <a:r>
+              <a:rPr lang="ja-JP" altLang="en-US" dirty="0"/>
+              <a:t>これ</a:t>
+            </a:r>
+            <a:r>
+              <a:rPr lang="ja-JP" altLang="en-US" dirty="0" smtClean="0"/>
+              <a:t>をコードジェネレート機能と本研究では呼ぶ。</a:t>
             </a:r>
             <a:endParaRPr lang="en-US" altLang="ja-JP" dirty="0" smtClean="0"/>
           </a:p>
@@ -5233,6 +5513,13 @@
   <p:clrMapOvr>
     <a:masterClrMapping/>
   </p:clrMapOvr>
+  <p:timing>
+    <p:tnLst>
+      <p:par>
+        <p:cTn id="1" dur="indefinite" restart="never" nodeType="tmRoot"/>
+      </p:par>
+    </p:tnLst>
+  </p:timing>
 </p:sld>
 </file>
 
@@ -5292,7 +5579,19 @@
           <a:p>
             <a:r>
               <a:rPr kumimoji="1" lang="ja-JP" altLang="en-US" dirty="0" smtClean="0"/>
-              <a:t>本研究の目的は、学生向けに論理的思考を身に着けるための学習支援として、ブロックプログラミングを利用し、プログラムの動きについて、理解を深めることができる環境を作成することを目的とする</a:t>
+              <a:t>本研究の目的は、学生向けに論理的思考を身に着けるための学習支援として、ブロックプログラミングを利用</a:t>
+            </a:r>
+            <a:r>
+              <a:rPr kumimoji="1" lang="ja-JP" altLang="en-US" dirty="0" smtClean="0"/>
+              <a:t>し、</a:t>
+            </a:r>
+            <a:r>
+              <a:rPr kumimoji="1" lang="ja-JP" altLang="en-US" dirty="0" smtClean="0"/>
+              <a:t>理解を深めることができる環境を作成することを目的と</a:t>
+            </a:r>
+            <a:r>
+              <a:rPr kumimoji="1" lang="ja-JP" altLang="en-US" dirty="0" smtClean="0"/>
+              <a:t>する。</a:t>
             </a:r>
             <a:endParaRPr kumimoji="1" lang="ja-JP" altLang="en-US" dirty="0"/>
           </a:p>
@@ -5331,6 +5630,13 @@
   <p:clrMapOvr>
     <a:masterClrMapping/>
   </p:clrMapOvr>
+  <p:timing>
+    <p:tnLst>
+      <p:par>
+        <p:cTn id="1" dur="indefinite" restart="never" nodeType="tmRoot"/>
+      </p:par>
+    </p:tnLst>
+  </p:timing>
 </p:sld>
 </file>
 
@@ -5390,18 +5696,49 @@
           <a:p>
             <a:r>
               <a:rPr lang="ja-JP" altLang="en-US" dirty="0" smtClean="0"/>
-              <a:t>ブロックプログラミング</a:t>
+              <a:t>ブロックプログラミングによって論理的な動きを視覚的に理解できるシステムの提案</a:t>
+            </a:r>
+            <a:endParaRPr lang="en-US" altLang="ja-JP" dirty="0" smtClean="0"/>
+          </a:p>
+          <a:p>
+            <a:r>
+              <a:rPr lang="ja-JP" altLang="en-US" smtClean="0"/>
+              <a:t>ブロックリー</a:t>
             </a:r>
             <a:r>
               <a:rPr lang="ja-JP" altLang="en-US" dirty="0"/>
-              <a:t>からブロックリーによるコードへの変換を利用し、プログラミング言語への理解を深められるシステムを提案</a:t>
+              <a:t>に</a:t>
+            </a:r>
+            <a:r>
+              <a:rPr lang="ja-JP" altLang="en-US" dirty="0" smtClean="0"/>
+              <a:t>よる</a:t>
+            </a:r>
+            <a:r>
+              <a:rPr lang="ja-JP" altLang="en-US" dirty="0"/>
+              <a:t>コードジェネレート機能</a:t>
+            </a:r>
+            <a:r>
+              <a:rPr lang="ja-JP" altLang="en-US" dirty="0" smtClean="0"/>
+              <a:t>を</a:t>
+            </a:r>
+            <a:r>
+              <a:rPr lang="ja-JP" altLang="en-US" dirty="0"/>
+              <a:t>利用し、プログラミング言語への理解を深められるシステムを</a:t>
+            </a:r>
+            <a:r>
+              <a:rPr lang="ja-JP" altLang="en-US" dirty="0" smtClean="0"/>
+              <a:t>提案。</a:t>
             </a:r>
             <a:endParaRPr lang="en-US" altLang="ja-JP" dirty="0"/>
           </a:p>
           <a:p>
             <a:r>
               <a:rPr lang="ja-JP" altLang="en-US" dirty="0"/>
-              <a:t>穴埋め問題などを利用し、よりプログラミングにユーザが慣れていける環境を提案</a:t>
+              <a:t>穴埋め問題などを利用し、よりプログラミングにユーザが慣れていける環境を</a:t>
+            </a:r>
+            <a:r>
+              <a:rPr lang="ja-JP" altLang="en-US" dirty="0" smtClean="0"/>
+              <a:t>提案。</a:t>
             </a:r>
             <a:endParaRPr lang="en-US" altLang="ja-JP" dirty="0"/>
           </a:p>
@@ -5443,6 +5780,13 @@
   <p:clrMapOvr>
     <a:masterClrMapping/>
   </p:clrMapOvr>
+  <p:timing>
+    <p:tnLst>
+      <p:par>
+        <p:cTn id="1" dur="indefinite" restart="never" nodeType="tmRoot"/>
+      </p:par>
+    </p:tnLst>
+  </p:timing>
 </p:sld>
 </file>
 
@@ -5502,7 +5846,11 @@
           <a:p>
             <a:r>
               <a:rPr lang="ja-JP" altLang="en-US" dirty="0" smtClean="0"/>
-              <a:t>問題を作成するアルゴリズムを生成する</a:t>
+              <a:t>問題を作成するアルゴリズムを生成</a:t>
+            </a:r>
+            <a:r>
+              <a:rPr lang="ja-JP" altLang="en-US" dirty="0" smtClean="0"/>
+              <a:t>する。</a:t>
             </a:r>
             <a:endParaRPr lang="en-US" altLang="ja-JP" dirty="0" smtClean="0"/>
           </a:p>
@@ -5512,7 +5860,11 @@
           <a:p>
             <a:r>
               <a:rPr kumimoji="1" lang="ja-JP" altLang="en-US" dirty="0" smtClean="0"/>
-              <a:t>論理的思考を身に着けるための問題を解くためのプロセスについて、小学生でもわかりやすい範囲でのフローチャートの表示など作成予定</a:t>
+              <a:t>論理的思考を身に着けるための問題を解くためのプロセスについて、小学生でもわかりやすい範囲でのフローチャートの表示など作成</a:t>
+            </a:r>
+            <a:r>
+              <a:rPr kumimoji="1" lang="ja-JP" altLang="en-US" dirty="0" smtClean="0"/>
+              <a:t>予定。</a:t>
             </a:r>
             <a:endParaRPr lang="en-US" altLang="ja-JP" dirty="0"/>
           </a:p>
@@ -5523,7 +5875,11 @@
             </a:r>
             <a:r>
               <a:rPr lang="ja-JP" altLang="en-US" dirty="0" smtClean="0"/>
-              <a:t>もの作成予定</a:t>
+              <a:t>もの作成</a:t>
+            </a:r>
+            <a:r>
+              <a:rPr lang="ja-JP" altLang="en-US" dirty="0" smtClean="0"/>
+              <a:t>予定。</a:t>
             </a:r>
             <a:endParaRPr kumimoji="1" lang="ja-JP" altLang="en-US" dirty="0"/>
           </a:p>
@@ -6085,4 +6441,265 @@
     </a:ext>
   </a:extLst>
 </a:theme>
+</file>
+
+<file path=ppt/theme/theme3.xml><?xml version="1.0" encoding="utf-8"?>
+<a:theme xmlns:a="http://schemas.openxmlformats.org/drawingml/2006/main" name="Office テーマ">
+  <a:themeElements>
+    <a:clrScheme name="Office">
+      <a:dk1>
+        <a:sysClr val="windowText" lastClr="000000"/>
+      </a:dk1>
+      <a:lt1>
+        <a:sysClr val="window" lastClr="FFFFFF"/>
+      </a:lt1>
+      <a:dk2>
+        <a:srgbClr val="44546A"/>
+      </a:dk2>
+      <a:lt2>
+        <a:srgbClr val="E7E6E6"/>
+      </a:lt2>
+      <a:accent1>
+        <a:srgbClr val="5B9BD5"/>
+      </a:accent1>
+      <a:accent2>
+        <a:srgbClr val="ED7D31"/>
+      </a:accent2>
+      <a:accent3>
+        <a:srgbClr val="A5A5A5"/>
+      </a:accent3>
+      <a:accent4>
+        <a:srgbClr val="FFC000"/>
+      </a:accent4>
+      <a:accent5>
+        <a:srgbClr val="4472C4"/>
+      </a:accent5>
+      <a:accent6>
+        <a:srgbClr val="70AD47"/>
+      </a:accent6>
+      <a:hlink>
+        <a:srgbClr val="0563C1"/>
+      </a:hlink>
+      <a:folHlink>
+        <a:srgbClr val="954F72"/>
+      </a:folHlink>
+    </a:clrScheme>
+    <a:fontScheme name="Office">
+      <a:majorFont>
+        <a:latin typeface="游ゴシック Light" panose="020F0302020204030204"/>
+        <a:ea typeface=""/>
+        <a:cs typeface=""/>
+        <a:font script="Jpan" typeface="游ゴシック Light"/>
+        <a:font script="Hang" typeface="맑은 고딕"/>
+        <a:font script="Hans" typeface="等线 Light"/>
+        <a:font script="Hant" typeface="新細明體"/>
+        <a:font script="Arab" typeface="Times New Roman"/>
+        <a:font script="Hebr" typeface="Times New Roman"/>
+        <a:font script="Thai" typeface="Angsana New"/>
+        <a:font script="Ethi" typeface="Nyala"/>
+        <a:font script="Beng" typeface="Vrinda"/>
+        <a:font script="Gujr" typeface="Shruti"/>
+        <a:font script="Khmr" typeface="MoolBoran"/>
+        <a:font script="Knda" typeface="Tunga"/>
+        <a:font script="Guru" typeface="Raavi"/>
+        <a:font script="Cans" typeface="Euphemia"/>
+        <a:font script="Cher" typeface="Plantagenet Cherokee"/>
+        <a:font script="Yiii" typeface="Microsoft Yi Baiti"/>
+        <a:font script="Tibt" typeface="Microsoft Himalaya"/>
+        <a:font script="Thaa" typeface="MV Boli"/>
+        <a:font script="Deva" typeface="Mangal"/>
+        <a:font script="Telu" typeface="Gautami"/>
+        <a:font script="Taml" typeface="Latha"/>
+        <a:font script="Syrc" typeface="Estrangelo Edessa"/>
+        <a:font script="Orya" typeface="Kalinga"/>
+        <a:font script="Mlym" typeface="Kartika"/>
+        <a:font script="Laoo" typeface="DokChampa"/>
+        <a:font script="Sinh" typeface="Iskoola Pota"/>
+        <a:font script="Mong" typeface="Mongolian Baiti"/>
+        <a:font script="Viet" typeface="Times New Roman"/>
+        <a:font script="Uigh" typeface="Microsoft Uighur"/>
+        <a:font script="Geor" typeface="Sylfaen"/>
+      </a:majorFont>
+      <a:minorFont>
+        <a:latin typeface="游ゴシック" panose="020F0502020204030204"/>
+        <a:ea typeface=""/>
+        <a:cs typeface=""/>
+        <a:font script="Jpan" typeface="游ゴシック"/>
+        <a:font script="Hang" typeface="맑은 고딕"/>
+        <a:font script="Hans" typeface="等线"/>
+        <a:font script="Hant" typeface="新細明體"/>
+        <a:font script="Arab" typeface="Arial"/>
+        <a:font script="Hebr" typeface="Arial"/>
+        <a:font script="Thai" typeface="Cordia New"/>
+        <a:font script="Ethi" typeface="Nyala"/>
+        <a:font script="Beng" typeface="Vrinda"/>
+        <a:font script="Gujr" typeface="Shruti"/>
+        <a:font script="Khmr" typeface="DaunPenh"/>
+        <a:font script="Knda" typeface="Tunga"/>
+        <a:font script="Guru" typeface="Raavi"/>
+        <a:font script="Cans" typeface="Euphemia"/>
+        <a:font script="Cher" typeface="Plantagenet Cherokee"/>
+        <a:font script="Yiii" typeface="Microsoft Yi Baiti"/>
+        <a:font script="Tibt" typeface="Microsoft Himalaya"/>
+        <a:font script="Thaa" typeface="MV Boli"/>
+        <a:font script="Deva" typeface="Mangal"/>
+        <a:font script="Telu" typeface="Gautami"/>
+        <a:font script="Taml" typeface="Latha"/>
+        <a:font script="Syrc" typeface="Estrangelo Edessa"/>
+        <a:font script="Orya" typeface="Kalinga"/>
+        <a:font script="Mlym" typeface="Kartika"/>
+        <a:font script="Laoo" typeface="DokChampa"/>
+        <a:font script="Sinh" typeface="Iskoola Pota"/>
+        <a:font script="Mong" typeface="Mongolian Baiti"/>
+        <a:font script="Viet" typeface="Arial"/>
+        <a:font script="Uigh" typeface="Microsoft Uighur"/>
+        <a:font script="Geor" typeface="Sylfaen"/>
+      </a:minorFont>
+    </a:fontScheme>
+    <a:fmtScheme name="Office">
+      <a:fillStyleLst>
+        <a:solidFill>
+          <a:schemeClr val="phClr"/>
+        </a:solidFill>
+        <a:gradFill rotWithShape="1">
+          <a:gsLst>
+            <a:gs pos="0">
+              <a:schemeClr val="phClr">
+                <a:lumMod val="110000"/>
+                <a:satMod val="105000"/>
+                <a:tint val="67000"/>
+              </a:schemeClr>
+            </a:gs>
+            <a:gs pos="50000">
+              <a:schemeClr val="phClr">
+                <a:lumMod val="105000"/>
+                <a:satMod val="103000"/>
+                <a:tint val="73000"/>
+              </a:schemeClr>
+            </a:gs>
+            <a:gs pos="100000">
+              <a:schemeClr val="phClr">
+                <a:lumMod val="105000"/>
+                <a:satMod val="109000"/>
+                <a:tint val="81000"/>
+              </a:schemeClr>
+            </a:gs>
+          </a:gsLst>
+          <a:lin ang="5400000" scaled="0"/>
+        </a:gradFill>
+        <a:gradFill rotWithShape="1">
+          <a:gsLst>
+            <a:gs pos="0">
+              <a:schemeClr val="phClr">
+                <a:satMod val="103000"/>
+                <a:lumMod val="102000"/>
+                <a:tint val="94000"/>
+              </a:schemeClr>
+            </a:gs>
+            <a:gs pos="50000">
+              <a:schemeClr val="phClr">
+                <a:satMod val="110000"/>
+                <a:lumMod val="100000"/>
+                <a:shade val="100000"/>
+              </a:schemeClr>
+            </a:gs>
+            <a:gs pos="100000">
+              <a:schemeClr val="phClr">
+                <a:lumMod val="99000"/>
+                <a:satMod val="120000"/>
+                <a:shade val="78000"/>
+              </a:schemeClr>
+            </a:gs>
+          </a:gsLst>
+          <a:lin ang="5400000" scaled="0"/>
+        </a:gradFill>
+      </a:fillStyleLst>
+      <a:lnStyleLst>
+        <a:ln w="6350" cap="flat" cmpd="sng" algn="ctr">
+          <a:solidFill>
+            <a:schemeClr val="phClr"/>
+          </a:solidFill>
+          <a:prstDash val="solid"/>
+          <a:miter lim="800000"/>
+        </a:ln>
+        <a:ln w="12700" cap="flat" cmpd="sng" algn="ctr">
+          <a:solidFill>
+            <a:schemeClr val="phClr"/>
+          </a:solidFill>
+          <a:prstDash val="solid"/>
+          <a:miter lim="800000"/>
+        </a:ln>
+        <a:ln w="19050" cap="flat" cmpd="sng" algn="ctr">
+          <a:solidFill>
+            <a:schemeClr val="phClr"/>
+          </a:solidFill>
+          <a:prstDash val="solid"/>
+          <a:miter lim="800000"/>
+        </a:ln>
+      </a:lnStyleLst>
+      <a:effectStyleLst>
+        <a:effectStyle>
+          <a:effectLst/>
+        </a:effectStyle>
+        <a:effectStyle>
+          <a:effectLst/>
+        </a:effectStyle>
+        <a:effectStyle>
+          <a:effectLst>
+            <a:outerShdw blurRad="57150" dist="19050" dir="5400000" algn="ctr" rotWithShape="0">
+              <a:srgbClr val="000000">
+                <a:alpha val="63000"/>
+              </a:srgbClr>
+            </a:outerShdw>
+          </a:effectLst>
+        </a:effectStyle>
+      </a:effectStyleLst>
+      <a:bgFillStyleLst>
+        <a:solidFill>
+          <a:schemeClr val="phClr"/>
+        </a:solidFill>
+        <a:solidFill>
+          <a:schemeClr val="phClr">
+            <a:tint val="95000"/>
+            <a:satMod val="170000"/>
+          </a:schemeClr>
+        </a:solidFill>
+        <a:gradFill rotWithShape="1">
+          <a:gsLst>
+            <a:gs pos="0">
+              <a:schemeClr val="phClr">
+                <a:tint val="93000"/>
+                <a:satMod val="150000"/>
+                <a:shade val="98000"/>
+                <a:lumMod val="102000"/>
+              </a:schemeClr>
+            </a:gs>
+            <a:gs pos="50000">
+              <a:schemeClr val="phClr">
+                <a:tint val="98000"/>
+                <a:satMod val="130000"/>
+                <a:shade val="90000"/>
+                <a:lumMod val="103000"/>
+              </a:schemeClr>
+            </a:gs>
+            <a:gs pos="100000">
+              <a:schemeClr val="phClr">
+                <a:shade val="63000"/>
+                <a:satMod val="120000"/>
+              </a:schemeClr>
+            </a:gs>
+          </a:gsLst>
+          <a:lin ang="5400000" scaled="0"/>
+        </a:gradFill>
+      </a:bgFillStyleLst>
+    </a:fmtScheme>
+  </a:themeElements>
+  <a:objectDefaults/>
+  <a:extraClrSchemeLst/>
+  <a:extLst>
+    <a:ext uri="{05A4C25C-085E-4340-85A3-A5531E510DB2}">
+      <thm15:themeFamily xmlns:thm15="http://schemas.microsoft.com/office/thememl/2012/main" name="Office Theme" id="{62F939B6-93AF-4DB8-9C6B-D6C7DFDC589F}" vid="{4A3C46E8-61CC-4603-A589-7422A47A8E4A}"/>
+    </a:ext>
+  </a:extLst>
+</a:theme>
 </file>
--- a/1821121_shimaoka_tyuukan.pptx
+++ b/1821121_shimaoka_tyuukan.pptx
@@ -5,22 +5,23 @@
     <p:sldMasterId id="2147483660" r:id="rId1"/>
   </p:sldMasterIdLst>
   <p:notesMasterIdLst>
-    <p:notesMasterId r:id="rId12"/>
+    <p:notesMasterId r:id="rId13"/>
   </p:notesMasterIdLst>
   <p:handoutMasterIdLst>
-    <p:handoutMasterId r:id="rId13"/>
+    <p:handoutMasterId r:id="rId14"/>
   </p:handoutMasterIdLst>
   <p:sldIdLst>
     <p:sldId id="256" r:id="rId2"/>
     <p:sldId id="257" r:id="rId3"/>
-    <p:sldId id="258" r:id="rId4"/>
-    <p:sldId id="259" r:id="rId5"/>
-    <p:sldId id="260" r:id="rId6"/>
+    <p:sldId id="260" r:id="rId4"/>
+    <p:sldId id="258" r:id="rId5"/>
+    <p:sldId id="259" r:id="rId6"/>
     <p:sldId id="262" r:id="rId7"/>
-    <p:sldId id="261" r:id="rId8"/>
-    <p:sldId id="263" r:id="rId9"/>
-    <p:sldId id="264" r:id="rId10"/>
-    <p:sldId id="265" r:id="rId11"/>
+    <p:sldId id="265" r:id="rId8"/>
+    <p:sldId id="261" r:id="rId9"/>
+    <p:sldId id="263" r:id="rId10"/>
+    <p:sldId id="266" r:id="rId11"/>
+    <p:sldId id="264" r:id="rId12"/>
   </p:sldIdLst>
   <p:sldSz cx="9144000" cy="6858000" type="screen4x3"/>
   <p:notesSz cx="6858000" cy="9144000"/>
@@ -123,6 +124,9 @@
     <p:ext uri="{EFAFB233-063F-42B5-8137-9DF3F51BA10A}">
       <p15:sldGuideLst xmlns:p15="http://schemas.microsoft.com/office/powerpoint/2012/main"/>
     </p:ext>
+    <p:ext uri="{2D200454-40CA-4A62-9FC3-DE9A4176ACB9}">
+      <p15:notesGuideLst xmlns:p15="http://schemas.microsoft.com/office/powerpoint/2012/main"/>
+    </p:ext>
   </p:extLst>
 </p:presentation>
 </file>
@@ -205,7 +209,7 @@
             </a:lvl1pPr>
           </a:lstStyle>
           <a:p>
-            <a:endParaRPr kumimoji="1" lang="ja-JP" altLang="en-US"/>
+            <a:endParaRPr kumimoji="1" lang="ja-JP" altLang="en-US" dirty="0"/>
           </a:p>
         </p:txBody>
       </p:sp>
@@ -238,9 +242,9 @@
           <a:p>
             <a:fld id="{4D62F260-72E3-4D76-A7C3-2EDF244737A6}" type="datetimeFigureOut">
               <a:rPr kumimoji="1" lang="ja-JP" altLang="en-US" smtClean="0"/>
-              <a:t>2021/7/21</a:t>
+              <a:t>2021/7/22</a:t>
             </a:fld>
-            <a:endParaRPr kumimoji="1" lang="ja-JP" altLang="en-US"/>
+            <a:endParaRPr kumimoji="1" lang="ja-JP" altLang="en-US" dirty="0"/>
           </a:p>
         </p:txBody>
       </p:sp>
@@ -271,7 +275,7 @@
             </a:lvl1pPr>
           </a:lstStyle>
           <a:p>
-            <a:endParaRPr kumimoji="1" lang="ja-JP" altLang="en-US"/>
+            <a:endParaRPr kumimoji="1" lang="ja-JP" altLang="en-US" dirty="0"/>
           </a:p>
         </p:txBody>
       </p:sp>
@@ -306,7 +310,7 @@
               <a:rPr kumimoji="1" lang="ja-JP" altLang="en-US" smtClean="0"/>
               <a:t>‹#›</a:t>
             </a:fld>
-            <a:endParaRPr kumimoji="1" lang="ja-JP" altLang="en-US"/>
+            <a:endParaRPr kumimoji="1" lang="ja-JP" altLang="en-US" dirty="0"/>
           </a:p>
         </p:txBody>
       </p:sp>
@@ -370,7 +374,7 @@
             </a:lvl1pPr>
           </a:lstStyle>
           <a:p>
-            <a:endParaRPr kumimoji="1" lang="ja-JP" altLang="en-US"/>
+            <a:endParaRPr kumimoji="1" lang="ja-JP" altLang="en-US" dirty="0"/>
           </a:p>
         </p:txBody>
       </p:sp>
@@ -403,9 +407,9 @@
           <a:p>
             <a:fld id="{27571B5F-C8EC-4379-AD76-80FD414F3861}" type="datetimeFigureOut">
               <a:rPr kumimoji="1" lang="ja-JP" altLang="en-US" smtClean="0"/>
-              <a:t>2021/7/21</a:t>
+              <a:t>2021/7/22</a:t>
             </a:fld>
-            <a:endParaRPr kumimoji="1" lang="ja-JP" altLang="en-US"/>
+            <a:endParaRPr kumimoji="1" lang="ja-JP" altLang="en-US" dirty="0"/>
           </a:p>
         </p:txBody>
       </p:sp>
@@ -438,7 +442,7 @@
           <a:bodyPr vert="horz" lIns="91440" tIns="45720" rIns="91440" bIns="45720" rtlCol="0" anchor="ctr"/>
           <a:lstStyle/>
           <a:p>
-            <a:endParaRPr lang="ja-JP" altLang="en-US"/>
+            <a:endParaRPr lang="ja-JP" altLang="en-US" dirty="0"/>
           </a:p>
         </p:txBody>
       </p:sp>
@@ -560,7 +564,7 @@
             </a:lvl1pPr>
           </a:lstStyle>
           <a:p>
-            <a:endParaRPr kumimoji="1" lang="ja-JP" altLang="en-US"/>
+            <a:endParaRPr kumimoji="1" lang="ja-JP" altLang="en-US" dirty="0"/>
           </a:p>
         </p:txBody>
       </p:sp>
@@ -595,7 +599,7 @@
               <a:rPr kumimoji="1" lang="ja-JP" altLang="en-US" smtClean="0"/>
               <a:t>‹#›</a:t>
             </a:fld>
-            <a:endParaRPr kumimoji="1" lang="ja-JP" altLang="en-US"/>
+            <a:endParaRPr kumimoji="1" lang="ja-JP" altLang="en-US" dirty="0"/>
           </a:p>
         </p:txBody>
       </p:sp>
@@ -751,7 +755,7 @@
           <a:bodyPr/>
           <a:lstStyle/>
           <a:p>
-            <a:endParaRPr kumimoji="1" lang="ja-JP" altLang="en-US"/>
+            <a:endParaRPr kumimoji="1" lang="ja-JP" altLang="en-US" dirty="0"/>
           </a:p>
         </p:txBody>
       </p:sp>
@@ -774,7 +778,7 @@
               <a:rPr kumimoji="1" lang="ja-JP" altLang="en-US" smtClean="0"/>
               <a:t>1</a:t>
             </a:fld>
-            <a:endParaRPr kumimoji="1" lang="ja-JP" altLang="en-US"/>
+            <a:endParaRPr kumimoji="1" lang="ja-JP" altLang="en-US" dirty="0"/>
           </a:p>
         </p:txBody>
       </p:sp>
@@ -858,7 +862,7 @@
               <a:rPr kumimoji="1" lang="ja-JP" altLang="en-US" smtClean="0"/>
               <a:t>2</a:t>
             </a:fld>
-            <a:endParaRPr kumimoji="1" lang="ja-JP" altLang="en-US"/>
+            <a:endParaRPr kumimoji="1" lang="ja-JP" altLang="en-US" dirty="0"/>
           </a:p>
         </p:txBody>
       </p:sp>
@@ -980,9 +984,9 @@
           <a:p>
             <a:fld id="{9D828324-DCC9-430F-AD2C-1DD1805E2C40}" type="slidenum">
               <a:rPr kumimoji="1" lang="ja-JP" altLang="en-US" smtClean="0"/>
-              <a:t>4</a:t>
+              <a:t>5</a:t>
             </a:fld>
-            <a:endParaRPr kumimoji="1" lang="ja-JP" altLang="en-US"/>
+            <a:endParaRPr kumimoji="1" lang="ja-JP" altLang="en-US" dirty="0"/>
           </a:p>
         </p:txBody>
       </p:sp>
@@ -990,6 +994,174 @@
     <p:extLst>
       <p:ext uri="{BB962C8B-B14F-4D97-AF65-F5344CB8AC3E}">
         <p14:creationId xmlns:p14="http://schemas.microsoft.com/office/powerpoint/2010/main" val="364110076"/>
+      </p:ext>
+    </p:extLst>
+  </p:cSld>
+  <p:clrMapOvr>
+    <a:masterClrMapping/>
+  </p:clrMapOvr>
+</p:notes>
+</file>
+
+<file path=ppt/notesSlides/notesSlide4.xml><?xml version="1.0" encoding="utf-8"?>
+<p:notes xmlns:a="http://schemas.openxmlformats.org/drawingml/2006/main" xmlns:r="http://schemas.openxmlformats.org/officeDocument/2006/relationships" xmlns:p="http://schemas.openxmlformats.org/presentationml/2006/main">
+  <p:cSld>
+    <p:spTree>
+      <p:nvGrpSpPr>
+        <p:cNvPr id="1" name=""/>
+        <p:cNvGrpSpPr/>
+        <p:nvPr/>
+      </p:nvGrpSpPr>
+      <p:grpSpPr>
+        <a:xfrm>
+          <a:off x="0" y="0"/>
+          <a:ext cx="0" cy="0"/>
+          <a:chOff x="0" y="0"/>
+          <a:chExt cx="0" cy="0"/>
+        </a:xfrm>
+      </p:grpSpPr>
+      <p:sp>
+        <p:nvSpPr>
+          <p:cNvPr id="2" name="スライド イメージ プレースホルダー 1"/>
+          <p:cNvSpPr>
+            <a:spLocks noGrp="1" noRot="1" noChangeAspect="1"/>
+          </p:cNvSpPr>
+          <p:nvPr>
+            <p:ph type="sldImg"/>
+          </p:nvPr>
+        </p:nvSpPr>
+        <p:spPr/>
+      </p:sp>
+      <p:sp>
+        <p:nvSpPr>
+          <p:cNvPr id="3" name="ノート プレースホルダー 2"/>
+          <p:cNvSpPr>
+            <a:spLocks noGrp="1"/>
+          </p:cNvSpPr>
+          <p:nvPr>
+            <p:ph type="body" idx="1"/>
+          </p:nvPr>
+        </p:nvSpPr>
+        <p:spPr/>
+        <p:txBody>
+          <a:bodyPr/>
+          <a:lstStyle/>
+          <a:p>
+            <a:endParaRPr kumimoji="1" lang="ja-JP" altLang="en-US" dirty="0"/>
+          </a:p>
+        </p:txBody>
+      </p:sp>
+      <p:sp>
+        <p:nvSpPr>
+          <p:cNvPr id="4" name="スライド番号プレースホルダー 3"/>
+          <p:cNvSpPr>
+            <a:spLocks noGrp="1"/>
+          </p:cNvSpPr>
+          <p:nvPr>
+            <p:ph type="sldNum" sz="quarter" idx="10"/>
+          </p:nvPr>
+        </p:nvSpPr>
+        <p:spPr/>
+        <p:txBody>
+          <a:bodyPr/>
+          <a:lstStyle/>
+          <a:p>
+            <a:fld id="{9D828324-DCC9-430F-AD2C-1DD1805E2C40}" type="slidenum">
+              <a:rPr kumimoji="1" lang="ja-JP" altLang="en-US" smtClean="0"/>
+              <a:t>9</a:t>
+            </a:fld>
+            <a:endParaRPr kumimoji="1" lang="ja-JP" altLang="en-US" dirty="0"/>
+          </a:p>
+        </p:txBody>
+      </p:sp>
+    </p:spTree>
+    <p:extLst>
+      <p:ext uri="{BB962C8B-B14F-4D97-AF65-F5344CB8AC3E}">
+        <p14:creationId xmlns:p14="http://schemas.microsoft.com/office/powerpoint/2010/main" val="2128498725"/>
+      </p:ext>
+    </p:extLst>
+  </p:cSld>
+  <p:clrMapOvr>
+    <a:masterClrMapping/>
+  </p:clrMapOvr>
+</p:notes>
+</file>
+
+<file path=ppt/notesSlides/notesSlide5.xml><?xml version="1.0" encoding="utf-8"?>
+<p:notes xmlns:a="http://schemas.openxmlformats.org/drawingml/2006/main" xmlns:r="http://schemas.openxmlformats.org/officeDocument/2006/relationships" xmlns:p="http://schemas.openxmlformats.org/presentationml/2006/main">
+  <p:cSld>
+    <p:spTree>
+      <p:nvGrpSpPr>
+        <p:cNvPr id="1" name=""/>
+        <p:cNvGrpSpPr/>
+        <p:nvPr/>
+      </p:nvGrpSpPr>
+      <p:grpSpPr>
+        <a:xfrm>
+          <a:off x="0" y="0"/>
+          <a:ext cx="0" cy="0"/>
+          <a:chOff x="0" y="0"/>
+          <a:chExt cx="0" cy="0"/>
+        </a:xfrm>
+      </p:grpSpPr>
+      <p:sp>
+        <p:nvSpPr>
+          <p:cNvPr id="2" name="スライド イメージ プレースホルダー 1"/>
+          <p:cNvSpPr>
+            <a:spLocks noGrp="1" noRot="1" noChangeAspect="1"/>
+          </p:cNvSpPr>
+          <p:nvPr>
+            <p:ph type="sldImg"/>
+          </p:nvPr>
+        </p:nvSpPr>
+        <p:spPr/>
+      </p:sp>
+      <p:sp>
+        <p:nvSpPr>
+          <p:cNvPr id="3" name="ノート プレースホルダー 2"/>
+          <p:cNvSpPr>
+            <a:spLocks noGrp="1"/>
+          </p:cNvSpPr>
+          <p:nvPr>
+            <p:ph type="body" idx="1"/>
+          </p:nvPr>
+        </p:nvSpPr>
+        <p:spPr/>
+        <p:txBody>
+          <a:bodyPr/>
+          <a:lstStyle/>
+          <a:p>
+            <a:endParaRPr kumimoji="1" lang="ja-JP" altLang="en-US" dirty="0"/>
+          </a:p>
+        </p:txBody>
+      </p:sp>
+      <p:sp>
+        <p:nvSpPr>
+          <p:cNvPr id="4" name="スライド番号プレースホルダー 3"/>
+          <p:cNvSpPr>
+            <a:spLocks noGrp="1"/>
+          </p:cNvSpPr>
+          <p:nvPr>
+            <p:ph type="sldNum" sz="quarter" idx="10"/>
+          </p:nvPr>
+        </p:nvSpPr>
+        <p:spPr/>
+        <p:txBody>
+          <a:bodyPr/>
+          <a:lstStyle/>
+          <a:p>
+            <a:fld id="{9D828324-DCC9-430F-AD2C-1DD1805E2C40}" type="slidenum">
+              <a:rPr kumimoji="1" lang="ja-JP" altLang="en-US" smtClean="0"/>
+              <a:t>10</a:t>
+            </a:fld>
+            <a:endParaRPr kumimoji="1" lang="ja-JP" altLang="en-US" dirty="0"/>
+          </a:p>
+        </p:txBody>
+      </p:sp>
+    </p:spTree>
+    <p:extLst>
+      <p:ext uri="{BB962C8B-B14F-4D97-AF65-F5344CB8AC3E}">
+        <p14:creationId xmlns:p14="http://schemas.microsoft.com/office/powerpoint/2010/main" val="2799924096"/>
       </p:ext>
     </p:extLst>
   </p:cSld>
@@ -1130,9 +1302,9 @@
           <a:p>
             <a:fld id="{C335E573-B421-42F4-AB5C-2F3D82120347}" type="datetime1">
               <a:rPr kumimoji="1" lang="ja-JP" altLang="en-US" smtClean="0"/>
-              <a:t>2021/7/21</a:t>
+              <a:t>2021/7/22</a:t>
             </a:fld>
-            <a:endParaRPr kumimoji="1" lang="ja-JP" altLang="en-US"/>
+            <a:endParaRPr kumimoji="1" lang="ja-JP" altLang="en-US" dirty="0"/>
           </a:p>
         </p:txBody>
       </p:sp>
@@ -1151,7 +1323,7 @@
           <a:bodyPr/>
           <a:lstStyle/>
           <a:p>
-            <a:endParaRPr kumimoji="1" lang="ja-JP" altLang="en-US"/>
+            <a:endParaRPr kumimoji="1" lang="ja-JP" altLang="en-US" dirty="0"/>
           </a:p>
         </p:txBody>
       </p:sp>
@@ -1333,9 +1505,9 @@
           <a:p>
             <a:fld id="{6C0E558A-98ED-43ED-A5EF-95B14F8C4104}" type="datetime1">
               <a:rPr kumimoji="1" lang="ja-JP" altLang="en-US" smtClean="0"/>
-              <a:t>2021/7/21</a:t>
+              <a:t>2021/7/22</a:t>
             </a:fld>
-            <a:endParaRPr kumimoji="1" lang="ja-JP" altLang="en-US"/>
+            <a:endParaRPr kumimoji="1" lang="ja-JP" altLang="en-US" dirty="0"/>
           </a:p>
         </p:txBody>
       </p:sp>
@@ -1354,7 +1526,7 @@
           <a:bodyPr/>
           <a:lstStyle/>
           <a:p>
-            <a:endParaRPr kumimoji="1" lang="ja-JP" altLang="en-US"/>
+            <a:endParaRPr kumimoji="1" lang="ja-JP" altLang="en-US" dirty="0"/>
           </a:p>
         </p:txBody>
       </p:sp>
@@ -1546,9 +1718,9 @@
           <a:p>
             <a:fld id="{8EFF5399-0718-4B2B-97EA-56D755853484}" type="datetime1">
               <a:rPr kumimoji="1" lang="ja-JP" altLang="en-US" smtClean="0"/>
-              <a:t>2021/7/21</a:t>
+              <a:t>2021/7/22</a:t>
             </a:fld>
-            <a:endParaRPr kumimoji="1" lang="ja-JP" altLang="en-US"/>
+            <a:endParaRPr kumimoji="1" lang="ja-JP" altLang="en-US" dirty="0"/>
           </a:p>
         </p:txBody>
       </p:sp>
@@ -1567,7 +1739,7 @@
           <a:bodyPr/>
           <a:lstStyle/>
           <a:p>
-            <a:endParaRPr kumimoji="1" lang="ja-JP" altLang="en-US"/>
+            <a:endParaRPr kumimoji="1" lang="ja-JP" altLang="en-US" dirty="0"/>
           </a:p>
         </p:txBody>
       </p:sp>
@@ -1749,9 +1921,9 @@
           <a:p>
             <a:fld id="{E364310B-A730-4FDD-A52E-FCDA0D9CD090}" type="datetime1">
               <a:rPr kumimoji="1" lang="ja-JP" altLang="en-US" smtClean="0"/>
-              <a:t>2021/7/21</a:t>
+              <a:t>2021/7/22</a:t>
             </a:fld>
-            <a:endParaRPr kumimoji="1" lang="ja-JP" altLang="en-US"/>
+            <a:endParaRPr kumimoji="1" lang="ja-JP" altLang="en-US" dirty="0"/>
           </a:p>
         </p:txBody>
       </p:sp>
@@ -1770,7 +1942,7 @@
           <a:bodyPr/>
           <a:lstStyle/>
           <a:p>
-            <a:endParaRPr kumimoji="1" lang="ja-JP" altLang="en-US"/>
+            <a:endParaRPr kumimoji="1" lang="ja-JP" altLang="en-US" dirty="0"/>
           </a:p>
         </p:txBody>
       </p:sp>
@@ -1994,9 +2166,9 @@
           <a:p>
             <a:fld id="{9EFF9BB4-F462-4009-9CDB-BE51CDCE36D2}" type="datetime1">
               <a:rPr kumimoji="1" lang="ja-JP" altLang="en-US" smtClean="0"/>
-              <a:t>2021/7/21</a:t>
+              <a:t>2021/7/22</a:t>
             </a:fld>
-            <a:endParaRPr kumimoji="1" lang="ja-JP" altLang="en-US"/>
+            <a:endParaRPr kumimoji="1" lang="ja-JP" altLang="en-US" dirty="0"/>
           </a:p>
         </p:txBody>
       </p:sp>
@@ -2015,7 +2187,7 @@
           <a:bodyPr/>
           <a:lstStyle/>
           <a:p>
-            <a:endParaRPr kumimoji="1" lang="ja-JP" altLang="en-US"/>
+            <a:endParaRPr kumimoji="1" lang="ja-JP" altLang="en-US" dirty="0"/>
           </a:p>
         </p:txBody>
       </p:sp>
@@ -2291,9 +2463,9 @@
           <a:p>
             <a:fld id="{4616E83A-02B2-4E37-B901-916FC1ABA284}" type="datetime1">
               <a:rPr kumimoji="1" lang="ja-JP" altLang="en-US" smtClean="0"/>
-              <a:t>2021/7/21</a:t>
+              <a:t>2021/7/22</a:t>
             </a:fld>
-            <a:endParaRPr kumimoji="1" lang="ja-JP" altLang="en-US"/>
+            <a:endParaRPr kumimoji="1" lang="ja-JP" altLang="en-US" dirty="0"/>
           </a:p>
         </p:txBody>
       </p:sp>
@@ -2312,7 +2484,7 @@
           <a:bodyPr/>
           <a:lstStyle/>
           <a:p>
-            <a:endParaRPr kumimoji="1" lang="ja-JP" altLang="en-US"/>
+            <a:endParaRPr kumimoji="1" lang="ja-JP" altLang="en-US" dirty="0"/>
           </a:p>
         </p:txBody>
       </p:sp>
@@ -2723,9 +2895,9 @@
           <a:p>
             <a:fld id="{0F30A100-A925-4562-8BAD-6D9DFB833C69}" type="datetime1">
               <a:rPr kumimoji="1" lang="ja-JP" altLang="en-US" smtClean="0"/>
-              <a:t>2021/7/21</a:t>
+              <a:t>2021/7/22</a:t>
             </a:fld>
-            <a:endParaRPr kumimoji="1" lang="ja-JP" altLang="en-US"/>
+            <a:endParaRPr kumimoji="1" lang="ja-JP" altLang="en-US" dirty="0"/>
           </a:p>
         </p:txBody>
       </p:sp>
@@ -2744,7 +2916,7 @@
           <a:bodyPr/>
           <a:lstStyle/>
           <a:p>
-            <a:endParaRPr kumimoji="1" lang="ja-JP" altLang="en-US"/>
+            <a:endParaRPr kumimoji="1" lang="ja-JP" altLang="en-US" dirty="0"/>
           </a:p>
         </p:txBody>
       </p:sp>
@@ -2842,9 +3014,9 @@
           <a:p>
             <a:fld id="{2B092801-85DE-4E2D-BB20-4CEFD3DE12D7}" type="datetime1">
               <a:rPr kumimoji="1" lang="ja-JP" altLang="en-US" smtClean="0"/>
-              <a:t>2021/7/21</a:t>
+              <a:t>2021/7/22</a:t>
             </a:fld>
-            <a:endParaRPr kumimoji="1" lang="ja-JP" altLang="en-US"/>
+            <a:endParaRPr kumimoji="1" lang="ja-JP" altLang="en-US" dirty="0"/>
           </a:p>
         </p:txBody>
       </p:sp>
@@ -2863,7 +3035,7 @@
           <a:bodyPr/>
           <a:lstStyle/>
           <a:p>
-            <a:endParaRPr kumimoji="1" lang="ja-JP" altLang="en-US"/>
+            <a:endParaRPr kumimoji="1" lang="ja-JP" altLang="en-US" dirty="0"/>
           </a:p>
         </p:txBody>
       </p:sp>
@@ -2938,9 +3110,9 @@
           <a:p>
             <a:fld id="{E3C0B233-1262-4C80-939E-E1C0347ED250}" type="datetime1">
               <a:rPr kumimoji="1" lang="ja-JP" altLang="en-US" smtClean="0"/>
-              <a:t>2021/7/21</a:t>
+              <a:t>2021/7/22</a:t>
             </a:fld>
-            <a:endParaRPr kumimoji="1" lang="ja-JP" altLang="en-US"/>
+            <a:endParaRPr kumimoji="1" lang="ja-JP" altLang="en-US" dirty="0"/>
           </a:p>
         </p:txBody>
       </p:sp>
@@ -2959,7 +3131,7 @@
           <a:bodyPr/>
           <a:lstStyle/>
           <a:p>
-            <a:endParaRPr kumimoji="1" lang="ja-JP" altLang="en-US"/>
+            <a:endParaRPr kumimoji="1" lang="ja-JP" altLang="en-US" dirty="0"/>
           </a:p>
         </p:txBody>
       </p:sp>
@@ -3248,9 +3420,9 @@
           <a:p>
             <a:fld id="{12654F1A-76CD-47D9-B513-65C1FA3EED3E}" type="datetime1">
               <a:rPr kumimoji="1" lang="ja-JP" altLang="en-US" smtClean="0"/>
-              <a:t>2021/7/21</a:t>
+              <a:t>2021/7/22</a:t>
             </a:fld>
-            <a:endParaRPr kumimoji="1" lang="ja-JP" altLang="en-US"/>
+            <a:endParaRPr kumimoji="1" lang="ja-JP" altLang="en-US" dirty="0"/>
           </a:p>
         </p:txBody>
       </p:sp>
@@ -3269,7 +3441,7 @@
           <a:bodyPr/>
           <a:lstStyle/>
           <a:p>
-            <a:endParaRPr kumimoji="1" lang="ja-JP" altLang="en-US"/>
+            <a:endParaRPr kumimoji="1" lang="ja-JP" altLang="en-US" dirty="0"/>
           </a:p>
         </p:txBody>
       </p:sp>
@@ -3417,7 +3589,7 @@
           </a:lstStyle>
           <a:p>
             <a:r>
-              <a:rPr lang="ja-JP" altLang="en-US"/>
+              <a:rPr lang="ja-JP" altLang="en-US" dirty="0"/>
               <a:t>図を追加</a:t>
             </a:r>
             <a:endParaRPr lang="en-US" dirty="0"/>
@@ -3506,9 +3678,9 @@
           <a:p>
             <a:fld id="{8261E7BE-EC7F-4989-A57E-EB9E1D8B8B4A}" type="datetime1">
               <a:rPr kumimoji="1" lang="ja-JP" altLang="en-US" smtClean="0"/>
-              <a:t>2021/7/21</a:t>
+              <a:t>2021/7/22</a:t>
             </a:fld>
-            <a:endParaRPr kumimoji="1" lang="ja-JP" altLang="en-US"/>
+            <a:endParaRPr kumimoji="1" lang="ja-JP" altLang="en-US" dirty="0"/>
           </a:p>
         </p:txBody>
       </p:sp>
@@ -3527,7 +3699,7 @@
           <a:bodyPr/>
           <a:lstStyle/>
           <a:p>
-            <a:endParaRPr kumimoji="1" lang="ja-JP" altLang="en-US"/>
+            <a:endParaRPr kumimoji="1" lang="ja-JP" altLang="en-US" dirty="0"/>
           </a:p>
         </p:txBody>
       </p:sp>
@@ -3752,9 +3924,9 @@
           <a:p>
             <a:fld id="{F53EBE1F-A560-407A-96D7-EDB5C3A8DEBD}" type="datetime1">
               <a:rPr kumimoji="1" lang="ja-JP" altLang="en-US" smtClean="0"/>
-              <a:t>2021/7/21</a:t>
+              <a:t>2021/7/22</a:t>
             </a:fld>
-            <a:endParaRPr kumimoji="1" lang="ja-JP" altLang="en-US"/>
+            <a:endParaRPr kumimoji="1" lang="ja-JP" altLang="en-US" dirty="0"/>
           </a:p>
         </p:txBody>
       </p:sp>
@@ -3791,7 +3963,7 @@
             </a:lvl1pPr>
           </a:lstStyle>
           <a:p>
-            <a:endParaRPr kumimoji="1" lang="ja-JP" altLang="en-US"/>
+            <a:endParaRPr kumimoji="1" lang="ja-JP" altLang="en-US" dirty="0"/>
           </a:p>
         </p:txBody>
       </p:sp>
@@ -3833,7 +4005,7 @@
               <a:pPr/>
               <a:t>‹#›</a:t>
             </a:fld>
-            <a:endParaRPr lang="ja-JP" altLang="en-US"/>
+            <a:endParaRPr lang="ja-JP" altLang="en-US" dirty="0"/>
           </a:p>
         </p:txBody>
       </p:sp>
@@ -4252,7 +4424,7 @@
               <a:rPr kumimoji="1" lang="ja-JP" altLang="en-US" smtClean="0"/>
               <a:t>1</a:t>
             </a:fld>
-            <a:endParaRPr kumimoji="1" lang="ja-JP" altLang="en-US"/>
+            <a:endParaRPr kumimoji="1" lang="ja-JP" altLang="en-US" dirty="0"/>
           </a:p>
         </p:txBody>
       </p:sp>
@@ -4372,60 +4544,8 @@
           <a:p>
             <a:r>
               <a:rPr kumimoji="1" lang="ja-JP" altLang="en-US" dirty="0" smtClean="0"/>
-              <a:t>タイトル案</a:t>
-            </a:r>
-            <a:endParaRPr kumimoji="1" lang="ja-JP" altLang="en-US" dirty="0"/>
-          </a:p>
-        </p:txBody>
-      </p:sp>
-      <p:sp>
-        <p:nvSpPr>
-          <p:cNvPr id="3" name="コンテンツ プレースホルダー 2"/>
-          <p:cNvSpPr>
-            <a:spLocks noGrp="1"/>
-          </p:cNvSpPr>
-          <p:nvPr>
-            <p:ph idx="1"/>
-          </p:nvPr>
-        </p:nvSpPr>
-        <p:spPr/>
-        <p:txBody>
-          <a:bodyPr/>
-          <a:lstStyle/>
-          <a:p>
-            <a:r>
-              <a:rPr kumimoji="1" lang="ja-JP" altLang="en-US" dirty="0" smtClean="0"/>
-              <a:t>ブロックプログラミングを用い</a:t>
-            </a:r>
-            <a:r>
-              <a:rPr lang="ja-JP" altLang="en-US" dirty="0" smtClean="0"/>
-              <a:t>たプログラムの論理的思考を身に着けるための研究</a:t>
-            </a:r>
-            <a:endParaRPr lang="en-US" altLang="ja-JP" dirty="0" smtClean="0"/>
-          </a:p>
-          <a:p>
-            <a:r>
-              <a:rPr lang="ja-JP" altLang="en-US" dirty="0" smtClean="0"/>
-              <a:t>ブロックプログラミングによる論理的思考を学ぶための研究</a:t>
-            </a:r>
-            <a:endParaRPr lang="en-US" altLang="ja-JP" dirty="0" smtClean="0"/>
-          </a:p>
-          <a:p>
-            <a:r>
-              <a:rPr lang="ja-JP" altLang="en-US" dirty="0" smtClean="0"/>
-              <a:t>アルゴリズムを理解するための</a:t>
-            </a:r>
-            <a:r>
-              <a:rPr lang="ja-JP" altLang="en-US" dirty="0"/>
-              <a:t>ブロックプログラミングを</a:t>
-            </a:r>
-            <a:r>
-              <a:rPr lang="ja-JP" altLang="en-US" dirty="0" smtClean="0"/>
-              <a:t>用いた研究</a:t>
-            </a:r>
-            <a:endParaRPr lang="en-US" altLang="ja-JP" dirty="0" smtClean="0"/>
-          </a:p>
-          <a:p>
+              <a:t>提案方式</a:t>
+            </a:r>
             <a:endParaRPr kumimoji="1" lang="ja-JP" altLang="en-US" dirty="0"/>
           </a:p>
         </p:txBody>
@@ -4454,16 +4574,1124 @@
           </a:p>
         </p:txBody>
       </p:sp>
+      <p:sp>
+        <p:nvSpPr>
+          <p:cNvPr id="6" name="正方形/長方形 5"/>
+          <p:cNvSpPr/>
+          <p:nvPr/>
+        </p:nvSpPr>
+        <p:spPr>
+          <a:xfrm>
+            <a:off x="481443" y="1880436"/>
+            <a:ext cx="3337600" cy="3981450"/>
+          </a:xfrm>
+          <a:prstGeom prst="rect">
+            <a:avLst/>
+          </a:prstGeom>
+        </p:spPr>
+        <p:style>
+          <a:lnRef idx="2">
+            <a:schemeClr val="dk1"/>
+          </a:lnRef>
+          <a:fillRef idx="1">
+            <a:schemeClr val="lt1"/>
+          </a:fillRef>
+          <a:effectRef idx="0">
+            <a:schemeClr val="dk1"/>
+          </a:effectRef>
+          <a:fontRef idx="minor">
+            <a:schemeClr val="dk1"/>
+          </a:fontRef>
+        </p:style>
+        <p:txBody>
+          <a:bodyPr rtlCol="0" anchor="ctr"/>
+          <a:lstStyle/>
+          <a:p>
+            <a:pPr algn="ctr"/>
+            <a:endParaRPr kumimoji="1" lang="ja-JP" altLang="en-US" dirty="0"/>
+          </a:p>
+        </p:txBody>
+      </p:sp>
+      <p:sp>
+        <p:nvSpPr>
+          <p:cNvPr id="7" name="テキスト ボックス 6"/>
+          <p:cNvSpPr txBox="1"/>
+          <p:nvPr/>
+        </p:nvSpPr>
+        <p:spPr>
+          <a:xfrm>
+            <a:off x="1135549" y="6057770"/>
+            <a:ext cx="2397045" cy="366092"/>
+          </a:xfrm>
+          <a:prstGeom prst="rect">
+            <a:avLst/>
+          </a:prstGeom>
+          <a:noFill/>
+        </p:spPr>
+        <p:txBody>
+          <a:bodyPr wrap="square" rtlCol="0">
+            <a:spAutoFit/>
+          </a:bodyPr>
+          <a:lstStyle/>
+          <a:p>
+            <a:r>
+              <a:rPr kumimoji="1" lang="ja-JP" altLang="en-US" dirty="0" smtClean="0"/>
+              <a:t>学習者</a:t>
+            </a:r>
+            <a:r>
+              <a:rPr kumimoji="1" lang="en-US" altLang="ja-JP" dirty="0" smtClean="0"/>
+              <a:t>WEB</a:t>
+            </a:r>
+            <a:r>
+              <a:rPr kumimoji="1" lang="ja-JP" altLang="en-US" dirty="0" smtClean="0"/>
+              <a:t>ブラウザ</a:t>
+            </a:r>
+            <a:endParaRPr kumimoji="1" lang="ja-JP" altLang="en-US" dirty="0"/>
+          </a:p>
+        </p:txBody>
+      </p:sp>
+      <p:sp>
+        <p:nvSpPr>
+          <p:cNvPr id="8" name="テキスト ボックス 7"/>
+          <p:cNvSpPr txBox="1"/>
+          <p:nvPr/>
+        </p:nvSpPr>
+        <p:spPr>
+          <a:xfrm>
+            <a:off x="6008559" y="6057770"/>
+            <a:ext cx="963661" cy="366092"/>
+          </a:xfrm>
+          <a:prstGeom prst="rect">
+            <a:avLst/>
+          </a:prstGeom>
+          <a:noFill/>
+        </p:spPr>
+        <p:txBody>
+          <a:bodyPr wrap="square" rtlCol="0">
+            <a:spAutoFit/>
+          </a:bodyPr>
+          <a:lstStyle/>
+          <a:p>
+            <a:r>
+              <a:rPr kumimoji="1" lang="ja-JP" altLang="en-US" dirty="0" smtClean="0"/>
+              <a:t>サーバ</a:t>
+            </a:r>
+            <a:endParaRPr kumimoji="1" lang="ja-JP" altLang="en-US" dirty="0"/>
+          </a:p>
+        </p:txBody>
+      </p:sp>
+      <p:sp>
+        <p:nvSpPr>
+          <p:cNvPr id="9" name="正方形/長方形 8"/>
+          <p:cNvSpPr/>
+          <p:nvPr/>
+        </p:nvSpPr>
+        <p:spPr>
+          <a:xfrm>
+            <a:off x="4845330" y="1925460"/>
+            <a:ext cx="3337600" cy="3981450"/>
+          </a:xfrm>
+          <a:prstGeom prst="rect">
+            <a:avLst/>
+          </a:prstGeom>
+        </p:spPr>
+        <p:style>
+          <a:lnRef idx="2">
+            <a:schemeClr val="dk1"/>
+          </a:lnRef>
+          <a:fillRef idx="1">
+            <a:schemeClr val="lt1"/>
+          </a:fillRef>
+          <a:effectRef idx="0">
+            <a:schemeClr val="dk1"/>
+          </a:effectRef>
+          <a:fontRef idx="minor">
+            <a:schemeClr val="dk1"/>
+          </a:fontRef>
+        </p:style>
+        <p:txBody>
+          <a:bodyPr rtlCol="0" anchor="ctr"/>
+          <a:lstStyle/>
+          <a:p>
+            <a:pPr algn="ctr"/>
+            <a:endParaRPr kumimoji="1" lang="ja-JP" altLang="en-US" dirty="0"/>
+          </a:p>
+        </p:txBody>
+      </p:sp>
+      <p:sp>
+        <p:nvSpPr>
+          <p:cNvPr id="10" name="正方形/長方形 9"/>
+          <p:cNvSpPr/>
+          <p:nvPr/>
+        </p:nvSpPr>
+        <p:spPr>
+          <a:xfrm>
+            <a:off x="5210176" y="1988555"/>
+            <a:ext cx="2560427" cy="915820"/>
+          </a:xfrm>
+          <a:prstGeom prst="rect">
+            <a:avLst/>
+          </a:prstGeom>
+        </p:spPr>
+        <p:style>
+          <a:lnRef idx="2">
+            <a:schemeClr val="dk1"/>
+          </a:lnRef>
+          <a:fillRef idx="1">
+            <a:schemeClr val="lt1"/>
+          </a:fillRef>
+          <a:effectRef idx="0">
+            <a:schemeClr val="dk1"/>
+          </a:effectRef>
+          <a:fontRef idx="minor">
+            <a:schemeClr val="dk1"/>
+          </a:fontRef>
+        </p:style>
+        <p:txBody>
+          <a:bodyPr rtlCol="0" anchor="ctr"/>
+          <a:lstStyle/>
+          <a:p>
+            <a:pPr algn="ctr"/>
+            <a:r>
+              <a:rPr kumimoji="1" lang="ja-JP" altLang="en-US" dirty="0" smtClean="0"/>
+              <a:t>問題情報を送信</a:t>
+            </a:r>
+            <a:endParaRPr kumimoji="1" lang="ja-JP" altLang="en-US" dirty="0"/>
+          </a:p>
+        </p:txBody>
+      </p:sp>
+      <p:cxnSp>
+        <p:nvCxnSpPr>
+          <p:cNvPr id="12" name="直線矢印コネクタ 11"/>
+          <p:cNvCxnSpPr>
+            <a:endCxn id="14" idx="3"/>
+          </p:cNvCxnSpPr>
+          <p:nvPr/>
+        </p:nvCxnSpPr>
+        <p:spPr>
+          <a:xfrm flipH="1">
+            <a:off x="3158773" y="2442412"/>
+            <a:ext cx="2041878" cy="3530"/>
+          </a:xfrm>
+          <a:prstGeom prst="straightConnector1">
+            <a:avLst/>
+          </a:prstGeom>
+          <a:ln>
+            <a:tailEnd type="triangle"/>
+          </a:ln>
+        </p:spPr>
+        <p:style>
+          <a:lnRef idx="3">
+            <a:schemeClr val="dk1"/>
+          </a:lnRef>
+          <a:fillRef idx="0">
+            <a:schemeClr val="dk1"/>
+          </a:fillRef>
+          <a:effectRef idx="2">
+            <a:schemeClr val="dk1"/>
+          </a:effectRef>
+          <a:fontRef idx="minor">
+            <a:schemeClr val="tx1"/>
+          </a:fontRef>
+        </p:style>
+      </p:cxnSp>
+      <p:sp>
+        <p:nvSpPr>
+          <p:cNvPr id="14" name="正方形/長方形 13"/>
+          <p:cNvSpPr/>
+          <p:nvPr/>
+        </p:nvSpPr>
+        <p:spPr>
+          <a:xfrm>
+            <a:off x="1106199" y="2047041"/>
+            <a:ext cx="2052574" cy="797802"/>
+          </a:xfrm>
+          <a:prstGeom prst="rect">
+            <a:avLst/>
+          </a:prstGeom>
+        </p:spPr>
+        <p:style>
+          <a:lnRef idx="2">
+            <a:schemeClr val="dk1"/>
+          </a:lnRef>
+          <a:fillRef idx="1">
+            <a:schemeClr val="lt1"/>
+          </a:fillRef>
+          <a:effectRef idx="0">
+            <a:schemeClr val="dk1"/>
+          </a:effectRef>
+          <a:fontRef idx="minor">
+            <a:schemeClr val="dk1"/>
+          </a:fontRef>
+        </p:style>
+        <p:txBody>
+          <a:bodyPr rtlCol="0" anchor="ctr"/>
+          <a:lstStyle/>
+          <a:p>
+            <a:pPr algn="ctr"/>
+            <a:r>
+              <a:rPr kumimoji="1" lang="ja-JP" altLang="en-US" dirty="0" smtClean="0"/>
+              <a:t>問題を表示</a:t>
+            </a:r>
+            <a:endParaRPr kumimoji="1" lang="ja-JP" altLang="en-US" dirty="0"/>
+          </a:p>
+        </p:txBody>
+      </p:sp>
+      <p:sp>
+        <p:nvSpPr>
+          <p:cNvPr id="16" name="正方形/長方形 15"/>
+          <p:cNvSpPr/>
+          <p:nvPr/>
+        </p:nvSpPr>
+        <p:spPr>
+          <a:xfrm>
+            <a:off x="1106199" y="3327150"/>
+            <a:ext cx="2052574" cy="953586"/>
+          </a:xfrm>
+          <a:prstGeom prst="rect">
+            <a:avLst/>
+          </a:prstGeom>
+        </p:spPr>
+        <p:style>
+          <a:lnRef idx="2">
+            <a:schemeClr val="dk1"/>
+          </a:lnRef>
+          <a:fillRef idx="1">
+            <a:schemeClr val="lt1"/>
+          </a:fillRef>
+          <a:effectRef idx="0">
+            <a:schemeClr val="dk1"/>
+          </a:effectRef>
+          <a:fontRef idx="minor">
+            <a:schemeClr val="dk1"/>
+          </a:fontRef>
+        </p:style>
+        <p:txBody>
+          <a:bodyPr rtlCol="0" anchor="ctr"/>
+          <a:lstStyle/>
+          <a:p>
+            <a:pPr algn="ctr"/>
+            <a:r>
+              <a:rPr kumimoji="1" lang="ja-JP" altLang="en-US" dirty="0" smtClean="0"/>
+              <a:t>ブロック</a:t>
+            </a:r>
+            <a:endParaRPr kumimoji="1" lang="en-US" altLang="ja-JP" dirty="0" smtClean="0"/>
+          </a:p>
+          <a:p>
+            <a:pPr algn="ctr"/>
+            <a:r>
+              <a:rPr kumimoji="1" lang="ja-JP" altLang="en-US" dirty="0" smtClean="0"/>
+              <a:t>プログラミング</a:t>
+            </a:r>
+            <a:endParaRPr kumimoji="1" lang="ja-JP" altLang="en-US" dirty="0"/>
+          </a:p>
+        </p:txBody>
+      </p:sp>
+      <p:cxnSp>
+        <p:nvCxnSpPr>
+          <p:cNvPr id="18" name="直線矢印コネクタ 17"/>
+          <p:cNvCxnSpPr>
+            <a:stCxn id="16" idx="3"/>
+            <a:endCxn id="19" idx="1"/>
+          </p:cNvCxnSpPr>
+          <p:nvPr/>
+        </p:nvCxnSpPr>
+        <p:spPr>
+          <a:xfrm>
+            <a:off x="3158773" y="3803943"/>
+            <a:ext cx="2051403" cy="0"/>
+          </a:xfrm>
+          <a:prstGeom prst="straightConnector1">
+            <a:avLst/>
+          </a:prstGeom>
+          <a:ln>
+            <a:tailEnd type="triangle"/>
+          </a:ln>
+        </p:spPr>
+        <p:style>
+          <a:lnRef idx="3">
+            <a:schemeClr val="dk1"/>
+          </a:lnRef>
+          <a:fillRef idx="0">
+            <a:schemeClr val="dk1"/>
+          </a:fillRef>
+          <a:effectRef idx="2">
+            <a:schemeClr val="dk1"/>
+          </a:effectRef>
+          <a:fontRef idx="minor">
+            <a:schemeClr val="tx1"/>
+          </a:fontRef>
+        </p:style>
+      </p:cxnSp>
+      <p:sp>
+        <p:nvSpPr>
+          <p:cNvPr id="19" name="正方形/長方形 18"/>
+          <p:cNvSpPr/>
+          <p:nvPr/>
+        </p:nvSpPr>
+        <p:spPr>
+          <a:xfrm>
+            <a:off x="5210176" y="3327150"/>
+            <a:ext cx="2560427" cy="953586"/>
+          </a:xfrm>
+          <a:prstGeom prst="rect">
+            <a:avLst/>
+          </a:prstGeom>
+        </p:spPr>
+        <p:style>
+          <a:lnRef idx="2">
+            <a:schemeClr val="dk1"/>
+          </a:lnRef>
+          <a:fillRef idx="1">
+            <a:schemeClr val="lt1"/>
+          </a:fillRef>
+          <a:effectRef idx="0">
+            <a:schemeClr val="dk1"/>
+          </a:effectRef>
+          <a:fontRef idx="minor">
+            <a:schemeClr val="dk1"/>
+          </a:fontRef>
+        </p:style>
+        <p:txBody>
+          <a:bodyPr rtlCol="0" anchor="ctr"/>
+          <a:lstStyle/>
+          <a:p>
+            <a:pPr algn="ctr"/>
+            <a:r>
+              <a:rPr kumimoji="1" lang="ja-JP" altLang="en-US" dirty="0" smtClean="0"/>
+              <a:t>ブロックからコードに変換</a:t>
+            </a:r>
+            <a:endParaRPr kumimoji="1" lang="ja-JP" altLang="en-US" dirty="0"/>
+          </a:p>
+        </p:txBody>
+      </p:sp>
+      <p:sp>
+        <p:nvSpPr>
+          <p:cNvPr id="20" name="正方形/長方形 19"/>
+          <p:cNvSpPr/>
+          <p:nvPr/>
+        </p:nvSpPr>
+        <p:spPr>
+          <a:xfrm>
+            <a:off x="5233916" y="4579317"/>
+            <a:ext cx="2560427" cy="953586"/>
+          </a:xfrm>
+          <a:prstGeom prst="rect">
+            <a:avLst/>
+          </a:prstGeom>
+        </p:spPr>
+        <p:style>
+          <a:lnRef idx="2">
+            <a:schemeClr val="dk1"/>
+          </a:lnRef>
+          <a:fillRef idx="1">
+            <a:schemeClr val="lt1"/>
+          </a:fillRef>
+          <a:effectRef idx="0">
+            <a:schemeClr val="dk1"/>
+          </a:effectRef>
+          <a:fontRef idx="minor">
+            <a:schemeClr val="dk1"/>
+          </a:fontRef>
+        </p:style>
+        <p:txBody>
+          <a:bodyPr rtlCol="0" anchor="ctr"/>
+          <a:lstStyle/>
+          <a:p>
+            <a:pPr algn="ctr"/>
+            <a:r>
+              <a:rPr kumimoji="1" lang="ja-JP" altLang="en-US" dirty="0" smtClean="0"/>
+              <a:t>問題の正誤と作成されたコードを送信</a:t>
+            </a:r>
+            <a:endParaRPr kumimoji="1" lang="ja-JP" altLang="en-US" dirty="0"/>
+          </a:p>
+        </p:txBody>
+      </p:sp>
+      <p:cxnSp>
+        <p:nvCxnSpPr>
+          <p:cNvPr id="25" name="直線矢印コネクタ 24"/>
+          <p:cNvCxnSpPr>
+            <a:stCxn id="19" idx="2"/>
+            <a:endCxn id="20" idx="0"/>
+          </p:cNvCxnSpPr>
+          <p:nvPr/>
+        </p:nvCxnSpPr>
+        <p:spPr>
+          <a:xfrm>
+            <a:off x="6490390" y="4280736"/>
+            <a:ext cx="23740" cy="298581"/>
+          </a:xfrm>
+          <a:prstGeom prst="straightConnector1">
+            <a:avLst/>
+          </a:prstGeom>
+          <a:ln>
+            <a:tailEnd type="triangle"/>
+          </a:ln>
+        </p:spPr>
+        <p:style>
+          <a:lnRef idx="3">
+            <a:schemeClr val="dk1"/>
+          </a:lnRef>
+          <a:fillRef idx="0">
+            <a:schemeClr val="dk1"/>
+          </a:fillRef>
+          <a:effectRef idx="2">
+            <a:schemeClr val="dk1"/>
+          </a:effectRef>
+          <a:fontRef idx="minor">
+            <a:schemeClr val="tx1"/>
+          </a:fontRef>
+        </p:style>
+      </p:cxnSp>
+      <p:cxnSp>
+        <p:nvCxnSpPr>
+          <p:cNvPr id="30" name="直線矢印コネクタ 29"/>
+          <p:cNvCxnSpPr>
+            <a:stCxn id="14" idx="2"/>
+            <a:endCxn id="16" idx="0"/>
+          </p:cNvCxnSpPr>
+          <p:nvPr/>
+        </p:nvCxnSpPr>
+        <p:spPr>
+          <a:xfrm>
+            <a:off x="2132486" y="2844843"/>
+            <a:ext cx="0" cy="482307"/>
+          </a:xfrm>
+          <a:prstGeom prst="straightConnector1">
+            <a:avLst/>
+          </a:prstGeom>
+          <a:ln>
+            <a:tailEnd type="triangle"/>
+          </a:ln>
+        </p:spPr>
+        <p:style>
+          <a:lnRef idx="3">
+            <a:schemeClr val="dk1"/>
+          </a:lnRef>
+          <a:fillRef idx="0">
+            <a:schemeClr val="dk1"/>
+          </a:fillRef>
+          <a:effectRef idx="2">
+            <a:schemeClr val="dk1"/>
+          </a:effectRef>
+          <a:fontRef idx="minor">
+            <a:schemeClr val="tx1"/>
+          </a:fontRef>
+        </p:style>
+      </p:cxnSp>
+      <p:sp>
+        <p:nvSpPr>
+          <p:cNvPr id="32" name="正方形/長方形 31"/>
+          <p:cNvSpPr/>
+          <p:nvPr/>
+        </p:nvSpPr>
+        <p:spPr>
+          <a:xfrm>
+            <a:off x="4400550" y="238125"/>
+            <a:ext cx="4229100" cy="1452564"/>
+          </a:xfrm>
+          <a:prstGeom prst="rect">
+            <a:avLst/>
+          </a:prstGeom>
+          <a:ln w="19050"/>
+        </p:spPr>
+        <p:style>
+          <a:lnRef idx="2">
+            <a:schemeClr val="accent1"/>
+          </a:lnRef>
+          <a:fillRef idx="1">
+            <a:schemeClr val="lt1"/>
+          </a:fillRef>
+          <a:effectRef idx="0">
+            <a:schemeClr val="accent1"/>
+          </a:effectRef>
+          <a:fontRef idx="minor">
+            <a:schemeClr val="dk1"/>
+          </a:fontRef>
+        </p:style>
+        <p:txBody>
+          <a:bodyPr rtlCol="0" anchor="ctr"/>
+          <a:lstStyle/>
+          <a:p>
+            <a:pPr algn="ctr"/>
+            <a:r>
+              <a:rPr kumimoji="1" lang="ja-JP" altLang="en-US" dirty="0" smtClean="0"/>
+              <a:t>学習者が自身の</a:t>
+            </a:r>
+            <a:r>
+              <a:rPr kumimoji="1" lang="en-US" altLang="ja-JP" dirty="0" smtClean="0"/>
+              <a:t>WEB</a:t>
+            </a:r>
+            <a:r>
+              <a:rPr kumimoji="1" lang="ja-JP" altLang="en-US" dirty="0" smtClean="0"/>
+              <a:t>ブラウザにて問題をブロックプログラムで解くと共に，構文的に正しい</a:t>
+            </a:r>
+            <a:r>
+              <a:rPr lang="ja-JP" altLang="en-US" dirty="0" smtClean="0"/>
+              <a:t>コードを同時に表示</a:t>
+            </a:r>
+            <a:r>
+              <a:rPr lang="ja-JP" altLang="en-US" smtClean="0"/>
+              <a:t>されることで，論理的思考とコーディングを養う</a:t>
+            </a:r>
+            <a:endParaRPr kumimoji="1" lang="en-US" altLang="ja-JP" dirty="0" smtClean="0"/>
+          </a:p>
+        </p:txBody>
+      </p:sp>
+      <p:sp>
+        <p:nvSpPr>
+          <p:cNvPr id="33" name="正方形/長方形 32"/>
+          <p:cNvSpPr/>
+          <p:nvPr/>
+        </p:nvSpPr>
+        <p:spPr>
+          <a:xfrm>
+            <a:off x="1135549" y="4591050"/>
+            <a:ext cx="2023224" cy="971550"/>
+          </a:xfrm>
+          <a:prstGeom prst="rect">
+            <a:avLst/>
+          </a:prstGeom>
+        </p:spPr>
+        <p:style>
+          <a:lnRef idx="2">
+            <a:schemeClr val="dk1"/>
+          </a:lnRef>
+          <a:fillRef idx="1">
+            <a:schemeClr val="lt1"/>
+          </a:fillRef>
+          <a:effectRef idx="0">
+            <a:schemeClr val="dk1"/>
+          </a:effectRef>
+          <a:fontRef idx="minor">
+            <a:schemeClr val="dk1"/>
+          </a:fontRef>
+        </p:style>
+        <p:txBody>
+          <a:bodyPr rtlCol="0" anchor="ctr"/>
+          <a:lstStyle/>
+          <a:p>
+            <a:pPr algn="ctr"/>
+            <a:r>
+              <a:rPr lang="ja-JP" altLang="en-US" dirty="0" smtClean="0"/>
+              <a:t>正誤とコードを表示</a:t>
+            </a:r>
+            <a:endParaRPr kumimoji="1" lang="ja-JP" altLang="en-US" dirty="0"/>
+          </a:p>
+        </p:txBody>
+      </p:sp>
+      <p:cxnSp>
+        <p:nvCxnSpPr>
+          <p:cNvPr id="37" name="直線矢印コネクタ 36"/>
+          <p:cNvCxnSpPr>
+            <a:stCxn id="20" idx="1"/>
+            <a:endCxn id="33" idx="3"/>
+          </p:cNvCxnSpPr>
+          <p:nvPr/>
+        </p:nvCxnSpPr>
+        <p:spPr>
+          <a:xfrm flipH="1">
+            <a:off x="3158773" y="5056110"/>
+            <a:ext cx="2075143" cy="20715"/>
+          </a:xfrm>
+          <a:prstGeom prst="straightConnector1">
+            <a:avLst/>
+          </a:prstGeom>
+          <a:ln>
+            <a:tailEnd type="triangle"/>
+          </a:ln>
+        </p:spPr>
+        <p:style>
+          <a:lnRef idx="3">
+            <a:schemeClr val="dk1"/>
+          </a:lnRef>
+          <a:fillRef idx="0">
+            <a:schemeClr val="dk1"/>
+          </a:fillRef>
+          <a:effectRef idx="2">
+            <a:schemeClr val="dk1"/>
+          </a:effectRef>
+          <a:fontRef idx="minor">
+            <a:schemeClr val="tx1"/>
+          </a:fontRef>
+        </p:style>
+      </p:cxnSp>
+      <p:cxnSp>
+        <p:nvCxnSpPr>
+          <p:cNvPr id="39" name="直線矢印コネクタ 38"/>
+          <p:cNvCxnSpPr>
+            <a:endCxn id="16" idx="2"/>
+          </p:cNvCxnSpPr>
+          <p:nvPr/>
+        </p:nvCxnSpPr>
+        <p:spPr>
+          <a:xfrm flipH="1" flipV="1">
+            <a:off x="2132486" y="4280736"/>
+            <a:ext cx="17757" cy="304800"/>
+          </a:xfrm>
+          <a:prstGeom prst="straightConnector1">
+            <a:avLst/>
+          </a:prstGeom>
+          <a:ln>
+            <a:tailEnd type="triangle"/>
+          </a:ln>
+        </p:spPr>
+        <p:style>
+          <a:lnRef idx="3">
+            <a:schemeClr val="dk1"/>
+          </a:lnRef>
+          <a:fillRef idx="0">
+            <a:schemeClr val="dk1"/>
+          </a:fillRef>
+          <a:effectRef idx="2">
+            <a:schemeClr val="dk1"/>
+          </a:effectRef>
+          <a:fontRef idx="minor">
+            <a:schemeClr val="tx1"/>
+          </a:fontRef>
+        </p:style>
+      </p:cxnSp>
     </p:spTree>
     <p:extLst>
       <p:ext uri="{BB962C8B-B14F-4D97-AF65-F5344CB8AC3E}">
-        <p14:creationId xmlns:p14="http://schemas.microsoft.com/office/powerpoint/2010/main" val="854545885"/>
+        <p14:creationId xmlns:p14="http://schemas.microsoft.com/office/powerpoint/2010/main" val="783922636"/>
       </p:ext>
     </p:extLst>
   </p:cSld>
   <p:clrMapOvr>
     <a:masterClrMapping/>
   </p:clrMapOvr>
+  <p:timing>
+    <p:tnLst>
+      <p:par>
+        <p:cTn id="1" dur="indefinite" restart="never" nodeType="tmRoot"/>
+      </p:par>
+    </p:tnLst>
+  </p:timing>
+</p:sld>
+</file>
+
+<file path=ppt/slides/slide11.xml><?xml version="1.0" encoding="utf-8"?>
+<p:sld xmlns:a="http://schemas.openxmlformats.org/drawingml/2006/main" xmlns:r="http://schemas.openxmlformats.org/officeDocument/2006/relationships" xmlns:p="http://schemas.openxmlformats.org/presentationml/2006/main">
+  <p:cSld>
+    <p:spTree>
+      <p:nvGrpSpPr>
+        <p:cNvPr id="1" name=""/>
+        <p:cNvGrpSpPr/>
+        <p:nvPr/>
+      </p:nvGrpSpPr>
+      <p:grpSpPr>
+        <a:xfrm>
+          <a:off x="0" y="0"/>
+          <a:ext cx="0" cy="0"/>
+          <a:chOff x="0" y="0"/>
+          <a:chExt cx="0" cy="0"/>
+        </a:xfrm>
+      </p:grpSpPr>
+      <p:sp>
+        <p:nvSpPr>
+          <p:cNvPr id="2" name="タイトル 1"/>
+          <p:cNvSpPr>
+            <a:spLocks noGrp="1"/>
+          </p:cNvSpPr>
+          <p:nvPr>
+            <p:ph type="title"/>
+          </p:nvPr>
+        </p:nvSpPr>
+        <p:spPr/>
+        <p:txBody>
+          <a:bodyPr/>
+          <a:lstStyle/>
+          <a:p>
+            <a:r>
+              <a:rPr lang="ja-JP" altLang="en-US" dirty="0"/>
+              <a:t>進捗</a:t>
+            </a:r>
+            <a:r>
+              <a:rPr lang="ja-JP" altLang="en-US" dirty="0" smtClean="0"/>
+              <a:t>状況と</a:t>
+            </a:r>
+            <a:r>
+              <a:rPr kumimoji="1" lang="ja-JP" altLang="en-US" dirty="0" smtClean="0"/>
+              <a:t>今後</a:t>
+            </a:r>
+            <a:r>
+              <a:rPr kumimoji="1" lang="ja-JP" altLang="en-US" dirty="0"/>
+              <a:t>のスケジュール</a:t>
+            </a:r>
+          </a:p>
+        </p:txBody>
+      </p:sp>
+      <p:sp>
+        <p:nvSpPr>
+          <p:cNvPr id="3" name="コンテンツ プレースホルダー 2"/>
+          <p:cNvSpPr>
+            <a:spLocks noGrp="1"/>
+          </p:cNvSpPr>
+          <p:nvPr>
+            <p:ph idx="1"/>
+          </p:nvPr>
+        </p:nvSpPr>
+        <p:spPr>
+          <a:xfrm>
+            <a:off x="628650" y="4090736"/>
+            <a:ext cx="7886700" cy="3146008"/>
+          </a:xfrm>
+        </p:spPr>
+        <p:txBody>
+          <a:bodyPr>
+            <a:normAutofit/>
+          </a:bodyPr>
+          <a:lstStyle/>
+          <a:p>
+            <a:pPr marL="0" indent="0">
+              <a:buNone/>
+            </a:pPr>
+            <a:r>
+              <a:rPr lang="ja-JP" altLang="en-US" dirty="0" smtClean="0"/>
+              <a:t>今後のスケジュール</a:t>
+            </a:r>
+            <a:endParaRPr lang="en-US" altLang="ja-JP" dirty="0" smtClean="0"/>
+          </a:p>
+          <a:p>
+            <a:r>
+              <a:rPr lang="ja-JP" altLang="en-US" dirty="0" smtClean="0"/>
+              <a:t>問題</a:t>
+            </a:r>
+            <a:r>
+              <a:rPr lang="ja-JP" altLang="en-US" dirty="0" smtClean="0"/>
+              <a:t>を作成するアルゴリズムを生成</a:t>
+            </a:r>
+            <a:r>
+              <a:rPr lang="ja-JP" altLang="en-US" dirty="0"/>
+              <a:t>する．</a:t>
+            </a:r>
+            <a:endParaRPr lang="en-US" altLang="ja-JP" dirty="0"/>
+          </a:p>
+          <a:p>
+            <a:r>
+              <a:rPr kumimoji="1" lang="ja-JP" altLang="en-US" dirty="0" smtClean="0"/>
+              <a:t>論理的思考を身に着けるため</a:t>
+            </a:r>
+            <a:r>
+              <a:rPr kumimoji="1" lang="ja-JP" altLang="en-US" dirty="0" smtClean="0"/>
+              <a:t>の</a:t>
+            </a:r>
+            <a:r>
+              <a:rPr lang="ja-JP" altLang="en-US" dirty="0"/>
+              <a:t>，</a:t>
+            </a:r>
+            <a:r>
+              <a:rPr kumimoji="1" lang="ja-JP" altLang="en-US" dirty="0" smtClean="0"/>
+              <a:t>問題</a:t>
+            </a:r>
+            <a:r>
+              <a:rPr kumimoji="1" lang="ja-JP" altLang="en-US" dirty="0" smtClean="0"/>
+              <a:t>を解くためのプロセスに</a:t>
+            </a:r>
+            <a:r>
+              <a:rPr kumimoji="1" lang="ja-JP" altLang="en-US" dirty="0" smtClean="0"/>
+              <a:t>ついて</a:t>
+            </a:r>
+            <a:r>
+              <a:rPr lang="ja-JP" altLang="en-US" dirty="0"/>
+              <a:t>，</a:t>
+            </a:r>
+            <a:r>
+              <a:rPr kumimoji="1" lang="ja-JP" altLang="en-US" dirty="0" smtClean="0"/>
+              <a:t>小学生</a:t>
+            </a:r>
+            <a:r>
+              <a:rPr kumimoji="1" lang="ja-JP" altLang="en-US" dirty="0" smtClean="0"/>
+              <a:t>でもわかりやすい範囲で</a:t>
+            </a:r>
+            <a:r>
+              <a:rPr kumimoji="1" lang="ja-JP" altLang="en-US" dirty="0" smtClean="0"/>
+              <a:t>のフローチャート</a:t>
+            </a:r>
+            <a:r>
+              <a:rPr kumimoji="1" lang="ja-JP" altLang="en-US" dirty="0" smtClean="0"/>
+              <a:t>の表示など作成</a:t>
+            </a:r>
+            <a:r>
+              <a:rPr kumimoji="1" lang="ja-JP" altLang="en-US" dirty="0" smtClean="0"/>
+              <a:t>予定</a:t>
+            </a:r>
+            <a:r>
+              <a:rPr lang="ja-JP" altLang="en-US" dirty="0"/>
+              <a:t>．</a:t>
+            </a:r>
+            <a:endParaRPr lang="en-US" altLang="ja-JP" dirty="0"/>
+          </a:p>
+        </p:txBody>
+      </p:sp>
+      <p:sp>
+        <p:nvSpPr>
+          <p:cNvPr id="4" name="スライド番号プレースホルダー 3"/>
+          <p:cNvSpPr>
+            <a:spLocks noGrp="1"/>
+          </p:cNvSpPr>
+          <p:nvPr>
+            <p:ph type="sldNum" sz="quarter" idx="12"/>
+          </p:nvPr>
+        </p:nvSpPr>
+        <p:spPr/>
+        <p:txBody>
+          <a:bodyPr/>
+          <a:lstStyle/>
+          <a:p>
+            <a:fld id="{B4451160-128F-4DAD-AE29-4A8CC0E7B9E9}" type="slidenum">
+              <a:rPr kumimoji="1" lang="ja-JP" altLang="en-US" smtClean="0"/>
+              <a:t>11</a:t>
+            </a:fld>
+            <a:endParaRPr kumimoji="1" lang="ja-JP" altLang="en-US" dirty="0"/>
+          </a:p>
+        </p:txBody>
+      </p:sp>
+      <p:sp>
+        <p:nvSpPr>
+          <p:cNvPr id="5" name="コンテンツ プレースホルダー 2"/>
+          <p:cNvSpPr txBox="1">
+            <a:spLocks/>
+          </p:cNvSpPr>
+          <p:nvPr/>
+        </p:nvSpPr>
+        <p:spPr>
+          <a:xfrm>
+            <a:off x="628650" y="1524000"/>
+            <a:ext cx="7886700" cy="2432304"/>
+          </a:xfrm>
+          <a:prstGeom prst="rect">
+            <a:avLst/>
+          </a:prstGeom>
+        </p:spPr>
+        <p:txBody>
+          <a:bodyPr vert="horz" lIns="91440" tIns="45720" rIns="91440" bIns="45720" rtlCol="0">
+            <a:normAutofit/>
+          </a:bodyPr>
+          <a:lstStyle>
+            <a:lvl1pPr marL="228600" indent="-228600" algn="l" defTabSz="914400" rtl="0" eaLnBrk="1" latinLnBrk="0" hangingPunct="1">
+              <a:lnSpc>
+                <a:spcPct val="90000"/>
+              </a:lnSpc>
+              <a:spcBef>
+                <a:spcPts val="1000"/>
+              </a:spcBef>
+              <a:buFont typeface="Arial" panose="020B0604020202020204" pitchFamily="34" charset="0"/>
+              <a:buChar char="•"/>
+              <a:defRPr kumimoji="1" sz="2800" kern="1200">
+                <a:solidFill>
+                  <a:schemeClr val="tx1"/>
+                </a:solidFill>
+                <a:latin typeface="+mn-lt"/>
+                <a:ea typeface="+mn-ea"/>
+                <a:cs typeface="+mn-cs"/>
+              </a:defRPr>
+            </a:lvl1pPr>
+            <a:lvl2pPr marL="685800" indent="-228600" algn="l" defTabSz="914400" rtl="0" eaLnBrk="1" latinLnBrk="0" hangingPunct="1">
+              <a:lnSpc>
+                <a:spcPct val="90000"/>
+              </a:lnSpc>
+              <a:spcBef>
+                <a:spcPts val="500"/>
+              </a:spcBef>
+              <a:buFont typeface="Arial" panose="020B0604020202020204" pitchFamily="34" charset="0"/>
+              <a:buChar char="•"/>
+              <a:defRPr kumimoji="1" sz="2400" kern="1200">
+                <a:solidFill>
+                  <a:schemeClr val="tx1"/>
+                </a:solidFill>
+                <a:latin typeface="+mn-lt"/>
+                <a:ea typeface="+mn-ea"/>
+                <a:cs typeface="+mn-cs"/>
+              </a:defRPr>
+            </a:lvl2pPr>
+            <a:lvl3pPr marL="1143000" indent="-228600" algn="l" defTabSz="914400" rtl="0" eaLnBrk="1" latinLnBrk="0" hangingPunct="1">
+              <a:lnSpc>
+                <a:spcPct val="90000"/>
+              </a:lnSpc>
+              <a:spcBef>
+                <a:spcPts val="500"/>
+              </a:spcBef>
+              <a:buFont typeface="Arial" panose="020B0604020202020204" pitchFamily="34" charset="0"/>
+              <a:buChar char="•"/>
+              <a:defRPr kumimoji="1" sz="2000" kern="1200">
+                <a:solidFill>
+                  <a:schemeClr val="tx1"/>
+                </a:solidFill>
+                <a:latin typeface="+mn-lt"/>
+                <a:ea typeface="+mn-ea"/>
+                <a:cs typeface="+mn-cs"/>
+              </a:defRPr>
+            </a:lvl3pPr>
+            <a:lvl4pPr marL="1600200" indent="-228600" algn="l" defTabSz="914400" rtl="0" eaLnBrk="1" latinLnBrk="0" hangingPunct="1">
+              <a:lnSpc>
+                <a:spcPct val="90000"/>
+              </a:lnSpc>
+              <a:spcBef>
+                <a:spcPts val="500"/>
+              </a:spcBef>
+              <a:buFont typeface="Arial" panose="020B0604020202020204" pitchFamily="34" charset="0"/>
+              <a:buChar char="•"/>
+              <a:defRPr kumimoji="1" sz="1800" kern="1200">
+                <a:solidFill>
+                  <a:schemeClr val="tx1"/>
+                </a:solidFill>
+                <a:latin typeface="+mn-lt"/>
+                <a:ea typeface="+mn-ea"/>
+                <a:cs typeface="+mn-cs"/>
+              </a:defRPr>
+            </a:lvl4pPr>
+            <a:lvl5pPr marL="2057400" indent="-228600" algn="l" defTabSz="914400" rtl="0" eaLnBrk="1" latinLnBrk="0" hangingPunct="1">
+              <a:lnSpc>
+                <a:spcPct val="90000"/>
+              </a:lnSpc>
+              <a:spcBef>
+                <a:spcPts val="500"/>
+              </a:spcBef>
+              <a:buFont typeface="Arial" panose="020B0604020202020204" pitchFamily="34" charset="0"/>
+              <a:buChar char="•"/>
+              <a:defRPr kumimoji="1" sz="1800" kern="1200">
+                <a:solidFill>
+                  <a:schemeClr val="tx1"/>
+                </a:solidFill>
+                <a:latin typeface="+mn-lt"/>
+                <a:ea typeface="+mn-ea"/>
+                <a:cs typeface="+mn-cs"/>
+              </a:defRPr>
+            </a:lvl5pPr>
+            <a:lvl6pPr marL="2514600" indent="-228600" algn="l" defTabSz="914400" rtl="0" eaLnBrk="1" latinLnBrk="0" hangingPunct="1">
+              <a:lnSpc>
+                <a:spcPct val="90000"/>
+              </a:lnSpc>
+              <a:spcBef>
+                <a:spcPts val="500"/>
+              </a:spcBef>
+              <a:buFont typeface="Arial" panose="020B0604020202020204" pitchFamily="34" charset="0"/>
+              <a:buChar char="•"/>
+              <a:defRPr kumimoji="1" sz="1800" kern="1200">
+                <a:solidFill>
+                  <a:schemeClr val="tx1"/>
+                </a:solidFill>
+                <a:latin typeface="+mn-lt"/>
+                <a:ea typeface="+mn-ea"/>
+                <a:cs typeface="+mn-cs"/>
+              </a:defRPr>
+            </a:lvl6pPr>
+            <a:lvl7pPr marL="2971800" indent="-228600" algn="l" defTabSz="914400" rtl="0" eaLnBrk="1" latinLnBrk="0" hangingPunct="1">
+              <a:lnSpc>
+                <a:spcPct val="90000"/>
+              </a:lnSpc>
+              <a:spcBef>
+                <a:spcPts val="500"/>
+              </a:spcBef>
+              <a:buFont typeface="Arial" panose="020B0604020202020204" pitchFamily="34" charset="0"/>
+              <a:buChar char="•"/>
+              <a:defRPr kumimoji="1" sz="1800" kern="1200">
+                <a:solidFill>
+                  <a:schemeClr val="tx1"/>
+                </a:solidFill>
+                <a:latin typeface="+mn-lt"/>
+                <a:ea typeface="+mn-ea"/>
+                <a:cs typeface="+mn-cs"/>
+              </a:defRPr>
+            </a:lvl7pPr>
+            <a:lvl8pPr marL="3429000" indent="-228600" algn="l" defTabSz="914400" rtl="0" eaLnBrk="1" latinLnBrk="0" hangingPunct="1">
+              <a:lnSpc>
+                <a:spcPct val="90000"/>
+              </a:lnSpc>
+              <a:spcBef>
+                <a:spcPts val="500"/>
+              </a:spcBef>
+              <a:buFont typeface="Arial" panose="020B0604020202020204" pitchFamily="34" charset="0"/>
+              <a:buChar char="•"/>
+              <a:defRPr kumimoji="1" sz="1800" kern="1200">
+                <a:solidFill>
+                  <a:schemeClr val="tx1"/>
+                </a:solidFill>
+                <a:latin typeface="+mn-lt"/>
+                <a:ea typeface="+mn-ea"/>
+                <a:cs typeface="+mn-cs"/>
+              </a:defRPr>
+            </a:lvl8pPr>
+            <a:lvl9pPr marL="3886200" indent="-228600" algn="l" defTabSz="914400" rtl="0" eaLnBrk="1" latinLnBrk="0" hangingPunct="1">
+              <a:lnSpc>
+                <a:spcPct val="90000"/>
+              </a:lnSpc>
+              <a:spcBef>
+                <a:spcPts val="500"/>
+              </a:spcBef>
+              <a:buFont typeface="Arial" panose="020B0604020202020204" pitchFamily="34" charset="0"/>
+              <a:buChar char="•"/>
+              <a:defRPr kumimoji="1" sz="1800" kern="1200">
+                <a:solidFill>
+                  <a:schemeClr val="tx1"/>
+                </a:solidFill>
+                <a:latin typeface="+mn-lt"/>
+                <a:ea typeface="+mn-ea"/>
+                <a:cs typeface="+mn-cs"/>
+              </a:defRPr>
+            </a:lvl9pPr>
+          </a:lstStyle>
+          <a:p>
+            <a:pPr marL="0" indent="0">
+              <a:buFont typeface="Arial" panose="020B0604020202020204" pitchFamily="34" charset="0"/>
+              <a:buNone/>
+            </a:pPr>
+            <a:r>
+              <a:rPr lang="ja-JP" altLang="en-US" dirty="0" smtClean="0"/>
+              <a:t>進捗状況</a:t>
+            </a:r>
+            <a:endParaRPr lang="en-US" altLang="ja-JP" dirty="0" smtClean="0"/>
+          </a:p>
+          <a:p>
+            <a:r>
+              <a:rPr lang="ja-JP" altLang="en-US" dirty="0" smtClean="0"/>
+              <a:t>コードジェネレート機能を用いたプログラミング言語への変換</a:t>
+            </a:r>
+            <a:endParaRPr lang="en-US" altLang="ja-JP" dirty="0" smtClean="0"/>
+          </a:p>
+          <a:p>
+            <a:r>
+              <a:rPr lang="en-US" altLang="ja-JP" dirty="0" smtClean="0"/>
+              <a:t>Blackly</a:t>
+            </a:r>
+            <a:r>
+              <a:rPr lang="ja-JP" altLang="en-US" dirty="0" smtClean="0"/>
+              <a:t>環境における、</a:t>
+            </a:r>
+            <a:r>
+              <a:rPr lang="en-US" altLang="ja-JP" dirty="0" smtClean="0"/>
+              <a:t>WEB</a:t>
+            </a:r>
+            <a:r>
+              <a:rPr lang="ja-JP" altLang="en-US" dirty="0" smtClean="0"/>
+              <a:t>ブラウザ上でのコードの実行</a:t>
+            </a:r>
+            <a:endParaRPr lang="en-US" altLang="ja-JP" dirty="0" smtClean="0"/>
+          </a:p>
+          <a:p>
+            <a:endParaRPr lang="ja-JP" altLang="en-US" dirty="0"/>
+          </a:p>
+        </p:txBody>
+      </p:sp>
+    </p:spTree>
+    <p:extLst>
+      <p:ext uri="{BB962C8B-B14F-4D97-AF65-F5344CB8AC3E}">
+        <p14:creationId xmlns:p14="http://schemas.microsoft.com/office/powerpoint/2010/main" val="2460047817"/>
+      </p:ext>
+    </p:extLst>
+  </p:cSld>
+  <p:clrMapOvr>
+    <a:masterClrMapping/>
+  </p:clrMapOvr>
+  <p:timing>
+    <p:tnLst>
+      <p:par>
+        <p:cTn id="1" dur="indefinite" restart="never" nodeType="tmRoot"/>
+      </p:par>
+    </p:tnLst>
+  </p:timing>
 </p:sld>
 </file>
 
@@ -4529,11 +5757,7 @@
             </a:r>
             <a:r>
               <a:rPr lang="ja-JP" altLang="en-US" dirty="0" smtClean="0"/>
-              <a:t>年に</a:t>
-            </a:r>
-            <a:r>
-              <a:rPr lang="ja-JP" altLang="en-US" dirty="0" smtClean="0"/>
-              <a:t>小学校</a:t>
+              <a:t>年に小学校</a:t>
             </a:r>
             <a:r>
               <a:rPr lang="ja-JP" altLang="en-US" dirty="0"/>
@@ -4541,29 +5765,57 @@
             </a:r>
             <a:r>
               <a:rPr lang="ja-JP" altLang="en-US" dirty="0" smtClean="0"/>
-              <a:t>以降</a:t>
+              <a:t>以降１年毎に</a:t>
+            </a:r>
+            <a:r>
+              <a:rPr lang="ja-JP" altLang="en-US" dirty="0"/>
+              <a:t>中学校，高等</a:t>
             </a:r>
             <a:r>
               <a:rPr lang="ja-JP" altLang="en-US" dirty="0" smtClean="0"/>
-              <a:t>１年毎に中学校、高等学校にてプログラミング教育の必修化が実施</a:t>
+              <a:t>学校にてプログラミング教育の必修化が実施</a:t>
+            </a:r>
+            <a:r>
+              <a:rPr lang="ja-JP" altLang="en-US" dirty="0"/>
+              <a:t>される．</a:t>
+            </a:r>
+            <a:endParaRPr lang="en-US" altLang="ja-JP" dirty="0" smtClean="0"/>
+          </a:p>
+          <a:p>
+            <a:endParaRPr lang="en-US" altLang="ja-JP" dirty="0" smtClean="0"/>
+          </a:p>
+          <a:p>
+            <a:r>
+              <a:rPr kumimoji="1" lang="ja-JP" altLang="en-US" dirty="0" smtClean="0"/>
+              <a:t>プログラミング教育の必修化</a:t>
+            </a:r>
+            <a:r>
+              <a:rPr kumimoji="1" lang="ja-JP" altLang="en-US" dirty="0" smtClean="0"/>
+              <a:t>は</a:t>
+            </a:r>
+            <a:r>
+              <a:rPr lang="ja-JP" altLang="en-US" dirty="0"/>
+              <a:t>，</a:t>
+            </a:r>
+            <a:r>
+              <a:rPr kumimoji="1" lang="ja-JP" altLang="en-US" dirty="0" smtClean="0"/>
+              <a:t>プログラマー</a:t>
+            </a:r>
+            <a:r>
+              <a:rPr kumimoji="1" lang="ja-JP" altLang="en-US" dirty="0" smtClean="0"/>
+              <a:t>を育てることが目的では</a:t>
+            </a:r>
+            <a:r>
+              <a:rPr kumimoji="1" lang="ja-JP" altLang="en-US" dirty="0" smtClean="0"/>
+              <a:t>なく</a:t>
             </a:r>
             <a:r>
               <a:rPr lang="ja-JP" altLang="en-US" dirty="0" smtClean="0"/>
-              <a:t>される．</a:t>
-            </a:r>
-            <a:endParaRPr lang="en-US" altLang="ja-JP" dirty="0" smtClean="0"/>
-          </a:p>
-          <a:p>
-            <a:endParaRPr lang="en-US" altLang="ja-JP" dirty="0" smtClean="0"/>
-          </a:p>
-          <a:p>
-            <a:r>
-              <a:rPr kumimoji="1" lang="ja-JP" altLang="en-US" dirty="0" smtClean="0"/>
-              <a:t>プログラミング教育の必修化は、プログラマーを育てることが目的ではなく、</a:t>
+              <a:t>，現代社会で普遍的</a:t>
             </a:r>
             <a:r>
               <a:rPr lang="ja-JP" altLang="en-US" dirty="0"/>
-              <a:t>普遍的に求められる力としての</a:t>
+              <a:t>に求められる力としての</a:t>
             </a:r>
             <a:r>
               <a:rPr lang="ja-JP" altLang="en-US" dirty="0" smtClean="0"/>
@@ -4578,20 +5830,32 @@
               <a:t>ことであると文部科学省が発表して</a:t>
             </a:r>
             <a:r>
+              <a:rPr lang="ja-JP" altLang="en-US" dirty="0"/>
+              <a:t>いる．</a:t>
+            </a:r>
+            <a:endParaRPr lang="en-US" altLang="ja-JP" dirty="0"/>
+          </a:p>
+          <a:p>
+            <a:endParaRPr kumimoji="1" lang="en-US" altLang="ja-JP" dirty="0"/>
+          </a:p>
+          <a:p>
+            <a:r>
               <a:rPr lang="ja-JP" altLang="en-US" dirty="0" smtClean="0"/>
-              <a:t>いる。</a:t>
-            </a:r>
-            <a:endParaRPr lang="en-US" altLang="ja-JP" dirty="0" smtClean="0"/>
-          </a:p>
-          <a:p>
-            <a:endParaRPr kumimoji="1" lang="en-US" altLang="ja-JP" dirty="0"/>
-          </a:p>
-          <a:p>
+              <a:t>日本の教育と</a:t>
+            </a:r>
+            <a:r>
+              <a:rPr lang="ja-JP" altLang="en-US" dirty="0"/>
+              <a:t>して，論理的</a:t>
+            </a:r>
             <a:r>
               <a:rPr lang="ja-JP" altLang="en-US" dirty="0" smtClean="0"/>
-              <a:t>日本の教育として、論理的思考がすでに育まれていることが前提となっている教育が一般的である。</a:t>
-            </a:r>
-            <a:endParaRPr kumimoji="1" lang="en-US" altLang="ja-JP" dirty="0" smtClean="0"/>
+              <a:t>思考がすでに育まれていることが前提となっている教育が一般的で</a:t>
+            </a:r>
+            <a:r>
+              <a:rPr lang="ja-JP" altLang="en-US" dirty="0"/>
+              <a:t>ある．</a:t>
+            </a:r>
+            <a:endParaRPr lang="en-US" altLang="ja-JP" dirty="0"/>
           </a:p>
         </p:txBody>
       </p:sp>
@@ -4614,7 +5878,7 @@
               <a:rPr kumimoji="1" lang="ja-JP" altLang="en-US" smtClean="0"/>
               <a:t>2</a:t>
             </a:fld>
-            <a:endParaRPr kumimoji="1" lang="ja-JP" altLang="en-US"/>
+            <a:endParaRPr kumimoji="1" lang="ja-JP" altLang="en-US" dirty="0"/>
           </a:p>
         </p:txBody>
       </p:sp>
@@ -4672,7 +5936,7 @@
           <a:p>
             <a:r>
               <a:rPr kumimoji="1" lang="ja-JP" altLang="en-US" dirty="0"/>
-              <a:t>関連研究</a:t>
+              <a:t>研究動機</a:t>
             </a:r>
           </a:p>
         </p:txBody>
@@ -4690,299 +5954,86 @@
         <p:spPr/>
         <p:txBody>
           <a:bodyPr>
-            <a:normAutofit fontScale="92500" lnSpcReduction="10000"/>
+            <a:normAutofit/>
           </a:bodyPr>
           <a:lstStyle/>
           <a:p>
             <a:r>
+              <a:rPr lang="ja-JP" altLang="en-US" dirty="0" smtClean="0"/>
+              <a:t>小学生</a:t>
+            </a:r>
+            <a:r>
               <a:rPr lang="ja-JP" altLang="en-US" dirty="0"/>
-              <a:t>論理的思考力を育成する国語科授業の</a:t>
-            </a:r>
-            <a:r>
-              <a:rPr lang="ja-JP" altLang="en-US"/>
-              <a:t>検証 </a:t>
-            </a:r>
-            <a:endParaRPr lang="en-US" altLang="ja-JP" dirty="0" smtClean="0">
-              <a:latin typeface="+mn-ea"/>
-            </a:endParaRPr>
-          </a:p>
-          <a:p>
-            <a:r>
-              <a:rPr lang="ja-JP" altLang="en-US" dirty="0" smtClean="0">
-                <a:latin typeface="+mn-ea"/>
-              </a:rPr>
-              <a:t>論理的</a:t>
-            </a:r>
-            <a:r>
-              <a:rPr lang="ja-JP" altLang="en-US" dirty="0">
-                <a:latin typeface="+mn-ea"/>
-              </a:rPr>
-              <a:t>思考とは何か</a:t>
-            </a:r>
-            <a:r>
-              <a:rPr lang="en-US" altLang="ja-JP" dirty="0" smtClean="0">
-                <a:latin typeface="+mn-ea"/>
-              </a:rPr>
-              <a:t>?</a:t>
-            </a:r>
-          </a:p>
-          <a:p>
-            <a:pPr marL="0" indent="0">
-              <a:buNone/>
-            </a:pPr>
-            <a:r>
-              <a:rPr lang="ja-JP" altLang="en-US" dirty="0" smtClean="0">
-                <a:latin typeface="+mn-ea"/>
-              </a:rPr>
-              <a:t>　道田</a:t>
-            </a:r>
-            <a:r>
-              <a:rPr lang="en-US" altLang="ja-JP" dirty="0">
-                <a:latin typeface="+mn-ea"/>
-              </a:rPr>
-              <a:t>, </a:t>
-            </a:r>
-            <a:r>
-              <a:rPr lang="ja-JP" altLang="en-US" dirty="0" smtClean="0">
-                <a:latin typeface="+mn-ea"/>
-              </a:rPr>
-              <a:t>泰司</a:t>
-            </a:r>
-            <a:endParaRPr lang="en-US" altLang="ja-JP" dirty="0" smtClean="0">
-              <a:latin typeface="+mn-ea"/>
-            </a:endParaRPr>
-          </a:p>
-          <a:p>
-            <a:pPr marL="0" indent="0">
-              <a:buNone/>
-            </a:pPr>
-            <a:endParaRPr lang="en-US" altLang="ja-JP" dirty="0" smtClean="0">
-              <a:latin typeface="+mn-ea"/>
-            </a:endParaRPr>
-          </a:p>
-          <a:p>
-            <a:r>
-              <a:rPr lang="en-US" altLang="ja-JP" dirty="0" smtClean="0">
-                <a:latin typeface="+mn-ea"/>
-              </a:rPr>
-              <a:t>Java </a:t>
-            </a:r>
-            <a:r>
-              <a:rPr lang="ja-JP" altLang="en-US" dirty="0">
-                <a:latin typeface="+mn-ea"/>
-              </a:rPr>
-              <a:t>プログラミングの予約語学習のためのオンライン穴埋め問題機能の</a:t>
-            </a:r>
-            <a:r>
-              <a:rPr lang="ja-JP" altLang="en-US" dirty="0" smtClean="0">
-                <a:latin typeface="+mn-ea"/>
-              </a:rPr>
-              <a:t>実装</a:t>
-            </a:r>
-            <a:endParaRPr lang="en-US" altLang="ja-JP" dirty="0" smtClean="0">
-              <a:latin typeface="+mn-ea"/>
-            </a:endParaRPr>
-          </a:p>
-          <a:p>
-            <a:pPr marL="0" indent="0">
-              <a:buNone/>
-            </a:pPr>
-            <a:r>
-              <a:rPr lang="ja-JP" altLang="en-US" dirty="0" smtClean="0">
-                <a:latin typeface="+mn-ea"/>
-              </a:rPr>
-              <a:t>　伊</a:t>
-            </a:r>
-            <a:r>
-              <a:rPr lang="ja-JP" altLang="en-US" dirty="0">
-                <a:latin typeface="+mn-ea"/>
-              </a:rPr>
-              <a:t>永 </a:t>
-            </a:r>
-            <a:r>
-              <a:rPr lang="ja-JP" altLang="en-US" dirty="0" smtClean="0">
-                <a:latin typeface="+mn-ea"/>
-              </a:rPr>
-              <a:t>洋輔</a:t>
-            </a:r>
-            <a:r>
-              <a:rPr lang="en-US" altLang="ja-JP" dirty="0" smtClean="0">
-                <a:latin typeface="+mn-ea"/>
-              </a:rPr>
-              <a:t>,</a:t>
-            </a:r>
-            <a:r>
-              <a:rPr lang="ja-JP" altLang="en-US" dirty="0">
-                <a:latin typeface="+mn-ea"/>
-              </a:rPr>
-              <a:t>松島 </a:t>
-            </a:r>
-            <a:r>
-              <a:rPr lang="ja-JP" altLang="en-US" dirty="0" smtClean="0">
-                <a:latin typeface="+mn-ea"/>
-              </a:rPr>
-              <a:t>由紀子</a:t>
-            </a:r>
-            <a:r>
-              <a:rPr lang="en-US" altLang="ja-JP" dirty="0" smtClean="0">
-                <a:latin typeface="+mn-ea"/>
-              </a:rPr>
-              <a:t>,</a:t>
-            </a:r>
-            <a:r>
-              <a:rPr lang="ja-JP" altLang="en-US" dirty="0">
-                <a:latin typeface="+mn-ea"/>
-              </a:rPr>
-              <a:t>舩曵 </a:t>
-            </a:r>
-            <a:r>
-              <a:rPr lang="ja-JP" altLang="en-US" dirty="0" smtClean="0">
-                <a:latin typeface="+mn-ea"/>
-              </a:rPr>
-              <a:t>信生</a:t>
-            </a:r>
-            <a:r>
-              <a:rPr lang="en-US" altLang="ja-JP" dirty="0" smtClean="0">
-                <a:latin typeface="+mn-ea"/>
-              </a:rPr>
-              <a:t>,</a:t>
-            </a:r>
-            <a:r>
-              <a:rPr lang="ja-JP" altLang="en-US" dirty="0">
-                <a:latin typeface="+mn-ea"/>
-              </a:rPr>
-              <a:t>中西 </a:t>
-            </a:r>
-            <a:r>
-              <a:rPr lang="ja-JP" altLang="en-US" dirty="0" smtClean="0">
-                <a:latin typeface="+mn-ea"/>
-              </a:rPr>
-              <a:t>透</a:t>
-            </a:r>
-            <a:r>
-              <a:rPr lang="en-US" altLang="ja-JP" dirty="0" smtClean="0">
-                <a:latin typeface="+mn-ea"/>
-              </a:rPr>
-              <a:t>,</a:t>
-            </a:r>
-            <a:r>
-              <a:rPr lang="ja-JP" altLang="en-US" dirty="0">
-                <a:latin typeface="+mn-ea"/>
-              </a:rPr>
-              <a:t>天野 憲樹</a:t>
-            </a:r>
-            <a:endParaRPr lang="en-US" altLang="ja-JP" dirty="0" smtClean="0">
-              <a:latin typeface="+mn-ea"/>
-            </a:endParaRPr>
-          </a:p>
-          <a:p>
-            <a:endParaRPr kumimoji="1" lang="en-US" altLang="ja-JP" dirty="0">
-              <a:latin typeface="+mn-ea"/>
-            </a:endParaRPr>
-          </a:p>
-          <a:p>
-            <a:r>
-              <a:rPr lang="en-US" altLang="ja-JP" dirty="0">
-                <a:latin typeface="+mn-ea"/>
-              </a:rPr>
-              <a:t>Scratch</a:t>
-            </a:r>
-            <a:r>
-              <a:rPr lang="ja-JP" altLang="en-US" dirty="0">
-                <a:latin typeface="+mn-ea"/>
-              </a:rPr>
+              <a:t>から高校生までが勉強するため</a:t>
+            </a:r>
+            <a:r>
+              <a:rPr lang="ja-JP" altLang="en-US" dirty="0"/>
+              <a:t>に，教科書</a:t>
+            </a:r>
+            <a:r>
+              <a:rPr lang="ja-JP" altLang="en-US" dirty="0"/>
+              <a:t>を読み進めるだけでは難しい場合が</a:t>
+            </a:r>
+            <a:r>
+              <a:rPr lang="ja-JP" altLang="en-US" dirty="0"/>
+              <a:t>考えられる</a:t>
+            </a:r>
+            <a:r>
+              <a:rPr lang="ja-JP" altLang="en-US" dirty="0" smtClean="0"/>
+              <a:t>．</a:t>
+            </a:r>
+            <a:endParaRPr lang="en-US" altLang="ja-JP" dirty="0" smtClean="0"/>
+          </a:p>
+          <a:p>
+            <a:r>
+              <a:rPr lang="ja-JP" altLang="en-US" dirty="0" smtClean="0"/>
+              <a:t>学習者</a:t>
+            </a:r>
+            <a:r>
+              <a:rPr lang="ja-JP" altLang="en-US" dirty="0"/>
+              <a:t>が実際にプログラミングに触れてみること</a:t>
+            </a:r>
+            <a:r>
+              <a:rPr lang="ja-JP" altLang="en-US" dirty="0"/>
+              <a:t>で，論理的</a:t>
+            </a:r>
+            <a:r>
+              <a:rPr lang="ja-JP" altLang="en-US" dirty="0"/>
+              <a:t>思考を身に</a:t>
+            </a:r>
+            <a:r>
+              <a:rPr lang="ja-JP" altLang="en-US" dirty="0" smtClean="0"/>
+              <a:t>着けられる環境</a:t>
+            </a:r>
+            <a:r>
+              <a:rPr lang="ja-JP" altLang="en-US" dirty="0"/>
               <a:t>を</a:t>
             </a:r>
             <a:r>
-              <a:rPr lang="ja-JP" altLang="en-US" dirty="0" smtClean="0">
-                <a:latin typeface="+mn-ea"/>
-              </a:rPr>
-              <a:t>用いた小学校プログラ </a:t>
-            </a:r>
-            <a:r>
-              <a:rPr lang="ja-JP" altLang="en-US" dirty="0">
-                <a:latin typeface="+mn-ea"/>
-              </a:rPr>
-              <a:t>ミ </a:t>
-            </a:r>
-            <a:r>
-              <a:rPr lang="ja-JP" altLang="en-US" dirty="0" smtClean="0">
-                <a:latin typeface="+mn-ea"/>
-              </a:rPr>
-              <a:t>ング授業の実践</a:t>
-            </a:r>
-            <a:endParaRPr lang="en-US" altLang="ja-JP" dirty="0" smtClean="0">
-              <a:latin typeface="+mn-ea"/>
-            </a:endParaRPr>
-          </a:p>
-          <a:p>
-            <a:pPr marL="0" indent="0">
-              <a:buNone/>
-            </a:pPr>
-            <a:r>
-              <a:rPr lang="ja-JP" altLang="en-US" dirty="0">
-                <a:latin typeface="+mn-ea"/>
-              </a:rPr>
-              <a:t>　</a:t>
-            </a:r>
-            <a:r>
-              <a:rPr lang="zh-TW" altLang="en-US" dirty="0">
-                <a:latin typeface="ＭＳ Ｐゴシック" panose="020B0600070205080204" pitchFamily="50" charset="-128"/>
-                <a:ea typeface="ＭＳ Ｐゴシック" panose="020B0600070205080204" pitchFamily="50" charset="-128"/>
-              </a:rPr>
-              <a:t>森 秀樹</a:t>
-            </a:r>
-            <a:r>
-              <a:rPr lang="en-US" altLang="zh-TW" dirty="0">
-                <a:latin typeface="ＭＳ Ｐゴシック" panose="020B0600070205080204" pitchFamily="50" charset="-128"/>
-                <a:ea typeface="ＭＳ Ｐゴシック" panose="020B0600070205080204" pitchFamily="50" charset="-128"/>
-              </a:rPr>
-              <a:t>, </a:t>
-            </a:r>
-            <a:r>
-              <a:rPr lang="zh-TW" altLang="en-US" dirty="0">
-                <a:latin typeface="ＭＳ Ｐゴシック" panose="020B0600070205080204" pitchFamily="50" charset="-128"/>
-                <a:ea typeface="ＭＳ Ｐゴシック" panose="020B0600070205080204" pitchFamily="50" charset="-128"/>
-              </a:rPr>
-              <a:t>杉澤 学</a:t>
-            </a:r>
-            <a:r>
-              <a:rPr lang="en-US" altLang="zh-TW" dirty="0">
-                <a:latin typeface="ＭＳ Ｐゴシック" panose="020B0600070205080204" pitchFamily="50" charset="-128"/>
-                <a:ea typeface="ＭＳ Ｐゴシック" panose="020B0600070205080204" pitchFamily="50" charset="-128"/>
-              </a:rPr>
-              <a:t>, </a:t>
-            </a:r>
-            <a:r>
-              <a:rPr lang="zh-TW" altLang="en-US" dirty="0">
-                <a:latin typeface="ＭＳ Ｐゴシック" panose="020B0600070205080204" pitchFamily="50" charset="-128"/>
-                <a:ea typeface="ＭＳ Ｐゴシック" panose="020B0600070205080204" pitchFamily="50" charset="-128"/>
-              </a:rPr>
-              <a:t>張 海</a:t>
-            </a:r>
-            <a:r>
-              <a:rPr lang="en-US" altLang="zh-TW" dirty="0">
-                <a:latin typeface="ＭＳ Ｐゴシック" panose="020B0600070205080204" pitchFamily="50" charset="-128"/>
-                <a:ea typeface="ＭＳ Ｐゴシック" panose="020B0600070205080204" pitchFamily="50" charset="-128"/>
-              </a:rPr>
-              <a:t>, </a:t>
-            </a:r>
-            <a:r>
-              <a:rPr lang="zh-TW" altLang="en-US" dirty="0">
-                <a:latin typeface="ＭＳ Ｐゴシック" panose="020B0600070205080204" pitchFamily="50" charset="-128"/>
-                <a:ea typeface="ＭＳ Ｐゴシック" panose="020B0600070205080204" pitchFamily="50" charset="-128"/>
-              </a:rPr>
-              <a:t>前迫 孝憲</a:t>
-            </a:r>
-            <a:endParaRPr lang="en-US" altLang="ja-JP" dirty="0">
-              <a:latin typeface="ＭＳ Ｐゴシック" panose="020B0600070205080204" pitchFamily="50" charset="-128"/>
-              <a:ea typeface="ＭＳ Ｐゴシック" panose="020B0600070205080204" pitchFamily="50" charset="-128"/>
-            </a:endParaRPr>
-          </a:p>
-          <a:p>
-            <a:pPr marL="0" indent="0">
-              <a:buNone/>
-            </a:pPr>
+              <a:rPr lang="ja-JP" altLang="en-US" dirty="0" smtClean="0"/>
+              <a:t>作成したいと</a:t>
+            </a:r>
+            <a:r>
+              <a:rPr lang="ja-JP" altLang="en-US" dirty="0"/>
+              <a:t>考えた</a:t>
+            </a:r>
+            <a:r>
+              <a:rPr lang="ja-JP" altLang="en-US" dirty="0" smtClean="0"/>
+              <a:t>．</a:t>
+            </a:r>
+            <a:endParaRPr lang="en-US" altLang="ja-JP" dirty="0" smtClean="0"/>
+          </a:p>
+          <a:p>
+            <a:r>
+              <a:rPr lang="ja-JP" altLang="en-US" dirty="0" smtClean="0"/>
+              <a:t>ブロックプログラミングを利用することにより，学習の再初期段階でプログラムの構文を理解することなく実行することができる．</a:t>
+            </a:r>
+            <a:endParaRPr lang="en-US" altLang="ja-JP" dirty="0" smtClean="0"/>
+          </a:p>
+          <a:p>
+            <a:endParaRPr lang="en-US" altLang="ja-JP" dirty="0"/>
+          </a:p>
+          <a:p>
             <a:endParaRPr kumimoji="1" lang="ja-JP" altLang="en-US" dirty="0"/>
           </a:p>
         </p:txBody>
@@ -5006,14 +6057,14 @@
               <a:rPr kumimoji="1" lang="ja-JP" altLang="en-US" smtClean="0"/>
               <a:t>3</a:t>
             </a:fld>
-            <a:endParaRPr kumimoji="1" lang="ja-JP" altLang="en-US"/>
+            <a:endParaRPr kumimoji="1" lang="ja-JP" altLang="en-US" dirty="0"/>
           </a:p>
         </p:txBody>
       </p:sp>
     </p:spTree>
     <p:extLst>
       <p:ext uri="{BB962C8B-B14F-4D97-AF65-F5344CB8AC3E}">
-        <p14:creationId xmlns:p14="http://schemas.microsoft.com/office/powerpoint/2010/main" val="3769541672"/>
+        <p14:creationId xmlns:p14="http://schemas.microsoft.com/office/powerpoint/2010/main" val="3482704347"/>
       </p:ext>
     </p:extLst>
   </p:cSld>
@@ -5064,7 +6115,7 @@
           <a:p>
             <a:r>
               <a:rPr kumimoji="1" lang="ja-JP" altLang="en-US" dirty="0"/>
-              <a:t>研究課題</a:t>
+              <a:t>関連研究</a:t>
             </a:r>
           </a:p>
         </p:txBody>
@@ -5079,93 +6130,299 @@
             <p:ph idx="1"/>
           </p:nvPr>
         </p:nvSpPr>
-        <p:spPr>
-          <a:xfrm>
-            <a:off x="628650" y="1847851"/>
-            <a:ext cx="7886700" cy="4351338"/>
-          </a:xfrm>
-        </p:spPr>
+        <p:spPr/>
         <p:txBody>
           <a:bodyPr>
-            <a:normAutofit/>
+            <a:normAutofit fontScale="92500" lnSpcReduction="10000"/>
           </a:bodyPr>
           <a:lstStyle/>
           <a:p>
             <a:r>
               <a:rPr lang="ja-JP" altLang="en-US" dirty="0"/>
-              <a:t>論理的思考を教えることを軽視する教育</a:t>
-            </a:r>
-            <a:r>
-              <a:rPr lang="ja-JP" altLang="en-US" dirty="0" smtClean="0"/>
-              <a:t>環境となっている。</a:t>
-            </a:r>
-            <a:endParaRPr lang="en-US" altLang="ja-JP" dirty="0"/>
+              <a:t>論理的思考力を育成する国語科授業の検証 </a:t>
+            </a:r>
+            <a:endParaRPr lang="en-US" altLang="ja-JP" dirty="0" smtClean="0">
+              <a:latin typeface="+mn-ea"/>
+            </a:endParaRPr>
+          </a:p>
+          <a:p>
+            <a:r>
+              <a:rPr lang="ja-JP" altLang="en-US" dirty="0" smtClean="0">
+                <a:latin typeface="+mn-ea"/>
+              </a:rPr>
+              <a:t>論理的</a:t>
+            </a:r>
+            <a:r>
+              <a:rPr lang="ja-JP" altLang="en-US" dirty="0">
+                <a:latin typeface="+mn-ea"/>
+              </a:rPr>
+              <a:t>思考とは何か</a:t>
+            </a:r>
+            <a:r>
+              <a:rPr lang="en-US" altLang="ja-JP" dirty="0" smtClean="0">
+                <a:latin typeface="+mn-ea"/>
+              </a:rPr>
+              <a:t>?</a:t>
+            </a:r>
           </a:p>
           <a:p>
             <a:pPr marL="0" indent="0">
               <a:buNone/>
             </a:pPr>
             <a:r>
-              <a:rPr lang="ja-JP" altLang="en-US" dirty="0"/>
-              <a:t>　</a:t>
-            </a:r>
-            <a:r>
-              <a:rPr lang="ja-JP" altLang="en-US" dirty="0" smtClean="0"/>
-              <a:t>→問題</a:t>
-            </a:r>
-            <a:r>
-              <a:rPr lang="ja-JP" altLang="en-US" dirty="0"/>
-              <a:t>文</a:t>
-            </a:r>
-            <a:r>
-              <a:rPr lang="ja-JP" altLang="en-US" dirty="0" smtClean="0"/>
-              <a:t>から、ユーザ</a:t>
-            </a:r>
-            <a:r>
-              <a:rPr lang="ja-JP" altLang="en-US" dirty="0"/>
-              <a:t>がブロックを</a:t>
-            </a:r>
-            <a:r>
-              <a:rPr lang="ja-JP" altLang="en-US" dirty="0" smtClean="0"/>
-              <a:t>組み合わせるシステムだけ</a:t>
-            </a:r>
-            <a:r>
-              <a:rPr lang="ja-JP" altLang="en-US" dirty="0"/>
-              <a:t>で</a:t>
-            </a:r>
-            <a:r>
-              <a:rPr lang="ja-JP" altLang="en-US" dirty="0" smtClean="0"/>
-              <a:t>は、論理的</a:t>
-            </a:r>
-            <a:r>
-              <a:rPr lang="ja-JP" altLang="en-US" dirty="0"/>
-              <a:t>思考を身に着けるのは</a:t>
-            </a:r>
-            <a:r>
-              <a:rPr lang="ja-JP" altLang="en-US" dirty="0" smtClean="0"/>
-              <a:t>難しい。</a:t>
-            </a:r>
-            <a:endParaRPr lang="en-US" altLang="ja-JP" dirty="0"/>
+              <a:rPr lang="ja-JP" altLang="en-US" dirty="0" smtClean="0">
+                <a:latin typeface="+mn-ea"/>
+              </a:rPr>
+              <a:t>　道田</a:t>
+            </a:r>
+            <a:r>
+              <a:rPr lang="en-US" altLang="ja-JP" dirty="0">
+                <a:latin typeface="+mn-ea"/>
+              </a:rPr>
+              <a:t>, </a:t>
+            </a:r>
+            <a:r>
+              <a:rPr lang="ja-JP" altLang="en-US" dirty="0" smtClean="0">
+                <a:latin typeface="+mn-ea"/>
+              </a:rPr>
+              <a:t>泰司</a:t>
+            </a:r>
+            <a:endParaRPr lang="en-US" altLang="ja-JP" dirty="0" smtClean="0">
+              <a:latin typeface="+mn-ea"/>
+            </a:endParaRPr>
           </a:p>
           <a:p>
             <a:pPr marL="0" indent="0">
               <a:buNone/>
             </a:pPr>
-            <a:r>
-              <a:rPr lang="ja-JP" altLang="en-US" dirty="0"/>
-              <a:t>　→チュートリアルのようなものや、ヒントなどを実装することで、論理的思考を身に着ける手助けに</a:t>
-            </a:r>
-            <a:r>
-              <a:rPr lang="ja-JP" altLang="en-US" dirty="0" smtClean="0"/>
-              <a:t>なる。</a:t>
-            </a:r>
-            <a:endParaRPr lang="en-US" altLang="ja-JP" dirty="0"/>
+            <a:endParaRPr lang="en-US" altLang="ja-JP" dirty="0" smtClean="0">
+              <a:latin typeface="+mn-ea"/>
+            </a:endParaRPr>
+          </a:p>
+          <a:p>
+            <a:r>
+              <a:rPr lang="en-US" altLang="ja-JP" dirty="0" smtClean="0">
+                <a:latin typeface="+mn-ea"/>
+              </a:rPr>
+              <a:t>Java </a:t>
+            </a:r>
+            <a:r>
+              <a:rPr lang="ja-JP" altLang="en-US" dirty="0">
+                <a:latin typeface="+mn-ea"/>
+              </a:rPr>
+              <a:t>プログラミングの予約語学習のためのオンライン穴埋め問題機能の</a:t>
+            </a:r>
+            <a:r>
+              <a:rPr lang="ja-JP" altLang="en-US" dirty="0" smtClean="0">
+                <a:latin typeface="+mn-ea"/>
+              </a:rPr>
+              <a:t>実装</a:t>
+            </a:r>
+            <a:endParaRPr lang="en-US" altLang="ja-JP" dirty="0" smtClean="0">
+              <a:latin typeface="+mn-ea"/>
+            </a:endParaRPr>
           </a:p>
           <a:p>
             <a:pPr marL="0" indent="0">
               <a:buNone/>
             </a:pPr>
-            <a:endParaRPr kumimoji="1" lang="ja-JP" altLang="en-US" sz="2600" dirty="0"/>
+            <a:r>
+              <a:rPr lang="ja-JP" altLang="en-US" dirty="0" smtClean="0">
+                <a:latin typeface="+mn-ea"/>
+              </a:rPr>
+              <a:t>　伊</a:t>
+            </a:r>
+            <a:r>
+              <a:rPr lang="ja-JP" altLang="en-US" dirty="0">
+                <a:latin typeface="+mn-ea"/>
+              </a:rPr>
+              <a:t>永 </a:t>
+            </a:r>
+            <a:r>
+              <a:rPr lang="ja-JP" altLang="en-US" dirty="0" smtClean="0">
+                <a:latin typeface="+mn-ea"/>
+              </a:rPr>
+              <a:t>洋輔</a:t>
+            </a:r>
+            <a:r>
+              <a:rPr lang="en-US" altLang="ja-JP" dirty="0" smtClean="0">
+                <a:latin typeface="+mn-ea"/>
+              </a:rPr>
+              <a:t>,</a:t>
+            </a:r>
+            <a:r>
+              <a:rPr lang="ja-JP" altLang="en-US" dirty="0">
+                <a:latin typeface="+mn-ea"/>
+              </a:rPr>
+              <a:t>松島 </a:t>
+            </a:r>
+            <a:r>
+              <a:rPr lang="ja-JP" altLang="en-US" dirty="0" smtClean="0">
+                <a:latin typeface="+mn-ea"/>
+              </a:rPr>
+              <a:t>由紀子</a:t>
+            </a:r>
+            <a:r>
+              <a:rPr lang="en-US" altLang="ja-JP" dirty="0" smtClean="0">
+                <a:latin typeface="+mn-ea"/>
+              </a:rPr>
+              <a:t>,</a:t>
+            </a:r>
+            <a:r>
+              <a:rPr lang="ja-JP" altLang="en-US" dirty="0">
+                <a:latin typeface="+mn-ea"/>
+              </a:rPr>
+              <a:t>舩曵 </a:t>
+            </a:r>
+            <a:r>
+              <a:rPr lang="ja-JP" altLang="en-US" dirty="0" smtClean="0">
+                <a:latin typeface="+mn-ea"/>
+              </a:rPr>
+              <a:t>信生</a:t>
+            </a:r>
+            <a:r>
+              <a:rPr lang="en-US" altLang="ja-JP" dirty="0" smtClean="0">
+                <a:latin typeface="+mn-ea"/>
+              </a:rPr>
+              <a:t>,</a:t>
+            </a:r>
+            <a:r>
+              <a:rPr lang="ja-JP" altLang="en-US" dirty="0">
+                <a:latin typeface="+mn-ea"/>
+              </a:rPr>
+              <a:t>中西 </a:t>
+            </a:r>
+            <a:r>
+              <a:rPr lang="ja-JP" altLang="en-US" dirty="0" smtClean="0">
+                <a:latin typeface="+mn-ea"/>
+              </a:rPr>
+              <a:t>透</a:t>
+            </a:r>
+            <a:r>
+              <a:rPr lang="en-US" altLang="ja-JP" dirty="0" smtClean="0">
+                <a:latin typeface="+mn-ea"/>
+              </a:rPr>
+              <a:t>,</a:t>
+            </a:r>
+            <a:r>
+              <a:rPr lang="ja-JP" altLang="en-US" dirty="0">
+                <a:latin typeface="+mn-ea"/>
+              </a:rPr>
+              <a:t>天野 憲樹</a:t>
+            </a:r>
+            <a:endParaRPr lang="en-US" altLang="ja-JP" dirty="0" smtClean="0">
+              <a:latin typeface="+mn-ea"/>
+            </a:endParaRPr>
+          </a:p>
+          <a:p>
+            <a:endParaRPr kumimoji="1" lang="en-US" altLang="ja-JP" dirty="0">
+              <a:latin typeface="+mn-ea"/>
+            </a:endParaRPr>
+          </a:p>
+          <a:p>
+            <a:r>
+              <a:rPr lang="en-US" altLang="ja-JP" dirty="0">
+                <a:latin typeface="+mn-ea"/>
+              </a:rPr>
+              <a:t>Scratch</a:t>
+            </a:r>
+            <a:r>
+              <a:rPr lang="ja-JP" altLang="en-US" dirty="0">
+                <a:latin typeface="+mn-ea"/>
+              </a:rPr>
+              <a:t>を</a:t>
+            </a:r>
+            <a:r>
+              <a:rPr lang="ja-JP" altLang="en-US" dirty="0" smtClean="0">
+                <a:latin typeface="+mn-ea"/>
+              </a:rPr>
+              <a:t>用いた小学校プログラ </a:t>
+            </a:r>
+            <a:r>
+              <a:rPr lang="ja-JP" altLang="en-US" dirty="0">
+                <a:latin typeface="+mn-ea"/>
+              </a:rPr>
+              <a:t>ミ </a:t>
+            </a:r>
+            <a:r>
+              <a:rPr lang="ja-JP" altLang="en-US" dirty="0" smtClean="0">
+                <a:latin typeface="+mn-ea"/>
+              </a:rPr>
+              <a:t>ング授業の実践</a:t>
+            </a:r>
+            <a:endParaRPr lang="en-US" altLang="ja-JP" dirty="0" smtClean="0">
+              <a:latin typeface="+mn-ea"/>
+            </a:endParaRPr>
+          </a:p>
+          <a:p>
+            <a:pPr marL="0" indent="0">
+              <a:buNone/>
+            </a:pPr>
+            <a:r>
+              <a:rPr lang="ja-JP" altLang="en-US" dirty="0">
+                <a:latin typeface="+mn-ea"/>
+              </a:rPr>
+              <a:t>　</a:t>
+            </a:r>
+            <a:r>
+              <a:rPr lang="zh-TW" altLang="en-US" dirty="0">
+                <a:latin typeface="ＭＳ Ｐゴシック" panose="020B0600070205080204" pitchFamily="50" charset="-128"/>
+                <a:ea typeface="ＭＳ Ｐゴシック" panose="020B0600070205080204" pitchFamily="50" charset="-128"/>
+              </a:rPr>
+              <a:t>森 秀樹</a:t>
+            </a:r>
+            <a:r>
+              <a:rPr lang="en-US" altLang="zh-TW" dirty="0">
+                <a:latin typeface="ＭＳ Ｐゴシック" panose="020B0600070205080204" pitchFamily="50" charset="-128"/>
+                <a:ea typeface="ＭＳ Ｐゴシック" panose="020B0600070205080204" pitchFamily="50" charset="-128"/>
+              </a:rPr>
+              <a:t>, </a:t>
+            </a:r>
+            <a:r>
+              <a:rPr lang="zh-TW" altLang="en-US" dirty="0">
+                <a:latin typeface="ＭＳ Ｐゴシック" panose="020B0600070205080204" pitchFamily="50" charset="-128"/>
+                <a:ea typeface="ＭＳ Ｐゴシック" panose="020B0600070205080204" pitchFamily="50" charset="-128"/>
+              </a:rPr>
+              <a:t>杉澤 学</a:t>
+            </a:r>
+            <a:r>
+              <a:rPr lang="en-US" altLang="zh-TW" dirty="0">
+                <a:latin typeface="ＭＳ Ｐゴシック" panose="020B0600070205080204" pitchFamily="50" charset="-128"/>
+                <a:ea typeface="ＭＳ Ｐゴシック" panose="020B0600070205080204" pitchFamily="50" charset="-128"/>
+              </a:rPr>
+              <a:t>, </a:t>
+            </a:r>
+            <a:r>
+              <a:rPr lang="zh-TW" altLang="en-US" dirty="0">
+                <a:latin typeface="ＭＳ Ｐゴシック" panose="020B0600070205080204" pitchFamily="50" charset="-128"/>
+                <a:ea typeface="ＭＳ Ｐゴシック" panose="020B0600070205080204" pitchFamily="50" charset="-128"/>
+              </a:rPr>
+              <a:t>張 海</a:t>
+            </a:r>
+            <a:r>
+              <a:rPr lang="en-US" altLang="zh-TW" dirty="0">
+                <a:latin typeface="ＭＳ Ｐゴシック" panose="020B0600070205080204" pitchFamily="50" charset="-128"/>
+                <a:ea typeface="ＭＳ Ｐゴシック" panose="020B0600070205080204" pitchFamily="50" charset="-128"/>
+              </a:rPr>
+              <a:t>, </a:t>
+            </a:r>
+            <a:r>
+              <a:rPr lang="zh-TW" altLang="en-US" dirty="0">
+                <a:latin typeface="ＭＳ Ｐゴシック" panose="020B0600070205080204" pitchFamily="50" charset="-128"/>
+                <a:ea typeface="ＭＳ Ｐゴシック" panose="020B0600070205080204" pitchFamily="50" charset="-128"/>
+              </a:rPr>
+              <a:t>前迫 孝憲</a:t>
+            </a:r>
+            <a:endParaRPr lang="en-US" altLang="ja-JP" dirty="0">
+              <a:latin typeface="ＭＳ Ｐゴシック" panose="020B0600070205080204" pitchFamily="50" charset="-128"/>
+              <a:ea typeface="ＭＳ Ｐゴシック" panose="020B0600070205080204" pitchFamily="50" charset="-128"/>
+            </a:endParaRPr>
+          </a:p>
+          <a:p>
+            <a:pPr marL="0" indent="0">
+              <a:buNone/>
+            </a:pPr>
+            <a:endParaRPr kumimoji="1" lang="ja-JP" altLang="en-US" dirty="0"/>
           </a:p>
         </p:txBody>
       </p:sp>
@@ -5195,7 +6452,7 @@
     </p:spTree>
     <p:extLst>
       <p:ext uri="{BB962C8B-B14F-4D97-AF65-F5344CB8AC3E}">
-        <p14:creationId xmlns:p14="http://schemas.microsoft.com/office/powerpoint/2010/main" val="1923407823"/>
+        <p14:creationId xmlns:p14="http://schemas.microsoft.com/office/powerpoint/2010/main" val="3769541672"/>
       </p:ext>
     </p:extLst>
   </p:cSld>
@@ -5246,7 +6503,7 @@
           <a:p>
             <a:r>
               <a:rPr kumimoji="1" lang="ja-JP" altLang="en-US" dirty="0"/>
-              <a:t>研究動機</a:t>
+              <a:t>研究課題</a:t>
             </a:r>
           </a:p>
         </p:txBody>
@@ -5261,7 +6518,12 @@
             <p:ph idx="1"/>
           </p:nvPr>
         </p:nvSpPr>
-        <p:spPr/>
+        <p:spPr>
+          <a:xfrm>
+            <a:off x="628650" y="1847851"/>
+            <a:ext cx="7886700" cy="4351338"/>
+          </a:xfrm>
+        </p:spPr>
         <p:txBody>
           <a:bodyPr>
             <a:normAutofit/>
@@ -5270,38 +6532,104 @@
           <a:p>
             <a:r>
               <a:rPr lang="ja-JP" altLang="en-US" dirty="0" smtClean="0"/>
-              <a:t>小学生</a:t>
+              <a:t>本研究において論理と</a:t>
+            </a:r>
+            <a:r>
+              <a:rPr lang="ja-JP" altLang="en-US" dirty="0" smtClean="0"/>
+              <a:t>は「思考</a:t>
             </a:r>
             <a:r>
               <a:rPr lang="ja-JP" altLang="en-US" dirty="0"/>
-              <a:t>から高校生までが勉強するために、教科書を読み進めるだけでは難しい場合が</a:t>
+              <a:t>や論証の</a:t>
             </a:r>
             <a:r>
               <a:rPr lang="ja-JP" altLang="en-US" dirty="0" smtClean="0"/>
-              <a:t>考えられる。</a:t>
+              <a:t>組み立て，思考</a:t>
+            </a:r>
+            <a:r>
+              <a:rPr lang="ja-JP" altLang="en-US" dirty="0"/>
+              <a:t>の妥当性が保証される法則や</a:t>
+            </a:r>
+            <a:r>
+              <a:rPr lang="ja-JP" altLang="en-US" dirty="0" smtClean="0"/>
+              <a:t>形式」のこととする．</a:t>
             </a:r>
             <a:endParaRPr lang="en-US" altLang="ja-JP" dirty="0" smtClean="0"/>
           </a:p>
           <a:p>
+            <a:r>
+              <a:rPr lang="ja-JP" altLang="en-US" dirty="0" smtClean="0"/>
+              <a:t>論理的</a:t>
+            </a:r>
+            <a:r>
+              <a:rPr lang="ja-JP" altLang="en-US" dirty="0"/>
+              <a:t>思考を教えることを軽視する教育</a:t>
+            </a:r>
+            <a:r>
+              <a:rPr lang="ja-JP" altLang="en-US" dirty="0" smtClean="0"/>
+              <a:t>環境となって</a:t>
+            </a:r>
+            <a:r>
+              <a:rPr lang="ja-JP" altLang="en-US" dirty="0"/>
+              <a:t>いる．</a:t>
+            </a:r>
+            <a:endParaRPr lang="en-US" altLang="ja-JP" dirty="0"/>
+          </a:p>
+          <a:p>
+            <a:pPr marL="0" indent="0">
+              <a:buNone/>
+            </a:pPr>
+            <a:r>
+              <a:rPr lang="ja-JP" altLang="en-US" dirty="0"/>
+              <a:t>　</a:t>
+            </a:r>
+            <a:r>
+              <a:rPr lang="ja-JP" altLang="en-US" dirty="0" smtClean="0"/>
+              <a:t>→問題</a:t>
+            </a:r>
+            <a:r>
+              <a:rPr lang="ja-JP" altLang="en-US" dirty="0"/>
+              <a:t>文</a:t>
+            </a:r>
+            <a:r>
+              <a:rPr lang="ja-JP" altLang="en-US" dirty="0"/>
+              <a:t>から，ユーザ</a:t>
+            </a:r>
+            <a:r>
+              <a:rPr lang="ja-JP" altLang="en-US" dirty="0"/>
+              <a:t>がブロックを</a:t>
+            </a:r>
+            <a:r>
+              <a:rPr lang="ja-JP" altLang="en-US" dirty="0" smtClean="0"/>
+              <a:t>組み合わせるシステムだけ</a:t>
+            </a:r>
+            <a:r>
+              <a:rPr lang="ja-JP" altLang="en-US" dirty="0"/>
+              <a:t>で</a:t>
+            </a:r>
+            <a:r>
+              <a:rPr lang="ja-JP" altLang="en-US" dirty="0" smtClean="0"/>
+              <a:t>は、論理的</a:t>
+            </a:r>
+            <a:r>
+              <a:rPr lang="ja-JP" altLang="en-US" dirty="0"/>
+              <a:t>思考を身に着けるのは</a:t>
+            </a:r>
+            <a:r>
+              <a:rPr lang="ja-JP" altLang="en-US" dirty="0"/>
+              <a:t>難しい</a:t>
+            </a:r>
+            <a:r>
+              <a:rPr lang="ja-JP" altLang="en-US" dirty="0" smtClean="0"/>
+              <a:t>．</a:t>
+            </a:r>
             <a:endParaRPr lang="en-US" altLang="ja-JP" dirty="0" smtClean="0"/>
           </a:p>
           <a:p>
-            <a:r>
-              <a:rPr lang="ja-JP" altLang="en-US" dirty="0" smtClean="0"/>
-              <a:t>学習者</a:t>
-            </a:r>
-            <a:r>
-              <a:rPr lang="ja-JP" altLang="en-US" dirty="0"/>
-              <a:t>が実際にプログラミングに触れてみることで、論理的思考を身に着けられる環境を</a:t>
-            </a:r>
-            <a:r>
-              <a:rPr lang="ja-JP" altLang="en-US" dirty="0" smtClean="0"/>
-              <a:t>作成したいと考えた。</a:t>
-            </a:r>
-            <a:endParaRPr lang="en-US" altLang="ja-JP" dirty="0" smtClean="0"/>
-          </a:p>
-          <a:p>
-            <a:endParaRPr kumimoji="1" lang="ja-JP" altLang="en-US" dirty="0"/>
+            <a:pPr marL="0" indent="0">
+              <a:buNone/>
+            </a:pPr>
+            <a:endParaRPr kumimoji="1" lang="en-US" altLang="ja-JP" sz="2600" dirty="0"/>
           </a:p>
         </p:txBody>
       </p:sp>
@@ -5324,14 +6652,14 @@
               <a:rPr kumimoji="1" lang="ja-JP" altLang="en-US" smtClean="0"/>
               <a:t>5</a:t>
             </a:fld>
-            <a:endParaRPr kumimoji="1" lang="ja-JP" altLang="en-US"/>
+            <a:endParaRPr kumimoji="1" lang="ja-JP" altLang="en-US" dirty="0"/>
           </a:p>
         </p:txBody>
       </p:sp>
     </p:spTree>
     <p:extLst>
       <p:ext uri="{BB962C8B-B14F-4D97-AF65-F5344CB8AC3E}">
-        <p14:creationId xmlns:p14="http://schemas.microsoft.com/office/powerpoint/2010/main" val="3482704347"/>
+        <p14:creationId xmlns:p14="http://schemas.microsoft.com/office/powerpoint/2010/main" val="1923407823"/>
       </p:ext>
     </p:extLst>
   </p:cSld>
@@ -5404,28 +6732,50 @@
         </p:nvSpPr>
         <p:spPr/>
         <p:txBody>
-          <a:bodyPr/>
+          <a:bodyPr>
+            <a:normAutofit/>
+          </a:bodyPr>
           <a:lstStyle/>
           <a:p>
             <a:r>
               <a:rPr kumimoji="1" lang="ja-JP" altLang="en-US" dirty="0" smtClean="0"/>
-              <a:t>本研究では、ブロック型のプログラミング環境である</a:t>
+              <a:t>本研究で</a:t>
+            </a:r>
+            <a:r>
+              <a:rPr kumimoji="1" lang="ja-JP" altLang="en-US" dirty="0" smtClean="0"/>
+              <a:t>は</a:t>
+            </a:r>
+            <a:r>
+              <a:rPr lang="ja-JP" altLang="en-US" dirty="0"/>
+              <a:t>，</a:t>
+            </a:r>
+            <a:r>
+              <a:rPr kumimoji="1" lang="ja-JP" altLang="en-US" dirty="0" smtClean="0"/>
+              <a:t>ブロック型</a:t>
+            </a:r>
+            <a:r>
+              <a:rPr kumimoji="1" lang="ja-JP" altLang="en-US" dirty="0" smtClean="0"/>
+              <a:t>のプログラミング環境である</a:t>
             </a:r>
             <a:r>
               <a:rPr lang="ja-JP" altLang="en-US" dirty="0" smtClean="0"/>
               <a:t>「</a:t>
             </a:r>
             <a:r>
-              <a:rPr lang="en-US" altLang="ja-JP" dirty="0" err="1" smtClean="0"/>
-              <a:t>Blockly</a:t>
+              <a:rPr lang="en-US" altLang="ja-JP" dirty="0" smtClean="0"/>
+              <a:t>Blackly</a:t>
             </a:r>
             <a:r>
               <a:rPr lang="ja-JP" altLang="en-US" dirty="0" smtClean="0"/>
-              <a:t>」を利用</a:t>
+              <a:t>」</a:t>
             </a:r>
             <a:r>
               <a:rPr lang="ja-JP" altLang="en-US" dirty="0" smtClean="0"/>
-              <a:t>する。</a:t>
+              <a:t>を利用</a:t>
+            </a:r>
+            <a:r>
+              <a:rPr lang="ja-JP" altLang="en-US" dirty="0"/>
+              <a:t>する．</a:t>
             </a:r>
             <a:endParaRPr lang="en-US" altLang="ja-JP" dirty="0" smtClean="0"/>
           </a:p>
@@ -5435,12 +6785,16 @@
               <a:t>「</a:t>
             </a:r>
             <a:r>
-              <a:rPr kumimoji="1" lang="en-US" altLang="ja-JP" dirty="0" err="1" smtClean="0"/>
-              <a:t>Blockly</a:t>
+              <a:rPr kumimoji="1" lang="en-US" altLang="ja-JP" dirty="0" smtClean="0"/>
+              <a:t>Blocky</a:t>
             </a:r>
             <a:r>
               <a:rPr kumimoji="1" lang="ja-JP" altLang="en-US" dirty="0" smtClean="0"/>
-              <a:t>」には、作成したブロック</a:t>
+              <a:t>」</a:t>
+            </a:r>
+            <a:r>
+              <a:rPr kumimoji="1" lang="ja-JP" altLang="en-US" dirty="0" smtClean="0"/>
+              <a:t>には、作成したブロック</a:t>
             </a:r>
             <a:r>
               <a:rPr lang="ja-JP" altLang="en-US" dirty="0" smtClean="0"/>
@@ -5456,23 +6810,69 @@
             </a:r>
             <a:r>
               <a:rPr lang="ja-JP" altLang="en-US" dirty="0" smtClean="0"/>
-              <a:t>機能があり、その機能を用いることで、学習者はテキストでのプログラムにも触れることが</a:t>
+              <a:t>機能が</a:t>
+            </a:r>
+            <a:r>
+              <a:rPr lang="ja-JP" altLang="en-US" dirty="0"/>
+              <a:t>あり</a:t>
             </a:r>
             <a:r>
               <a:rPr lang="ja-JP" altLang="en-US" dirty="0" smtClean="0"/>
+              <a:t>，この</a:t>
+            </a:r>
+            <a:r>
+              <a:rPr lang="ja-JP" altLang="en-US" dirty="0" smtClean="0"/>
+              <a:t>機能を用いること</a:t>
+            </a:r>
+            <a:r>
+              <a:rPr lang="ja-JP" altLang="en-US" dirty="0"/>
+              <a:t>で，学習者</a:t>
+            </a:r>
+            <a:r>
+              <a:rPr lang="ja-JP" altLang="en-US" dirty="0" smtClean="0"/>
+              <a:t>はテキストでのプログラム</a:t>
+            </a:r>
+            <a:r>
+              <a:rPr lang="ja-JP" altLang="en-US" dirty="0" smtClean="0"/>
+              <a:t>による，コーディングの学習が</a:t>
+            </a:r>
+            <a:r>
+              <a:rPr lang="ja-JP" altLang="en-US" dirty="0"/>
               <a:t>できる</a:t>
             </a:r>
+            <a:r>
+              <a:rPr lang="ja-JP" altLang="en-US" dirty="0" smtClean="0"/>
+              <a:t>．</a:t>
+            </a:r>
             <a:endParaRPr lang="en-US" altLang="ja-JP" dirty="0" smtClean="0"/>
           </a:p>
           <a:p>
             <a:r>
+              <a:rPr lang="ja-JP" altLang="en-US" dirty="0" smtClean="0"/>
+              <a:t>この機能により，学習者はプログラムの正しい構文を覚える前に論理にふれることができる．</a:t>
+            </a:r>
+            <a:endParaRPr lang="en-US" altLang="ja-JP" dirty="0" smtClean="0"/>
+          </a:p>
+          <a:p>
+            <a:r>
+              <a:rPr lang="ja-JP" altLang="en-US" dirty="0" smtClean="0"/>
+              <a:t>この機能を</a:t>
+            </a:r>
+            <a:r>
+              <a:rPr lang="ja-JP" altLang="en-US" dirty="0" smtClean="0"/>
+              <a:t>コードジェネレート機能と本研究では</a:t>
+            </a:r>
+            <a:r>
               <a:rPr lang="ja-JP" altLang="en-US" dirty="0"/>
-              <a:t>これ</a:t>
+              <a:t>呼ぶ</a:t>
             </a:r>
             <a:r>
               <a:rPr lang="ja-JP" altLang="en-US" dirty="0" smtClean="0"/>
-              <a:t>をコードジェネレート機能と本研究では呼ぶ。</a:t>
-            </a:r>
+              <a:t>．</a:t>
+            </a:r>
+            <a:endParaRPr lang="en-US" altLang="ja-JP" dirty="0" smtClean="0"/>
+          </a:p>
+          <a:p>
             <a:endParaRPr lang="en-US" altLang="ja-JP" dirty="0" smtClean="0"/>
           </a:p>
           <a:p>
@@ -5499,7 +6899,7 @@
               <a:rPr kumimoji="1" lang="ja-JP" altLang="en-US" smtClean="0"/>
               <a:t>6</a:t>
             </a:fld>
-            <a:endParaRPr kumimoji="1" lang="ja-JP" altLang="en-US"/>
+            <a:endParaRPr kumimoji="1" lang="ja-JP" altLang="en-US" dirty="0"/>
           </a:p>
         </p:txBody>
       </p:sp>
@@ -5556,74 +6956,67 @@
           <a:lstStyle/>
           <a:p>
             <a:r>
-              <a:rPr kumimoji="1" lang="ja-JP" altLang="en-US" dirty="0"/>
-              <a:t>研究目的</a:t>
-            </a:r>
-          </a:p>
-        </p:txBody>
-      </p:sp>
-      <p:sp>
-        <p:nvSpPr>
-          <p:cNvPr id="3" name="コンテンツ プレースホルダー 2"/>
-          <p:cNvSpPr>
-            <a:spLocks noGrp="1"/>
-          </p:cNvSpPr>
+              <a:rPr kumimoji="1" lang="ja-JP" altLang="en-US" dirty="0" smtClean="0"/>
+              <a:t>コードジェネレート機能</a:t>
+            </a:r>
+            <a:endParaRPr kumimoji="1" lang="ja-JP" altLang="en-US" dirty="0"/>
+          </a:p>
+        </p:txBody>
+      </p:sp>
+      <p:pic>
+        <p:nvPicPr>
+          <p:cNvPr id="5" name="コンテンツ プレースホルダー 4"/>
+          <p:cNvPicPr>
+            <a:picLocks noGrp="1" noChangeAspect="1"/>
+          </p:cNvPicPr>
           <p:nvPr>
             <p:ph idx="1"/>
           </p:nvPr>
+        </p:nvPicPr>
+        <p:blipFill>
+          <a:blip r:embed="rId2"/>
+          <a:stretch>
+            <a:fillRect/>
+          </a:stretch>
+        </p:blipFill>
+        <p:spPr>
+          <a:xfrm>
+            <a:off x="628650" y="1881838"/>
+            <a:ext cx="7886700" cy="4238911"/>
+          </a:xfrm>
+          <a:prstGeom prst="rect">
+            <a:avLst/>
+          </a:prstGeom>
+        </p:spPr>
+      </p:pic>
+      <p:sp>
+        <p:nvSpPr>
+          <p:cNvPr id="4" name="スライド番号プレースホルダー 3"/>
+          <p:cNvSpPr>
+            <a:spLocks noGrp="1"/>
+          </p:cNvSpPr>
+          <p:nvPr>
+            <p:ph type="sldNum" sz="quarter" idx="12"/>
+          </p:nvPr>
         </p:nvSpPr>
         <p:spPr/>
         <p:txBody>
           <a:bodyPr/>
           <a:lstStyle/>
           <a:p>
-            <a:r>
-              <a:rPr kumimoji="1" lang="ja-JP" altLang="en-US" dirty="0" smtClean="0"/>
-              <a:t>本研究の目的は、学生向けに論理的思考を身に着けるための学習支援として、ブロックプログラミングを利用</a:t>
-            </a:r>
-            <a:r>
-              <a:rPr kumimoji="1" lang="ja-JP" altLang="en-US" dirty="0" smtClean="0"/>
-              <a:t>し、</a:t>
-            </a:r>
-            <a:r>
-              <a:rPr kumimoji="1" lang="ja-JP" altLang="en-US" dirty="0" smtClean="0"/>
-              <a:t>理解を深めることができる環境を作成することを目的と</a:t>
-            </a:r>
-            <a:r>
-              <a:rPr kumimoji="1" lang="ja-JP" altLang="en-US" dirty="0" smtClean="0"/>
-              <a:t>する。</a:t>
-            </a:r>
-            <a:endParaRPr kumimoji="1" lang="ja-JP" altLang="en-US" dirty="0"/>
-          </a:p>
-        </p:txBody>
-      </p:sp>
-      <p:sp>
-        <p:nvSpPr>
-          <p:cNvPr id="4" name="スライド番号プレースホルダー 3"/>
-          <p:cNvSpPr>
-            <a:spLocks noGrp="1"/>
-          </p:cNvSpPr>
-          <p:nvPr>
-            <p:ph type="sldNum" sz="quarter" idx="12"/>
-          </p:nvPr>
-        </p:nvSpPr>
-        <p:spPr/>
-        <p:txBody>
-          <a:bodyPr/>
-          <a:lstStyle/>
-          <a:p>
             <a:fld id="{B4451160-128F-4DAD-AE29-4A8CC0E7B9E9}" type="slidenum">
-              <a:rPr kumimoji="1" lang="ja-JP" altLang="en-US" smtClean="0"/>
+              <a:rPr lang="ja-JP" altLang="en-US" smtClean="0"/>
+              <a:pPr/>
               <a:t>7</a:t>
             </a:fld>
-            <a:endParaRPr kumimoji="1" lang="ja-JP" altLang="en-US"/>
+            <a:endParaRPr lang="ja-JP" altLang="en-US" dirty="0"/>
           </a:p>
         </p:txBody>
       </p:sp>
     </p:spTree>
     <p:extLst>
       <p:ext uri="{BB962C8B-B14F-4D97-AF65-F5344CB8AC3E}">
-        <p14:creationId xmlns:p14="http://schemas.microsoft.com/office/powerpoint/2010/main" val="114472190"/>
+        <p14:creationId xmlns:p14="http://schemas.microsoft.com/office/powerpoint/2010/main" val="3354137812"/>
       </p:ext>
     </p:extLst>
   </p:cSld>
@@ -5674,7 +7067,7 @@
           <a:p>
             <a:r>
               <a:rPr kumimoji="1" lang="ja-JP" altLang="en-US" dirty="0"/>
-              <a:t>提案方式</a:t>
+              <a:t>研究目的</a:t>
             </a:r>
           </a:p>
         </p:txBody>
@@ -5695,54 +7088,65 @@
           <a:lstStyle/>
           <a:p>
             <a:r>
-              <a:rPr lang="ja-JP" altLang="en-US" dirty="0" smtClean="0"/>
-              <a:t>ブロックプログラミングによって論理的な動きを視覚的に理解できるシステムの提案</a:t>
-            </a:r>
-            <a:endParaRPr lang="en-US" altLang="ja-JP" dirty="0" smtClean="0"/>
-          </a:p>
-          <a:p>
-            <a:r>
-              <a:rPr lang="ja-JP" altLang="en-US" smtClean="0"/>
-              <a:t>ブロックリー</a:t>
+              <a:rPr kumimoji="1" lang="ja-JP" altLang="en-US" dirty="0" smtClean="0"/>
+              <a:t>本研究の目的</a:t>
+            </a:r>
+            <a:r>
+              <a:rPr kumimoji="1" lang="ja-JP" altLang="en-US" dirty="0" smtClean="0"/>
+              <a:t>は</a:t>
             </a:r>
             <a:r>
               <a:rPr lang="ja-JP" altLang="en-US" dirty="0"/>
-              <a:t>に</a:t>
-            </a:r>
-            <a:r>
-              <a:rPr lang="ja-JP" altLang="en-US" dirty="0" smtClean="0"/>
-              <a:t>よる</a:t>
+              <a:t>，</a:t>
+            </a:r>
+            <a:r>
+              <a:rPr kumimoji="1" lang="ja-JP" altLang="en-US" dirty="0" smtClean="0"/>
+              <a:t>学生向け</a:t>
+            </a:r>
+            <a:r>
+              <a:rPr kumimoji="1" lang="ja-JP" altLang="en-US" dirty="0" smtClean="0"/>
+              <a:t>に論理的思考を身に着けるための学習支援と</a:t>
+            </a:r>
+            <a:r>
+              <a:rPr kumimoji="1" lang="ja-JP" altLang="en-US" dirty="0" smtClean="0"/>
+              <a:t>して</a:t>
             </a:r>
             <a:r>
               <a:rPr lang="ja-JP" altLang="en-US" dirty="0"/>
-              <a:t>コードジェネレート機能</a:t>
-            </a:r>
-            <a:r>
-              <a:rPr lang="ja-JP" altLang="en-US" dirty="0" smtClean="0"/>
-              <a:t>を</a:t>
+              <a:t>，</a:t>
+            </a:r>
+            <a:r>
+              <a:rPr kumimoji="1" lang="ja-JP" altLang="en-US" dirty="0" smtClean="0"/>
+              <a:t>ブロックプログラミング</a:t>
+            </a:r>
+            <a:r>
+              <a:rPr kumimoji="1" lang="ja-JP" altLang="en-US" dirty="0" smtClean="0"/>
+              <a:t>を利用</a:t>
+            </a:r>
+            <a:r>
+              <a:rPr kumimoji="1" lang="ja-JP" altLang="en-US" dirty="0" smtClean="0"/>
+              <a:t>し</a:t>
             </a:r>
             <a:r>
               <a:rPr lang="ja-JP" altLang="en-US" dirty="0"/>
-              <a:t>利用し、プログラミング言語への理解を深められるシステムを</a:t>
-            </a:r>
-            <a:r>
-              <a:rPr lang="ja-JP" altLang="en-US" dirty="0" smtClean="0"/>
-              <a:t>提案。</a:t>
-            </a:r>
-            <a:endParaRPr lang="en-US" altLang="ja-JP" dirty="0"/>
-          </a:p>
-          <a:p>
+              <a:t>，</a:t>
+            </a:r>
+            <a:r>
+              <a:rPr kumimoji="1" lang="ja-JP" altLang="en-US" dirty="0" smtClean="0"/>
+              <a:t>理解</a:t>
+            </a:r>
+            <a:r>
+              <a:rPr kumimoji="1" lang="ja-JP" altLang="en-US" dirty="0" smtClean="0"/>
+              <a:t>を深めることができる環境を作成することを目的と</a:t>
+            </a:r>
+            <a:r>
+              <a:rPr kumimoji="1" lang="ja-JP" altLang="en-US" dirty="0" smtClean="0"/>
+              <a:t>する</a:t>
+            </a:r>
             <a:r>
               <a:rPr lang="ja-JP" altLang="en-US" dirty="0"/>
-              <a:t>穴埋め問題などを利用し、よりプログラミングにユーザが慣れていける環境を</a:t>
-            </a:r>
-            <a:r>
-              <a:rPr lang="ja-JP" altLang="en-US" dirty="0" smtClean="0"/>
-              <a:t>提案。</a:t>
-            </a:r>
-            <a:endParaRPr lang="en-US" altLang="ja-JP" dirty="0"/>
-          </a:p>
-          <a:p>
+              <a:t>．</a:t>
+            </a:r>
             <a:endParaRPr kumimoji="1" lang="ja-JP" altLang="en-US" dirty="0"/>
           </a:p>
         </p:txBody>
@@ -5766,14 +7170,14 @@
               <a:rPr kumimoji="1" lang="ja-JP" altLang="en-US" smtClean="0"/>
               <a:t>8</a:t>
             </a:fld>
-            <a:endParaRPr kumimoji="1" lang="ja-JP" altLang="en-US"/>
+            <a:endParaRPr kumimoji="1" lang="ja-JP" altLang="en-US" dirty="0"/>
           </a:p>
         </p:txBody>
       </p:sp>
     </p:spTree>
     <p:extLst>
       <p:ext uri="{BB962C8B-B14F-4D97-AF65-F5344CB8AC3E}">
-        <p14:creationId xmlns:p14="http://schemas.microsoft.com/office/powerpoint/2010/main" val="1724661356"/>
+        <p14:creationId xmlns:p14="http://schemas.microsoft.com/office/powerpoint/2010/main" val="114472190"/>
       </p:ext>
     </p:extLst>
   </p:cSld>
@@ -5824,7 +7228,7 @@
           <a:p>
             <a:r>
               <a:rPr kumimoji="1" lang="ja-JP" altLang="en-US" dirty="0"/>
-              <a:t>今後のスケジュール</a:t>
+              <a:t>提案方式</a:t>
             </a:r>
           </a:p>
         </p:txBody>
@@ -5846,41 +7250,44 @@
           <a:p>
             <a:r>
               <a:rPr lang="ja-JP" altLang="en-US" dirty="0" smtClean="0"/>
-              <a:t>問題を作成するアルゴリズムを生成</a:t>
+              <a:t>学習者が</a:t>
+            </a:r>
+            <a:r>
+              <a:rPr lang="en-US" altLang="ja-JP" dirty="0" smtClean="0"/>
+              <a:t>WEB</a:t>
             </a:r>
             <a:r>
               <a:rPr lang="ja-JP" altLang="en-US" dirty="0" smtClean="0"/>
-              <a:t>する。</a:t>
+              <a:t>ブラウザ上で作業を完結できるシステム</a:t>
             </a:r>
             <a:endParaRPr lang="en-US" altLang="ja-JP" dirty="0" smtClean="0"/>
           </a:p>
           <a:p>
+            <a:r>
+              <a:rPr lang="ja-JP" altLang="en-US" dirty="0" smtClean="0"/>
+              <a:t>ブロックプログラミングによって論理的な動きを視覚的に理解できるシステムの提案</a:t>
+            </a:r>
+            <a:endParaRPr lang="en-US" altLang="ja-JP" dirty="0" smtClean="0"/>
+          </a:p>
+          <a:p>
+            <a:r>
+              <a:rPr lang="ja-JP" altLang="en-US" dirty="0"/>
+              <a:t>プログラムの構文を覚えるために，穴埋め問題などを利用し、よりプログラミングにユーザが慣れていける環境を提案。</a:t>
+            </a:r>
             <a:endParaRPr lang="en-US" altLang="ja-JP" dirty="0"/>
           </a:p>
           <a:p>
             <a:r>
-              <a:rPr kumimoji="1" lang="ja-JP" altLang="en-US" dirty="0" smtClean="0"/>
-              <a:t>論理的思考を身に着けるための問題を解くためのプロセスについて、小学生でもわかりやすい範囲でのフローチャートの表示など作成</a:t>
-            </a:r>
-            <a:r>
-              <a:rPr kumimoji="1" lang="ja-JP" altLang="en-US" dirty="0" smtClean="0"/>
-              <a:t>予定。</a:t>
+              <a:rPr lang="en-US" altLang="ja-JP" dirty="0" err="1" smtClean="0"/>
+              <a:t>Blockly</a:t>
+            </a:r>
+            <a:r>
+              <a:rPr lang="ja-JP" altLang="en-US" dirty="0" smtClean="0"/>
+              <a:t>によるコードジェネレート機能を利用し、プログラミング言語の構文の理解を深められるシステムを提案。</a:t>
             </a:r>
             <a:endParaRPr lang="en-US" altLang="ja-JP" dirty="0"/>
           </a:p>
           <a:p>
-            <a:r>
-              <a:rPr lang="ja-JP" altLang="en-US" dirty="0"/>
-              <a:t>ブロックプログラミングの第一歩が踏み出せるようなチュートリアルのような</a:t>
-            </a:r>
-            <a:r>
-              <a:rPr lang="ja-JP" altLang="en-US" dirty="0" smtClean="0"/>
-              <a:t>もの作成</a:t>
-            </a:r>
-            <a:r>
-              <a:rPr lang="ja-JP" altLang="en-US" dirty="0" smtClean="0"/>
-              <a:t>予定。</a:t>
-            </a:r>
             <a:endParaRPr kumimoji="1" lang="ja-JP" altLang="en-US" dirty="0"/>
           </a:p>
         </p:txBody>
@@ -5904,20 +7311,27 @@
               <a:rPr kumimoji="1" lang="ja-JP" altLang="en-US" smtClean="0"/>
               <a:t>9</a:t>
             </a:fld>
-            <a:endParaRPr kumimoji="1" lang="ja-JP" altLang="en-US"/>
+            <a:endParaRPr kumimoji="1" lang="ja-JP" altLang="en-US" dirty="0"/>
           </a:p>
         </p:txBody>
       </p:sp>
     </p:spTree>
     <p:extLst>
       <p:ext uri="{BB962C8B-B14F-4D97-AF65-F5344CB8AC3E}">
-        <p14:creationId xmlns:p14="http://schemas.microsoft.com/office/powerpoint/2010/main" val="2460047817"/>
+        <p14:creationId xmlns:p14="http://schemas.microsoft.com/office/powerpoint/2010/main" val="1724661356"/>
       </p:ext>
     </p:extLst>
   </p:cSld>
   <p:clrMapOvr>
     <a:masterClrMapping/>
   </p:clrMapOvr>
+  <p:timing>
+    <p:tnLst>
+      <p:par>
+        <p:cTn id="1" dur="indefinite" restart="never" nodeType="tmRoot"/>
+      </p:par>
+    </p:tnLst>
+  </p:timing>
 </p:sld>
 </file>
 

--- a/1821121_shimaoka_tyuukan.pptx
+++ b/1821121_shimaoka_tyuukan.pptx
@@ -958,9 +958,40 @@
           <a:p>
             <a:r>
               <a:rPr lang="ja-JP" altLang="en-US" sz="1200" dirty="0" smtClean="0"/>
-              <a:t>問題の穴埋め方式を採択する予定だが、ユーザのレベルに合わせる機能が実現されていない</a:t>
+              <a:t>問題の穴埋め方式を採択する予定だが、ユーザのレベルに合わせる機能が実現されて</a:t>
+            </a:r>
+            <a:r>
+              <a:rPr lang="ja-JP" altLang="en-US" sz="1200" dirty="0" smtClean="0"/>
+              <a:t>いない</a:t>
             </a:r>
             <a:endParaRPr lang="en-US" altLang="ja-JP" sz="1200" dirty="0" smtClean="0"/>
+          </a:p>
+          <a:p>
+            <a:endParaRPr kumimoji="1" lang="en-US" altLang="ja-JP" dirty="0" smtClean="0"/>
+          </a:p>
+          <a:p>
+            <a:pPr marL="0" marR="0" lvl="0" indent="0" algn="l" defTabSz="914400" rtl="0" eaLnBrk="1" fontAlgn="auto" latinLnBrk="0" hangingPunct="1">
+              <a:lnSpc>
+                <a:spcPct val="100000"/>
+              </a:lnSpc>
+              <a:spcBef>
+                <a:spcPts val="0"/>
+              </a:spcBef>
+              <a:spcAft>
+                <a:spcPts val="0"/>
+              </a:spcAft>
+              <a:buClrTx/>
+              <a:buSzTx/>
+              <a:buFontTx/>
+              <a:buNone/>
+              <a:tabLst/>
+              <a:defRPr/>
+            </a:pPr>
+            <a:r>
+              <a:rPr kumimoji="1" lang="ja-JP" altLang="en-US" sz="1200" dirty="0" smtClean="0"/>
+              <a:t>→フローチャートやヒントなど問題を解く際に順序立てて考えられるシステムの考案が必要</a:t>
+            </a:r>
+            <a:endParaRPr kumimoji="1" lang="en-US" altLang="ja-JP" sz="1200" dirty="0" smtClean="0"/>
           </a:p>
           <a:p>
             <a:endParaRPr kumimoji="1" lang="ja-JP" altLang="en-US" dirty="0"/>
@@ -5128,11 +5159,7 @@
             </a:r>
             <a:r>
               <a:rPr lang="ja-JP" altLang="en-US" dirty="0" smtClean="0"/>
-              <a:t>コードを同時に表示</a:t>
-            </a:r>
-            <a:r>
-              <a:rPr lang="ja-JP" altLang="en-US" smtClean="0"/>
-              <a:t>されることで，論理的思考とコーディングを養う</a:t>
+              <a:t>コードを同時に表示されることで，論理的思考とコーディングを養う</a:t>
             </a:r>
             <a:endParaRPr kumimoji="1" lang="en-US" altLang="ja-JP" dirty="0" smtClean="0"/>
           </a:p>
@@ -6532,11 +6559,11 @@
           <a:p>
             <a:r>
               <a:rPr lang="ja-JP" altLang="en-US" dirty="0" smtClean="0"/>
-              <a:t>本研究において論理と</a:t>
+              <a:t>本研究において論理的思考と</a:t>
             </a:r>
             <a:r>
               <a:rPr lang="ja-JP" altLang="en-US" dirty="0" smtClean="0"/>
-              <a:t>は「思考</a:t>
+              <a:t>は，「思考</a:t>
             </a:r>
             <a:r>
               <a:rPr lang="ja-JP" altLang="en-US" dirty="0"/>
@@ -6552,7 +6579,7 @@
             </a:r>
             <a:r>
               <a:rPr lang="ja-JP" altLang="en-US" dirty="0" smtClean="0"/>
-              <a:t>形式」のこととする．</a:t>
+              <a:t>形式」に則って思考を組み立てることとする．</a:t>
             </a:r>
             <a:endParaRPr lang="en-US" altLang="ja-JP" dirty="0" smtClean="0"/>
           </a:p>
@@ -6588,40 +6615,36 @@
               <a:t>→問題</a:t>
             </a:r>
             <a:r>
+              <a:rPr lang="ja-JP" altLang="en-US" dirty="0" smtClean="0"/>
+              <a:t>文</a:t>
+            </a:r>
+            <a:r>
+              <a:rPr lang="ja-JP" altLang="en-US" dirty="0" smtClean="0"/>
+              <a:t>から意味を読み取って学習者</a:t>
+            </a:r>
+            <a:r>
+              <a:rPr lang="ja-JP" altLang="en-US" dirty="0" smtClean="0"/>
+              <a:t>が</a:t>
+            </a:r>
+            <a:r>
               <a:rPr lang="ja-JP" altLang="en-US" dirty="0"/>
-              <a:t>文</a:t>
-            </a:r>
-            <a:r>
-              <a:rPr lang="ja-JP" altLang="en-US" dirty="0"/>
-              <a:t>から，ユーザ</a:t>
-            </a:r>
-            <a:r>
-              <a:rPr lang="ja-JP" altLang="en-US" dirty="0"/>
-              <a:t>がブロックを</a:t>
+              <a:t>ブロックを</a:t>
             </a:r>
             <a:r>
               <a:rPr lang="ja-JP" altLang="en-US" dirty="0" smtClean="0"/>
-              <a:t>組み合わせるシステムだけ</a:t>
-            </a:r>
-            <a:r>
-              <a:rPr lang="ja-JP" altLang="en-US" dirty="0"/>
-              <a:t>で</a:t>
+              <a:t>組み合わせる</a:t>
             </a:r>
             <a:r>
               <a:rPr lang="ja-JP" altLang="en-US" dirty="0" smtClean="0"/>
-              <a:t>は、論理的</a:t>
-            </a:r>
-            <a:r>
-              <a:rPr lang="ja-JP" altLang="en-US" dirty="0"/>
-              <a:t>思考を身に着けるのは</a:t>
-            </a:r>
-            <a:r>
-              <a:rPr lang="ja-JP" altLang="en-US" dirty="0"/>
-              <a:t>難しい</a:t>
+              <a:t>システムでは，既に学習者</a:t>
+            </a:r>
+            <a:r>
+              <a:rPr lang="ja-JP" altLang="en-US" smtClean="0"/>
+              <a:t>が論理的な思考をもって問題</a:t>
             </a:r>
             <a:r>
               <a:rPr lang="ja-JP" altLang="en-US" dirty="0" smtClean="0"/>
-              <a:t>．</a:t>
+              <a:t>文を読み取ることができている必要がある．</a:t>
             </a:r>
             <a:endParaRPr lang="en-US" altLang="ja-JP" dirty="0" smtClean="0"/>
           </a:p>
@@ -6629,6 +6652,10 @@
             <a:pPr marL="0" indent="0">
               <a:buNone/>
             </a:pPr>
+            <a:r>
+              <a:rPr kumimoji="1" lang="ja-JP" altLang="en-US" sz="2600" dirty="0" smtClean="0"/>
+              <a:t>　</a:t>
+            </a:r>
             <a:endParaRPr kumimoji="1" lang="en-US" altLang="ja-JP" sz="2600" dirty="0"/>
           </a:p>
         </p:txBody>

--- a/1821121_shimaoka_tyuukan.pptx
+++ b/1821121_shimaoka_tyuukan.pptx
@@ -5361,7 +5361,7 @@
         </p:nvSpPr>
         <p:spPr>
           <a:xfrm>
-            <a:off x="628650" y="4090736"/>
+            <a:off x="628650" y="4259412"/>
             <a:ext cx="7886700" cy="3146008"/>
           </a:xfrm>
         </p:spPr>
@@ -5494,7 +5494,7 @@
         </p:spPr>
         <p:txBody>
           <a:bodyPr vert="horz" lIns="91440" tIns="45720" rIns="91440" bIns="45720" rtlCol="0">
-            <a:normAutofit/>
+            <a:normAutofit fontScale="85000" lnSpcReduction="10000"/>
           </a:bodyPr>
           <a:lstStyle>
             <a:lvl1pPr marL="228600" indent="-228600" algn="l" defTabSz="914400" rtl="0" eaLnBrk="1" latinLnBrk="0" hangingPunct="1">
@@ -5674,14 +5674,14 @@
           <a:p>
             <a:r>
               <a:rPr lang="ja-JP" altLang="en-US" dirty="0" smtClean="0"/>
-              <a:t>コードジェネレート機能を用いたプログラミング言語への変換</a:t>
+              <a:t>コードジェネレート機能を用いたプログラミング言語への変換と表示</a:t>
             </a:r>
             <a:endParaRPr lang="en-US" altLang="ja-JP" dirty="0" smtClean="0"/>
           </a:p>
           <a:p>
             <a:r>
-              <a:rPr lang="en-US" altLang="ja-JP" dirty="0" smtClean="0"/>
-              <a:t>Blackly</a:t>
+              <a:rPr lang="en-US" altLang="ja-JP" dirty="0" err="1" smtClean="0"/>
+              <a:t>Blockly</a:t>
             </a:r>
             <a:r>
               <a:rPr lang="ja-JP" altLang="en-US" dirty="0" smtClean="0"/>
@@ -5694,6 +5694,20 @@
             <a:r>
               <a:rPr lang="ja-JP" altLang="en-US" dirty="0" smtClean="0"/>
               <a:t>ブラウザ上でのコードの実行</a:t>
+            </a:r>
+            <a:endParaRPr lang="en-US" altLang="ja-JP" dirty="0" smtClean="0"/>
+          </a:p>
+          <a:p>
+            <a:r>
+              <a:rPr lang="ja-JP" altLang="en-US" dirty="0" smtClean="0"/>
+              <a:t>問題と解答から正誤の判定</a:t>
+            </a:r>
+            <a:endParaRPr lang="en-US" altLang="ja-JP" dirty="0" smtClean="0"/>
+          </a:p>
+          <a:p>
+            <a:r>
+              <a:rPr lang="ja-JP" altLang="en-US" dirty="0" smtClean="0"/>
+              <a:t>問題文を一部穴あきにするサンプル</a:t>
             </a:r>
             <a:endParaRPr lang="en-US" altLang="ja-JP" dirty="0" smtClean="0"/>
           </a:p>
@@ -6636,15 +6650,7 @@
             </a:r>
             <a:r>
               <a:rPr lang="ja-JP" altLang="en-US" dirty="0" smtClean="0"/>
-              <a:t>システムでは，既に学習者</a:t>
-            </a:r>
-            <a:r>
-              <a:rPr lang="ja-JP" altLang="en-US" smtClean="0"/>
-              <a:t>が論理的な思考をもって問題</a:t>
-            </a:r>
-            <a:r>
-              <a:rPr lang="ja-JP" altLang="en-US" dirty="0" smtClean="0"/>
-              <a:t>文を読み取ることができている必要がある．</a:t>
+              <a:t>システムでは，既に学習者が論理的な思考をもって問題文を読み取ることができている必要がある．</a:t>
             </a:r>
             <a:endParaRPr lang="en-US" altLang="ja-JP" dirty="0" smtClean="0"/>
           </a:p>
@@ -7272,7 +7278,9 @@
         </p:nvSpPr>
         <p:spPr/>
         <p:txBody>
-          <a:bodyPr/>
+          <a:bodyPr>
+            <a:normAutofit fontScale="92500" lnSpcReduction="10000"/>
+          </a:bodyPr>
           <a:lstStyle/>
           <a:p>
             <a:r>
@@ -7293,6 +7301,13 @@
             <a:r>
               <a:rPr lang="ja-JP" altLang="en-US" dirty="0" smtClean="0"/>
               <a:t>ブロックプログラミングによって論理的な動きを視覚的に理解できるシステムの提案</a:t>
+            </a:r>
+            <a:endParaRPr lang="en-US" altLang="ja-JP" dirty="0" smtClean="0"/>
+          </a:p>
+          <a:p>
+            <a:r>
+              <a:rPr lang="ja-JP" altLang="en-US" smtClean="0"/>
+              <a:t>問題文やヒントなどを充実させて、学習者の論理的思考を養う</a:t>
             </a:r>
             <a:endParaRPr lang="en-US" altLang="ja-JP" dirty="0" smtClean="0"/>
           </a:p>

--- a/1821121_shimaoka_tyuukan.pptx
+++ b/1821121_shimaoka_tyuukan.pptx
@@ -6174,24 +6174,77 @@
         <p:spPr/>
         <p:txBody>
           <a:bodyPr>
-            <a:normAutofit fontScale="92500" lnSpcReduction="10000"/>
+            <a:normAutofit/>
           </a:bodyPr>
           <a:lstStyle/>
           <a:p>
             <a:r>
               <a:rPr lang="ja-JP" altLang="en-US" dirty="0"/>
-              <a:t>論理的思考力を育成する国語科授業の検証 </a:t>
+              <a:t>論理的</a:t>
+            </a:r>
+            <a:r>
+              <a:rPr lang="ja-JP" altLang="en-US" dirty="0" smtClean="0"/>
+              <a:t>思考に関連</a:t>
+            </a:r>
+            <a:endParaRPr lang="en-US" altLang="ja-JP" dirty="0" smtClean="0"/>
+          </a:p>
+          <a:p>
+            <a:pPr lvl="1"/>
+            <a:r>
+              <a:rPr lang="en-US" altLang="ja-JP" dirty="0" smtClean="0"/>
+              <a:t>[2021]</a:t>
+            </a:r>
+            <a:r>
+              <a:rPr lang="ja-JP" altLang="en-US" dirty="0"/>
+              <a:t>溝上 大樹</a:t>
+            </a:r>
+            <a:r>
+              <a:rPr lang="ja-JP" altLang="en-US" dirty="0" smtClean="0"/>
+              <a:t>「論理的</a:t>
+            </a:r>
+            <a:r>
+              <a:rPr lang="ja-JP" altLang="en-US" dirty="0"/>
+              <a:t>思考力を育成する国語科授業の検証 </a:t>
+            </a:r>
+            <a:r>
+              <a:rPr lang="ja-JP" altLang="en-US" dirty="0" smtClean="0"/>
+              <a:t>」</a:t>
             </a:r>
             <a:endParaRPr lang="en-US" altLang="ja-JP" dirty="0" smtClean="0">
               <a:latin typeface="+mn-ea"/>
             </a:endParaRPr>
           </a:p>
           <a:p>
+            <a:pPr lvl="1"/>
+            <a:r>
+              <a:rPr lang="en-US" altLang="ja-JP" dirty="0" smtClean="0">
+                <a:latin typeface="+mn-ea"/>
+              </a:rPr>
+              <a:t>[2003]</a:t>
+            </a:r>
             <a:r>
               <a:rPr lang="ja-JP" altLang="en-US" dirty="0" smtClean="0">
                 <a:latin typeface="+mn-ea"/>
               </a:rPr>
-              <a:t>論理的</a:t>
+              <a:t>道田</a:t>
+            </a:r>
+            <a:r>
+              <a:rPr lang="en-US" altLang="ja-JP" dirty="0">
+                <a:latin typeface="+mn-ea"/>
+              </a:rPr>
+              <a:t> </a:t>
+            </a:r>
+            <a:r>
+              <a:rPr lang="ja-JP" altLang="en-US" dirty="0" smtClean="0">
+                <a:latin typeface="+mn-ea"/>
+              </a:rPr>
+              <a:t>泰司</a:t>
+            </a:r>
+            <a:r>
+              <a:rPr lang="ja-JP" altLang="en-US" dirty="0" smtClean="0">
+                <a:latin typeface="+mn-ea"/>
+              </a:rPr>
+              <a:t>「論理的</a:t>
             </a:r>
             <a:r>
               <a:rPr lang="ja-JP" altLang="en-US" dirty="0">
@@ -6205,42 +6258,59 @@
               </a:rPr>
               <a:t>?</a:t>
             </a:r>
-          </a:p>
-          <a:p>
-            <a:pPr marL="0" indent="0">
-              <a:buNone/>
-            </a:pPr>
             <a:r>
               <a:rPr lang="ja-JP" altLang="en-US" dirty="0" smtClean="0">
                 <a:latin typeface="+mn-ea"/>
               </a:rPr>
-              <a:t>　道田</a:t>
-            </a:r>
-            <a:r>
-              <a:rPr lang="en-US" altLang="ja-JP" dirty="0">
-                <a:latin typeface="+mn-ea"/>
-              </a:rPr>
-              <a:t>, </a:t>
-            </a:r>
+              <a:t>」</a:t>
+            </a:r>
+            <a:endParaRPr lang="en-US" altLang="ja-JP" dirty="0" smtClean="0">
+              <a:latin typeface="+mn-ea"/>
+            </a:endParaRPr>
+          </a:p>
+          <a:p>
+            <a:pPr lvl="1"/>
+            <a:endParaRPr lang="en-US" altLang="ja-JP" dirty="0" smtClean="0">
+              <a:latin typeface="+mn-ea"/>
+            </a:endParaRPr>
+          </a:p>
+          <a:p>
             <a:r>
               <a:rPr lang="ja-JP" altLang="en-US" dirty="0" smtClean="0">
                 <a:latin typeface="+mn-ea"/>
               </a:rPr>
-              <a:t>泰司</a:t>
+              <a:t>　</a:t>
+            </a:r>
+            <a:r>
+              <a:rPr lang="ja-JP" altLang="en-US" dirty="0" smtClean="0">
+                <a:latin typeface="+mn-ea"/>
+              </a:rPr>
+              <a:t>プログラミング教育に関連</a:t>
             </a:r>
             <a:endParaRPr lang="en-US" altLang="ja-JP" dirty="0" smtClean="0">
               <a:latin typeface="+mn-ea"/>
             </a:endParaRPr>
           </a:p>
           <a:p>
-            <a:pPr marL="0" indent="0">
-              <a:buNone/>
-            </a:pPr>
-            <a:endParaRPr lang="en-US" altLang="ja-JP" dirty="0" smtClean="0">
-              <a:latin typeface="+mn-ea"/>
-            </a:endParaRPr>
-          </a:p>
-          <a:p>
+            <a:pPr lvl="1"/>
+            <a:r>
+              <a:rPr lang="en-US" altLang="ja-JP" dirty="0" smtClean="0">
+                <a:latin typeface="+mn-ea"/>
+              </a:rPr>
+              <a:t>[2011]</a:t>
+            </a:r>
+            <a:r>
+              <a:rPr lang="ja-JP" altLang="en-US" dirty="0">
+                <a:latin typeface="+mn-ea"/>
+              </a:rPr>
+              <a:t>伊永 </a:t>
+            </a:r>
+            <a:r>
+              <a:rPr lang="ja-JP" altLang="en-US" dirty="0" smtClean="0">
+                <a:latin typeface="+mn-ea"/>
+              </a:rPr>
+              <a:t>洋輔「</a:t>
+            </a:r>
             <a:r>
               <a:rPr lang="en-US" altLang="ja-JP" dirty="0" smtClean="0">
                 <a:latin typeface="+mn-ea"/>
@@ -6257,153 +6327,19 @@
               <a:rPr lang="ja-JP" altLang="en-US" dirty="0" smtClean="0">
                 <a:latin typeface="+mn-ea"/>
               </a:rPr>
-              <a:t>実装</a:t>
-            </a:r>
-            <a:endParaRPr lang="en-US" altLang="ja-JP" dirty="0" smtClean="0">
+              <a:t>実装」</a:t>
+            </a:r>
+            <a:endParaRPr kumimoji="1" lang="en-US" altLang="ja-JP" dirty="0">
               <a:latin typeface="+mn-ea"/>
             </a:endParaRPr>
           </a:p>
           <a:p>
-            <a:pPr marL="0" indent="0">
-              <a:buNone/>
-            </a:pPr>
-            <a:r>
-              <a:rPr lang="ja-JP" altLang="en-US" dirty="0" smtClean="0">
-                <a:latin typeface="+mn-ea"/>
-              </a:rPr>
-              <a:t>　伊</a:t>
-            </a:r>
-            <a:r>
-              <a:rPr lang="ja-JP" altLang="en-US" dirty="0">
-                <a:latin typeface="+mn-ea"/>
-              </a:rPr>
-              <a:t>永 </a:t>
-            </a:r>
-            <a:r>
-              <a:rPr lang="ja-JP" altLang="en-US" dirty="0" smtClean="0">
-                <a:latin typeface="+mn-ea"/>
-              </a:rPr>
-              <a:t>洋輔</a:t>
-            </a:r>
+            <a:pPr lvl="1"/>
             <a:r>
               <a:rPr lang="en-US" altLang="ja-JP" dirty="0" smtClean="0">
                 <a:latin typeface="+mn-ea"/>
               </a:rPr>
-              <a:t>,</a:t>
-            </a:r>
-            <a:r>
-              <a:rPr lang="ja-JP" altLang="en-US" dirty="0">
-                <a:latin typeface="+mn-ea"/>
-              </a:rPr>
-              <a:t>松島 </a:t>
-            </a:r>
-            <a:r>
-              <a:rPr lang="ja-JP" altLang="en-US" dirty="0" smtClean="0">
-                <a:latin typeface="+mn-ea"/>
-              </a:rPr>
-              <a:t>由紀子</a:t>
-            </a:r>
-            <a:r>
-              <a:rPr lang="en-US" altLang="ja-JP" dirty="0" smtClean="0">
-                <a:latin typeface="+mn-ea"/>
-              </a:rPr>
-              <a:t>,</a:t>
-            </a:r>
-            <a:r>
-              <a:rPr lang="ja-JP" altLang="en-US" dirty="0">
-                <a:latin typeface="+mn-ea"/>
-              </a:rPr>
-              <a:t>舩曵 </a:t>
-            </a:r>
-            <a:r>
-              <a:rPr lang="ja-JP" altLang="en-US" dirty="0" smtClean="0">
-                <a:latin typeface="+mn-ea"/>
-              </a:rPr>
-              <a:t>信生</a:t>
-            </a:r>
-            <a:r>
-              <a:rPr lang="en-US" altLang="ja-JP" dirty="0" smtClean="0">
-                <a:latin typeface="+mn-ea"/>
-              </a:rPr>
-              <a:t>,</a:t>
-            </a:r>
-            <a:r>
-              <a:rPr lang="ja-JP" altLang="en-US" dirty="0">
-                <a:latin typeface="+mn-ea"/>
-              </a:rPr>
-              <a:t>中西 </a:t>
-            </a:r>
-            <a:r>
-              <a:rPr lang="ja-JP" altLang="en-US" dirty="0" smtClean="0">
-                <a:latin typeface="+mn-ea"/>
-              </a:rPr>
-              <a:t>透</a:t>
-            </a:r>
-            <a:r>
-              <a:rPr lang="en-US" altLang="ja-JP" dirty="0" smtClean="0">
-                <a:latin typeface="+mn-ea"/>
-              </a:rPr>
-              <a:t>,</a:t>
-            </a:r>
-            <a:r>
-              <a:rPr lang="ja-JP" altLang="en-US" dirty="0">
-                <a:latin typeface="+mn-ea"/>
-              </a:rPr>
-              <a:t>天野 憲樹</a:t>
-            </a:r>
-            <a:endParaRPr lang="en-US" altLang="ja-JP" dirty="0" smtClean="0">
-              <a:latin typeface="+mn-ea"/>
-            </a:endParaRPr>
-          </a:p>
-          <a:p>
-            <a:endParaRPr kumimoji="1" lang="en-US" altLang="ja-JP" dirty="0">
-              <a:latin typeface="+mn-ea"/>
-            </a:endParaRPr>
-          </a:p>
-          <a:p>
-            <a:r>
-              <a:rPr lang="en-US" altLang="ja-JP" dirty="0">
-                <a:latin typeface="+mn-ea"/>
-              </a:rPr>
-              <a:t>Scratch</a:t>
-            </a:r>
-            <a:r>
-              <a:rPr lang="ja-JP" altLang="en-US" dirty="0">
-                <a:latin typeface="+mn-ea"/>
-              </a:rPr>
-              <a:t>を</a:t>
-            </a:r>
-            <a:r>
-              <a:rPr lang="ja-JP" altLang="en-US" dirty="0" smtClean="0">
-                <a:latin typeface="+mn-ea"/>
-              </a:rPr>
-              <a:t>用いた小学校プログラ </a:t>
-            </a:r>
-            <a:r>
-              <a:rPr lang="ja-JP" altLang="en-US" dirty="0">
-                <a:latin typeface="+mn-ea"/>
-              </a:rPr>
-              <a:t>ミ </a:t>
-            </a:r>
-            <a:r>
-              <a:rPr lang="ja-JP" altLang="en-US" dirty="0" smtClean="0">
-                <a:latin typeface="+mn-ea"/>
-              </a:rPr>
-              <a:t>ング授業の実践</a:t>
-            </a:r>
-            <a:endParaRPr lang="en-US" altLang="ja-JP" dirty="0" smtClean="0">
-              <a:latin typeface="+mn-ea"/>
-            </a:endParaRPr>
-          </a:p>
-          <a:p>
-            <a:pPr marL="0" indent="0">
-              <a:buNone/>
-            </a:pPr>
-            <a:r>
-              <a:rPr lang="ja-JP" altLang="en-US" dirty="0">
-                <a:latin typeface="+mn-ea"/>
-              </a:rPr>
-              <a:t>　</a:t>
+              <a:t>[2011]</a:t>
             </a:r>
             <a:r>
               <a:rPr lang="zh-TW" altLang="en-US" dirty="0">
@@ -6413,56 +6349,47 @@
               <a:t>森 秀樹</a:t>
             </a:r>
             <a:r>
-              <a:rPr lang="en-US" altLang="zh-TW" dirty="0">
-                <a:latin typeface="ＭＳ Ｐゴシック" panose="020B0600070205080204" pitchFamily="50" charset="-128"/>
-                <a:ea typeface="ＭＳ Ｐゴシック" panose="020B0600070205080204" pitchFamily="50" charset="-128"/>
+              <a:rPr lang="ja-JP" altLang="en-US" dirty="0" smtClean="0">
+                <a:latin typeface="+mn-ea"/>
               </a:rPr>
-              <a:t>, </a:t>
-            </a:r>
-            <a:r>
-              <a:rPr lang="zh-TW" altLang="en-US" dirty="0">
-                <a:latin typeface="ＭＳ Ｐゴシック" panose="020B0600070205080204" pitchFamily="50" charset="-128"/>
-                <a:ea typeface="ＭＳ Ｐゴシック" panose="020B0600070205080204" pitchFamily="50" charset="-128"/>
+              <a:t>「</a:t>
+            </a:r>
+            <a:r>
+              <a:rPr lang="en-US" altLang="ja-JP" dirty="0" smtClean="0">
+                <a:latin typeface="+mn-ea"/>
               </a:rPr>
-              <a:t>杉澤 学</a:t>
-            </a:r>
-            <a:r>
-              <a:rPr lang="en-US" altLang="zh-TW" dirty="0">
-                <a:latin typeface="ＭＳ Ｐゴシック" panose="020B0600070205080204" pitchFamily="50" charset="-128"/>
-                <a:ea typeface="ＭＳ Ｐゴシック" panose="020B0600070205080204" pitchFamily="50" charset="-128"/>
+              <a:t>Scratch</a:t>
+            </a:r>
+            <a:r>
+              <a:rPr lang="ja-JP" altLang="en-US" dirty="0">
+                <a:latin typeface="+mn-ea"/>
               </a:rPr>
-              <a:t>, </a:t>
-            </a:r>
-            <a:r>
-              <a:rPr lang="zh-TW" altLang="en-US" dirty="0">
-                <a:latin typeface="ＭＳ Ｐゴシック" panose="020B0600070205080204" pitchFamily="50" charset="-128"/>
-                <a:ea typeface="ＭＳ Ｐゴシック" panose="020B0600070205080204" pitchFamily="50" charset="-128"/>
+              <a:t>を</a:t>
+            </a:r>
+            <a:r>
+              <a:rPr lang="ja-JP" altLang="en-US" dirty="0" smtClean="0">
+                <a:latin typeface="+mn-ea"/>
               </a:rPr>
-              <a:t>張 海</a:t>
-            </a:r>
-            <a:r>
-              <a:rPr lang="en-US" altLang="zh-TW" dirty="0">
-                <a:latin typeface="ＭＳ Ｐゴシック" panose="020B0600070205080204" pitchFamily="50" charset="-128"/>
-                <a:ea typeface="ＭＳ Ｐゴシック" panose="020B0600070205080204" pitchFamily="50" charset="-128"/>
+              <a:t>用いた小学校プログラ </a:t>
+            </a:r>
+            <a:r>
+              <a:rPr lang="ja-JP" altLang="en-US" dirty="0">
+                <a:latin typeface="+mn-ea"/>
               </a:rPr>
-              <a:t>, </a:t>
-            </a:r>
-            <a:r>
-              <a:rPr lang="zh-TW" altLang="en-US" dirty="0">
-                <a:latin typeface="ＭＳ Ｐゴシック" panose="020B0600070205080204" pitchFamily="50" charset="-128"/>
-                <a:ea typeface="ＭＳ Ｐゴシック" panose="020B0600070205080204" pitchFamily="50" charset="-128"/>
+              <a:t>ミ </a:t>
+            </a:r>
+            <a:r>
+              <a:rPr lang="ja-JP" altLang="en-US" dirty="0" smtClean="0">
+                <a:latin typeface="+mn-ea"/>
               </a:rPr>
-              <a:t>前迫 孝憲</a:t>
-            </a:r>
-            <a:endParaRPr lang="en-US" altLang="ja-JP" dirty="0">
-              <a:latin typeface="ＭＳ Ｐゴシック" panose="020B0600070205080204" pitchFamily="50" charset="-128"/>
-              <a:ea typeface="ＭＳ Ｐゴシック" panose="020B0600070205080204" pitchFamily="50" charset="-128"/>
-            </a:endParaRPr>
-          </a:p>
-          <a:p>
-            <a:pPr marL="0" indent="0">
-              <a:buNone/>
-            </a:pPr>
+              <a:t>ング授業の</a:t>
+            </a:r>
+            <a:r>
+              <a:rPr lang="ja-JP" altLang="en-US" dirty="0" smtClean="0">
+                <a:latin typeface="+mn-ea"/>
+              </a:rPr>
+              <a:t>実践」</a:t>
+            </a:r>
             <a:endParaRPr kumimoji="1" lang="ja-JP" altLang="en-US" dirty="0"/>
           </a:p>
         </p:txBody>
@@ -7306,7 +7233,7 @@
           </a:p>
           <a:p>
             <a:r>
-              <a:rPr lang="ja-JP" altLang="en-US" smtClean="0"/>
+              <a:rPr lang="ja-JP" altLang="en-US" dirty="0" smtClean="0"/>
               <a:t>問題文やヒントなどを充実させて、学習者の論理的思考を養う</a:t>
             </a:r>
             <a:endParaRPr lang="en-US" altLang="ja-JP" dirty="0" smtClean="0"/>

--- a/1821121_shimaoka_tyuukan.pptx
+++ b/1821121_shimaoka_tyuukan.pptx
@@ -242,7 +242,7 @@
           <a:p>
             <a:fld id="{4D62F260-72E3-4D76-A7C3-2EDF244737A6}" type="datetimeFigureOut">
               <a:rPr kumimoji="1" lang="ja-JP" altLang="en-US" smtClean="0"/>
-              <a:t>2021/7/22</a:t>
+              <a:t>2021/7/27</a:t>
             </a:fld>
             <a:endParaRPr kumimoji="1" lang="ja-JP" altLang="en-US" dirty="0"/>
           </a:p>
@@ -407,7 +407,7 @@
           <a:p>
             <a:fld id="{27571B5F-C8EC-4379-AD76-80FD414F3861}" type="datetimeFigureOut">
               <a:rPr kumimoji="1" lang="ja-JP" altLang="en-US" smtClean="0"/>
-              <a:t>2021/7/22</a:t>
+              <a:t>2021/7/27</a:t>
             </a:fld>
             <a:endParaRPr kumimoji="1" lang="ja-JP" altLang="en-US" dirty="0"/>
           </a:p>
@@ -958,11 +958,7 @@
           <a:p>
             <a:r>
               <a:rPr lang="ja-JP" altLang="en-US" sz="1200" dirty="0" smtClean="0"/>
-              <a:t>問題の穴埋め方式を採択する予定だが、ユーザのレベルに合わせる機能が実現されて</a:t>
-            </a:r>
-            <a:r>
-              <a:rPr lang="ja-JP" altLang="en-US" sz="1200" dirty="0" smtClean="0"/>
-              <a:t>いない</a:t>
+              <a:t>問題の穴埋め方式を採択する予定だが、ユーザのレベルに合わせる機能が実現されていない</a:t>
             </a:r>
             <a:endParaRPr lang="en-US" altLang="ja-JP" sz="1200" dirty="0" smtClean="0"/>
           </a:p>
@@ -1333,7 +1329,7 @@
           <a:p>
             <a:fld id="{C335E573-B421-42F4-AB5C-2F3D82120347}" type="datetime1">
               <a:rPr kumimoji="1" lang="ja-JP" altLang="en-US" smtClean="0"/>
-              <a:t>2021/7/22</a:t>
+              <a:t>2021/7/27</a:t>
             </a:fld>
             <a:endParaRPr kumimoji="1" lang="ja-JP" altLang="en-US" dirty="0"/>
           </a:p>
@@ -1536,7 +1532,7 @@
           <a:p>
             <a:fld id="{6C0E558A-98ED-43ED-A5EF-95B14F8C4104}" type="datetime1">
               <a:rPr kumimoji="1" lang="ja-JP" altLang="en-US" smtClean="0"/>
-              <a:t>2021/7/22</a:t>
+              <a:t>2021/7/27</a:t>
             </a:fld>
             <a:endParaRPr kumimoji="1" lang="ja-JP" altLang="en-US" dirty="0"/>
           </a:p>
@@ -1749,7 +1745,7 @@
           <a:p>
             <a:fld id="{8EFF5399-0718-4B2B-97EA-56D755853484}" type="datetime1">
               <a:rPr kumimoji="1" lang="ja-JP" altLang="en-US" smtClean="0"/>
-              <a:t>2021/7/22</a:t>
+              <a:t>2021/7/27</a:t>
             </a:fld>
             <a:endParaRPr kumimoji="1" lang="ja-JP" altLang="en-US" dirty="0"/>
           </a:p>
@@ -1952,7 +1948,7 @@
           <a:p>
             <a:fld id="{E364310B-A730-4FDD-A52E-FCDA0D9CD090}" type="datetime1">
               <a:rPr kumimoji="1" lang="ja-JP" altLang="en-US" smtClean="0"/>
-              <a:t>2021/7/22</a:t>
+              <a:t>2021/7/27</a:t>
             </a:fld>
             <a:endParaRPr kumimoji="1" lang="ja-JP" altLang="en-US" dirty="0"/>
           </a:p>
@@ -2197,7 +2193,7 @@
           <a:p>
             <a:fld id="{9EFF9BB4-F462-4009-9CDB-BE51CDCE36D2}" type="datetime1">
               <a:rPr kumimoji="1" lang="ja-JP" altLang="en-US" smtClean="0"/>
-              <a:t>2021/7/22</a:t>
+              <a:t>2021/7/27</a:t>
             </a:fld>
             <a:endParaRPr kumimoji="1" lang="ja-JP" altLang="en-US" dirty="0"/>
           </a:p>
@@ -2494,7 +2490,7 @@
           <a:p>
             <a:fld id="{4616E83A-02B2-4E37-B901-916FC1ABA284}" type="datetime1">
               <a:rPr kumimoji="1" lang="ja-JP" altLang="en-US" smtClean="0"/>
-              <a:t>2021/7/22</a:t>
+              <a:t>2021/7/27</a:t>
             </a:fld>
             <a:endParaRPr kumimoji="1" lang="ja-JP" altLang="en-US" dirty="0"/>
           </a:p>
@@ -2926,7 +2922,7 @@
           <a:p>
             <a:fld id="{0F30A100-A925-4562-8BAD-6D9DFB833C69}" type="datetime1">
               <a:rPr kumimoji="1" lang="ja-JP" altLang="en-US" smtClean="0"/>
-              <a:t>2021/7/22</a:t>
+              <a:t>2021/7/27</a:t>
             </a:fld>
             <a:endParaRPr kumimoji="1" lang="ja-JP" altLang="en-US" dirty="0"/>
           </a:p>
@@ -3045,7 +3041,7 @@
           <a:p>
             <a:fld id="{2B092801-85DE-4E2D-BB20-4CEFD3DE12D7}" type="datetime1">
               <a:rPr kumimoji="1" lang="ja-JP" altLang="en-US" smtClean="0"/>
-              <a:t>2021/7/22</a:t>
+              <a:t>2021/7/27</a:t>
             </a:fld>
             <a:endParaRPr kumimoji="1" lang="ja-JP" altLang="en-US" dirty="0"/>
           </a:p>
@@ -3141,7 +3137,7 @@
           <a:p>
             <a:fld id="{E3C0B233-1262-4C80-939E-E1C0347ED250}" type="datetime1">
               <a:rPr kumimoji="1" lang="ja-JP" altLang="en-US" smtClean="0"/>
-              <a:t>2021/7/22</a:t>
+              <a:t>2021/7/27</a:t>
             </a:fld>
             <a:endParaRPr kumimoji="1" lang="ja-JP" altLang="en-US" dirty="0"/>
           </a:p>
@@ -3451,7 +3447,7 @@
           <a:p>
             <a:fld id="{12654F1A-76CD-47D9-B513-65C1FA3EED3E}" type="datetime1">
               <a:rPr kumimoji="1" lang="ja-JP" altLang="en-US" smtClean="0"/>
-              <a:t>2021/7/22</a:t>
+              <a:t>2021/7/27</a:t>
             </a:fld>
             <a:endParaRPr kumimoji="1" lang="ja-JP" altLang="en-US" dirty="0"/>
           </a:p>
@@ -3709,7 +3705,7 @@
           <a:p>
             <a:fld id="{8261E7BE-EC7F-4989-A57E-EB9E1D8B8B4A}" type="datetime1">
               <a:rPr kumimoji="1" lang="ja-JP" altLang="en-US" smtClean="0"/>
-              <a:t>2021/7/22</a:t>
+              <a:t>2021/7/27</a:t>
             </a:fld>
             <a:endParaRPr kumimoji="1" lang="ja-JP" altLang="en-US" dirty="0"/>
           </a:p>
@@ -3955,7 +3951,7 @@
           <a:p>
             <a:fld id="{F53EBE1F-A560-407A-96D7-EDB5C3A8DEBD}" type="datetime1">
               <a:rPr kumimoji="1" lang="ja-JP" altLang="en-US" smtClean="0"/>
-              <a:t>2021/7/22</a:t>
+              <a:t>2021/7/27</a:t>
             </a:fld>
             <a:endParaRPr kumimoji="1" lang="ja-JP" altLang="en-US" dirty="0"/>
           </a:p>
@@ -4380,11 +4376,58 @@
         </p:spPr>
         <p:txBody>
           <a:bodyPr>
-            <a:normAutofit/>
+            <a:noAutofit/>
           </a:bodyPr>
           <a:lstStyle/>
           <a:p>
-            <a:endParaRPr kumimoji="1" lang="ja-JP" altLang="en-US" dirty="0"/>
+            <a:r>
+              <a:rPr lang="ja-JP" altLang="en-US" sz="2000" dirty="0"/>
+              <a:t/>
+            </a:r>
+            <a:br>
+              <a:rPr lang="ja-JP" altLang="en-US" sz="2000" dirty="0"/>
+            </a:br>
+            <a:r>
+              <a:rPr lang="en-US" altLang="ja-JP" sz="2000" dirty="0"/>
+              <a:t>•</a:t>
+            </a:r>
+            <a:r>
+              <a:rPr lang="ja-JP" altLang="en-US" sz="2000" dirty="0"/>
+              <a:t>ブロックプログラミングを用いた論理的思考とコーディングを身に着けるための研究</a:t>
+            </a:r>
+            <a:br>
+              <a:rPr lang="ja-JP" altLang="en-US" sz="2000" dirty="0"/>
+            </a:br>
+            <a:r>
+              <a:rPr lang="en-US" altLang="ja-JP" sz="2000" dirty="0"/>
+              <a:t>•</a:t>
+            </a:r>
+            <a:r>
+              <a:rPr lang="ja-JP" altLang="en-US" sz="2000" dirty="0"/>
+              <a:t>ブロックプログラミングによる論理的思考とコーディングを学ぶための研究</a:t>
+            </a:r>
+            <a:br>
+              <a:rPr lang="ja-JP" altLang="en-US" sz="2000" dirty="0"/>
+            </a:br>
+            <a:r>
+              <a:rPr lang="en-US" altLang="ja-JP" sz="2000" dirty="0"/>
+              <a:t>•</a:t>
+            </a:r>
+            <a:r>
+              <a:rPr lang="ja-JP" altLang="en-US" sz="2000" dirty="0"/>
+              <a:t>アルゴリズムとコードを理解するためのブロックプログラミングを用いた研究</a:t>
+            </a:r>
+            <a:br>
+              <a:rPr lang="ja-JP" altLang="en-US" sz="2000" dirty="0"/>
+            </a:br>
+            <a:r>
+              <a:rPr lang="ja-JP" altLang="en-US" sz="2000" dirty="0"/>
+              <a:t/>
+            </a:r>
+            <a:br>
+              <a:rPr lang="ja-JP" altLang="en-US" sz="2000" dirty="0"/>
+            </a:br>
+            <a:endParaRPr kumimoji="1" lang="ja-JP" altLang="en-US" sz="2000" dirty="0"/>
           </a:p>
         </p:txBody>
       </p:sp>
@@ -4990,7 +5033,19 @@
             <a:pPr algn="ctr"/>
             <a:r>
               <a:rPr kumimoji="1" lang="ja-JP" altLang="en-US" dirty="0" smtClean="0"/>
-              <a:t>ブロックからコードに変換</a:t>
+              <a:t>ブロックからコード</a:t>
+            </a:r>
+            <a:r>
+              <a:rPr kumimoji="1" lang="ja-JP" altLang="en-US" dirty="0" smtClean="0"/>
+              <a:t>に</a:t>
+            </a:r>
+            <a:endParaRPr kumimoji="1" lang="en-US" altLang="ja-JP" dirty="0" smtClean="0"/>
+          </a:p>
+          <a:p>
+            <a:pPr algn="ctr"/>
+            <a:r>
+              <a:rPr kumimoji="1" lang="ja-JP" altLang="en-US" dirty="0" smtClean="0"/>
+              <a:t>変換</a:t>
             </a:r>
             <a:endParaRPr kumimoji="1" lang="ja-JP" altLang="en-US" dirty="0"/>
           </a:p>
@@ -5032,7 +5087,23 @@
             <a:pPr algn="ctr"/>
             <a:r>
               <a:rPr kumimoji="1" lang="ja-JP" altLang="en-US" dirty="0" smtClean="0"/>
-              <a:t>問題の正誤と作成されたコードを送信</a:t>
+              <a:t>問題の正誤</a:t>
+            </a:r>
+            <a:r>
+              <a:rPr kumimoji="1" lang="ja-JP" altLang="en-US" dirty="0" smtClean="0"/>
+              <a:t>と</a:t>
+            </a:r>
+            <a:endParaRPr kumimoji="1" lang="en-US" altLang="ja-JP" dirty="0" smtClean="0"/>
+          </a:p>
+          <a:p>
+            <a:pPr algn="ctr"/>
+            <a:r>
+              <a:rPr kumimoji="1" lang="ja-JP" altLang="en-US" dirty="0" smtClean="0"/>
+              <a:t>作成</a:t>
+            </a:r>
+            <a:r>
+              <a:rPr kumimoji="1" lang="ja-JP" altLang="en-US" dirty="0" smtClean="0"/>
+              <a:t>されたコードを送信</a:t>
             </a:r>
             <a:endParaRPr kumimoji="1" lang="ja-JP" altLang="en-US" dirty="0"/>
           </a:p>
@@ -5159,7 +5230,23 @@
             </a:r>
             <a:r>
               <a:rPr lang="ja-JP" altLang="en-US" dirty="0" smtClean="0"/>
-              <a:t>コードを同時に表示されることで，論理的思考とコーディングを養う</a:t>
+              <a:t>コードを同時に</a:t>
+            </a:r>
+            <a:r>
+              <a:rPr lang="ja-JP" altLang="en-US" dirty="0" smtClean="0"/>
+              <a:t>表示</a:t>
+            </a:r>
+            <a:r>
+              <a:rPr lang="ja-JP" altLang="en-US" dirty="0" smtClean="0"/>
+              <a:t>す</a:t>
+            </a:r>
+            <a:r>
+              <a:rPr lang="ja-JP" altLang="en-US" dirty="0" smtClean="0"/>
+              <a:t>る</a:t>
+            </a:r>
+            <a:r>
+              <a:rPr lang="ja-JP" altLang="en-US" dirty="0" smtClean="0"/>
+              <a:t>ことで，論理的思考とコーディングを養う</a:t>
             </a:r>
             <a:endParaRPr kumimoji="1" lang="en-US" altLang="ja-JP" dirty="0" smtClean="0"/>
           </a:p>
@@ -5201,7 +5288,19 @@
             <a:pPr algn="ctr"/>
             <a:r>
               <a:rPr lang="ja-JP" altLang="en-US" dirty="0" smtClean="0"/>
-              <a:t>正誤とコードを表示</a:t>
+              <a:t>正誤とコード</a:t>
+            </a:r>
+            <a:r>
+              <a:rPr lang="ja-JP" altLang="en-US" dirty="0" smtClean="0"/>
+              <a:t>を</a:t>
+            </a:r>
+            <a:endParaRPr lang="en-US" altLang="ja-JP" dirty="0" smtClean="0"/>
+          </a:p>
+          <a:p>
+            <a:pPr algn="ctr"/>
+            <a:r>
+              <a:rPr lang="ja-JP" altLang="en-US" dirty="0" smtClean="0"/>
+              <a:t>表示</a:t>
             </a:r>
             <a:endParaRPr kumimoji="1" lang="ja-JP" altLang="en-US" dirty="0"/>
           </a:p>
@@ -5375,80 +5474,52 @@
               <a:buNone/>
             </a:pPr>
             <a:r>
-              <a:rPr lang="ja-JP" altLang="en-US" dirty="0" smtClean="0"/>
-              <a:t>今後のスケジュール</a:t>
-            </a:r>
-            <a:endParaRPr lang="en-US" altLang="ja-JP" dirty="0" smtClean="0"/>
-          </a:p>
-          <a:p>
-            <a:r>
-              <a:rPr lang="ja-JP" altLang="en-US" dirty="0" smtClean="0"/>
-              <a:t>問題</a:t>
-            </a:r>
-            <a:r>
-              <a:rPr lang="ja-JP" altLang="en-US" dirty="0" smtClean="0"/>
-              <a:t>を作成するアルゴリズムを生成</a:t>
-            </a:r>
-            <a:r>
-              <a:rPr lang="ja-JP" altLang="en-US" dirty="0"/>
+              <a:rPr lang="ja-JP" altLang="en-US" sz="2400" dirty="0" smtClean="0"/>
+              <a:t>今後の</a:t>
+            </a:r>
+            <a:r>
+              <a:rPr lang="ja-JP" altLang="en-US" sz="2400" dirty="0" smtClean="0"/>
+              <a:t>スケジュール</a:t>
+            </a:r>
+            <a:endParaRPr lang="en-US" altLang="ja-JP" sz="2400" dirty="0" smtClean="0"/>
+          </a:p>
+          <a:p>
+            <a:r>
+              <a:rPr lang="ja-JP" altLang="en-US" sz="2400" dirty="0" smtClean="0"/>
+              <a:t>問題を作成するアルゴリズムを生成</a:t>
+            </a:r>
+            <a:r>
+              <a:rPr lang="ja-JP" altLang="en-US" sz="2400" dirty="0"/>
               <a:t>する．</a:t>
             </a:r>
-            <a:endParaRPr lang="en-US" altLang="ja-JP" dirty="0"/>
-          </a:p>
-          <a:p>
-            <a:r>
-              <a:rPr kumimoji="1" lang="ja-JP" altLang="en-US" dirty="0" smtClean="0"/>
-              <a:t>論理的思考を身に着けるため</a:t>
-            </a:r>
-            <a:r>
-              <a:rPr kumimoji="1" lang="ja-JP" altLang="en-US" dirty="0" smtClean="0"/>
-              <a:t>の</a:t>
-            </a:r>
-            <a:r>
-              <a:rPr lang="ja-JP" altLang="en-US" dirty="0"/>
+            <a:endParaRPr lang="en-US" altLang="ja-JP" sz="2400" dirty="0"/>
+          </a:p>
+          <a:p>
+            <a:r>
+              <a:rPr kumimoji="1" lang="ja-JP" altLang="en-US" sz="2400" dirty="0" smtClean="0"/>
+              <a:t>論理的思考を身に着けるための</a:t>
+            </a:r>
+            <a:r>
+              <a:rPr lang="ja-JP" altLang="en-US" sz="2400" dirty="0"/>
               <a:t>，</a:t>
             </a:r>
             <a:r>
-              <a:rPr kumimoji="1" lang="ja-JP" altLang="en-US" dirty="0" smtClean="0"/>
-              <a:t>問題</a:t>
-            </a:r>
-            <a:r>
-              <a:rPr kumimoji="1" lang="ja-JP" altLang="en-US" dirty="0" smtClean="0"/>
-              <a:t>を解くためのプロセスに</a:t>
-            </a:r>
-            <a:r>
-              <a:rPr kumimoji="1" lang="ja-JP" altLang="en-US" dirty="0" smtClean="0"/>
-              <a:t>ついて</a:t>
-            </a:r>
-            <a:r>
-              <a:rPr lang="ja-JP" altLang="en-US" dirty="0"/>
+              <a:rPr kumimoji="1" lang="ja-JP" altLang="en-US" sz="2400" dirty="0" smtClean="0"/>
+              <a:t>問題を解くためのプロセスについて</a:t>
+            </a:r>
+            <a:r>
+              <a:rPr lang="ja-JP" altLang="en-US" sz="2400" dirty="0"/>
               <a:t>，</a:t>
             </a:r>
             <a:r>
-              <a:rPr kumimoji="1" lang="ja-JP" altLang="en-US" dirty="0" smtClean="0"/>
-              <a:t>小学生</a:t>
-            </a:r>
-            <a:r>
-              <a:rPr kumimoji="1" lang="ja-JP" altLang="en-US" dirty="0" smtClean="0"/>
-              <a:t>でもわかりやすい範囲で</a:t>
-            </a:r>
-            <a:r>
-              <a:rPr kumimoji="1" lang="ja-JP" altLang="en-US" dirty="0" smtClean="0"/>
-              <a:t>のフローチャート</a:t>
-            </a:r>
-            <a:r>
-              <a:rPr kumimoji="1" lang="ja-JP" altLang="en-US" dirty="0" smtClean="0"/>
-              <a:t>の表示など作成</a:t>
-            </a:r>
-            <a:r>
-              <a:rPr kumimoji="1" lang="ja-JP" altLang="en-US" dirty="0" smtClean="0"/>
-              <a:t>予定</a:t>
-            </a:r>
-            <a:r>
-              <a:rPr lang="ja-JP" altLang="en-US" dirty="0"/>
+              <a:rPr kumimoji="1" lang="ja-JP" altLang="en-US" sz="2400" dirty="0" smtClean="0"/>
+              <a:t>小学生でもわかりやすい範囲でのフローチャートの表示など作成予定</a:t>
+            </a:r>
+            <a:r>
+              <a:rPr lang="ja-JP" altLang="en-US" sz="2400" dirty="0"/>
               <a:t>．</a:t>
             </a:r>
-            <a:endParaRPr lang="en-US" altLang="ja-JP" dirty="0"/>
+            <a:endParaRPr lang="en-US" altLang="ja-JP" sz="2400" dirty="0"/>
           </a:p>
         </p:txBody>
       </p:sp>
@@ -5685,7 +5756,11 @@
             </a:r>
             <a:r>
               <a:rPr lang="ja-JP" altLang="en-US" dirty="0" smtClean="0"/>
-              <a:t>環境における、</a:t>
+              <a:t>環境に</a:t>
+            </a:r>
+            <a:r>
+              <a:rPr lang="ja-JP" altLang="en-US" dirty="0" smtClean="0"/>
+              <a:t>おける，</a:t>
             </a:r>
             <a:r>
               <a:rPr lang="en-US" altLang="ja-JP" dirty="0" smtClean="0"/>
@@ -5798,7 +5873,15 @@
             </a:r>
             <a:r>
               <a:rPr lang="ja-JP" altLang="en-US" dirty="0" smtClean="0"/>
-              <a:t>年に小学校</a:t>
+              <a:t>年以降に</a:t>
+            </a:r>
+            <a:r>
+              <a:rPr lang="ja-JP" altLang="en-US" dirty="0" smtClean="0"/>
+              <a:t>小学校</a:t>
+            </a:r>
+            <a:r>
+              <a:rPr lang="ja-JP" altLang="en-US" dirty="0" smtClean="0"/>
+              <a:t>，中学校</a:t>
             </a:r>
             <a:r>
               <a:rPr lang="ja-JP" altLang="en-US" dirty="0"/>
@@ -5806,15 +5889,15 @@
             </a:r>
             <a:r>
               <a:rPr lang="ja-JP" altLang="en-US" dirty="0" smtClean="0"/>
-              <a:t>以降１年毎に</a:t>
-            </a:r>
-            <a:r>
-              <a:rPr lang="ja-JP" altLang="en-US" dirty="0"/>
-              <a:t>中学校，高等</a:t>
+              <a:t>高等学校</a:t>
             </a:r>
             <a:r>
               <a:rPr lang="ja-JP" altLang="en-US" dirty="0" smtClean="0"/>
-              <a:t>学校にてプログラミング教育の必修化が実施</a:t>
+              <a:t>にてプログラミング教育の</a:t>
+            </a:r>
+            <a:r>
+              <a:rPr lang="ja-JP" altLang="en-US" dirty="0" smtClean="0"/>
+              <a:t>必修が全面実施</a:t>
             </a:r>
             <a:r>
               <a:rPr lang="ja-JP" altLang="en-US" dirty="0"/>
@@ -5827,12 +5910,16 @@
           </a:p>
           <a:p>
             <a:r>
+              <a:rPr lang="ja-JP" altLang="en-US" dirty="0" smtClean="0"/>
+              <a:t>文部科学省の発表によると，</a:t>
+            </a:r>
+            <a:r>
               <a:rPr kumimoji="1" lang="ja-JP" altLang="en-US" dirty="0" smtClean="0"/>
-              <a:t>プログラミング教育の必修化</a:t>
+              <a:t>プログラミング</a:t>
             </a:r>
             <a:r>
               <a:rPr kumimoji="1" lang="ja-JP" altLang="en-US" dirty="0" smtClean="0"/>
-              <a:t>は</a:t>
+              <a:t>教育の必修化は</a:t>
             </a:r>
             <a:r>
               <a:rPr lang="ja-JP" altLang="en-US" dirty="0"/>
@@ -5840,15 +5927,7 @@
             </a:r>
             <a:r>
               <a:rPr kumimoji="1" lang="ja-JP" altLang="en-US" dirty="0" smtClean="0"/>
-              <a:t>プログラマー</a:t>
-            </a:r>
-            <a:r>
-              <a:rPr kumimoji="1" lang="ja-JP" altLang="en-US" dirty="0" smtClean="0"/>
-              <a:t>を育てることが目的では</a:t>
-            </a:r>
-            <a:r>
-              <a:rPr kumimoji="1" lang="ja-JP" altLang="en-US" dirty="0" smtClean="0"/>
-              <a:t>なく</a:t>
+              <a:t>プログラマーを育てることが目的ではなく</a:t>
             </a:r>
             <a:r>
               <a:rPr lang="ja-JP" altLang="en-US" dirty="0" smtClean="0"/>
@@ -5868,13 +5947,13 @@
             </a:r>
             <a:r>
               <a:rPr lang="ja-JP" altLang="en-US" dirty="0" smtClean="0"/>
-              <a:t>ことであると文部科学省が発表して</a:t>
-            </a:r>
-            <a:r>
-              <a:rPr lang="ja-JP" altLang="en-US" dirty="0"/>
-              <a:t>いる．</a:t>
-            </a:r>
-            <a:endParaRPr lang="en-US" altLang="ja-JP" dirty="0"/>
+              <a:t>ことで</a:t>
+            </a:r>
+            <a:r>
+              <a:rPr lang="ja-JP" altLang="en-US" dirty="0" smtClean="0"/>
+              <a:t>ある．</a:t>
+            </a:r>
+            <a:endParaRPr lang="en-US" altLang="ja-JP" dirty="0" smtClean="0"/>
           </a:p>
           <a:p>
             <a:endParaRPr kumimoji="1" lang="en-US" altLang="ja-JP" dirty="0"/>
@@ -6005,19 +6084,7 @@
             </a:r>
             <a:r>
               <a:rPr lang="ja-JP" altLang="en-US" dirty="0"/>
-              <a:t>から高校生までが勉強するため</a:t>
-            </a:r>
-            <a:r>
-              <a:rPr lang="ja-JP" altLang="en-US" dirty="0"/>
-              <a:t>に，教科書</a:t>
-            </a:r>
-            <a:r>
-              <a:rPr lang="ja-JP" altLang="en-US" dirty="0"/>
-              <a:t>を読み進めるだけでは難しい場合が</a:t>
-            </a:r>
-            <a:r>
-              <a:rPr lang="ja-JP" altLang="en-US" dirty="0"/>
-              <a:t>考えられる</a:t>
+              <a:t>から高校生までが勉強するために，教科書を読み進めるだけでは難しい場合が考えられる</a:t>
             </a:r>
             <a:r>
               <a:rPr lang="ja-JP" altLang="en-US" dirty="0" smtClean="0"/>
@@ -6032,15 +6099,7 @@
             </a:r>
             <a:r>
               <a:rPr lang="ja-JP" altLang="en-US" dirty="0"/>
-              <a:t>が実際にプログラミングに触れてみること</a:t>
-            </a:r>
-            <a:r>
-              <a:rPr lang="ja-JP" altLang="en-US" dirty="0"/>
-              <a:t>で，論理的</a:t>
-            </a:r>
-            <a:r>
-              <a:rPr lang="ja-JP" altLang="en-US" dirty="0"/>
-              <a:t>思考を身に</a:t>
+              <a:t>が実際にプログラミングに触れてみることで，論理的思考を身に</a:t>
             </a:r>
             <a:r>
               <a:rPr lang="ja-JP" altLang="en-US" dirty="0" smtClean="0"/>
@@ -6067,7 +6126,15 @@
           <a:p>
             <a:r>
               <a:rPr lang="ja-JP" altLang="en-US" dirty="0" smtClean="0"/>
-              <a:t>ブロックプログラミングを利用することにより，学習の再初期段階でプログラムの構文を理解することなく実行することができる．</a:t>
+              <a:t>ブロックプログラミングを利用することにより，学習</a:t>
+            </a:r>
+            <a:r>
+              <a:rPr lang="ja-JP" altLang="en-US" dirty="0" smtClean="0"/>
+              <a:t>の最初期</a:t>
+            </a:r>
+            <a:r>
+              <a:rPr lang="ja-JP" altLang="en-US" dirty="0" smtClean="0"/>
+              <a:t>段階でプログラムの構文を理解することなく実行することができる．</a:t>
             </a:r>
             <a:endParaRPr lang="en-US" altLang="ja-JP" dirty="0" smtClean="0"/>
           </a:p>
@@ -6238,13 +6305,7 @@
               <a:rPr lang="ja-JP" altLang="en-US" dirty="0" smtClean="0">
                 <a:latin typeface="+mn-ea"/>
               </a:rPr>
-              <a:t>泰司</a:t>
-            </a:r>
-            <a:r>
-              <a:rPr lang="ja-JP" altLang="en-US" dirty="0" smtClean="0">
-                <a:latin typeface="+mn-ea"/>
-              </a:rPr>
-              <a:t>「論理的</a:t>
+              <a:t>泰司「論理的</a:t>
             </a:r>
             <a:r>
               <a:rPr lang="ja-JP" altLang="en-US" dirty="0">
@@ -6279,13 +6340,7 @@
               <a:rPr lang="ja-JP" altLang="en-US" dirty="0" smtClean="0">
                 <a:latin typeface="+mn-ea"/>
               </a:rPr>
-              <a:t>　</a:t>
-            </a:r>
-            <a:r>
-              <a:rPr lang="ja-JP" altLang="en-US" dirty="0" smtClean="0">
-                <a:latin typeface="+mn-ea"/>
-              </a:rPr>
-              <a:t>プログラミング教育に関連</a:t>
+              <a:t>　プログラミング教育に関連</a:t>
             </a:r>
             <a:endParaRPr lang="en-US" altLang="ja-JP" dirty="0" smtClean="0">
               <a:latin typeface="+mn-ea"/>
@@ -6382,13 +6437,7 @@
               <a:rPr lang="ja-JP" altLang="en-US" dirty="0" smtClean="0">
                 <a:latin typeface="+mn-ea"/>
               </a:rPr>
-              <a:t>ング授業の</a:t>
-            </a:r>
-            <a:r>
-              <a:rPr lang="ja-JP" altLang="en-US" dirty="0" smtClean="0">
-                <a:latin typeface="+mn-ea"/>
-              </a:rPr>
-              <a:t>実践」</a:t>
+              <a:t>ング授業の実践」</a:t>
             </a:r>
             <a:endParaRPr kumimoji="1" lang="ja-JP" altLang="en-US" dirty="0"/>
           </a:p>
@@ -6500,11 +6549,7 @@
           <a:p>
             <a:r>
               <a:rPr lang="ja-JP" altLang="en-US" dirty="0" smtClean="0"/>
-              <a:t>本研究において論理的思考と</a:t>
-            </a:r>
-            <a:r>
-              <a:rPr lang="ja-JP" altLang="en-US" dirty="0" smtClean="0"/>
-              <a:t>は，「思考</a:t>
+              <a:t>本研究において論理的思考とは，「思考</a:t>
             </a:r>
             <a:r>
               <a:rPr lang="ja-JP" altLang="en-US" dirty="0"/>
@@ -6527,11 +6572,7 @@
           <a:p>
             <a:r>
               <a:rPr lang="ja-JP" altLang="en-US" dirty="0" smtClean="0"/>
-              <a:t>論理的</a:t>
-            </a:r>
-            <a:r>
-              <a:rPr lang="ja-JP" altLang="en-US" dirty="0"/>
-              <a:t>思考を教えることを軽視する教育</a:t>
+              <a:t>論理的思考がすでに培われていることが前提となる教育</a:t>
             </a:r>
             <a:r>
               <a:rPr lang="ja-JP" altLang="en-US" dirty="0" smtClean="0"/>
@@ -6553,19 +6594,7 @@
             </a:r>
             <a:r>
               <a:rPr lang="ja-JP" altLang="en-US" dirty="0" smtClean="0"/>
-              <a:t>→問題</a:t>
-            </a:r>
-            <a:r>
-              <a:rPr lang="ja-JP" altLang="en-US" dirty="0" smtClean="0"/>
-              <a:t>文</a:t>
-            </a:r>
-            <a:r>
-              <a:rPr lang="ja-JP" altLang="en-US" dirty="0" smtClean="0"/>
-              <a:t>から意味を読み取って学習者</a:t>
-            </a:r>
-            <a:r>
-              <a:rPr lang="ja-JP" altLang="en-US" dirty="0" smtClean="0"/>
-              <a:t>が</a:t>
+              <a:t>→問題文から意味を読み取って学習者が</a:t>
             </a:r>
             <a:r>
               <a:rPr lang="ja-JP" altLang="en-US" dirty="0"/>
@@ -6573,11 +6602,7 @@
             </a:r>
             <a:r>
               <a:rPr lang="ja-JP" altLang="en-US" dirty="0" smtClean="0"/>
-              <a:t>組み合わせる</a:t>
-            </a:r>
-            <a:r>
-              <a:rPr lang="ja-JP" altLang="en-US" dirty="0" smtClean="0"/>
-              <a:t>システムでは，既に学習者が論理的な思考をもって問題文を読み取ることができている必要がある．</a:t>
+              <a:t>組み合わせるシステムでは，既に学習者が論理的な思考をもって問題文を読み取ることができている必要がある．</a:t>
             </a:r>
             <a:endParaRPr lang="en-US" altLang="ja-JP" dirty="0" smtClean="0"/>
           </a:p>
@@ -6699,11 +6724,7 @@
           <a:p>
             <a:r>
               <a:rPr kumimoji="1" lang="ja-JP" altLang="en-US" dirty="0" smtClean="0"/>
-              <a:t>本研究で</a:t>
-            </a:r>
-            <a:r>
-              <a:rPr kumimoji="1" lang="ja-JP" altLang="en-US" dirty="0" smtClean="0"/>
-              <a:t>は</a:t>
+              <a:t>本研究では</a:t>
             </a:r>
             <a:r>
               <a:rPr lang="ja-JP" altLang="en-US" dirty="0"/>
@@ -6711,11 +6732,7 @@
             </a:r>
             <a:r>
               <a:rPr kumimoji="1" lang="ja-JP" altLang="en-US" dirty="0" smtClean="0"/>
-              <a:t>ブロック型</a:t>
-            </a:r>
-            <a:r>
-              <a:rPr kumimoji="1" lang="ja-JP" altLang="en-US" dirty="0" smtClean="0"/>
-              <a:t>のプログラミング環境である</a:t>
+              <a:t>ブロック型のプログラミング環境である</a:t>
             </a:r>
             <a:r>
               <a:rPr lang="ja-JP" altLang="en-US" dirty="0" smtClean="0"/>
@@ -6727,11 +6744,7 @@
             </a:r>
             <a:r>
               <a:rPr lang="ja-JP" altLang="en-US" dirty="0" smtClean="0"/>
-              <a:t>」</a:t>
-            </a:r>
-            <a:r>
-              <a:rPr lang="ja-JP" altLang="en-US" dirty="0" smtClean="0"/>
-              <a:t>を利用</a:t>
+              <a:t>」を利用</a:t>
             </a:r>
             <a:r>
               <a:rPr lang="ja-JP" altLang="en-US" dirty="0"/>
@@ -6750,11 +6763,7 @@
             </a:r>
             <a:r>
               <a:rPr kumimoji="1" lang="ja-JP" altLang="en-US" dirty="0" smtClean="0"/>
-              <a:t>」</a:t>
-            </a:r>
-            <a:r>
-              <a:rPr kumimoji="1" lang="ja-JP" altLang="en-US" dirty="0" smtClean="0"/>
-              <a:t>には、作成したブロック</a:t>
+              <a:t>」には、作成したブロック</a:t>
             </a:r>
             <a:r>
               <a:rPr lang="ja-JP" altLang="en-US" dirty="0" smtClean="0"/>
@@ -6778,11 +6787,7 @@
             </a:r>
             <a:r>
               <a:rPr lang="ja-JP" altLang="en-US" dirty="0" smtClean="0"/>
-              <a:t>，この</a:t>
-            </a:r>
-            <a:r>
-              <a:rPr lang="ja-JP" altLang="en-US" dirty="0" smtClean="0"/>
-              <a:t>機能を用いること</a:t>
+              <a:t>，この機能を用いること</a:t>
             </a:r>
             <a:r>
               <a:rPr lang="ja-JP" altLang="en-US" dirty="0"/>
@@ -6790,11 +6795,7 @@
             </a:r>
             <a:r>
               <a:rPr lang="ja-JP" altLang="en-US" dirty="0" smtClean="0"/>
-              <a:t>はテキストでのプログラム</a:t>
-            </a:r>
-            <a:r>
-              <a:rPr lang="ja-JP" altLang="en-US" dirty="0" smtClean="0"/>
-              <a:t>による，コーディングの学習が</a:t>
+              <a:t>はテキストでのプログラムによる，コーディングの学習が</a:t>
             </a:r>
             <a:r>
               <a:rPr lang="ja-JP" altLang="en-US" dirty="0"/>
@@ -6816,11 +6817,7 @@
           <a:p>
             <a:r>
               <a:rPr lang="ja-JP" altLang="en-US" dirty="0" smtClean="0"/>
-              <a:t>この機能を</a:t>
-            </a:r>
-            <a:r>
-              <a:rPr lang="ja-JP" altLang="en-US" dirty="0" smtClean="0"/>
-              <a:t>コードジェネレート機能と本研究では</a:t>
+              <a:t>この機能をコードジェネレート機能と本研究では</a:t>
             </a:r>
             <a:r>
               <a:rPr lang="ja-JP" altLang="en-US" dirty="0"/>
@@ -7049,11 +7046,7 @@
           <a:p>
             <a:r>
               <a:rPr kumimoji="1" lang="ja-JP" altLang="en-US" dirty="0" smtClean="0"/>
-              <a:t>本研究の目的</a:t>
-            </a:r>
-            <a:r>
-              <a:rPr kumimoji="1" lang="ja-JP" altLang="en-US" dirty="0" smtClean="0"/>
-              <a:t>は</a:t>
+              <a:t>本研究の目的は</a:t>
             </a:r>
             <a:r>
               <a:rPr lang="ja-JP" altLang="en-US" dirty="0"/>
@@ -7061,15 +7054,7 @@
             </a:r>
             <a:r>
               <a:rPr kumimoji="1" lang="ja-JP" altLang="en-US" dirty="0" smtClean="0"/>
-              <a:t>学生向け</a:t>
-            </a:r>
-            <a:r>
-              <a:rPr kumimoji="1" lang="ja-JP" altLang="en-US" dirty="0" smtClean="0"/>
-              <a:t>に論理的思考を身に着けるための学習支援と</a:t>
-            </a:r>
-            <a:r>
-              <a:rPr kumimoji="1" lang="ja-JP" altLang="en-US" dirty="0" smtClean="0"/>
-              <a:t>して</a:t>
+              <a:t>学生向けに論理的思考を身に着けるための学習支援として</a:t>
             </a:r>
             <a:r>
               <a:rPr lang="ja-JP" altLang="en-US" dirty="0"/>
@@ -7077,15 +7062,7 @@
             </a:r>
             <a:r>
               <a:rPr kumimoji="1" lang="ja-JP" altLang="en-US" dirty="0" smtClean="0"/>
-              <a:t>ブロックプログラミング</a:t>
-            </a:r>
-            <a:r>
-              <a:rPr kumimoji="1" lang="ja-JP" altLang="en-US" dirty="0" smtClean="0"/>
-              <a:t>を利用</a:t>
-            </a:r>
-            <a:r>
-              <a:rPr kumimoji="1" lang="ja-JP" altLang="en-US" dirty="0" smtClean="0"/>
-              <a:t>し</a:t>
+              <a:t>ブロックプログラミングを利用し</a:t>
             </a:r>
             <a:r>
               <a:rPr lang="ja-JP" altLang="en-US" dirty="0"/>
@@ -7093,11 +7070,11 @@
             </a:r>
             <a:r>
               <a:rPr kumimoji="1" lang="ja-JP" altLang="en-US" dirty="0" smtClean="0"/>
-              <a:t>理解</a:t>
+              <a:t>理解を深めることができる環境を作成する</a:t>
             </a:r>
             <a:r>
               <a:rPr kumimoji="1" lang="ja-JP" altLang="en-US" dirty="0" smtClean="0"/>
-              <a:t>を深めることができる環境を作成することを目的と</a:t>
+              <a:t>ことと</a:t>
             </a:r>
             <a:r>
               <a:rPr kumimoji="1" lang="ja-JP" altLang="en-US" dirty="0" smtClean="0"/>
@@ -7206,7 +7183,7 @@
         <p:spPr/>
         <p:txBody>
           <a:bodyPr>
-            <a:normAutofit fontScale="92500" lnSpcReduction="10000"/>
+            <a:normAutofit/>
           </a:bodyPr>
           <a:lstStyle/>
           <a:p>
@@ -7220,28 +7197,53 @@
             </a:r>
             <a:r>
               <a:rPr lang="ja-JP" altLang="en-US" dirty="0" smtClean="0"/>
-              <a:t>ブラウザ上で作業を完結できるシステム</a:t>
+              <a:t>ブラウザ上で作業を完結</a:t>
+            </a:r>
+            <a:r>
+              <a:rPr lang="ja-JP" altLang="en-US" dirty="0" smtClean="0"/>
+              <a:t>できる．</a:t>
             </a:r>
             <a:endParaRPr lang="en-US" altLang="ja-JP" dirty="0" smtClean="0"/>
           </a:p>
           <a:p>
             <a:r>
               <a:rPr lang="ja-JP" altLang="en-US" dirty="0" smtClean="0"/>
-              <a:t>ブロックプログラミングによって論理的な動きを視覚的に理解できるシステムの提案</a:t>
+              <a:t>問題</a:t>
+            </a:r>
+            <a:r>
+              <a:rPr lang="ja-JP" altLang="en-US" dirty="0" smtClean="0"/>
+              <a:t>文やヒントなどを充実</a:t>
+            </a:r>
+            <a:r>
+              <a:rPr lang="ja-JP" altLang="en-US" dirty="0" smtClean="0"/>
+              <a:t>させて，学習者の効率的な論理的</a:t>
+            </a:r>
+            <a:r>
+              <a:rPr lang="ja-JP" altLang="en-US" dirty="0" smtClean="0"/>
+              <a:t>思考を</a:t>
+            </a:r>
+            <a:r>
+              <a:rPr lang="ja-JP" altLang="en-US" dirty="0" smtClean="0"/>
+              <a:t>養う．</a:t>
             </a:r>
             <a:endParaRPr lang="en-US" altLang="ja-JP" dirty="0" smtClean="0"/>
           </a:p>
           <a:p>
             <a:r>
+              <a:rPr lang="ja-JP" altLang="en-US" dirty="0"/>
+              <a:t>プログラムの構文を覚えるために，穴埋め問題などを利用</a:t>
+            </a:r>
+            <a:r>
               <a:rPr lang="ja-JP" altLang="en-US" dirty="0" smtClean="0"/>
-              <a:t>問題文やヒントなどを充実させて、学習者の論理的思考を養う</a:t>
-            </a:r>
-            <a:endParaRPr lang="en-US" altLang="ja-JP" dirty="0" smtClean="0"/>
-          </a:p>
-          <a:p>
+              <a:t>し，より</a:t>
+            </a:r>
             <a:r>
               <a:rPr lang="ja-JP" altLang="en-US" dirty="0"/>
-              <a:t>プログラムの構文を覚えるために，穴埋め問題などを利用し、よりプログラミングにユーザが慣れていける環境を提案。</a:t>
+              <a:t>プログラミングにユーザが慣れていける環境を</a:t>
+            </a:r>
+            <a:r>
+              <a:rPr lang="ja-JP" altLang="en-US" dirty="0" smtClean="0"/>
+              <a:t>提案．</a:t>
             </a:r>
             <a:endParaRPr lang="en-US" altLang="ja-JP" dirty="0"/>
           </a:p>
@@ -7252,7 +7254,19 @@
             </a:r>
             <a:r>
               <a:rPr lang="ja-JP" altLang="en-US" dirty="0" smtClean="0"/>
-              <a:t>によるコードジェネレート機能を利用し、プログラミング言語の構文の理解を深められるシステムを提案。</a:t>
+              <a:t>によるコードジェネレート機能を利用</a:t>
+            </a:r>
+            <a:r>
+              <a:rPr lang="ja-JP" altLang="en-US" dirty="0" smtClean="0"/>
+              <a:t>し，プログラミング</a:t>
+            </a:r>
+            <a:r>
+              <a:rPr lang="ja-JP" altLang="en-US" dirty="0" smtClean="0"/>
+              <a:t>言語の構文の理解を深められるシステムを</a:t>
+            </a:r>
+            <a:r>
+              <a:rPr lang="ja-JP" altLang="en-US" dirty="0" smtClean="0"/>
+              <a:t>提案．</a:t>
             </a:r>
             <a:endParaRPr lang="en-US" altLang="ja-JP" dirty="0"/>
           </a:p>

--- a/1821121_shimaoka_tyuukan.pptx
+++ b/1821121_shimaoka_tyuukan.pptx
@@ -11,17 +11,17 @@
     <p:handoutMasterId r:id="rId14"/>
   </p:handoutMasterIdLst>
   <p:sldIdLst>
-    <p:sldId id="256" r:id="rId2"/>
-    <p:sldId id="257" r:id="rId3"/>
-    <p:sldId id="260" r:id="rId4"/>
-    <p:sldId id="258" r:id="rId5"/>
-    <p:sldId id="259" r:id="rId6"/>
-    <p:sldId id="262" r:id="rId7"/>
-    <p:sldId id="265" r:id="rId8"/>
-    <p:sldId id="261" r:id="rId9"/>
-    <p:sldId id="263" r:id="rId10"/>
-    <p:sldId id="266" r:id="rId11"/>
-    <p:sldId id="264" r:id="rId12"/>
+    <p:sldId id="257" r:id="rId2"/>
+    <p:sldId id="260" r:id="rId3"/>
+    <p:sldId id="258" r:id="rId4"/>
+    <p:sldId id="259" r:id="rId5"/>
+    <p:sldId id="262" r:id="rId6"/>
+    <p:sldId id="265" r:id="rId7"/>
+    <p:sldId id="261" r:id="rId8"/>
+    <p:sldId id="263" r:id="rId9"/>
+    <p:sldId id="266" r:id="rId10"/>
+    <p:sldId id="264" r:id="rId11"/>
+    <p:sldId id="256" r:id="rId12"/>
   </p:sldIdLst>
   <p:sldSz cx="9144000" cy="6858000" type="screen4x3"/>
   <p:notesSz cx="6858000" cy="9144000"/>
@@ -733,12 +733,7 @@
             <p:ph type="sldImg"/>
           </p:nvPr>
         </p:nvSpPr>
-        <p:spPr>
-          <a:xfrm>
-            <a:off x="1371600" y="1143000"/>
-            <a:ext cx="4114800" cy="3086100"/>
-          </a:xfrm>
-        </p:spPr>
+        <p:spPr/>
       </p:sp>
       <p:sp>
         <p:nvSpPr>
@@ -785,7 +780,7 @@
     </p:spTree>
     <p:extLst>
       <p:ext uri="{BB962C8B-B14F-4D97-AF65-F5344CB8AC3E}">
-        <p14:creationId xmlns:p14="http://schemas.microsoft.com/office/powerpoint/2010/main" val="937322828"/>
+        <p14:creationId xmlns:p14="http://schemas.microsoft.com/office/powerpoint/2010/main" val="1095993662"/>
       </p:ext>
     </p:extLst>
   </p:cSld>
@@ -839,6 +834,73 @@
           <a:bodyPr/>
           <a:lstStyle/>
           <a:p>
+            <a:r>
+              <a:rPr kumimoji="1" lang="ja-JP" altLang="en-US" sz="1200" dirty="0" smtClean="0"/>
+              <a:t>論理的思考を教えることを軽視する教育環境</a:t>
+            </a:r>
+            <a:endParaRPr kumimoji="1" lang="en-US" altLang="ja-JP" sz="1200" dirty="0" smtClean="0"/>
+          </a:p>
+          <a:p>
+            <a:pPr marL="0" indent="0">
+              <a:buNone/>
+            </a:pPr>
+            <a:r>
+              <a:rPr lang="ja-JP" altLang="en-US" sz="1200" dirty="0" smtClean="0"/>
+              <a:t>　→ただ問題文からユーザがブロックを組み合わせるだけでは論理的思考を身に着けるのは難しい</a:t>
+            </a:r>
+            <a:endParaRPr lang="en-US" altLang="ja-JP" sz="1200" dirty="0" smtClean="0"/>
+          </a:p>
+          <a:p>
+            <a:pPr marL="0" indent="0">
+              <a:buNone/>
+            </a:pPr>
+            <a:r>
+              <a:rPr lang="ja-JP" altLang="en-US" sz="1200" dirty="0" smtClean="0"/>
+              <a:t>　→チュートリアルのようなものや、ヒントなどを実装することで、論理的思考を身に着ける手助けになる</a:t>
+            </a:r>
+            <a:endParaRPr lang="en-US" altLang="ja-JP" sz="1200" dirty="0" smtClean="0"/>
+          </a:p>
+          <a:p>
+            <a:pPr marL="0" indent="0">
+              <a:buNone/>
+            </a:pPr>
+            <a:endParaRPr kumimoji="1" lang="en-US" altLang="ja-JP" sz="1200" dirty="0" smtClean="0"/>
+          </a:p>
+          <a:p>
+            <a:r>
+              <a:rPr lang="ja-JP" altLang="en-US" sz="1200" dirty="0" smtClean="0"/>
+              <a:t>問題の穴埋め方式を採択する予定だが、ユーザのレベルに合わせる機能が実現されていない</a:t>
+            </a:r>
+            <a:endParaRPr lang="en-US" altLang="ja-JP" sz="1200" dirty="0" smtClean="0"/>
+          </a:p>
+          <a:p>
+            <a:endParaRPr kumimoji="1" lang="en-US" altLang="ja-JP" dirty="0" smtClean="0"/>
+          </a:p>
+          <a:p>
+            <a:pPr marL="0" marR="0" lvl="0" indent="0" algn="l" defTabSz="914400" rtl="0" eaLnBrk="1" fontAlgn="auto" latinLnBrk="0" hangingPunct="1">
+              <a:lnSpc>
+                <a:spcPct val="100000"/>
+              </a:lnSpc>
+              <a:spcBef>
+                <a:spcPts val="0"/>
+              </a:spcBef>
+              <a:spcAft>
+                <a:spcPts val="0"/>
+              </a:spcAft>
+              <a:buClrTx/>
+              <a:buSzTx/>
+              <a:buFontTx/>
+              <a:buNone/>
+              <a:tabLst/>
+              <a:defRPr/>
+            </a:pPr>
+            <a:r>
+              <a:rPr kumimoji="1" lang="ja-JP" altLang="en-US" sz="1200" dirty="0" smtClean="0"/>
+              <a:t>→フローチャートやヒントなど問題を解く際に順序立てて考えられるシステムの考案が必要</a:t>
+            </a:r>
+            <a:endParaRPr kumimoji="1" lang="en-US" altLang="ja-JP" sz="1200" dirty="0" smtClean="0"/>
+          </a:p>
+          <a:p>
             <a:endParaRPr kumimoji="1" lang="ja-JP" altLang="en-US" dirty="0"/>
           </a:p>
         </p:txBody>
@@ -860,7 +922,7 @@
           <a:p>
             <a:fld id="{9D828324-DCC9-430F-AD2C-1DD1805E2C40}" type="slidenum">
               <a:rPr kumimoji="1" lang="ja-JP" altLang="en-US" smtClean="0"/>
-              <a:t>2</a:t>
+              <a:t>4</a:t>
             </a:fld>
             <a:endParaRPr kumimoji="1" lang="ja-JP" altLang="en-US" dirty="0"/>
           </a:p>
@@ -869,7 +931,7 @@
     </p:spTree>
     <p:extLst>
       <p:ext uri="{BB962C8B-B14F-4D97-AF65-F5344CB8AC3E}">
-        <p14:creationId xmlns:p14="http://schemas.microsoft.com/office/powerpoint/2010/main" val="1095993662"/>
+        <p14:creationId xmlns:p14="http://schemas.microsoft.com/office/powerpoint/2010/main" val="364110076"/>
       </p:ext>
     </p:extLst>
   </p:cSld>
@@ -923,73 +985,6 @@
           <a:bodyPr/>
           <a:lstStyle/>
           <a:p>
-            <a:r>
-              <a:rPr kumimoji="1" lang="ja-JP" altLang="en-US" sz="1200" dirty="0" smtClean="0"/>
-              <a:t>論理的思考を教えることを軽視する教育環境</a:t>
-            </a:r>
-            <a:endParaRPr kumimoji="1" lang="en-US" altLang="ja-JP" sz="1200" dirty="0" smtClean="0"/>
-          </a:p>
-          <a:p>
-            <a:pPr marL="0" indent="0">
-              <a:buNone/>
-            </a:pPr>
-            <a:r>
-              <a:rPr lang="ja-JP" altLang="en-US" sz="1200" dirty="0" smtClean="0"/>
-              <a:t>　→ただ問題文からユーザがブロックを組み合わせるだけでは論理的思考を身に着けるのは難しい</a:t>
-            </a:r>
-            <a:endParaRPr lang="en-US" altLang="ja-JP" sz="1200" dirty="0" smtClean="0"/>
-          </a:p>
-          <a:p>
-            <a:pPr marL="0" indent="0">
-              <a:buNone/>
-            </a:pPr>
-            <a:r>
-              <a:rPr lang="ja-JP" altLang="en-US" sz="1200" dirty="0" smtClean="0"/>
-              <a:t>　→チュートリアルのようなものや、ヒントなどを実装することで、論理的思考を身に着ける手助けになる</a:t>
-            </a:r>
-            <a:endParaRPr lang="en-US" altLang="ja-JP" sz="1200" dirty="0" smtClean="0"/>
-          </a:p>
-          <a:p>
-            <a:pPr marL="0" indent="0">
-              <a:buNone/>
-            </a:pPr>
-            <a:endParaRPr kumimoji="1" lang="en-US" altLang="ja-JP" sz="1200" dirty="0" smtClean="0"/>
-          </a:p>
-          <a:p>
-            <a:r>
-              <a:rPr lang="ja-JP" altLang="en-US" sz="1200" dirty="0" smtClean="0"/>
-              <a:t>問題の穴埋め方式を採択する予定だが、ユーザのレベルに合わせる機能が実現されていない</a:t>
-            </a:r>
-            <a:endParaRPr lang="en-US" altLang="ja-JP" sz="1200" dirty="0" smtClean="0"/>
-          </a:p>
-          <a:p>
-            <a:endParaRPr kumimoji="1" lang="en-US" altLang="ja-JP" dirty="0" smtClean="0"/>
-          </a:p>
-          <a:p>
-            <a:pPr marL="0" marR="0" lvl="0" indent="0" algn="l" defTabSz="914400" rtl="0" eaLnBrk="1" fontAlgn="auto" latinLnBrk="0" hangingPunct="1">
-              <a:lnSpc>
-                <a:spcPct val="100000"/>
-              </a:lnSpc>
-              <a:spcBef>
-                <a:spcPts val="0"/>
-              </a:spcBef>
-              <a:spcAft>
-                <a:spcPts val="0"/>
-              </a:spcAft>
-              <a:buClrTx/>
-              <a:buSzTx/>
-              <a:buFontTx/>
-              <a:buNone/>
-              <a:tabLst/>
-              <a:defRPr/>
-            </a:pPr>
-            <a:r>
-              <a:rPr kumimoji="1" lang="ja-JP" altLang="en-US" sz="1200" dirty="0" smtClean="0"/>
-              <a:t>→フローチャートやヒントなど問題を解く際に順序立てて考えられるシステムの考案が必要</a:t>
-            </a:r>
-            <a:endParaRPr kumimoji="1" lang="en-US" altLang="ja-JP" sz="1200" dirty="0" smtClean="0"/>
-          </a:p>
-          <a:p>
             <a:endParaRPr kumimoji="1" lang="ja-JP" altLang="en-US" dirty="0"/>
           </a:p>
         </p:txBody>
@@ -1011,7 +1006,7 @@
           <a:p>
             <a:fld id="{9D828324-DCC9-430F-AD2C-1DD1805E2C40}" type="slidenum">
               <a:rPr kumimoji="1" lang="ja-JP" altLang="en-US" smtClean="0"/>
-              <a:t>5</a:t>
+              <a:t>8</a:t>
             </a:fld>
             <a:endParaRPr kumimoji="1" lang="ja-JP" altLang="en-US" dirty="0"/>
           </a:p>
@@ -1020,7 +1015,7 @@
     </p:spTree>
     <p:extLst>
       <p:ext uri="{BB962C8B-B14F-4D97-AF65-F5344CB8AC3E}">
-        <p14:creationId xmlns:p14="http://schemas.microsoft.com/office/powerpoint/2010/main" val="364110076"/>
+        <p14:creationId xmlns:p14="http://schemas.microsoft.com/office/powerpoint/2010/main" val="2128498725"/>
       </p:ext>
     </p:extLst>
   </p:cSld>
@@ -1104,7 +1099,7 @@
     </p:spTree>
     <p:extLst>
       <p:ext uri="{BB962C8B-B14F-4D97-AF65-F5344CB8AC3E}">
-        <p14:creationId xmlns:p14="http://schemas.microsoft.com/office/powerpoint/2010/main" val="2128498725"/>
+        <p14:creationId xmlns:p14="http://schemas.microsoft.com/office/powerpoint/2010/main" val="2799924096"/>
       </p:ext>
     </p:extLst>
   </p:cSld>
@@ -1141,7 +1136,12 @@
             <p:ph type="sldImg"/>
           </p:nvPr>
         </p:nvSpPr>
-        <p:spPr/>
+        <p:spPr>
+          <a:xfrm>
+            <a:off x="1371600" y="1143000"/>
+            <a:ext cx="4114800" cy="3086100"/>
+          </a:xfrm>
+        </p:spPr>
       </p:sp>
       <p:sp>
         <p:nvSpPr>
@@ -1179,7 +1179,7 @@
           <a:p>
             <a:fld id="{9D828324-DCC9-430F-AD2C-1DD1805E2C40}" type="slidenum">
               <a:rPr kumimoji="1" lang="ja-JP" altLang="en-US" smtClean="0"/>
-              <a:t>10</a:t>
+              <a:t>11</a:t>
             </a:fld>
             <a:endParaRPr kumimoji="1" lang="ja-JP" altLang="en-US" dirty="0"/>
           </a:p>
@@ -1188,7 +1188,7 @@
     </p:spTree>
     <p:extLst>
       <p:ext uri="{BB962C8B-B14F-4D97-AF65-F5344CB8AC3E}">
-        <p14:creationId xmlns:p14="http://schemas.microsoft.com/office/powerpoint/2010/main" val="2799924096"/>
+        <p14:creationId xmlns:p14="http://schemas.microsoft.com/office/powerpoint/2010/main" val="937322828"/>
       </p:ext>
     </p:extLst>
   </p:cSld>
@@ -4365,123 +4365,144 @@
             <a:spLocks noGrp="1"/>
           </p:cNvSpPr>
           <p:nvPr>
-            <p:ph type="ctrTitle"/>
+            <p:ph type="title"/>
           </p:nvPr>
         </p:nvSpPr>
         <p:spPr>
           <a:xfrm>
-            <a:off x="685800" y="2112963"/>
-            <a:ext cx="7772400" cy="2387600"/>
+            <a:off x="628650" y="2238254"/>
+            <a:ext cx="7886700" cy="1325563"/>
           </a:xfrm>
         </p:spPr>
         <p:txBody>
-          <a:bodyPr>
-            <a:noAutofit/>
-          </a:bodyPr>
-          <a:lstStyle/>
-          <a:p>
-            <a:r>
-              <a:rPr lang="ja-JP" altLang="en-US" sz="2000" dirty="0"/>
-              <a:t/>
-            </a:r>
-            <a:br>
-              <a:rPr lang="ja-JP" altLang="en-US" sz="2000" dirty="0"/>
-            </a:br>
-            <a:r>
-              <a:rPr lang="en-US" altLang="ja-JP" sz="2000" dirty="0"/>
-              <a:t>•</a:t>
-            </a:r>
-            <a:r>
-              <a:rPr lang="ja-JP" altLang="en-US" sz="2000" dirty="0"/>
-              <a:t>ブロックプログラミングを用いた論理的思考とコーディングを身に着けるための研究</a:t>
-            </a:r>
-            <a:br>
-              <a:rPr lang="ja-JP" altLang="en-US" sz="2000" dirty="0"/>
-            </a:br>
-            <a:r>
-              <a:rPr lang="en-US" altLang="ja-JP" sz="2000" dirty="0"/>
-              <a:t>•</a:t>
-            </a:r>
-            <a:r>
-              <a:rPr lang="ja-JP" altLang="en-US" sz="2000" dirty="0"/>
-              <a:t>ブロックプログラミングによる論理的思考とコーディングを学ぶための研究</a:t>
-            </a:r>
-            <a:br>
-              <a:rPr lang="ja-JP" altLang="en-US" sz="2000" dirty="0"/>
-            </a:br>
-            <a:r>
-              <a:rPr lang="en-US" altLang="ja-JP" sz="2000" dirty="0"/>
-              <a:t>•</a:t>
-            </a:r>
-            <a:r>
-              <a:rPr lang="ja-JP" altLang="en-US" sz="2000" dirty="0"/>
-              <a:t>アルゴリズムとコードを理解するためのブロックプログラミングを用いた研究</a:t>
-            </a:r>
-            <a:br>
-              <a:rPr lang="ja-JP" altLang="en-US" sz="2000" dirty="0"/>
-            </a:br>
-            <a:r>
-              <a:rPr lang="ja-JP" altLang="en-US" sz="2000" dirty="0"/>
-              <a:t/>
-            </a:r>
-            <a:br>
-              <a:rPr lang="ja-JP" altLang="en-US" sz="2000" dirty="0"/>
-            </a:br>
-            <a:endParaRPr kumimoji="1" lang="ja-JP" altLang="en-US" sz="2000" dirty="0"/>
-          </a:p>
-        </p:txBody>
-      </p:sp>
-      <p:sp>
-        <p:nvSpPr>
-          <p:cNvPr id="3" name="サブタイトル 2"/>
-          <p:cNvSpPr>
-            <a:spLocks noGrp="1"/>
-          </p:cNvSpPr>
-          <p:nvPr>
-            <p:ph type="subTitle" idx="1"/>
+          <a:bodyPr/>
+          <a:lstStyle/>
+          <a:p>
+            <a:r>
+              <a:rPr kumimoji="1" lang="ja-JP" altLang="en-US" dirty="0"/>
+              <a:t>研究背景</a:t>
+            </a:r>
+          </a:p>
+        </p:txBody>
+      </p:sp>
+      <p:sp>
+        <p:nvSpPr>
+          <p:cNvPr id="3" name="コンテンツ プレースホルダー 2"/>
+          <p:cNvSpPr>
+            <a:spLocks noGrp="1"/>
+          </p:cNvSpPr>
+          <p:nvPr>
+            <p:ph idx="1"/>
           </p:nvPr>
         </p:nvSpPr>
         <p:spPr>
           <a:xfrm>
-            <a:off x="1143000" y="4700589"/>
-            <a:ext cx="6858000" cy="1655762"/>
+            <a:off x="628650" y="3743141"/>
+            <a:ext cx="7886700" cy="2613210"/>
           </a:xfrm>
         </p:spPr>
         <p:txBody>
-          <a:bodyPr/>
-          <a:lstStyle/>
-          <a:p>
-            <a:r>
-              <a:rPr kumimoji="1" lang="ja-JP" altLang="en-US" dirty="0"/>
-              <a:t>学籍番号</a:t>
+          <a:bodyPr>
+            <a:normAutofit/>
+          </a:bodyPr>
+          <a:lstStyle/>
+          <a:p>
+            <a:pPr algn="just"/>
+            <a:r>
+              <a:rPr lang="en-US" altLang="ja-JP" dirty="0" smtClean="0"/>
+              <a:t>2020</a:t>
+            </a:r>
+            <a:r>
+              <a:rPr lang="ja-JP" altLang="en-US" dirty="0" smtClean="0"/>
+              <a:t>年以降に</a:t>
+            </a:r>
+            <a:r>
+              <a:rPr lang="ja-JP" altLang="en-US" dirty="0" smtClean="0"/>
+              <a:t>小学校</a:t>
+            </a:r>
+            <a:r>
+              <a:rPr lang="ja-JP" altLang="en-US" dirty="0" smtClean="0"/>
+              <a:t>，中学校</a:t>
+            </a:r>
+            <a:r>
+              <a:rPr lang="ja-JP" altLang="en-US" dirty="0"/>
+              <a:t>，</a:t>
+            </a:r>
+            <a:r>
+              <a:rPr lang="ja-JP" altLang="en-US" dirty="0" smtClean="0"/>
+              <a:t>高等学校</a:t>
+            </a:r>
+            <a:r>
+              <a:rPr lang="ja-JP" altLang="en-US" dirty="0" smtClean="0"/>
+              <a:t>にてプログラミング教育の</a:t>
+            </a:r>
+            <a:r>
+              <a:rPr lang="ja-JP" altLang="en-US" dirty="0" smtClean="0"/>
+              <a:t>必修が全面実施</a:t>
+            </a:r>
+            <a:r>
+              <a:rPr lang="ja-JP" altLang="en-US" dirty="0"/>
+              <a:t>される</a:t>
+            </a:r>
+            <a:r>
+              <a:rPr lang="ja-JP" altLang="en-US" dirty="0" smtClean="0"/>
+              <a:t>．</a:t>
+            </a:r>
+            <a:endParaRPr lang="en-US" altLang="ja-JP" dirty="0" smtClean="0"/>
+          </a:p>
+          <a:p>
+            <a:pPr algn="just"/>
+            <a:r>
+              <a:rPr lang="ja-JP" altLang="en-US" dirty="0" smtClean="0"/>
+              <a:t>文部科学省の発表によると，</a:t>
             </a:r>
             <a:r>
               <a:rPr kumimoji="1" lang="ja-JP" altLang="en-US" dirty="0" smtClean="0"/>
-              <a:t>：１８２１１２１</a:t>
-            </a:r>
-            <a:endParaRPr kumimoji="1" lang="en-US" altLang="ja-JP" dirty="0" smtClean="0"/>
-          </a:p>
-          <a:p>
+              <a:t>プログラミング</a:t>
+            </a:r>
             <a:r>
               <a:rPr kumimoji="1" lang="ja-JP" altLang="en-US" dirty="0" smtClean="0"/>
-              <a:t>氏名：島岡慎也</a:t>
-            </a:r>
-            <a:endParaRPr kumimoji="1" lang="en-US" altLang="ja-JP" dirty="0"/>
-          </a:p>
-          <a:p>
+              <a:t>教育の必修化は</a:t>
+            </a:r>
             <a:r>
               <a:rPr lang="ja-JP" altLang="en-US" dirty="0"/>
-              <a:t>指導教員：鷹野 孝典 教授</a:t>
-            </a:r>
-          </a:p>
-          <a:p>
-            <a:endParaRPr kumimoji="1" lang="ja-JP" altLang="en-US" dirty="0"/>
-          </a:p>
-        </p:txBody>
-      </p:sp>
-      <p:sp>
-        <p:nvSpPr>
-          <p:cNvPr id="5" name="スライド番号プレースホルダー 4"/>
+              <a:t>，</a:t>
+            </a:r>
+            <a:r>
+              <a:rPr kumimoji="1" lang="ja-JP" altLang="en-US" dirty="0" smtClean="0"/>
+              <a:t>プログラマーを育てることが目的ではなく</a:t>
+            </a:r>
+            <a:r>
+              <a:rPr lang="ja-JP" altLang="en-US" dirty="0" smtClean="0"/>
+              <a:t>，現代社会で普遍的</a:t>
+            </a:r>
+            <a:r>
+              <a:rPr lang="ja-JP" altLang="en-US" dirty="0"/>
+              <a:t>に求められる力としての</a:t>
+            </a:r>
+            <a:r>
+              <a:rPr lang="ja-JP" altLang="en-US" dirty="0" smtClean="0"/>
+              <a:t>「論理的</a:t>
+            </a:r>
+            <a:r>
+              <a:rPr lang="ja-JP" altLang="en-US" dirty="0"/>
+              <a:t>思考」などを育む</a:t>
+            </a:r>
+            <a:r>
+              <a:rPr lang="ja-JP" altLang="en-US" dirty="0" smtClean="0"/>
+              <a:t>ことで</a:t>
+            </a:r>
+            <a:r>
+              <a:rPr lang="ja-JP" altLang="en-US" dirty="0" smtClean="0"/>
+              <a:t>ある．</a:t>
+            </a:r>
+            <a:endParaRPr lang="en-US" altLang="ja-JP" dirty="0" smtClean="0"/>
+          </a:p>
+        </p:txBody>
+      </p:sp>
+      <p:sp>
+        <p:nvSpPr>
+          <p:cNvPr id="4" name="スライド番号プレースホルダー 3"/>
           <p:cNvSpPr>
             <a:spLocks noGrp="1"/>
           </p:cNvSpPr>
@@ -4504,14 +4525,111 @@
       </p:sp>
       <p:sp>
         <p:nvSpPr>
-          <p:cNvPr id="4" name="テキスト ボックス 3"/>
+          <p:cNvPr id="5" name="正方形/長方形 4"/>
+          <p:cNvSpPr/>
+          <p:nvPr/>
+        </p:nvSpPr>
+        <p:spPr>
+          <a:xfrm>
+            <a:off x="0" y="0"/>
+            <a:ext cx="9144000" cy="1873129"/>
+          </a:xfrm>
+          <a:prstGeom prst="rect">
+            <a:avLst/>
+          </a:prstGeom>
+          <a:solidFill>
+            <a:schemeClr val="tx1"/>
+          </a:solidFill>
+        </p:spPr>
+        <p:style>
+          <a:lnRef idx="2">
+            <a:schemeClr val="accent1">
+              <a:shade val="50000"/>
+            </a:schemeClr>
+          </a:lnRef>
+          <a:fillRef idx="1">
+            <a:schemeClr val="accent1"/>
+          </a:fillRef>
+          <a:effectRef idx="0">
+            <a:schemeClr val="accent1"/>
+          </a:effectRef>
+          <a:fontRef idx="minor">
+            <a:schemeClr val="lt1"/>
+          </a:fontRef>
+        </p:style>
+        <p:txBody>
+          <a:bodyPr rtlCol="0" anchor="ctr"/>
+          <a:lstStyle/>
+          <a:p>
+            <a:pPr algn="ctr"/>
+            <a:r>
+              <a:rPr lang="ja-JP" altLang="en-US" dirty="0"/>
+              <a:t/>
+            </a:r>
+            <a:br>
+              <a:rPr lang="ja-JP" altLang="en-US" dirty="0"/>
+            </a:br>
+            <a:r>
+              <a:rPr lang="ja-JP" altLang="en-US" sz="3200" dirty="0" smtClean="0"/>
+              <a:t>ブロックプログラミング</a:t>
+            </a:r>
+            <a:r>
+              <a:rPr lang="ja-JP" altLang="en-US" sz="3200" dirty="0"/>
+              <a:t>を用いた論理的思考</a:t>
+            </a:r>
+            <a:r>
+              <a:rPr lang="ja-JP" altLang="en-US" sz="3200" dirty="0" smtClean="0"/>
+              <a:t>と</a:t>
+            </a:r>
+            <a:endParaRPr lang="en-US" altLang="ja-JP" sz="3200" dirty="0" smtClean="0"/>
+          </a:p>
+          <a:p>
+            <a:pPr algn="ctr"/>
+            <a:r>
+              <a:rPr lang="ja-JP" altLang="en-US" sz="3200" dirty="0" smtClean="0"/>
+              <a:t>コーディング</a:t>
+            </a:r>
+            <a:r>
+              <a:rPr lang="ja-JP" altLang="en-US" sz="3200" dirty="0"/>
+              <a:t>を身に着けるための研究</a:t>
+            </a:r>
+            <a:br>
+              <a:rPr lang="ja-JP" altLang="en-US" sz="3200" dirty="0"/>
+            </a:br>
+            <a:endParaRPr lang="en-US" altLang="ja-JP" dirty="0" smtClean="0"/>
+          </a:p>
+          <a:p>
+            <a:pPr algn="ctr"/>
+            <a:r>
+              <a:rPr lang="ja-JP" altLang="en-US" dirty="0" smtClean="0"/>
+              <a:t>氏名</a:t>
+            </a:r>
+            <a:r>
+              <a:rPr lang="ja-JP" altLang="en-US" dirty="0"/>
+              <a:t>：島岡</a:t>
+            </a:r>
+            <a:r>
+              <a:rPr lang="ja-JP" altLang="en-US" dirty="0" smtClean="0"/>
+              <a:t>慎也　指導</a:t>
+            </a:r>
+            <a:r>
+              <a:rPr lang="ja-JP" altLang="en-US" dirty="0"/>
+              <a:t>教員：鷹野 孝典 教授</a:t>
+            </a:r>
+            <a:endParaRPr lang="ja-JP" altLang="en-US" dirty="0"/>
+          </a:p>
+        </p:txBody>
+      </p:sp>
+      <p:sp>
+        <p:nvSpPr>
+          <p:cNvPr id="6" name="テキスト ボックス 5"/>
           <p:cNvSpPr txBox="1"/>
           <p:nvPr/>
         </p:nvSpPr>
         <p:spPr>
           <a:xfrm>
-            <a:off x="5447154" y="1122363"/>
-            <a:ext cx="3696846" cy="300082"/>
+            <a:off x="6063449" y="1963926"/>
+            <a:ext cx="2996333" cy="369332"/>
           </a:xfrm>
           <a:prstGeom prst="rect">
             <a:avLst/>
@@ -4525,49 +4643,17 @@
           <a:lstStyle/>
           <a:p>
             <a:r>
-              <a:rPr lang="ja-JP" altLang="en-US" sz="1350" dirty="0"/>
-              <a:t>情報工学科 中間発表　</a:t>
-            </a:r>
-            <a:r>
-              <a:rPr lang="en-US" altLang="ja-JP" sz="1350" dirty="0" smtClean="0"/>
-              <a:t>2021</a:t>
-            </a:r>
-            <a:r>
-              <a:rPr lang="ja-JP" altLang="en-US" sz="1350" dirty="0" smtClean="0"/>
-              <a:t>年</a:t>
-            </a:r>
-            <a:r>
-              <a:rPr lang="en-US" altLang="ja-JP" sz="1350" dirty="0" smtClean="0"/>
-              <a:t>07</a:t>
-            </a:r>
-            <a:r>
-              <a:rPr lang="ja-JP" altLang="en-US" sz="1350" dirty="0" smtClean="0"/>
-              <a:t>月</a:t>
-            </a:r>
-            <a:r>
-              <a:rPr lang="en-US" altLang="ja-JP" sz="1350" dirty="0" smtClean="0"/>
-              <a:t>28</a:t>
-            </a:r>
-            <a:r>
-              <a:rPr lang="ja-JP" altLang="en-US" sz="1350" dirty="0" smtClean="0"/>
-              <a:t>日</a:t>
-            </a:r>
-            <a:r>
-              <a:rPr lang="en-US" altLang="ja-JP" sz="1350" dirty="0" smtClean="0"/>
-              <a:t>~30</a:t>
-            </a:r>
-            <a:r>
-              <a:rPr lang="ja-JP" altLang="en-US" sz="1350" dirty="0" smtClean="0"/>
-              <a:t>日</a:t>
-            </a:r>
-            <a:endParaRPr lang="ja-JP" altLang="en-US" sz="1350" dirty="0"/>
+              <a:rPr kumimoji="1" lang="ja-JP" altLang="en-US" dirty="0" smtClean="0"/>
+              <a:t>情報工学科 中間発表 ２０２１</a:t>
+            </a:r>
+            <a:endParaRPr kumimoji="1" lang="ja-JP" altLang="en-US" dirty="0"/>
           </a:p>
         </p:txBody>
       </p:sp>
     </p:spTree>
     <p:extLst>
       <p:ext uri="{BB962C8B-B14F-4D97-AF65-F5344CB8AC3E}">
-        <p14:creationId xmlns:p14="http://schemas.microsoft.com/office/powerpoint/2010/main" val="4177902719"/>
+        <p14:creationId xmlns:p14="http://schemas.microsoft.com/office/powerpoint/2010/main" val="2751752632"/>
       </p:ext>
     </p:extLst>
   </p:cSld>
@@ -4616,819 +4702,7 @@
           <a:bodyPr/>
           <a:lstStyle/>
           <a:p>
-            <a:r>
-              <a:rPr kumimoji="1" lang="ja-JP" altLang="en-US" dirty="0" smtClean="0"/>
-              <a:t>提案方式</a:t>
-            </a:r>
-            <a:endParaRPr kumimoji="1" lang="ja-JP" altLang="en-US" dirty="0"/>
-          </a:p>
-        </p:txBody>
-      </p:sp>
-      <p:sp>
-        <p:nvSpPr>
-          <p:cNvPr id="4" name="スライド番号プレースホルダー 3"/>
-          <p:cNvSpPr>
-            <a:spLocks noGrp="1"/>
-          </p:cNvSpPr>
-          <p:nvPr>
-            <p:ph type="sldNum" sz="quarter" idx="12"/>
-          </p:nvPr>
-        </p:nvSpPr>
-        <p:spPr/>
-        <p:txBody>
-          <a:bodyPr/>
-          <a:lstStyle/>
-          <a:p>
-            <a:fld id="{B4451160-128F-4DAD-AE29-4A8CC0E7B9E9}" type="slidenum">
-              <a:rPr lang="ja-JP" altLang="en-US" smtClean="0"/>
-              <a:pPr/>
-              <a:t>10</a:t>
-            </a:fld>
-            <a:endParaRPr lang="ja-JP" altLang="en-US" dirty="0"/>
-          </a:p>
-        </p:txBody>
-      </p:sp>
-      <p:sp>
-        <p:nvSpPr>
-          <p:cNvPr id="6" name="正方形/長方形 5"/>
-          <p:cNvSpPr/>
-          <p:nvPr/>
-        </p:nvSpPr>
-        <p:spPr>
-          <a:xfrm>
-            <a:off x="481443" y="1880436"/>
-            <a:ext cx="3337600" cy="3981450"/>
-          </a:xfrm>
-          <a:prstGeom prst="rect">
-            <a:avLst/>
-          </a:prstGeom>
-        </p:spPr>
-        <p:style>
-          <a:lnRef idx="2">
-            <a:schemeClr val="dk1"/>
-          </a:lnRef>
-          <a:fillRef idx="1">
-            <a:schemeClr val="lt1"/>
-          </a:fillRef>
-          <a:effectRef idx="0">
-            <a:schemeClr val="dk1"/>
-          </a:effectRef>
-          <a:fontRef idx="minor">
-            <a:schemeClr val="dk1"/>
-          </a:fontRef>
-        </p:style>
-        <p:txBody>
-          <a:bodyPr rtlCol="0" anchor="ctr"/>
-          <a:lstStyle/>
-          <a:p>
-            <a:pPr algn="ctr"/>
-            <a:endParaRPr kumimoji="1" lang="ja-JP" altLang="en-US" dirty="0"/>
-          </a:p>
-        </p:txBody>
-      </p:sp>
-      <p:sp>
-        <p:nvSpPr>
-          <p:cNvPr id="7" name="テキスト ボックス 6"/>
-          <p:cNvSpPr txBox="1"/>
-          <p:nvPr/>
-        </p:nvSpPr>
-        <p:spPr>
-          <a:xfrm>
-            <a:off x="1135549" y="6057770"/>
-            <a:ext cx="2397045" cy="366092"/>
-          </a:xfrm>
-          <a:prstGeom prst="rect">
-            <a:avLst/>
-          </a:prstGeom>
-          <a:noFill/>
-        </p:spPr>
-        <p:txBody>
-          <a:bodyPr wrap="square" rtlCol="0">
-            <a:spAutoFit/>
-          </a:bodyPr>
-          <a:lstStyle/>
-          <a:p>
-            <a:r>
-              <a:rPr kumimoji="1" lang="ja-JP" altLang="en-US" dirty="0" smtClean="0"/>
-              <a:t>学習者</a:t>
-            </a:r>
-            <a:r>
-              <a:rPr kumimoji="1" lang="en-US" altLang="ja-JP" dirty="0" smtClean="0"/>
-              <a:t>WEB</a:t>
-            </a:r>
-            <a:r>
-              <a:rPr kumimoji="1" lang="ja-JP" altLang="en-US" dirty="0" smtClean="0"/>
-              <a:t>ブラウザ</a:t>
-            </a:r>
-            <a:endParaRPr kumimoji="1" lang="ja-JP" altLang="en-US" dirty="0"/>
-          </a:p>
-        </p:txBody>
-      </p:sp>
-      <p:sp>
-        <p:nvSpPr>
-          <p:cNvPr id="8" name="テキスト ボックス 7"/>
-          <p:cNvSpPr txBox="1"/>
-          <p:nvPr/>
-        </p:nvSpPr>
-        <p:spPr>
-          <a:xfrm>
-            <a:off x="6008559" y="6057770"/>
-            <a:ext cx="963661" cy="366092"/>
-          </a:xfrm>
-          <a:prstGeom prst="rect">
-            <a:avLst/>
-          </a:prstGeom>
-          <a:noFill/>
-        </p:spPr>
-        <p:txBody>
-          <a:bodyPr wrap="square" rtlCol="0">
-            <a:spAutoFit/>
-          </a:bodyPr>
-          <a:lstStyle/>
-          <a:p>
-            <a:r>
-              <a:rPr kumimoji="1" lang="ja-JP" altLang="en-US" dirty="0" smtClean="0"/>
-              <a:t>サーバ</a:t>
-            </a:r>
-            <a:endParaRPr kumimoji="1" lang="ja-JP" altLang="en-US" dirty="0"/>
-          </a:p>
-        </p:txBody>
-      </p:sp>
-      <p:sp>
-        <p:nvSpPr>
-          <p:cNvPr id="9" name="正方形/長方形 8"/>
-          <p:cNvSpPr/>
-          <p:nvPr/>
-        </p:nvSpPr>
-        <p:spPr>
-          <a:xfrm>
-            <a:off x="4845330" y="1925460"/>
-            <a:ext cx="3337600" cy="3981450"/>
-          </a:xfrm>
-          <a:prstGeom prst="rect">
-            <a:avLst/>
-          </a:prstGeom>
-        </p:spPr>
-        <p:style>
-          <a:lnRef idx="2">
-            <a:schemeClr val="dk1"/>
-          </a:lnRef>
-          <a:fillRef idx="1">
-            <a:schemeClr val="lt1"/>
-          </a:fillRef>
-          <a:effectRef idx="0">
-            <a:schemeClr val="dk1"/>
-          </a:effectRef>
-          <a:fontRef idx="minor">
-            <a:schemeClr val="dk1"/>
-          </a:fontRef>
-        </p:style>
-        <p:txBody>
-          <a:bodyPr rtlCol="0" anchor="ctr"/>
-          <a:lstStyle/>
-          <a:p>
-            <a:pPr algn="ctr"/>
-            <a:endParaRPr kumimoji="1" lang="ja-JP" altLang="en-US" dirty="0"/>
-          </a:p>
-        </p:txBody>
-      </p:sp>
-      <p:sp>
-        <p:nvSpPr>
-          <p:cNvPr id="10" name="正方形/長方形 9"/>
-          <p:cNvSpPr/>
-          <p:nvPr/>
-        </p:nvSpPr>
-        <p:spPr>
-          <a:xfrm>
-            <a:off x="5210176" y="1988555"/>
-            <a:ext cx="2560427" cy="915820"/>
-          </a:xfrm>
-          <a:prstGeom prst="rect">
-            <a:avLst/>
-          </a:prstGeom>
-        </p:spPr>
-        <p:style>
-          <a:lnRef idx="2">
-            <a:schemeClr val="dk1"/>
-          </a:lnRef>
-          <a:fillRef idx="1">
-            <a:schemeClr val="lt1"/>
-          </a:fillRef>
-          <a:effectRef idx="0">
-            <a:schemeClr val="dk1"/>
-          </a:effectRef>
-          <a:fontRef idx="minor">
-            <a:schemeClr val="dk1"/>
-          </a:fontRef>
-        </p:style>
-        <p:txBody>
-          <a:bodyPr rtlCol="0" anchor="ctr"/>
-          <a:lstStyle/>
-          <a:p>
-            <a:pPr algn="ctr"/>
-            <a:r>
-              <a:rPr kumimoji="1" lang="ja-JP" altLang="en-US" dirty="0" smtClean="0"/>
-              <a:t>問題情報を送信</a:t>
-            </a:r>
-            <a:endParaRPr kumimoji="1" lang="ja-JP" altLang="en-US" dirty="0"/>
-          </a:p>
-        </p:txBody>
-      </p:sp>
-      <p:cxnSp>
-        <p:nvCxnSpPr>
-          <p:cNvPr id="12" name="直線矢印コネクタ 11"/>
-          <p:cNvCxnSpPr>
-            <a:endCxn id="14" idx="3"/>
-          </p:cNvCxnSpPr>
-          <p:nvPr/>
-        </p:nvCxnSpPr>
-        <p:spPr>
-          <a:xfrm flipH="1">
-            <a:off x="3158773" y="2442412"/>
-            <a:ext cx="2041878" cy="3530"/>
-          </a:xfrm>
-          <a:prstGeom prst="straightConnector1">
-            <a:avLst/>
-          </a:prstGeom>
-          <a:ln>
-            <a:tailEnd type="triangle"/>
-          </a:ln>
-        </p:spPr>
-        <p:style>
-          <a:lnRef idx="3">
-            <a:schemeClr val="dk1"/>
-          </a:lnRef>
-          <a:fillRef idx="0">
-            <a:schemeClr val="dk1"/>
-          </a:fillRef>
-          <a:effectRef idx="2">
-            <a:schemeClr val="dk1"/>
-          </a:effectRef>
-          <a:fontRef idx="minor">
-            <a:schemeClr val="tx1"/>
-          </a:fontRef>
-        </p:style>
-      </p:cxnSp>
-      <p:sp>
-        <p:nvSpPr>
-          <p:cNvPr id="14" name="正方形/長方形 13"/>
-          <p:cNvSpPr/>
-          <p:nvPr/>
-        </p:nvSpPr>
-        <p:spPr>
-          <a:xfrm>
-            <a:off x="1106199" y="2047041"/>
-            <a:ext cx="2052574" cy="797802"/>
-          </a:xfrm>
-          <a:prstGeom prst="rect">
-            <a:avLst/>
-          </a:prstGeom>
-        </p:spPr>
-        <p:style>
-          <a:lnRef idx="2">
-            <a:schemeClr val="dk1"/>
-          </a:lnRef>
-          <a:fillRef idx="1">
-            <a:schemeClr val="lt1"/>
-          </a:fillRef>
-          <a:effectRef idx="0">
-            <a:schemeClr val="dk1"/>
-          </a:effectRef>
-          <a:fontRef idx="minor">
-            <a:schemeClr val="dk1"/>
-          </a:fontRef>
-        </p:style>
-        <p:txBody>
-          <a:bodyPr rtlCol="0" anchor="ctr"/>
-          <a:lstStyle/>
-          <a:p>
-            <a:pPr algn="ctr"/>
-            <a:r>
-              <a:rPr kumimoji="1" lang="ja-JP" altLang="en-US" dirty="0" smtClean="0"/>
-              <a:t>問題を表示</a:t>
-            </a:r>
-            <a:endParaRPr kumimoji="1" lang="ja-JP" altLang="en-US" dirty="0"/>
-          </a:p>
-        </p:txBody>
-      </p:sp>
-      <p:sp>
-        <p:nvSpPr>
-          <p:cNvPr id="16" name="正方形/長方形 15"/>
-          <p:cNvSpPr/>
-          <p:nvPr/>
-        </p:nvSpPr>
-        <p:spPr>
-          <a:xfrm>
-            <a:off x="1106199" y="3327150"/>
-            <a:ext cx="2052574" cy="953586"/>
-          </a:xfrm>
-          <a:prstGeom prst="rect">
-            <a:avLst/>
-          </a:prstGeom>
-        </p:spPr>
-        <p:style>
-          <a:lnRef idx="2">
-            <a:schemeClr val="dk1"/>
-          </a:lnRef>
-          <a:fillRef idx="1">
-            <a:schemeClr val="lt1"/>
-          </a:fillRef>
-          <a:effectRef idx="0">
-            <a:schemeClr val="dk1"/>
-          </a:effectRef>
-          <a:fontRef idx="minor">
-            <a:schemeClr val="dk1"/>
-          </a:fontRef>
-        </p:style>
-        <p:txBody>
-          <a:bodyPr rtlCol="0" anchor="ctr"/>
-          <a:lstStyle/>
-          <a:p>
-            <a:pPr algn="ctr"/>
-            <a:r>
-              <a:rPr kumimoji="1" lang="ja-JP" altLang="en-US" dirty="0" smtClean="0"/>
-              <a:t>ブロック</a:t>
-            </a:r>
-            <a:endParaRPr kumimoji="1" lang="en-US" altLang="ja-JP" dirty="0" smtClean="0"/>
-          </a:p>
-          <a:p>
-            <a:pPr algn="ctr"/>
-            <a:r>
-              <a:rPr kumimoji="1" lang="ja-JP" altLang="en-US" dirty="0" smtClean="0"/>
-              <a:t>プログラミング</a:t>
-            </a:r>
-            <a:endParaRPr kumimoji="1" lang="ja-JP" altLang="en-US" dirty="0"/>
-          </a:p>
-        </p:txBody>
-      </p:sp>
-      <p:cxnSp>
-        <p:nvCxnSpPr>
-          <p:cNvPr id="18" name="直線矢印コネクタ 17"/>
-          <p:cNvCxnSpPr>
-            <a:stCxn id="16" idx="3"/>
-            <a:endCxn id="19" idx="1"/>
-          </p:cNvCxnSpPr>
-          <p:nvPr/>
-        </p:nvCxnSpPr>
-        <p:spPr>
-          <a:xfrm>
-            <a:off x="3158773" y="3803943"/>
-            <a:ext cx="2051403" cy="0"/>
-          </a:xfrm>
-          <a:prstGeom prst="straightConnector1">
-            <a:avLst/>
-          </a:prstGeom>
-          <a:ln>
-            <a:tailEnd type="triangle"/>
-          </a:ln>
-        </p:spPr>
-        <p:style>
-          <a:lnRef idx="3">
-            <a:schemeClr val="dk1"/>
-          </a:lnRef>
-          <a:fillRef idx="0">
-            <a:schemeClr val="dk1"/>
-          </a:fillRef>
-          <a:effectRef idx="2">
-            <a:schemeClr val="dk1"/>
-          </a:effectRef>
-          <a:fontRef idx="minor">
-            <a:schemeClr val="tx1"/>
-          </a:fontRef>
-        </p:style>
-      </p:cxnSp>
-      <p:sp>
-        <p:nvSpPr>
-          <p:cNvPr id="19" name="正方形/長方形 18"/>
-          <p:cNvSpPr/>
-          <p:nvPr/>
-        </p:nvSpPr>
-        <p:spPr>
-          <a:xfrm>
-            <a:off x="5210176" y="3327150"/>
-            <a:ext cx="2560427" cy="953586"/>
-          </a:xfrm>
-          <a:prstGeom prst="rect">
-            <a:avLst/>
-          </a:prstGeom>
-        </p:spPr>
-        <p:style>
-          <a:lnRef idx="2">
-            <a:schemeClr val="dk1"/>
-          </a:lnRef>
-          <a:fillRef idx="1">
-            <a:schemeClr val="lt1"/>
-          </a:fillRef>
-          <a:effectRef idx="0">
-            <a:schemeClr val="dk1"/>
-          </a:effectRef>
-          <a:fontRef idx="minor">
-            <a:schemeClr val="dk1"/>
-          </a:fontRef>
-        </p:style>
-        <p:txBody>
-          <a:bodyPr rtlCol="0" anchor="ctr"/>
-          <a:lstStyle/>
-          <a:p>
-            <a:pPr algn="ctr"/>
-            <a:r>
-              <a:rPr kumimoji="1" lang="ja-JP" altLang="en-US" dirty="0" smtClean="0"/>
-              <a:t>ブロックからコード</a:t>
-            </a:r>
-            <a:r>
-              <a:rPr kumimoji="1" lang="ja-JP" altLang="en-US" dirty="0" smtClean="0"/>
-              <a:t>に</a:t>
-            </a:r>
-            <a:endParaRPr kumimoji="1" lang="en-US" altLang="ja-JP" dirty="0" smtClean="0"/>
-          </a:p>
-          <a:p>
-            <a:pPr algn="ctr"/>
-            <a:r>
-              <a:rPr kumimoji="1" lang="ja-JP" altLang="en-US" dirty="0" smtClean="0"/>
-              <a:t>変換</a:t>
-            </a:r>
-            <a:endParaRPr kumimoji="1" lang="ja-JP" altLang="en-US" dirty="0"/>
-          </a:p>
-        </p:txBody>
-      </p:sp>
-      <p:sp>
-        <p:nvSpPr>
-          <p:cNvPr id="20" name="正方形/長方形 19"/>
-          <p:cNvSpPr/>
-          <p:nvPr/>
-        </p:nvSpPr>
-        <p:spPr>
-          <a:xfrm>
-            <a:off x="5233916" y="4579317"/>
-            <a:ext cx="2560427" cy="953586"/>
-          </a:xfrm>
-          <a:prstGeom prst="rect">
-            <a:avLst/>
-          </a:prstGeom>
-        </p:spPr>
-        <p:style>
-          <a:lnRef idx="2">
-            <a:schemeClr val="dk1"/>
-          </a:lnRef>
-          <a:fillRef idx="1">
-            <a:schemeClr val="lt1"/>
-          </a:fillRef>
-          <a:effectRef idx="0">
-            <a:schemeClr val="dk1"/>
-          </a:effectRef>
-          <a:fontRef idx="minor">
-            <a:schemeClr val="dk1"/>
-          </a:fontRef>
-        </p:style>
-        <p:txBody>
-          <a:bodyPr rtlCol="0" anchor="ctr"/>
-          <a:lstStyle/>
-          <a:p>
-            <a:pPr algn="ctr"/>
-            <a:r>
-              <a:rPr kumimoji="1" lang="ja-JP" altLang="en-US" dirty="0" smtClean="0"/>
-              <a:t>問題の正誤</a:t>
-            </a:r>
-            <a:r>
-              <a:rPr kumimoji="1" lang="ja-JP" altLang="en-US" dirty="0" smtClean="0"/>
-              <a:t>と</a:t>
-            </a:r>
-            <a:endParaRPr kumimoji="1" lang="en-US" altLang="ja-JP" dirty="0" smtClean="0"/>
-          </a:p>
-          <a:p>
-            <a:pPr algn="ctr"/>
-            <a:r>
-              <a:rPr kumimoji="1" lang="ja-JP" altLang="en-US" dirty="0" smtClean="0"/>
-              <a:t>作成</a:t>
-            </a:r>
-            <a:r>
-              <a:rPr kumimoji="1" lang="ja-JP" altLang="en-US" dirty="0" smtClean="0"/>
-              <a:t>されたコードを送信</a:t>
-            </a:r>
-            <a:endParaRPr kumimoji="1" lang="ja-JP" altLang="en-US" dirty="0"/>
-          </a:p>
-        </p:txBody>
-      </p:sp>
-      <p:cxnSp>
-        <p:nvCxnSpPr>
-          <p:cNvPr id="25" name="直線矢印コネクタ 24"/>
-          <p:cNvCxnSpPr>
-            <a:stCxn id="19" idx="2"/>
-            <a:endCxn id="20" idx="0"/>
-          </p:cNvCxnSpPr>
-          <p:nvPr/>
-        </p:nvCxnSpPr>
-        <p:spPr>
-          <a:xfrm>
-            <a:off x="6490390" y="4280736"/>
-            <a:ext cx="23740" cy="298581"/>
-          </a:xfrm>
-          <a:prstGeom prst="straightConnector1">
-            <a:avLst/>
-          </a:prstGeom>
-          <a:ln>
-            <a:tailEnd type="triangle"/>
-          </a:ln>
-        </p:spPr>
-        <p:style>
-          <a:lnRef idx="3">
-            <a:schemeClr val="dk1"/>
-          </a:lnRef>
-          <a:fillRef idx="0">
-            <a:schemeClr val="dk1"/>
-          </a:fillRef>
-          <a:effectRef idx="2">
-            <a:schemeClr val="dk1"/>
-          </a:effectRef>
-          <a:fontRef idx="minor">
-            <a:schemeClr val="tx1"/>
-          </a:fontRef>
-        </p:style>
-      </p:cxnSp>
-      <p:cxnSp>
-        <p:nvCxnSpPr>
-          <p:cNvPr id="30" name="直線矢印コネクタ 29"/>
-          <p:cNvCxnSpPr>
-            <a:stCxn id="14" idx="2"/>
-            <a:endCxn id="16" idx="0"/>
-          </p:cNvCxnSpPr>
-          <p:nvPr/>
-        </p:nvCxnSpPr>
-        <p:spPr>
-          <a:xfrm>
-            <a:off x="2132486" y="2844843"/>
-            <a:ext cx="0" cy="482307"/>
-          </a:xfrm>
-          <a:prstGeom prst="straightConnector1">
-            <a:avLst/>
-          </a:prstGeom>
-          <a:ln>
-            <a:tailEnd type="triangle"/>
-          </a:ln>
-        </p:spPr>
-        <p:style>
-          <a:lnRef idx="3">
-            <a:schemeClr val="dk1"/>
-          </a:lnRef>
-          <a:fillRef idx="0">
-            <a:schemeClr val="dk1"/>
-          </a:fillRef>
-          <a:effectRef idx="2">
-            <a:schemeClr val="dk1"/>
-          </a:effectRef>
-          <a:fontRef idx="minor">
-            <a:schemeClr val="tx1"/>
-          </a:fontRef>
-        </p:style>
-      </p:cxnSp>
-      <p:sp>
-        <p:nvSpPr>
-          <p:cNvPr id="32" name="正方形/長方形 31"/>
-          <p:cNvSpPr/>
-          <p:nvPr/>
-        </p:nvSpPr>
-        <p:spPr>
-          <a:xfrm>
-            <a:off x="4400550" y="238125"/>
-            <a:ext cx="4229100" cy="1452564"/>
-          </a:xfrm>
-          <a:prstGeom prst="rect">
-            <a:avLst/>
-          </a:prstGeom>
-          <a:ln w="19050"/>
-        </p:spPr>
-        <p:style>
-          <a:lnRef idx="2">
-            <a:schemeClr val="accent1"/>
-          </a:lnRef>
-          <a:fillRef idx="1">
-            <a:schemeClr val="lt1"/>
-          </a:fillRef>
-          <a:effectRef idx="0">
-            <a:schemeClr val="accent1"/>
-          </a:effectRef>
-          <a:fontRef idx="minor">
-            <a:schemeClr val="dk1"/>
-          </a:fontRef>
-        </p:style>
-        <p:txBody>
-          <a:bodyPr rtlCol="0" anchor="ctr"/>
-          <a:lstStyle/>
-          <a:p>
-            <a:pPr algn="ctr"/>
-            <a:r>
-              <a:rPr kumimoji="1" lang="ja-JP" altLang="en-US" dirty="0" smtClean="0"/>
-              <a:t>学習者が自身の</a:t>
-            </a:r>
-            <a:r>
-              <a:rPr kumimoji="1" lang="en-US" altLang="ja-JP" dirty="0" smtClean="0"/>
-              <a:t>WEB</a:t>
-            </a:r>
-            <a:r>
-              <a:rPr kumimoji="1" lang="ja-JP" altLang="en-US" dirty="0" smtClean="0"/>
-              <a:t>ブラウザにて問題をブロックプログラムで解くと共に，構文的に正しい</a:t>
-            </a:r>
-            <a:r>
-              <a:rPr lang="ja-JP" altLang="en-US" dirty="0" smtClean="0"/>
-              <a:t>コードを同時に</a:t>
-            </a:r>
-            <a:r>
-              <a:rPr lang="ja-JP" altLang="en-US" dirty="0" smtClean="0"/>
-              <a:t>表示</a:t>
-            </a:r>
-            <a:r>
-              <a:rPr lang="ja-JP" altLang="en-US" dirty="0" smtClean="0"/>
-              <a:t>す</a:t>
-            </a:r>
-            <a:r>
-              <a:rPr lang="ja-JP" altLang="en-US" dirty="0" smtClean="0"/>
-              <a:t>る</a:t>
-            </a:r>
-            <a:r>
-              <a:rPr lang="ja-JP" altLang="en-US" dirty="0" smtClean="0"/>
-              <a:t>ことで，論理的思考とコーディングを養う</a:t>
-            </a:r>
-            <a:endParaRPr kumimoji="1" lang="en-US" altLang="ja-JP" dirty="0" smtClean="0"/>
-          </a:p>
-        </p:txBody>
-      </p:sp>
-      <p:sp>
-        <p:nvSpPr>
-          <p:cNvPr id="33" name="正方形/長方形 32"/>
-          <p:cNvSpPr/>
-          <p:nvPr/>
-        </p:nvSpPr>
-        <p:spPr>
-          <a:xfrm>
-            <a:off x="1135549" y="4591050"/>
-            <a:ext cx="2023224" cy="971550"/>
-          </a:xfrm>
-          <a:prstGeom prst="rect">
-            <a:avLst/>
-          </a:prstGeom>
-        </p:spPr>
-        <p:style>
-          <a:lnRef idx="2">
-            <a:schemeClr val="dk1"/>
-          </a:lnRef>
-          <a:fillRef idx="1">
-            <a:schemeClr val="lt1"/>
-          </a:fillRef>
-          <a:effectRef idx="0">
-            <a:schemeClr val="dk1"/>
-          </a:effectRef>
-          <a:fontRef idx="minor">
-            <a:schemeClr val="dk1"/>
-          </a:fontRef>
-        </p:style>
-        <p:txBody>
-          <a:bodyPr rtlCol="0" anchor="ctr"/>
-          <a:lstStyle/>
-          <a:p>
-            <a:pPr algn="ctr"/>
-            <a:r>
-              <a:rPr lang="ja-JP" altLang="en-US" dirty="0" smtClean="0"/>
-              <a:t>正誤とコード</a:t>
-            </a:r>
-            <a:r>
-              <a:rPr lang="ja-JP" altLang="en-US" dirty="0" smtClean="0"/>
-              <a:t>を</a:t>
-            </a:r>
-            <a:endParaRPr lang="en-US" altLang="ja-JP" dirty="0" smtClean="0"/>
-          </a:p>
-          <a:p>
-            <a:pPr algn="ctr"/>
-            <a:r>
-              <a:rPr lang="ja-JP" altLang="en-US" dirty="0" smtClean="0"/>
-              <a:t>表示</a:t>
-            </a:r>
-            <a:endParaRPr kumimoji="1" lang="ja-JP" altLang="en-US" dirty="0"/>
-          </a:p>
-        </p:txBody>
-      </p:sp>
-      <p:cxnSp>
-        <p:nvCxnSpPr>
-          <p:cNvPr id="37" name="直線矢印コネクタ 36"/>
-          <p:cNvCxnSpPr>
-            <a:stCxn id="20" idx="1"/>
-            <a:endCxn id="33" idx="3"/>
-          </p:cNvCxnSpPr>
-          <p:nvPr/>
-        </p:nvCxnSpPr>
-        <p:spPr>
-          <a:xfrm flipH="1">
-            <a:off x="3158773" y="5056110"/>
-            <a:ext cx="2075143" cy="20715"/>
-          </a:xfrm>
-          <a:prstGeom prst="straightConnector1">
-            <a:avLst/>
-          </a:prstGeom>
-          <a:ln>
-            <a:tailEnd type="triangle"/>
-          </a:ln>
-        </p:spPr>
-        <p:style>
-          <a:lnRef idx="3">
-            <a:schemeClr val="dk1"/>
-          </a:lnRef>
-          <a:fillRef idx="0">
-            <a:schemeClr val="dk1"/>
-          </a:fillRef>
-          <a:effectRef idx="2">
-            <a:schemeClr val="dk1"/>
-          </a:effectRef>
-          <a:fontRef idx="minor">
-            <a:schemeClr val="tx1"/>
-          </a:fontRef>
-        </p:style>
-      </p:cxnSp>
-      <p:cxnSp>
-        <p:nvCxnSpPr>
-          <p:cNvPr id="39" name="直線矢印コネクタ 38"/>
-          <p:cNvCxnSpPr>
-            <a:endCxn id="16" idx="2"/>
-          </p:cNvCxnSpPr>
-          <p:nvPr/>
-        </p:nvCxnSpPr>
-        <p:spPr>
-          <a:xfrm flipH="1" flipV="1">
-            <a:off x="2132486" y="4280736"/>
-            <a:ext cx="17757" cy="304800"/>
-          </a:xfrm>
-          <a:prstGeom prst="straightConnector1">
-            <a:avLst/>
-          </a:prstGeom>
-          <a:ln>
-            <a:tailEnd type="triangle"/>
-          </a:ln>
-        </p:spPr>
-        <p:style>
-          <a:lnRef idx="3">
-            <a:schemeClr val="dk1"/>
-          </a:lnRef>
-          <a:fillRef idx="0">
-            <a:schemeClr val="dk1"/>
-          </a:fillRef>
-          <a:effectRef idx="2">
-            <a:schemeClr val="dk1"/>
-          </a:effectRef>
-          <a:fontRef idx="minor">
-            <a:schemeClr val="tx1"/>
-          </a:fontRef>
-        </p:style>
-      </p:cxnSp>
-    </p:spTree>
-    <p:extLst>
-      <p:ext uri="{BB962C8B-B14F-4D97-AF65-F5344CB8AC3E}">
-        <p14:creationId xmlns:p14="http://schemas.microsoft.com/office/powerpoint/2010/main" val="783922636"/>
-      </p:ext>
-    </p:extLst>
-  </p:cSld>
-  <p:clrMapOvr>
-    <a:masterClrMapping/>
-  </p:clrMapOvr>
-  <p:timing>
-    <p:tnLst>
-      <p:par>
-        <p:cTn id="1" dur="indefinite" restart="never" nodeType="tmRoot"/>
-      </p:par>
-    </p:tnLst>
-  </p:timing>
-</p:sld>
-</file>
-
-<file path=ppt/slides/slide11.xml><?xml version="1.0" encoding="utf-8"?>
-<p:sld xmlns:a="http://schemas.openxmlformats.org/drawingml/2006/main" xmlns:r="http://schemas.openxmlformats.org/officeDocument/2006/relationships" xmlns:p="http://schemas.openxmlformats.org/presentationml/2006/main">
-  <p:cSld>
-    <p:spTree>
-      <p:nvGrpSpPr>
-        <p:cNvPr id="1" name=""/>
-        <p:cNvGrpSpPr/>
-        <p:nvPr/>
-      </p:nvGrpSpPr>
-      <p:grpSpPr>
-        <a:xfrm>
-          <a:off x="0" y="0"/>
-          <a:ext cx="0" cy="0"/>
-          <a:chOff x="0" y="0"/>
-          <a:chExt cx="0" cy="0"/>
-        </a:xfrm>
-      </p:grpSpPr>
-      <p:sp>
-        <p:nvSpPr>
-          <p:cNvPr id="2" name="タイトル 1"/>
-          <p:cNvSpPr>
-            <a:spLocks noGrp="1"/>
-          </p:cNvSpPr>
-          <p:nvPr>
-            <p:ph type="title"/>
-          </p:nvPr>
-        </p:nvSpPr>
-        <p:spPr/>
-        <p:txBody>
-          <a:bodyPr/>
-          <a:lstStyle/>
-          <a:p>
+            <a:pPr algn="just"/>
             <a:r>
               <a:rPr lang="ja-JP" altLang="en-US" dirty="0"/>
               <a:t>進捗</a:t>
@@ -5470,7 +4744,7 @@
           </a:bodyPr>
           <a:lstStyle/>
           <a:p>
-            <a:pPr marL="0" indent="0">
+            <a:pPr marL="0" indent="0" algn="just">
               <a:buNone/>
             </a:pPr>
             <a:r>
@@ -5484,6 +4758,7 @@
             <a:endParaRPr lang="en-US" altLang="ja-JP" sz="2400" dirty="0" smtClean="0"/>
           </a:p>
           <a:p>
+            <a:pPr algn="just"/>
             <a:r>
               <a:rPr lang="ja-JP" altLang="en-US" sz="2400" dirty="0" smtClean="0"/>
               <a:t>問題を作成するアルゴリズムを生成</a:t>
@@ -5495,6 +4770,7 @@
             <a:endParaRPr lang="en-US" altLang="ja-JP" sz="2400" dirty="0"/>
           </a:p>
           <a:p>
+            <a:pPr algn="just"/>
             <a:r>
               <a:rPr kumimoji="1" lang="ja-JP" altLang="en-US" sz="2400" dirty="0" smtClean="0"/>
               <a:t>論理的思考を身に着けるための</a:t>
@@ -5538,9 +4814,11 @@
           <a:bodyPr/>
           <a:lstStyle/>
           <a:p>
+            <a:pPr algn="just"/>
             <a:fld id="{B4451160-128F-4DAD-AE29-4A8CC0E7B9E9}" type="slidenum">
               <a:rPr kumimoji="1" lang="ja-JP" altLang="en-US" smtClean="0"/>
-              <a:t>11</a:t>
+              <a:pPr algn="just"/>
+              <a:t>10</a:t>
             </a:fld>
             <a:endParaRPr kumimoji="1" lang="ja-JP" altLang="en-US" dirty="0"/>
           </a:p>
@@ -5732,7 +5010,7 @@
             </a:lvl9pPr>
           </a:lstStyle>
           <a:p>
-            <a:pPr marL="0" indent="0">
+            <a:pPr marL="0" indent="0" algn="just">
               <a:buFont typeface="Arial" panose="020B0604020202020204" pitchFamily="34" charset="0"/>
               <a:buNone/>
             </a:pPr>
@@ -5743,6 +5021,7 @@
             <a:endParaRPr lang="en-US" altLang="ja-JP" dirty="0" smtClean="0"/>
           </a:p>
           <a:p>
+            <a:pPr algn="just"/>
             <a:r>
               <a:rPr lang="ja-JP" altLang="en-US" dirty="0" smtClean="0"/>
               <a:t>コードジェネレート機能を用いたプログラミング言語への変換と表示</a:t>
@@ -5750,6 +5029,7 @@
             <a:endParaRPr lang="en-US" altLang="ja-JP" dirty="0" smtClean="0"/>
           </a:p>
           <a:p>
+            <a:pPr algn="just"/>
             <a:r>
               <a:rPr lang="en-US" altLang="ja-JP" dirty="0" err="1" smtClean="0"/>
               <a:t>Blockly</a:t>
@@ -5773,6 +5053,7 @@
             <a:endParaRPr lang="en-US" altLang="ja-JP" dirty="0" smtClean="0"/>
           </a:p>
           <a:p>
+            <a:pPr algn="just"/>
             <a:r>
               <a:rPr lang="ja-JP" altLang="en-US" dirty="0" smtClean="0"/>
               <a:t>問題と解答から正誤の判定</a:t>
@@ -5780,6 +5061,7 @@
             <a:endParaRPr lang="en-US" altLang="ja-JP" dirty="0" smtClean="0"/>
           </a:p>
           <a:p>
+            <a:pPr algn="just"/>
             <a:r>
               <a:rPr lang="ja-JP" altLang="en-US" dirty="0" smtClean="0"/>
               <a:t>問題文を一部穴あきにするサンプル</a:t>
@@ -5787,6 +5069,7 @@
             <a:endParaRPr lang="en-US" altLang="ja-JP" dirty="0" smtClean="0"/>
           </a:p>
           <a:p>
+            <a:pPr algn="just"/>
             <a:endParaRPr lang="ja-JP" altLang="en-US" dirty="0"/>
           </a:p>
         </p:txBody>
@@ -5795,6 +5078,249 @@
     <p:extLst>
       <p:ext uri="{BB962C8B-B14F-4D97-AF65-F5344CB8AC3E}">
         <p14:creationId xmlns:p14="http://schemas.microsoft.com/office/powerpoint/2010/main" val="2460047817"/>
+      </p:ext>
+    </p:extLst>
+  </p:cSld>
+  <p:clrMapOvr>
+    <a:masterClrMapping/>
+  </p:clrMapOvr>
+  <p:timing>
+    <p:tnLst>
+      <p:par>
+        <p:cTn id="1" dur="indefinite" restart="never" nodeType="tmRoot"/>
+      </p:par>
+    </p:tnLst>
+  </p:timing>
+</p:sld>
+</file>
+
+<file path=ppt/slides/slide11.xml><?xml version="1.0" encoding="utf-8"?>
+<p:sld xmlns:a="http://schemas.openxmlformats.org/drawingml/2006/main" xmlns:r="http://schemas.openxmlformats.org/officeDocument/2006/relationships" xmlns:p="http://schemas.openxmlformats.org/presentationml/2006/main">
+  <p:cSld>
+    <p:spTree>
+      <p:nvGrpSpPr>
+        <p:cNvPr id="1" name=""/>
+        <p:cNvGrpSpPr/>
+        <p:nvPr/>
+      </p:nvGrpSpPr>
+      <p:grpSpPr>
+        <a:xfrm>
+          <a:off x="0" y="0"/>
+          <a:ext cx="0" cy="0"/>
+          <a:chOff x="0" y="0"/>
+          <a:chExt cx="0" cy="0"/>
+        </a:xfrm>
+      </p:grpSpPr>
+      <p:sp>
+        <p:nvSpPr>
+          <p:cNvPr id="2" name="タイトル 1"/>
+          <p:cNvSpPr>
+            <a:spLocks noGrp="1"/>
+          </p:cNvSpPr>
+          <p:nvPr>
+            <p:ph type="ctrTitle"/>
+          </p:nvPr>
+        </p:nvSpPr>
+        <p:spPr>
+          <a:xfrm>
+            <a:off x="685800" y="2112963"/>
+            <a:ext cx="7772400" cy="2387600"/>
+          </a:xfrm>
+        </p:spPr>
+        <p:txBody>
+          <a:bodyPr>
+            <a:noAutofit/>
+          </a:bodyPr>
+          <a:lstStyle/>
+          <a:p>
+            <a:r>
+              <a:rPr lang="ja-JP" altLang="en-US" sz="2000" dirty="0"/>
+              <a:t/>
+            </a:r>
+            <a:br>
+              <a:rPr lang="ja-JP" altLang="en-US" sz="2000" dirty="0"/>
+            </a:br>
+            <a:r>
+              <a:rPr lang="en-US" altLang="ja-JP" sz="2000" dirty="0"/>
+              <a:t>•</a:t>
+            </a:r>
+            <a:r>
+              <a:rPr lang="ja-JP" altLang="en-US" sz="2000" dirty="0"/>
+              <a:t>ブロックプログラミングを用いた論理的思考とコーディングを身に着けるための研究</a:t>
+            </a:r>
+            <a:br>
+              <a:rPr lang="ja-JP" altLang="en-US" sz="2000" dirty="0"/>
+            </a:br>
+            <a:r>
+              <a:rPr lang="en-US" altLang="ja-JP" sz="2000" dirty="0"/>
+              <a:t>•</a:t>
+            </a:r>
+            <a:r>
+              <a:rPr lang="ja-JP" altLang="en-US" sz="2000" dirty="0"/>
+              <a:t>ブロックプログラミングによる論理的思考とコーディングを学ぶための研究</a:t>
+            </a:r>
+            <a:br>
+              <a:rPr lang="ja-JP" altLang="en-US" sz="2000" dirty="0"/>
+            </a:br>
+            <a:r>
+              <a:rPr lang="en-US" altLang="ja-JP" sz="2000" dirty="0"/>
+              <a:t>•</a:t>
+            </a:r>
+            <a:r>
+              <a:rPr lang="ja-JP" altLang="en-US" sz="2000" dirty="0"/>
+              <a:t>アルゴリズムとコードを理解するためのブロックプログラミングを用いた研究</a:t>
+            </a:r>
+            <a:br>
+              <a:rPr lang="ja-JP" altLang="en-US" sz="2000" dirty="0"/>
+            </a:br>
+            <a:r>
+              <a:rPr lang="ja-JP" altLang="en-US" sz="2000" dirty="0"/>
+              <a:t/>
+            </a:r>
+            <a:br>
+              <a:rPr lang="ja-JP" altLang="en-US" sz="2000" dirty="0"/>
+            </a:br>
+            <a:endParaRPr kumimoji="1" lang="ja-JP" altLang="en-US" sz="2000" dirty="0"/>
+          </a:p>
+        </p:txBody>
+      </p:sp>
+      <p:sp>
+        <p:nvSpPr>
+          <p:cNvPr id="3" name="サブタイトル 2"/>
+          <p:cNvSpPr>
+            <a:spLocks noGrp="1"/>
+          </p:cNvSpPr>
+          <p:nvPr>
+            <p:ph type="subTitle" idx="1"/>
+          </p:nvPr>
+        </p:nvSpPr>
+        <p:spPr>
+          <a:xfrm>
+            <a:off x="1143000" y="4700589"/>
+            <a:ext cx="6858000" cy="1655762"/>
+          </a:xfrm>
+        </p:spPr>
+        <p:txBody>
+          <a:bodyPr/>
+          <a:lstStyle/>
+          <a:p>
+            <a:r>
+              <a:rPr kumimoji="1" lang="ja-JP" altLang="en-US" dirty="0"/>
+              <a:t>学籍番号</a:t>
+            </a:r>
+            <a:r>
+              <a:rPr kumimoji="1" lang="ja-JP" altLang="en-US" dirty="0" smtClean="0"/>
+              <a:t>：１８２１１２１</a:t>
+            </a:r>
+            <a:endParaRPr kumimoji="1" lang="en-US" altLang="ja-JP" dirty="0" smtClean="0"/>
+          </a:p>
+          <a:p>
+            <a:r>
+              <a:rPr kumimoji="1" lang="ja-JP" altLang="en-US" dirty="0" smtClean="0"/>
+              <a:t>氏名：島岡慎也</a:t>
+            </a:r>
+            <a:endParaRPr kumimoji="1" lang="en-US" altLang="ja-JP" dirty="0"/>
+          </a:p>
+          <a:p>
+            <a:r>
+              <a:rPr lang="ja-JP" altLang="en-US" dirty="0"/>
+              <a:t>指導教員：鷹野 孝典 教授</a:t>
+            </a:r>
+          </a:p>
+          <a:p>
+            <a:endParaRPr kumimoji="1" lang="ja-JP" altLang="en-US" dirty="0"/>
+          </a:p>
+        </p:txBody>
+      </p:sp>
+      <p:sp>
+        <p:nvSpPr>
+          <p:cNvPr id="5" name="スライド番号プレースホルダー 4"/>
+          <p:cNvSpPr>
+            <a:spLocks noGrp="1"/>
+          </p:cNvSpPr>
+          <p:nvPr>
+            <p:ph type="sldNum" sz="quarter" idx="12"/>
+          </p:nvPr>
+        </p:nvSpPr>
+        <p:spPr/>
+        <p:txBody>
+          <a:bodyPr/>
+          <a:lstStyle/>
+          <a:p>
+            <a:fld id="{B4451160-128F-4DAD-AE29-4A8CC0E7B9E9}" type="slidenum">
+              <a:rPr kumimoji="1" lang="ja-JP" altLang="en-US" smtClean="0"/>
+              <a:t>11</a:t>
+            </a:fld>
+            <a:endParaRPr kumimoji="1" lang="ja-JP" altLang="en-US" dirty="0"/>
+          </a:p>
+        </p:txBody>
+      </p:sp>
+      <p:sp>
+        <p:nvSpPr>
+          <p:cNvPr id="4" name="テキスト ボックス 3"/>
+          <p:cNvSpPr txBox="1"/>
+          <p:nvPr/>
+        </p:nvSpPr>
+        <p:spPr>
+          <a:xfrm>
+            <a:off x="5447154" y="1122363"/>
+            <a:ext cx="3696846" cy="300082"/>
+          </a:xfrm>
+          <a:prstGeom prst="rect">
+            <a:avLst/>
+          </a:prstGeom>
+          <a:noFill/>
+        </p:spPr>
+        <p:txBody>
+          <a:bodyPr wrap="none" rtlCol="0">
+            <a:spAutoFit/>
+          </a:bodyPr>
+          <a:lstStyle/>
+          <a:p>
+            <a:r>
+              <a:rPr lang="ja-JP" altLang="en-US" sz="1350" dirty="0"/>
+              <a:t>情報工学科 中間発表　</a:t>
+            </a:r>
+            <a:r>
+              <a:rPr lang="en-US" altLang="ja-JP" sz="1350" dirty="0" smtClean="0"/>
+              <a:t>2021</a:t>
+            </a:r>
+            <a:r>
+              <a:rPr lang="ja-JP" altLang="en-US" sz="1350" dirty="0" smtClean="0"/>
+              <a:t>年</a:t>
+            </a:r>
+            <a:r>
+              <a:rPr lang="en-US" altLang="ja-JP" sz="1350" dirty="0" smtClean="0"/>
+              <a:t>07</a:t>
+            </a:r>
+            <a:r>
+              <a:rPr lang="ja-JP" altLang="en-US" sz="1350" dirty="0" smtClean="0"/>
+              <a:t>月</a:t>
+            </a:r>
+            <a:r>
+              <a:rPr lang="en-US" altLang="ja-JP" sz="1350" dirty="0" smtClean="0"/>
+              <a:t>28</a:t>
+            </a:r>
+            <a:r>
+              <a:rPr lang="ja-JP" altLang="en-US" sz="1350" dirty="0" smtClean="0"/>
+              <a:t>日</a:t>
+            </a:r>
+            <a:r>
+              <a:rPr lang="en-US" altLang="ja-JP" sz="1350" dirty="0" smtClean="0"/>
+              <a:t>~30</a:t>
+            </a:r>
+            <a:r>
+              <a:rPr lang="ja-JP" altLang="en-US" sz="1350" dirty="0" smtClean="0"/>
+              <a:t>日</a:t>
+            </a:r>
+            <a:endParaRPr lang="ja-JP" altLang="en-US" sz="1350" dirty="0"/>
+          </a:p>
+        </p:txBody>
+      </p:sp>
+    </p:spTree>
+    <p:extLst>
+      <p:ext uri="{BB962C8B-B14F-4D97-AF65-F5344CB8AC3E}">
+        <p14:creationId xmlns:p14="http://schemas.microsoft.com/office/powerpoint/2010/main" val="4177902719"/>
       </p:ext>
     </p:extLst>
   </p:cSld>
@@ -5845,7 +5371,7 @@
           <a:p>
             <a:r>
               <a:rPr kumimoji="1" lang="ja-JP" altLang="en-US" dirty="0"/>
-              <a:t>研究背景</a:t>
+              <a:t>研究動機</a:t>
             </a:r>
           </a:p>
         </p:txBody>
@@ -5863,119 +5389,80 @@
         <p:spPr/>
         <p:txBody>
           <a:bodyPr>
-            <a:normAutofit lnSpcReduction="10000"/>
+            <a:normAutofit/>
           </a:bodyPr>
           <a:lstStyle/>
           <a:p>
-            <a:r>
-              <a:rPr lang="en-US" altLang="ja-JP" dirty="0" smtClean="0"/>
-              <a:t>2020</a:t>
-            </a:r>
+            <a:pPr algn="just"/>
             <a:r>
               <a:rPr lang="ja-JP" altLang="en-US" dirty="0" smtClean="0"/>
-              <a:t>年以降に</a:t>
+              <a:t>小学生</a:t>
+            </a:r>
+            <a:r>
+              <a:rPr lang="ja-JP" altLang="en-US" dirty="0"/>
+              <a:t>から高校生までが勉強するために，教科書を読み進めるだけでは難しい場合が考えられる</a:t>
             </a:r>
             <a:r>
               <a:rPr lang="ja-JP" altLang="en-US" dirty="0" smtClean="0"/>
-              <a:t>小学校</a:t>
-            </a:r>
+              <a:t>．</a:t>
+            </a:r>
+            <a:endParaRPr lang="en-US" altLang="ja-JP" dirty="0" smtClean="0"/>
+          </a:p>
+          <a:p>
+            <a:pPr algn="just"/>
             <a:r>
               <a:rPr lang="ja-JP" altLang="en-US" dirty="0" smtClean="0"/>
-              <a:t>，中学校</a:t>
+              <a:t>学習者</a:t>
             </a:r>
             <a:r>
               <a:rPr lang="ja-JP" altLang="en-US" dirty="0"/>
-              <a:t>，</a:t>
+              <a:t>が実際にプログラミングに触れてみることで，論理的思考を身に</a:t>
             </a:r>
             <a:r>
               <a:rPr lang="ja-JP" altLang="en-US" dirty="0" smtClean="0"/>
-              <a:t>高等学校</a:t>
+              <a:t>着けられる環境</a:t>
+            </a:r>
+            <a:r>
+              <a:rPr lang="ja-JP" altLang="en-US" dirty="0"/>
+              <a:t>を</a:t>
             </a:r>
             <a:r>
               <a:rPr lang="ja-JP" altLang="en-US" dirty="0" smtClean="0"/>
-              <a:t>にてプログラミング教育の</a:t>
+              <a:t>作成したいと</a:t>
+            </a:r>
+            <a:r>
+              <a:rPr lang="ja-JP" altLang="en-US" dirty="0"/>
+              <a:t>考えた</a:t>
             </a:r>
             <a:r>
               <a:rPr lang="ja-JP" altLang="en-US" dirty="0" smtClean="0"/>
-              <a:t>必修が全面実施</a:t>
-            </a:r>
-            <a:r>
-              <a:rPr lang="ja-JP" altLang="en-US" dirty="0"/>
-              <a:t>される．</a:t>
+              <a:t>．</a:t>
             </a:r>
             <a:endParaRPr lang="en-US" altLang="ja-JP" dirty="0" smtClean="0"/>
           </a:p>
           <a:p>
+            <a:pPr algn="just"/>
+            <a:r>
+              <a:rPr lang="ja-JP" altLang="en-US" dirty="0" smtClean="0"/>
+              <a:t>ブロックプログラミングを利用することにより，学習</a:t>
+            </a:r>
+            <a:r>
+              <a:rPr lang="ja-JP" altLang="en-US" dirty="0" smtClean="0"/>
+              <a:t>の最初期</a:t>
+            </a:r>
+            <a:r>
+              <a:rPr lang="ja-JP" altLang="en-US" dirty="0" smtClean="0"/>
+              <a:t>段階でプログラムの構文を理解することなく実行することができる．</a:t>
+            </a:r>
             <a:endParaRPr lang="en-US" altLang="ja-JP" dirty="0" smtClean="0"/>
           </a:p>
           <a:p>
-            <a:r>
-              <a:rPr lang="ja-JP" altLang="en-US" dirty="0" smtClean="0"/>
-              <a:t>文部科学省の発表によると，</a:t>
-            </a:r>
-            <a:r>
-              <a:rPr kumimoji="1" lang="ja-JP" altLang="en-US" dirty="0" smtClean="0"/>
-              <a:t>プログラミング</a:t>
-            </a:r>
-            <a:r>
-              <a:rPr kumimoji="1" lang="ja-JP" altLang="en-US" dirty="0" smtClean="0"/>
-              <a:t>教育の必修化は</a:t>
-            </a:r>
-            <a:r>
-              <a:rPr lang="ja-JP" altLang="en-US" dirty="0"/>
-              <a:t>，</a:t>
-            </a:r>
-            <a:r>
-              <a:rPr kumimoji="1" lang="ja-JP" altLang="en-US" dirty="0" smtClean="0"/>
-              <a:t>プログラマーを育てることが目的ではなく</a:t>
-            </a:r>
-            <a:r>
-              <a:rPr lang="ja-JP" altLang="en-US" dirty="0" smtClean="0"/>
-              <a:t>，現代社会で普遍的</a:t>
-            </a:r>
-            <a:r>
-              <a:rPr lang="ja-JP" altLang="en-US" dirty="0"/>
-              <a:t>に求められる力としての</a:t>
-            </a:r>
-            <a:r>
-              <a:rPr lang="ja-JP" altLang="en-US" dirty="0" smtClean="0"/>
-              <a:t>「論理的</a:t>
-            </a:r>
-            <a:r>
-              <a:rPr lang="ja-JP" altLang="en-US" dirty="0"/>
-              <a:t>思考」などを育む</a:t>
-            </a:r>
-            <a:r>
-              <a:rPr lang="ja-JP" altLang="en-US" dirty="0" smtClean="0"/>
-              <a:t>ことで</a:t>
-            </a:r>
-            <a:r>
-              <a:rPr lang="ja-JP" altLang="en-US" dirty="0" smtClean="0"/>
-              <a:t>ある．</a:t>
-            </a:r>
-            <a:endParaRPr lang="en-US" altLang="ja-JP" dirty="0" smtClean="0"/>
-          </a:p>
-          <a:p>
-            <a:endParaRPr kumimoji="1" lang="en-US" altLang="ja-JP" dirty="0"/>
-          </a:p>
-          <a:p>
-            <a:r>
-              <a:rPr lang="ja-JP" altLang="en-US" dirty="0" smtClean="0"/>
-              <a:t>日本の教育と</a:t>
-            </a:r>
-            <a:r>
-              <a:rPr lang="ja-JP" altLang="en-US" dirty="0"/>
-              <a:t>して，論理的</a:t>
-            </a:r>
-            <a:r>
-              <a:rPr lang="ja-JP" altLang="en-US" dirty="0" smtClean="0"/>
-              <a:t>思考がすでに育まれていることが前提となっている教育が一般的で</a:t>
-            </a:r>
-            <a:r>
-              <a:rPr lang="ja-JP" altLang="en-US" dirty="0"/>
-              <a:t>ある．</a:t>
-            </a:r>
+            <a:pPr algn="just"/>
             <a:endParaRPr lang="en-US" altLang="ja-JP" dirty="0"/>
+          </a:p>
+          <a:p>
+            <a:pPr algn="just"/>
+            <a:endParaRPr kumimoji="1" lang="ja-JP" altLang="en-US" dirty="0"/>
           </a:p>
         </p:txBody>
       </p:sp>
@@ -6005,7 +5492,7 @@
     </p:spTree>
     <p:extLst>
       <p:ext uri="{BB962C8B-B14F-4D97-AF65-F5344CB8AC3E}">
-        <p14:creationId xmlns:p14="http://schemas.microsoft.com/office/powerpoint/2010/main" val="2751752632"/>
+        <p14:creationId xmlns:p14="http://schemas.microsoft.com/office/powerpoint/2010/main" val="3482704347"/>
       </p:ext>
     </p:extLst>
   </p:cSld>
@@ -6056,7 +5543,7 @@
           <a:p>
             <a:r>
               <a:rPr kumimoji="1" lang="ja-JP" altLang="en-US" dirty="0"/>
-              <a:t>研究動機</a:t>
+              <a:t>関連研究</a:t>
             </a:r>
           </a:p>
         </p:txBody>
@@ -6078,70 +5565,202 @@
           </a:bodyPr>
           <a:lstStyle/>
           <a:p>
+            <a:pPr algn="just"/>
+            <a:r>
+              <a:rPr lang="ja-JP" altLang="en-US" dirty="0"/>
+              <a:t>論理的</a:t>
+            </a:r>
             <a:r>
               <a:rPr lang="ja-JP" altLang="en-US" dirty="0" smtClean="0"/>
-              <a:t>小学生</a:t>
+              <a:t>思考に関連</a:t>
+            </a:r>
+            <a:endParaRPr lang="en-US" altLang="ja-JP" dirty="0" smtClean="0"/>
+          </a:p>
+          <a:p>
+            <a:pPr lvl="1" algn="just"/>
+            <a:r>
+              <a:rPr lang="en-US" altLang="ja-JP" dirty="0" smtClean="0"/>
+              <a:t>[2021]</a:t>
             </a:r>
             <a:r>
               <a:rPr lang="ja-JP" altLang="en-US" dirty="0"/>
-              <a:t>から高校生までが勉強するために，教科書を読み進めるだけでは難しい場合が考えられる</a:t>
+              <a:t>溝上 大樹</a:t>
             </a:r>
             <a:r>
               <a:rPr lang="ja-JP" altLang="en-US" dirty="0" smtClean="0"/>
-              <a:t>．</a:t>
-            </a:r>
-            <a:endParaRPr lang="en-US" altLang="ja-JP" dirty="0" smtClean="0"/>
-          </a:p>
-          <a:p>
+              <a:t>「論理的</a:t>
+            </a:r>
+            <a:r>
+              <a:rPr lang="ja-JP" altLang="en-US" dirty="0"/>
+              <a:t>思考力を育成する国語科授業の検証 </a:t>
+            </a:r>
             <a:r>
               <a:rPr lang="ja-JP" altLang="en-US" dirty="0" smtClean="0"/>
-              <a:t>学習者</a:t>
-            </a:r>
-            <a:r>
-              <a:rPr lang="ja-JP" altLang="en-US" dirty="0"/>
-              <a:t>が実際にプログラミングに触れてみることで，論理的思考を身に</a:t>
-            </a:r>
-            <a:r>
-              <a:rPr lang="ja-JP" altLang="en-US" dirty="0" smtClean="0"/>
-              <a:t>着けられる環境</a:t>
-            </a:r>
-            <a:r>
-              <a:rPr lang="ja-JP" altLang="en-US" dirty="0"/>
+              <a:t>」</a:t>
+            </a:r>
+            <a:endParaRPr lang="en-US" altLang="ja-JP" dirty="0" smtClean="0">
+              <a:latin typeface="+mn-ea"/>
+            </a:endParaRPr>
+          </a:p>
+          <a:p>
+            <a:pPr lvl="1" algn="just"/>
+            <a:r>
+              <a:rPr lang="en-US" altLang="ja-JP" dirty="0" smtClean="0">
+                <a:latin typeface="+mn-ea"/>
+              </a:rPr>
+              <a:t>[2003]</a:t>
+            </a:r>
+            <a:r>
+              <a:rPr lang="ja-JP" altLang="en-US" dirty="0" smtClean="0">
+                <a:latin typeface="+mn-ea"/>
+              </a:rPr>
+              <a:t>道田</a:t>
+            </a:r>
+            <a:r>
+              <a:rPr lang="en-US" altLang="ja-JP" dirty="0">
+                <a:latin typeface="+mn-ea"/>
+              </a:rPr>
+              <a:t> </a:t>
+            </a:r>
+            <a:r>
+              <a:rPr lang="ja-JP" altLang="en-US" dirty="0" smtClean="0">
+                <a:latin typeface="+mn-ea"/>
+              </a:rPr>
+              <a:t>泰司「論理的</a:t>
+            </a:r>
+            <a:r>
+              <a:rPr lang="ja-JP" altLang="en-US" dirty="0">
+                <a:latin typeface="+mn-ea"/>
+              </a:rPr>
+              <a:t>思考とは何か</a:t>
+            </a:r>
+            <a:r>
+              <a:rPr lang="en-US" altLang="ja-JP" dirty="0" smtClean="0">
+                <a:latin typeface="+mn-ea"/>
+              </a:rPr>
+              <a:t>?</a:t>
+            </a:r>
+            <a:r>
+              <a:rPr lang="ja-JP" altLang="en-US" dirty="0" smtClean="0">
+                <a:latin typeface="+mn-ea"/>
+              </a:rPr>
+              <a:t>」</a:t>
+            </a:r>
+            <a:endParaRPr lang="en-US" altLang="ja-JP" dirty="0" smtClean="0">
+              <a:latin typeface="+mn-ea"/>
+            </a:endParaRPr>
+          </a:p>
+          <a:p>
+            <a:pPr lvl="1" algn="just"/>
+            <a:endParaRPr lang="en-US" altLang="ja-JP" dirty="0" smtClean="0">
+              <a:latin typeface="+mn-ea"/>
+            </a:endParaRPr>
+          </a:p>
+          <a:p>
+            <a:pPr algn="just"/>
+            <a:r>
+              <a:rPr lang="ja-JP" altLang="en-US" dirty="0" smtClean="0">
+                <a:latin typeface="+mn-ea"/>
+              </a:rPr>
+              <a:t>　プログラミング教育に関連</a:t>
+            </a:r>
+            <a:endParaRPr lang="en-US" altLang="ja-JP" dirty="0" smtClean="0">
+              <a:latin typeface="+mn-ea"/>
+            </a:endParaRPr>
+          </a:p>
+          <a:p>
+            <a:pPr lvl="1" algn="just"/>
+            <a:r>
+              <a:rPr lang="en-US" altLang="ja-JP" dirty="0" smtClean="0">
+                <a:latin typeface="+mn-ea"/>
+              </a:rPr>
+              <a:t>[2011]</a:t>
+            </a:r>
+            <a:r>
+              <a:rPr lang="ja-JP" altLang="en-US" dirty="0">
+                <a:latin typeface="+mn-ea"/>
+              </a:rPr>
+              <a:t>伊永 </a:t>
+            </a:r>
+            <a:r>
+              <a:rPr lang="ja-JP" altLang="en-US" dirty="0" smtClean="0">
+                <a:latin typeface="+mn-ea"/>
+              </a:rPr>
+              <a:t>洋輔「</a:t>
+            </a:r>
+            <a:r>
+              <a:rPr lang="en-US" altLang="ja-JP" dirty="0" smtClean="0">
+                <a:latin typeface="+mn-ea"/>
+              </a:rPr>
+              <a:t>Java </a:t>
+            </a:r>
+            <a:r>
+              <a:rPr lang="ja-JP" altLang="en-US" dirty="0">
+                <a:latin typeface="+mn-ea"/>
+              </a:rPr>
+              <a:t>プログラミングの予約語学習のためのオンライン穴埋め問題機能の</a:t>
+            </a:r>
+            <a:r>
+              <a:rPr lang="ja-JP" altLang="en-US" dirty="0" smtClean="0">
+                <a:latin typeface="+mn-ea"/>
+              </a:rPr>
+              <a:t>実装」</a:t>
+            </a:r>
+            <a:endParaRPr kumimoji="1" lang="en-US" altLang="ja-JP" dirty="0">
+              <a:latin typeface="+mn-ea"/>
+            </a:endParaRPr>
+          </a:p>
+          <a:p>
+            <a:pPr lvl="1" algn="just"/>
+            <a:r>
+              <a:rPr lang="en-US" altLang="ja-JP" dirty="0" smtClean="0">
+                <a:latin typeface="+mn-ea"/>
+              </a:rPr>
+              <a:t>[2011]</a:t>
+            </a:r>
+            <a:r>
+              <a:rPr lang="zh-TW" altLang="en-US" dirty="0">
+                <a:latin typeface="ＭＳ Ｐゴシック" panose="020B0600070205080204" pitchFamily="50" charset="-128"/>
+                <a:ea typeface="ＭＳ Ｐゴシック" panose="020B0600070205080204" pitchFamily="50" charset="-128"/>
+              </a:rPr>
+              <a:t>森 秀樹</a:t>
+            </a:r>
+            <a:r>
+              <a:rPr lang="ja-JP" altLang="en-US" dirty="0" smtClean="0">
+                <a:latin typeface="+mn-ea"/>
+              </a:rPr>
+              <a:t>「</a:t>
+            </a:r>
+            <a:r>
+              <a:rPr lang="en-US" altLang="ja-JP" dirty="0" smtClean="0">
+                <a:latin typeface="+mn-ea"/>
+              </a:rPr>
+              <a:t>Scratch</a:t>
+            </a:r>
+            <a:r>
+              <a:rPr lang="ja-JP" altLang="en-US" dirty="0">
+                <a:latin typeface="+mn-ea"/>
+              </a:rPr>
               <a:t>を</a:t>
             </a:r>
             <a:r>
-              <a:rPr lang="ja-JP" altLang="en-US" dirty="0" smtClean="0"/>
-              <a:t>作成したいと</a:t>
-            </a:r>
-            <a:r>
-              <a:rPr lang="ja-JP" altLang="en-US" dirty="0"/>
-              <a:t>考えた</a:t>
-            </a:r>
-            <a:r>
-              <a:rPr lang="ja-JP" altLang="en-US" dirty="0" smtClean="0"/>
-              <a:t>．</a:t>
-            </a:r>
-            <a:endParaRPr lang="en-US" altLang="ja-JP" dirty="0" smtClean="0"/>
-          </a:p>
-          <a:p>
-            <a:r>
-              <a:rPr lang="ja-JP" altLang="en-US" dirty="0" smtClean="0"/>
-              <a:t>ブロックプログラミングを利用することにより，学習</a:t>
-            </a:r>
-            <a:r>
-              <a:rPr lang="ja-JP" altLang="en-US" dirty="0" smtClean="0"/>
-              <a:t>の最初期</a:t>
-            </a:r>
-            <a:r>
-              <a:rPr lang="ja-JP" altLang="en-US" dirty="0" smtClean="0"/>
-              <a:t>段階でプログラムの構文を理解することなく実行することができる．</a:t>
-            </a:r>
-            <a:endParaRPr lang="en-US" altLang="ja-JP" dirty="0" smtClean="0"/>
-          </a:p>
-          <a:p>
-            <a:endParaRPr lang="en-US" altLang="ja-JP" dirty="0"/>
-          </a:p>
-          <a:p>
+              <a:rPr lang="ja-JP" altLang="en-US" dirty="0" smtClean="0">
+                <a:latin typeface="+mn-ea"/>
+              </a:rPr>
+              <a:t>用いた小学校プログラ </a:t>
+            </a:r>
+            <a:r>
+              <a:rPr lang="ja-JP" altLang="en-US" dirty="0">
+                <a:latin typeface="+mn-ea"/>
+              </a:rPr>
+              <a:t>ミ </a:t>
+            </a:r>
+            <a:r>
+              <a:rPr lang="ja-JP" altLang="en-US" dirty="0" smtClean="0">
+                <a:latin typeface="+mn-ea"/>
+              </a:rPr>
+              <a:t>ング授業の実践」</a:t>
+            </a:r>
             <a:endParaRPr kumimoji="1" lang="ja-JP" altLang="en-US" dirty="0"/>
           </a:p>
         </p:txBody>
@@ -6172,7 +5791,7 @@
     </p:spTree>
     <p:extLst>
       <p:ext uri="{BB962C8B-B14F-4D97-AF65-F5344CB8AC3E}">
-        <p14:creationId xmlns:p14="http://schemas.microsoft.com/office/powerpoint/2010/main" val="3482704347"/>
+        <p14:creationId xmlns:p14="http://schemas.microsoft.com/office/powerpoint/2010/main" val="3769541672"/>
       </p:ext>
     </p:extLst>
   </p:cSld>
@@ -6223,7 +5842,7 @@
           <a:p>
             <a:r>
               <a:rPr kumimoji="1" lang="ja-JP" altLang="en-US" dirty="0"/>
-              <a:t>関連研究</a:t>
+              <a:t>研究課題</a:t>
             </a:r>
           </a:p>
         </p:txBody>
@@ -6238,208 +5857,88 @@
             <p:ph idx="1"/>
           </p:nvPr>
         </p:nvSpPr>
-        <p:spPr/>
+        <p:spPr>
+          <a:xfrm>
+            <a:off x="628650" y="1847851"/>
+            <a:ext cx="7886700" cy="4351338"/>
+          </a:xfrm>
+        </p:spPr>
         <p:txBody>
           <a:bodyPr>
             <a:normAutofit/>
           </a:bodyPr>
           <a:lstStyle/>
           <a:p>
+            <a:pPr algn="just"/>
+            <a:r>
+              <a:rPr lang="ja-JP" altLang="en-US" dirty="0" smtClean="0"/>
+              <a:t>本研究において論理的思考とは，「思考</a:t>
+            </a:r>
             <a:r>
               <a:rPr lang="ja-JP" altLang="en-US" dirty="0"/>
-              <a:t>論理的</a:t>
+              <a:t>や論証の</a:t>
             </a:r>
             <a:r>
               <a:rPr lang="ja-JP" altLang="en-US" dirty="0" smtClean="0"/>
-              <a:t>思考に関連</a:t>
+              <a:t>組み立て，思考</a:t>
+            </a:r>
+            <a:r>
+              <a:rPr lang="ja-JP" altLang="en-US" dirty="0"/>
+              <a:t>の妥当性が保証される法則や</a:t>
+            </a:r>
+            <a:r>
+              <a:rPr lang="ja-JP" altLang="en-US" dirty="0" smtClean="0"/>
+              <a:t>形式」に則って思考を組み立てることとする．</a:t>
             </a:r>
             <a:endParaRPr lang="en-US" altLang="ja-JP" dirty="0" smtClean="0"/>
           </a:p>
           <a:p>
-            <a:pPr lvl="1"/>
-            <a:r>
-              <a:rPr lang="en-US" altLang="ja-JP" dirty="0" smtClean="0"/>
-              <a:t>[2021]</a:t>
+            <a:pPr algn="just"/>
+            <a:r>
+              <a:rPr lang="ja-JP" altLang="en-US" dirty="0" smtClean="0"/>
+              <a:t>論理的思考がすでに培われていることが前提となる教育</a:t>
+            </a:r>
+            <a:r>
+              <a:rPr lang="ja-JP" altLang="en-US" dirty="0" smtClean="0"/>
+              <a:t>環境となって</a:t>
             </a:r>
             <a:r>
               <a:rPr lang="ja-JP" altLang="en-US" dirty="0"/>
-              <a:t>溝上 大樹</a:t>
+              <a:t>いる．</a:t>
+            </a:r>
+            <a:endParaRPr lang="en-US" altLang="ja-JP" dirty="0"/>
+          </a:p>
+          <a:p>
+            <a:pPr marL="0" indent="0" algn="just">
+              <a:buNone/>
+            </a:pPr>
+            <a:r>
+              <a:rPr lang="ja-JP" altLang="en-US" dirty="0"/>
+              <a:t>　</a:t>
             </a:r>
             <a:r>
               <a:rPr lang="ja-JP" altLang="en-US" dirty="0" smtClean="0"/>
-              <a:t>「論理的</a:t>
+              <a:t>→問題文から意味を読み取って学習者が</a:t>
             </a:r>
             <a:r>
               <a:rPr lang="ja-JP" altLang="en-US" dirty="0"/>
-              <a:t>思考力を育成する国語科授業の検証 </a:t>
+              <a:t>ブロックを</a:t>
             </a:r>
             <a:r>
               <a:rPr lang="ja-JP" altLang="en-US" dirty="0" smtClean="0"/>
-              <a:t>」</a:t>
-            </a:r>
-            <a:endParaRPr lang="en-US" altLang="ja-JP" dirty="0" smtClean="0">
-              <a:latin typeface="+mn-ea"/>
-            </a:endParaRPr>
-          </a:p>
-          <a:p>
-            <a:pPr lvl="1"/>
-            <a:r>
-              <a:rPr lang="en-US" altLang="ja-JP" dirty="0" smtClean="0">
-                <a:latin typeface="+mn-ea"/>
-              </a:rPr>
-              <a:t>[2003]</a:t>
-            </a:r>
-            <a:r>
-              <a:rPr lang="ja-JP" altLang="en-US" dirty="0" smtClean="0">
-                <a:latin typeface="+mn-ea"/>
-              </a:rPr>
-              <a:t>道田</a:t>
-            </a:r>
-            <a:r>
-              <a:rPr lang="en-US" altLang="ja-JP" dirty="0">
-                <a:latin typeface="+mn-ea"/>
-              </a:rPr>
-              <a:t> </a:t>
-            </a:r>
-            <a:r>
-              <a:rPr lang="ja-JP" altLang="en-US" dirty="0" smtClean="0">
-                <a:latin typeface="+mn-ea"/>
-              </a:rPr>
-              <a:t>泰司「論理的</a:t>
-            </a:r>
-            <a:r>
-              <a:rPr lang="ja-JP" altLang="en-US" dirty="0">
-                <a:latin typeface="+mn-ea"/>
-              </a:rPr>
-              <a:t>思考とは何か</a:t>
-            </a:r>
-            <a:r>
-              <a:rPr lang="en-US" altLang="ja-JP" dirty="0" smtClean="0">
-                <a:latin typeface="+mn-ea"/>
-              </a:rPr>
-              <a:t>?</a:t>
-            </a:r>
-            <a:r>
-              <a:rPr lang="ja-JP" altLang="en-US" dirty="0" smtClean="0">
-                <a:latin typeface="+mn-ea"/>
-              </a:rPr>
-              <a:t>」</a:t>
-            </a:r>
-            <a:endParaRPr lang="en-US" altLang="ja-JP" dirty="0" smtClean="0">
-              <a:latin typeface="+mn-ea"/>
-            </a:endParaRPr>
-          </a:p>
-          <a:p>
-            <a:pPr lvl="1"/>
-            <a:endParaRPr lang="en-US" altLang="ja-JP" dirty="0" smtClean="0">
-              <a:latin typeface="+mn-ea"/>
-            </a:endParaRPr>
-          </a:p>
-          <a:p>
-            <a:r>
-              <a:rPr lang="ja-JP" altLang="en-US" dirty="0" smtClean="0">
-                <a:latin typeface="+mn-ea"/>
-              </a:rPr>
-              <a:t>　プログラミング教育に関連</a:t>
-            </a:r>
-            <a:endParaRPr lang="en-US" altLang="ja-JP" dirty="0" smtClean="0">
-              <a:latin typeface="+mn-ea"/>
-            </a:endParaRPr>
-          </a:p>
-          <a:p>
-            <a:pPr lvl="1"/>
-            <a:r>
-              <a:rPr lang="en-US" altLang="ja-JP" dirty="0" smtClean="0">
-                <a:latin typeface="+mn-ea"/>
-              </a:rPr>
-              <a:t>[2011]</a:t>
-            </a:r>
-            <a:r>
-              <a:rPr lang="ja-JP" altLang="en-US" dirty="0">
-                <a:latin typeface="+mn-ea"/>
-              </a:rPr>
-              <a:t>伊永 </a:t>
-            </a:r>
-            <a:r>
-              <a:rPr lang="ja-JP" altLang="en-US" dirty="0" smtClean="0">
-                <a:latin typeface="+mn-ea"/>
-              </a:rPr>
-              <a:t>洋輔「</a:t>
-            </a:r>
-            <a:r>
-              <a:rPr lang="en-US" altLang="ja-JP" dirty="0" smtClean="0">
-                <a:latin typeface="+mn-ea"/>
-              </a:rPr>
-              <a:t>Java </a:t>
-            </a:r>
-            <a:r>
-              <a:rPr lang="ja-JP" altLang="en-US" dirty="0">
-                <a:latin typeface="+mn-ea"/>
-              </a:rPr>
-              <a:t>プログラミングの予約語学習のためのオンライン穴埋め問題機能の</a:t>
-            </a:r>
-            <a:r>
-              <a:rPr lang="ja-JP" altLang="en-US" dirty="0" smtClean="0">
-                <a:latin typeface="+mn-ea"/>
-              </a:rPr>
-              <a:t>実装」</a:t>
-            </a:r>
-            <a:endParaRPr kumimoji="1" lang="en-US" altLang="ja-JP" dirty="0">
-              <a:latin typeface="+mn-ea"/>
-            </a:endParaRPr>
-          </a:p>
-          <a:p>
-            <a:pPr lvl="1"/>
-            <a:r>
-              <a:rPr lang="en-US" altLang="ja-JP" dirty="0" smtClean="0">
-                <a:latin typeface="+mn-ea"/>
-              </a:rPr>
-              <a:t>[2011]</a:t>
-            </a:r>
-            <a:r>
-              <a:rPr lang="zh-TW" altLang="en-US" dirty="0">
-                <a:latin typeface="ＭＳ Ｐゴシック" panose="020B0600070205080204" pitchFamily="50" charset="-128"/>
-                <a:ea typeface="ＭＳ Ｐゴシック" panose="020B0600070205080204" pitchFamily="50" charset="-128"/>
-              </a:rPr>
-              <a:t>森 秀樹</a:t>
-            </a:r>
-            <a:r>
-              <a:rPr lang="ja-JP" altLang="en-US" dirty="0" smtClean="0">
-                <a:latin typeface="+mn-ea"/>
-              </a:rPr>
-              <a:t>「</a:t>
-            </a:r>
-            <a:r>
-              <a:rPr lang="en-US" altLang="ja-JP" dirty="0" smtClean="0">
-                <a:latin typeface="+mn-ea"/>
-              </a:rPr>
-              <a:t>Scratch</a:t>
-            </a:r>
-            <a:r>
-              <a:rPr lang="ja-JP" altLang="en-US" dirty="0">
-                <a:latin typeface="+mn-ea"/>
-              </a:rPr>
-              <a:t>を</a:t>
-            </a:r>
-            <a:r>
-              <a:rPr lang="ja-JP" altLang="en-US" dirty="0" smtClean="0">
-                <a:latin typeface="+mn-ea"/>
-              </a:rPr>
-              <a:t>用いた小学校プログラ </a:t>
-            </a:r>
-            <a:r>
-              <a:rPr lang="ja-JP" altLang="en-US" dirty="0">
-                <a:latin typeface="+mn-ea"/>
-              </a:rPr>
-              <a:t>ミ </a:t>
-            </a:r>
-            <a:r>
-              <a:rPr lang="ja-JP" altLang="en-US" dirty="0" smtClean="0">
-                <a:latin typeface="+mn-ea"/>
-              </a:rPr>
-              <a:t>ング授業の実践」</a:t>
-            </a:r>
-            <a:endParaRPr kumimoji="1" lang="ja-JP" altLang="en-US" dirty="0"/>
+              <a:t>組み合わせるシステムでは，既に学習者が論理的な思考をもって問題文を読み取ることができている必要がある．</a:t>
+            </a:r>
+            <a:endParaRPr lang="en-US" altLang="ja-JP" dirty="0" smtClean="0"/>
+          </a:p>
+          <a:p>
+            <a:pPr marL="0" indent="0" algn="just">
+              <a:buNone/>
+            </a:pPr>
+            <a:r>
+              <a:rPr kumimoji="1" lang="ja-JP" altLang="en-US" sz="2600" dirty="0" smtClean="0"/>
+              <a:t>　</a:t>
+            </a:r>
+            <a:endParaRPr kumimoji="1" lang="en-US" altLang="ja-JP" sz="2600" dirty="0"/>
           </a:p>
         </p:txBody>
       </p:sp>
@@ -6469,7 +5968,7 @@
     </p:spTree>
     <p:extLst>
       <p:ext uri="{BB962C8B-B14F-4D97-AF65-F5344CB8AC3E}">
-        <p14:creationId xmlns:p14="http://schemas.microsoft.com/office/powerpoint/2010/main" val="3769541672"/>
+        <p14:creationId xmlns:p14="http://schemas.microsoft.com/office/powerpoint/2010/main" val="1923407823"/>
       </p:ext>
     </p:extLst>
   </p:cSld>
@@ -6519,9 +6018,14 @@
           <a:lstStyle/>
           <a:p>
             <a:r>
-              <a:rPr kumimoji="1" lang="ja-JP" altLang="en-US" dirty="0"/>
-              <a:t>研究課題</a:t>
-            </a:r>
+              <a:rPr lang="ja-JP" altLang="en-US" dirty="0"/>
+              <a:t>コードジェネレート</a:t>
+            </a:r>
+            <a:r>
+              <a:rPr lang="ja-JP" altLang="en-US" dirty="0" smtClean="0"/>
+              <a:t>機能</a:t>
+            </a:r>
+            <a:endParaRPr kumimoji="1" lang="ja-JP" altLang="en-US" dirty="0"/>
           </a:p>
         </p:txBody>
       </p:sp>
@@ -6535,86 +6039,131 @@
             <p:ph idx="1"/>
           </p:nvPr>
         </p:nvSpPr>
-        <p:spPr>
-          <a:xfrm>
-            <a:off x="628650" y="1847851"/>
-            <a:ext cx="7886700" cy="4351338"/>
-          </a:xfrm>
-        </p:spPr>
+        <p:spPr/>
         <p:txBody>
           <a:bodyPr>
             <a:normAutofit/>
           </a:bodyPr>
           <a:lstStyle/>
           <a:p>
+            <a:pPr algn="just"/>
+            <a:r>
+              <a:rPr kumimoji="1" lang="ja-JP" altLang="en-US" dirty="0" smtClean="0"/>
+              <a:t>本研究では</a:t>
+            </a:r>
+            <a:r>
+              <a:rPr lang="ja-JP" altLang="en-US" dirty="0"/>
+              <a:t>，</a:t>
+            </a:r>
+            <a:r>
+              <a:rPr kumimoji="1" lang="ja-JP" altLang="en-US" dirty="0" smtClean="0"/>
+              <a:t>ブロック型のプログラミング環境である</a:t>
+            </a:r>
             <a:r>
               <a:rPr lang="ja-JP" altLang="en-US" dirty="0" smtClean="0"/>
-              <a:t>本研究において論理的思考とは，「思考</a:t>
+              <a:t>「</a:t>
+            </a:r>
+            <a:r>
+              <a:rPr lang="en-US" altLang="ja-JP" dirty="0" smtClean="0"/>
+              <a:t>Blackly</a:t>
+            </a:r>
+            <a:r>
+              <a:rPr lang="ja-JP" altLang="en-US" dirty="0" smtClean="0"/>
+              <a:t>」を利用</a:t>
             </a:r>
             <a:r>
               <a:rPr lang="ja-JP" altLang="en-US" dirty="0"/>
-              <a:t>や論証の</a:t>
+              <a:t>する．</a:t>
+            </a:r>
+            <a:endParaRPr lang="en-US" altLang="ja-JP" dirty="0" smtClean="0"/>
+          </a:p>
+          <a:p>
+            <a:pPr algn="just"/>
+            <a:r>
+              <a:rPr kumimoji="1" lang="ja-JP" altLang="en-US" dirty="0" smtClean="0"/>
+              <a:t>「</a:t>
+            </a:r>
+            <a:r>
+              <a:rPr kumimoji="1" lang="en-US" altLang="ja-JP" dirty="0" smtClean="0"/>
+              <a:t>Blocky</a:t>
+            </a:r>
+            <a:r>
+              <a:rPr kumimoji="1" lang="ja-JP" altLang="en-US" dirty="0" smtClean="0"/>
+              <a:t>」には、作成したブロック</a:t>
             </a:r>
             <a:r>
               <a:rPr lang="ja-JP" altLang="en-US" dirty="0" smtClean="0"/>
-              <a:t>組み立て，思考</a:t>
+              <a:t>から</a:t>
             </a:r>
             <a:r>
               <a:rPr lang="ja-JP" altLang="en-US" dirty="0"/>
-              <a:t>の妥当性が保証される法則や</a:t>
+              <a:t>、</a:t>
+            </a:r>
+            <a:r>
+              <a:rPr kumimoji="1" lang="ja-JP" altLang="en-US" dirty="0" smtClean="0"/>
+              <a:t>構文的に正しいコードを自動で生成する</a:t>
             </a:r>
             <a:r>
               <a:rPr lang="ja-JP" altLang="en-US" dirty="0" smtClean="0"/>
-              <a:t>形式」に則って思考を組み立てることとする．</a:t>
+              <a:t>機能が</a:t>
+            </a:r>
+            <a:r>
+              <a:rPr lang="ja-JP" altLang="en-US" dirty="0"/>
+              <a:t>あり</a:t>
+            </a:r>
+            <a:r>
+              <a:rPr lang="ja-JP" altLang="en-US" dirty="0" smtClean="0"/>
+              <a:t>，この機能を用いること</a:t>
+            </a:r>
+            <a:r>
+              <a:rPr lang="ja-JP" altLang="en-US" dirty="0"/>
+              <a:t>で，学習者</a:t>
+            </a:r>
+            <a:r>
+              <a:rPr lang="ja-JP" altLang="en-US" dirty="0" smtClean="0"/>
+              <a:t>はテキストでのプログラムによる，コーディングの学習が</a:t>
+            </a:r>
+            <a:r>
+              <a:rPr lang="ja-JP" altLang="en-US" dirty="0"/>
+              <a:t>できる</a:t>
+            </a:r>
+            <a:r>
+              <a:rPr lang="ja-JP" altLang="en-US" dirty="0" smtClean="0"/>
+              <a:t>．</a:t>
             </a:r>
             <a:endParaRPr lang="en-US" altLang="ja-JP" dirty="0" smtClean="0"/>
           </a:p>
           <a:p>
+            <a:pPr algn="just"/>
             <a:r>
               <a:rPr lang="ja-JP" altLang="en-US" dirty="0" smtClean="0"/>
-              <a:t>論理的思考がすでに培われていることが前提となる教育</a:t>
-            </a:r>
+              <a:t>この機能により，学習者はプログラムの正しい構文を覚える前に論理にふれることができる．</a:t>
+            </a:r>
+            <a:endParaRPr lang="en-US" altLang="ja-JP" dirty="0" smtClean="0"/>
+          </a:p>
+          <a:p>
+            <a:pPr algn="just"/>
             <a:r>
               <a:rPr lang="ja-JP" altLang="en-US" dirty="0" smtClean="0"/>
-              <a:t>環境となって</a:t>
+              <a:t>この機能をコードジェネレート機能と本研究では</a:t>
             </a:r>
             <a:r>
               <a:rPr lang="ja-JP" altLang="en-US" dirty="0"/>
-              <a:t>いる．</a:t>
-            </a:r>
-            <a:endParaRPr lang="en-US" altLang="ja-JP" dirty="0"/>
-          </a:p>
-          <a:p>
-            <a:pPr marL="0" indent="0">
-              <a:buNone/>
-            </a:pPr>
-            <a:r>
-              <a:rPr lang="ja-JP" altLang="en-US" dirty="0"/>
-              <a:t>　</a:t>
+              <a:t>呼ぶ</a:t>
             </a:r>
             <a:r>
               <a:rPr lang="ja-JP" altLang="en-US" dirty="0" smtClean="0"/>
-              <a:t>→問題文から意味を読み取って学習者が</a:t>
-            </a:r>
-            <a:r>
-              <a:rPr lang="ja-JP" altLang="en-US" dirty="0"/>
-              <a:t>ブロックを</a:t>
-            </a:r>
-            <a:r>
-              <a:rPr lang="ja-JP" altLang="en-US" dirty="0" smtClean="0"/>
-              <a:t>組み合わせるシステムでは，既に学習者が論理的な思考をもって問題文を読み取ることができている必要がある．</a:t>
+              <a:t>．</a:t>
             </a:r>
             <a:endParaRPr lang="en-US" altLang="ja-JP" dirty="0" smtClean="0"/>
           </a:p>
           <a:p>
-            <a:pPr marL="0" indent="0">
-              <a:buNone/>
-            </a:pPr>
-            <a:r>
-              <a:rPr kumimoji="1" lang="ja-JP" altLang="en-US" sz="2600" dirty="0" smtClean="0"/>
-              <a:t>　</a:t>
-            </a:r>
-            <a:endParaRPr kumimoji="1" lang="en-US" altLang="ja-JP" sz="2600" dirty="0"/>
+            <a:pPr algn="just"/>
+            <a:endParaRPr lang="en-US" altLang="ja-JP" dirty="0" smtClean="0"/>
+          </a:p>
+          <a:p>
+            <a:pPr algn="just"/>
+            <a:endParaRPr kumimoji="1" lang="ja-JP" altLang="en-US" dirty="0"/>
           </a:p>
         </p:txBody>
       </p:sp>
@@ -6644,7 +6193,7 @@
     </p:spTree>
     <p:extLst>
       <p:ext uri="{BB962C8B-B14F-4D97-AF65-F5344CB8AC3E}">
-        <p14:creationId xmlns:p14="http://schemas.microsoft.com/office/powerpoint/2010/main" val="1923407823"/>
+        <p14:creationId xmlns:p14="http://schemas.microsoft.com/office/powerpoint/2010/main" val="4224668961"/>
       </p:ext>
     </p:extLst>
   </p:cSld>
@@ -6694,176 +6243,67 @@
           <a:lstStyle/>
           <a:p>
             <a:r>
-              <a:rPr lang="ja-JP" altLang="en-US" dirty="0"/>
-              <a:t>コードジェネレート</a:t>
-            </a:r>
-            <a:r>
-              <a:rPr lang="ja-JP" altLang="en-US" dirty="0" smtClean="0"/>
-              <a:t>機能</a:t>
+              <a:rPr kumimoji="1" lang="ja-JP" altLang="en-US" dirty="0" smtClean="0"/>
+              <a:t>コードジェネレート機能</a:t>
             </a:r>
             <a:endParaRPr kumimoji="1" lang="ja-JP" altLang="en-US" dirty="0"/>
           </a:p>
         </p:txBody>
       </p:sp>
-      <p:sp>
-        <p:nvSpPr>
-          <p:cNvPr id="3" name="コンテンツ プレースホルダー 2"/>
-          <p:cNvSpPr>
-            <a:spLocks noGrp="1"/>
-          </p:cNvSpPr>
+      <p:pic>
+        <p:nvPicPr>
+          <p:cNvPr id="5" name="コンテンツ プレースホルダー 4"/>
+          <p:cNvPicPr>
+            <a:picLocks noGrp="1" noChangeAspect="1"/>
+          </p:cNvPicPr>
           <p:nvPr>
             <p:ph idx="1"/>
           </p:nvPr>
+        </p:nvPicPr>
+        <p:blipFill>
+          <a:blip r:embed="rId2"/>
+          <a:stretch>
+            <a:fillRect/>
+          </a:stretch>
+        </p:blipFill>
+        <p:spPr>
+          <a:xfrm>
+            <a:off x="628650" y="1881838"/>
+            <a:ext cx="7886700" cy="4238911"/>
+          </a:xfrm>
+          <a:prstGeom prst="rect">
+            <a:avLst/>
+          </a:prstGeom>
+        </p:spPr>
+      </p:pic>
+      <p:sp>
+        <p:nvSpPr>
+          <p:cNvPr id="4" name="スライド番号プレースホルダー 3"/>
+          <p:cNvSpPr>
+            <a:spLocks noGrp="1"/>
+          </p:cNvSpPr>
+          <p:nvPr>
+            <p:ph type="sldNum" sz="quarter" idx="12"/>
+          </p:nvPr>
         </p:nvSpPr>
         <p:spPr/>
         <p:txBody>
-          <a:bodyPr>
-            <a:normAutofit/>
-          </a:bodyPr>
-          <a:lstStyle/>
-          <a:p>
-            <a:r>
-              <a:rPr kumimoji="1" lang="ja-JP" altLang="en-US" dirty="0" smtClean="0"/>
-              <a:t>本研究では</a:t>
-            </a:r>
-            <a:r>
-              <a:rPr lang="ja-JP" altLang="en-US" dirty="0"/>
-              <a:t>，</a:t>
-            </a:r>
-            <a:r>
-              <a:rPr kumimoji="1" lang="ja-JP" altLang="en-US" dirty="0" smtClean="0"/>
-              <a:t>ブロック型のプログラミング環境である</a:t>
-            </a:r>
-            <a:r>
-              <a:rPr lang="ja-JP" altLang="en-US" dirty="0" smtClean="0"/>
-              <a:t>「</a:t>
-            </a:r>
-            <a:r>
-              <a:rPr lang="en-US" altLang="ja-JP" dirty="0" smtClean="0"/>
-              <a:t>Blackly</a:t>
-            </a:r>
-            <a:r>
-              <a:rPr lang="ja-JP" altLang="en-US" dirty="0" smtClean="0"/>
-              <a:t>」を利用</a:t>
-            </a:r>
-            <a:r>
-              <a:rPr lang="ja-JP" altLang="en-US" dirty="0"/>
-              <a:t>する．</a:t>
-            </a:r>
-            <a:endParaRPr lang="en-US" altLang="ja-JP" dirty="0" smtClean="0"/>
-          </a:p>
-          <a:p>
-            <a:r>
-              <a:rPr kumimoji="1" lang="ja-JP" altLang="en-US" dirty="0" smtClean="0"/>
-              <a:t>「</a:t>
-            </a:r>
-            <a:r>
-              <a:rPr kumimoji="1" lang="en-US" altLang="ja-JP" dirty="0" smtClean="0"/>
-              <a:t>Blocky</a:t>
-            </a:r>
-            <a:r>
-              <a:rPr kumimoji="1" lang="ja-JP" altLang="en-US" dirty="0" smtClean="0"/>
-              <a:t>」には、作成したブロック</a:t>
-            </a:r>
-            <a:r>
-              <a:rPr lang="ja-JP" altLang="en-US" dirty="0" smtClean="0"/>
-              <a:t>から</a:t>
-            </a:r>
-            <a:r>
-              <a:rPr lang="ja-JP" altLang="en-US" dirty="0"/>
-              <a:t>、</a:t>
-            </a:r>
-            <a:r>
-              <a:rPr kumimoji="1" lang="ja-JP" altLang="en-US" dirty="0" smtClean="0"/>
-              <a:t>構文的に正しいコードを自動で生成する</a:t>
-            </a:r>
-            <a:r>
-              <a:rPr lang="ja-JP" altLang="en-US" dirty="0" smtClean="0"/>
-              <a:t>機能が</a:t>
-            </a:r>
-            <a:r>
-              <a:rPr lang="ja-JP" altLang="en-US" dirty="0"/>
-              <a:t>あり</a:t>
-            </a:r>
-            <a:r>
-              <a:rPr lang="ja-JP" altLang="en-US" dirty="0" smtClean="0"/>
-              <a:t>，この機能を用いること</a:t>
-            </a:r>
-            <a:r>
-              <a:rPr lang="ja-JP" altLang="en-US" dirty="0"/>
-              <a:t>で，学習者</a:t>
-            </a:r>
-            <a:r>
-              <a:rPr lang="ja-JP" altLang="en-US" dirty="0" smtClean="0"/>
-              <a:t>はテキストでのプログラムによる，コーディングの学習が</a:t>
-            </a:r>
-            <a:r>
-              <a:rPr lang="ja-JP" altLang="en-US" dirty="0"/>
-              <a:t>できる</a:t>
-            </a:r>
-            <a:r>
-              <a:rPr lang="ja-JP" altLang="en-US" dirty="0" smtClean="0"/>
-              <a:t>．</a:t>
-            </a:r>
-            <a:endParaRPr lang="en-US" altLang="ja-JP" dirty="0" smtClean="0"/>
-          </a:p>
-          <a:p>
-            <a:r>
-              <a:rPr lang="ja-JP" altLang="en-US" dirty="0" smtClean="0"/>
-              <a:t>この機能により，学習者はプログラムの正しい構文を覚える前に論理にふれることができる．</a:t>
-            </a:r>
-            <a:endParaRPr lang="en-US" altLang="ja-JP" dirty="0" smtClean="0"/>
-          </a:p>
-          <a:p>
-            <a:r>
-              <a:rPr lang="ja-JP" altLang="en-US" dirty="0" smtClean="0"/>
-              <a:t>この機能をコードジェネレート機能と本研究では</a:t>
-            </a:r>
-            <a:r>
-              <a:rPr lang="ja-JP" altLang="en-US" dirty="0"/>
-              <a:t>呼ぶ</a:t>
-            </a:r>
-            <a:r>
-              <a:rPr lang="ja-JP" altLang="en-US" dirty="0" smtClean="0"/>
-              <a:t>．</a:t>
-            </a:r>
-            <a:endParaRPr lang="en-US" altLang="ja-JP" dirty="0" smtClean="0"/>
-          </a:p>
-          <a:p>
-            <a:endParaRPr lang="en-US" altLang="ja-JP" dirty="0" smtClean="0"/>
-          </a:p>
-          <a:p>
-            <a:endParaRPr kumimoji="1" lang="ja-JP" altLang="en-US" dirty="0"/>
-          </a:p>
-        </p:txBody>
-      </p:sp>
-      <p:sp>
-        <p:nvSpPr>
-          <p:cNvPr id="4" name="スライド番号プレースホルダー 3"/>
-          <p:cNvSpPr>
-            <a:spLocks noGrp="1"/>
-          </p:cNvSpPr>
-          <p:nvPr>
-            <p:ph type="sldNum" sz="quarter" idx="12"/>
-          </p:nvPr>
-        </p:nvSpPr>
-        <p:spPr/>
-        <p:txBody>
           <a:bodyPr/>
           <a:lstStyle/>
           <a:p>
             <a:fld id="{B4451160-128F-4DAD-AE29-4A8CC0E7B9E9}" type="slidenum">
-              <a:rPr kumimoji="1" lang="ja-JP" altLang="en-US" smtClean="0"/>
+              <a:rPr lang="ja-JP" altLang="en-US" smtClean="0"/>
+              <a:pPr/>
               <a:t>6</a:t>
             </a:fld>
-            <a:endParaRPr kumimoji="1" lang="ja-JP" altLang="en-US" dirty="0"/>
+            <a:endParaRPr lang="ja-JP" altLang="en-US" dirty="0"/>
           </a:p>
         </p:txBody>
       </p:sp>
     </p:spTree>
     <p:extLst>
       <p:ext uri="{BB962C8B-B14F-4D97-AF65-F5344CB8AC3E}">
-        <p14:creationId xmlns:p14="http://schemas.microsoft.com/office/powerpoint/2010/main" val="4224668961"/>
+        <p14:creationId xmlns:p14="http://schemas.microsoft.com/office/powerpoint/2010/main" val="3354137812"/>
       </p:ext>
     </p:extLst>
   </p:cSld>
@@ -6913,39 +6353,72 @@
           <a:lstStyle/>
           <a:p>
             <a:r>
+              <a:rPr kumimoji="1" lang="ja-JP" altLang="en-US" dirty="0"/>
+              <a:t>研究目的</a:t>
+            </a:r>
+          </a:p>
+        </p:txBody>
+      </p:sp>
+      <p:sp>
+        <p:nvSpPr>
+          <p:cNvPr id="3" name="コンテンツ プレースホルダー 2"/>
+          <p:cNvSpPr>
+            <a:spLocks noGrp="1"/>
+          </p:cNvSpPr>
+          <p:nvPr>
+            <p:ph idx="1"/>
+          </p:nvPr>
+        </p:nvSpPr>
+        <p:spPr/>
+        <p:txBody>
+          <a:bodyPr/>
+          <a:lstStyle/>
+          <a:p>
+            <a:pPr algn="just"/>
+            <a:r>
               <a:rPr kumimoji="1" lang="ja-JP" altLang="en-US" dirty="0" smtClean="0"/>
-              <a:t>コードジェネレート機能</a:t>
+              <a:t>本研究の目的は</a:t>
+            </a:r>
+            <a:r>
+              <a:rPr lang="ja-JP" altLang="en-US" dirty="0"/>
+              <a:t>，</a:t>
+            </a:r>
+            <a:r>
+              <a:rPr kumimoji="1" lang="ja-JP" altLang="en-US" dirty="0" smtClean="0"/>
+              <a:t>学生向けに論理的思考を身に着けるための学習支援として</a:t>
+            </a:r>
+            <a:r>
+              <a:rPr lang="ja-JP" altLang="en-US" dirty="0"/>
+              <a:t>，</a:t>
+            </a:r>
+            <a:r>
+              <a:rPr kumimoji="1" lang="ja-JP" altLang="en-US" dirty="0" smtClean="0"/>
+              <a:t>ブロックプログラミングを利用し</a:t>
+            </a:r>
+            <a:r>
+              <a:rPr lang="ja-JP" altLang="en-US" dirty="0"/>
+              <a:t>，</a:t>
+            </a:r>
+            <a:r>
+              <a:rPr kumimoji="1" lang="ja-JP" altLang="en-US" dirty="0" smtClean="0"/>
+              <a:t>理解を深めることができる環境を作成する</a:t>
+            </a:r>
+            <a:r>
+              <a:rPr kumimoji="1" lang="ja-JP" altLang="en-US" dirty="0" smtClean="0"/>
+              <a:t>ことと</a:t>
+            </a:r>
+            <a:r>
+              <a:rPr kumimoji="1" lang="ja-JP" altLang="en-US" dirty="0" smtClean="0"/>
+              <a:t>する</a:t>
+            </a:r>
+            <a:r>
+              <a:rPr lang="ja-JP" altLang="en-US" dirty="0"/>
+              <a:t>．</a:t>
             </a:r>
             <a:endParaRPr kumimoji="1" lang="ja-JP" altLang="en-US" dirty="0"/>
           </a:p>
         </p:txBody>
       </p:sp>
-      <p:pic>
-        <p:nvPicPr>
-          <p:cNvPr id="5" name="コンテンツ プレースホルダー 4"/>
-          <p:cNvPicPr>
-            <a:picLocks noGrp="1" noChangeAspect="1"/>
-          </p:cNvPicPr>
-          <p:nvPr>
-            <p:ph idx="1"/>
-          </p:nvPr>
-        </p:nvPicPr>
-        <p:blipFill>
-          <a:blip r:embed="rId2"/>
-          <a:stretch>
-            <a:fillRect/>
-          </a:stretch>
-        </p:blipFill>
-        <p:spPr>
-          <a:xfrm>
-            <a:off x="628650" y="1881838"/>
-            <a:ext cx="7886700" cy="4238911"/>
-          </a:xfrm>
-          <a:prstGeom prst="rect">
-            <a:avLst/>
-          </a:prstGeom>
-        </p:spPr>
-      </p:pic>
       <p:sp>
         <p:nvSpPr>
           <p:cNvPr id="4" name="スライド番号プレースホルダー 3"/>
@@ -6962,18 +6435,17 @@
           <a:lstStyle/>
           <a:p>
             <a:fld id="{B4451160-128F-4DAD-AE29-4A8CC0E7B9E9}" type="slidenum">
-              <a:rPr lang="ja-JP" altLang="en-US" smtClean="0"/>
-              <a:pPr/>
+              <a:rPr kumimoji="1" lang="ja-JP" altLang="en-US" smtClean="0"/>
               <a:t>7</a:t>
             </a:fld>
-            <a:endParaRPr lang="ja-JP" altLang="en-US" dirty="0"/>
+            <a:endParaRPr kumimoji="1" lang="ja-JP" altLang="en-US" dirty="0"/>
           </a:p>
         </p:txBody>
       </p:sp>
     </p:spTree>
     <p:extLst>
       <p:ext uri="{BB962C8B-B14F-4D97-AF65-F5344CB8AC3E}">
-        <p14:creationId xmlns:p14="http://schemas.microsoft.com/office/powerpoint/2010/main" val="3354137812"/>
+        <p14:creationId xmlns:p14="http://schemas.microsoft.com/office/powerpoint/2010/main" val="114472190"/>
       </p:ext>
     </p:extLst>
   </p:cSld>
@@ -7024,7 +6496,7 @@
           <a:p>
             <a:r>
               <a:rPr kumimoji="1" lang="ja-JP" altLang="en-US" dirty="0"/>
-              <a:t>研究目的</a:t>
+              <a:t>提案方式</a:t>
             </a:r>
           </a:p>
         </p:txBody>
@@ -7041,49 +6513,100 @@
         </p:nvSpPr>
         <p:spPr/>
         <p:txBody>
-          <a:bodyPr/>
-          <a:lstStyle/>
-          <a:p>
-            <a:r>
-              <a:rPr kumimoji="1" lang="ja-JP" altLang="en-US" dirty="0" smtClean="0"/>
-              <a:t>本研究の目的は</a:t>
-            </a:r>
+          <a:bodyPr>
+            <a:normAutofit/>
+          </a:bodyPr>
+          <a:lstStyle/>
+          <a:p>
+            <a:pPr algn="just"/>
+            <a:r>
+              <a:rPr lang="ja-JP" altLang="en-US" dirty="0" smtClean="0"/>
+              <a:t>学習者が</a:t>
+            </a:r>
+            <a:r>
+              <a:rPr lang="en-US" altLang="ja-JP" dirty="0" smtClean="0"/>
+              <a:t>WEB</a:t>
+            </a:r>
+            <a:r>
+              <a:rPr lang="ja-JP" altLang="en-US" dirty="0" smtClean="0"/>
+              <a:t>ブラウザ上で作業を完結</a:t>
+            </a:r>
+            <a:r>
+              <a:rPr lang="ja-JP" altLang="en-US" dirty="0" smtClean="0"/>
+              <a:t>できる．</a:t>
+            </a:r>
+            <a:endParaRPr lang="en-US" altLang="ja-JP" dirty="0" smtClean="0"/>
+          </a:p>
+          <a:p>
+            <a:pPr algn="just"/>
+            <a:r>
+              <a:rPr lang="ja-JP" altLang="en-US" dirty="0" smtClean="0"/>
+              <a:t>問題</a:t>
+            </a:r>
+            <a:r>
+              <a:rPr lang="ja-JP" altLang="en-US" dirty="0" smtClean="0"/>
+              <a:t>文やヒントなどを充実</a:t>
+            </a:r>
+            <a:r>
+              <a:rPr lang="ja-JP" altLang="en-US" dirty="0" smtClean="0"/>
+              <a:t>させて，学習者の効率的な論理的</a:t>
+            </a:r>
+            <a:r>
+              <a:rPr lang="ja-JP" altLang="en-US" dirty="0" smtClean="0"/>
+              <a:t>思考を</a:t>
+            </a:r>
+            <a:r>
+              <a:rPr lang="ja-JP" altLang="en-US" dirty="0" smtClean="0"/>
+              <a:t>養う．</a:t>
+            </a:r>
+            <a:endParaRPr lang="en-US" altLang="ja-JP" dirty="0" smtClean="0"/>
+          </a:p>
+          <a:p>
+            <a:pPr algn="just"/>
             <a:r>
               <a:rPr lang="ja-JP" altLang="en-US" dirty="0"/>
-              <a:t>，</a:t>
-            </a:r>
-            <a:r>
-              <a:rPr kumimoji="1" lang="ja-JP" altLang="en-US" dirty="0" smtClean="0"/>
-              <a:t>学生向けに論理的思考を身に着けるための学習支援として</a:t>
+              <a:t>プログラムの構文を覚えるために，穴埋め問題などを利用</a:t>
+            </a:r>
+            <a:r>
+              <a:rPr lang="ja-JP" altLang="en-US" dirty="0" smtClean="0"/>
+              <a:t>し，より</a:t>
             </a:r>
             <a:r>
               <a:rPr lang="ja-JP" altLang="en-US" dirty="0"/>
-              <a:t>，</a:t>
-            </a:r>
-            <a:r>
-              <a:rPr kumimoji="1" lang="ja-JP" altLang="en-US" dirty="0" smtClean="0"/>
-              <a:t>ブロックプログラミングを利用し</a:t>
-            </a:r>
-            <a:r>
-              <a:rPr lang="ja-JP" altLang="en-US" dirty="0"/>
-              <a:t>，</a:t>
-            </a:r>
-            <a:r>
-              <a:rPr kumimoji="1" lang="ja-JP" altLang="en-US" dirty="0" smtClean="0"/>
-              <a:t>理解を深めることができる環境を作成する</a:t>
-            </a:r>
-            <a:r>
-              <a:rPr kumimoji="1" lang="ja-JP" altLang="en-US" dirty="0" smtClean="0"/>
-              <a:t>ことと</a:t>
-            </a:r>
-            <a:r>
-              <a:rPr kumimoji="1" lang="ja-JP" altLang="en-US" dirty="0" smtClean="0"/>
-              <a:t>する</a:t>
-            </a:r>
-            <a:r>
-              <a:rPr lang="ja-JP" altLang="en-US" dirty="0"/>
-              <a:t>．</a:t>
-            </a:r>
+              <a:t>プログラミングにユーザが慣れていける環境を</a:t>
+            </a:r>
+            <a:r>
+              <a:rPr lang="ja-JP" altLang="en-US" dirty="0" smtClean="0"/>
+              <a:t>提案．</a:t>
+            </a:r>
+            <a:endParaRPr lang="en-US" altLang="ja-JP" dirty="0"/>
+          </a:p>
+          <a:p>
+            <a:pPr algn="just"/>
+            <a:r>
+              <a:rPr lang="en-US" altLang="ja-JP" dirty="0" err="1" smtClean="0"/>
+              <a:t>Blockly</a:t>
+            </a:r>
+            <a:r>
+              <a:rPr lang="ja-JP" altLang="en-US" dirty="0" smtClean="0"/>
+              <a:t>によるコードジェネレート機能を利用</a:t>
+            </a:r>
+            <a:r>
+              <a:rPr lang="ja-JP" altLang="en-US" dirty="0" smtClean="0"/>
+              <a:t>し，プログラミング</a:t>
+            </a:r>
+            <a:r>
+              <a:rPr lang="ja-JP" altLang="en-US" dirty="0" smtClean="0"/>
+              <a:t>言語の構文の理解を深められるシステムを</a:t>
+            </a:r>
+            <a:r>
+              <a:rPr lang="ja-JP" altLang="en-US" dirty="0" smtClean="0"/>
+              <a:t>提案．</a:t>
+            </a:r>
+            <a:endParaRPr lang="en-US" altLang="ja-JP" dirty="0"/>
+          </a:p>
+          <a:p>
+            <a:pPr algn="just"/>
             <a:endParaRPr kumimoji="1" lang="ja-JP" altLang="en-US" dirty="0"/>
           </a:p>
         </p:txBody>
@@ -7114,7 +6637,7 @@
     </p:spTree>
     <p:extLst>
       <p:ext uri="{BB962C8B-B14F-4D97-AF65-F5344CB8AC3E}">
-        <p14:creationId xmlns:p14="http://schemas.microsoft.com/office/powerpoint/2010/main" val="114472190"/>
+        <p14:creationId xmlns:p14="http://schemas.microsoft.com/office/powerpoint/2010/main" val="1724661356"/>
       </p:ext>
     </p:extLst>
   </p:cSld>
@@ -7164,144 +6687,770 @@
           <a:lstStyle/>
           <a:p>
             <a:r>
-              <a:rPr kumimoji="1" lang="ja-JP" altLang="en-US" dirty="0"/>
+              <a:rPr kumimoji="1" lang="ja-JP" altLang="en-US" dirty="0" smtClean="0"/>
               <a:t>提案方式</a:t>
             </a:r>
-          </a:p>
-        </p:txBody>
-      </p:sp>
-      <p:sp>
-        <p:nvSpPr>
-          <p:cNvPr id="3" name="コンテンツ プレースホルダー 2"/>
-          <p:cNvSpPr>
-            <a:spLocks noGrp="1"/>
-          </p:cNvSpPr>
-          <p:nvPr>
-            <p:ph idx="1"/>
+            <a:endParaRPr kumimoji="1" lang="ja-JP" altLang="en-US" dirty="0"/>
+          </a:p>
+        </p:txBody>
+      </p:sp>
+      <p:sp>
+        <p:nvSpPr>
+          <p:cNvPr id="4" name="スライド番号プレースホルダー 3"/>
+          <p:cNvSpPr>
+            <a:spLocks noGrp="1"/>
+          </p:cNvSpPr>
+          <p:nvPr>
+            <p:ph type="sldNum" sz="quarter" idx="12"/>
           </p:nvPr>
         </p:nvSpPr>
         <p:spPr/>
         <p:txBody>
-          <a:bodyPr>
-            <a:normAutofit/>
-          </a:bodyPr>
-          <a:lstStyle/>
-          <a:p>
-            <a:r>
-              <a:rPr lang="ja-JP" altLang="en-US" dirty="0" smtClean="0"/>
-              <a:t>学習者が</a:t>
-            </a:r>
-            <a:r>
-              <a:rPr lang="en-US" altLang="ja-JP" dirty="0" smtClean="0"/>
-              <a:t>WEB</a:t>
-            </a:r>
-            <a:r>
-              <a:rPr lang="ja-JP" altLang="en-US" dirty="0" smtClean="0"/>
-              <a:t>ブラウザ上で作業を完結</a:t>
-            </a:r>
-            <a:r>
-              <a:rPr lang="ja-JP" altLang="en-US" dirty="0" smtClean="0"/>
-              <a:t>できる．</a:t>
-            </a:r>
-            <a:endParaRPr lang="en-US" altLang="ja-JP" dirty="0" smtClean="0"/>
-          </a:p>
-          <a:p>
-            <a:r>
-              <a:rPr lang="ja-JP" altLang="en-US" dirty="0" smtClean="0"/>
-              <a:t>問題</a:t>
-            </a:r>
-            <a:r>
-              <a:rPr lang="ja-JP" altLang="en-US" dirty="0" smtClean="0"/>
-              <a:t>文やヒントなどを充実</a:t>
-            </a:r>
-            <a:r>
-              <a:rPr lang="ja-JP" altLang="en-US" dirty="0" smtClean="0"/>
-              <a:t>させて，学習者の効率的な論理的</a:t>
-            </a:r>
-            <a:r>
-              <a:rPr lang="ja-JP" altLang="en-US" dirty="0" smtClean="0"/>
-              <a:t>思考を</a:t>
-            </a:r>
-            <a:r>
-              <a:rPr lang="ja-JP" altLang="en-US" dirty="0" smtClean="0"/>
-              <a:t>養う．</a:t>
-            </a:r>
-            <a:endParaRPr lang="en-US" altLang="ja-JP" dirty="0" smtClean="0"/>
-          </a:p>
-          <a:p>
-            <a:r>
-              <a:rPr lang="ja-JP" altLang="en-US" dirty="0"/>
-              <a:t>プログラムの構文を覚えるために，穴埋め問題などを利用</a:t>
-            </a:r>
-            <a:r>
-              <a:rPr lang="ja-JP" altLang="en-US" dirty="0" smtClean="0"/>
-              <a:t>し，より</a:t>
-            </a:r>
-            <a:r>
-              <a:rPr lang="ja-JP" altLang="en-US" dirty="0"/>
-              <a:t>プログラミングにユーザが慣れていける環境を</a:t>
-            </a:r>
-            <a:r>
-              <a:rPr lang="ja-JP" altLang="en-US" dirty="0" smtClean="0"/>
-              <a:t>提案．</a:t>
-            </a:r>
-            <a:endParaRPr lang="en-US" altLang="ja-JP" dirty="0"/>
-          </a:p>
-          <a:p>
-            <a:r>
-              <a:rPr lang="en-US" altLang="ja-JP" dirty="0" err="1" smtClean="0"/>
-              <a:t>Blockly</a:t>
-            </a:r>
-            <a:r>
-              <a:rPr lang="ja-JP" altLang="en-US" dirty="0" smtClean="0"/>
-              <a:t>によるコードジェネレート機能を利用</a:t>
-            </a:r>
-            <a:r>
-              <a:rPr lang="ja-JP" altLang="en-US" dirty="0" smtClean="0"/>
-              <a:t>し，プログラミング</a:t>
-            </a:r>
-            <a:r>
-              <a:rPr lang="ja-JP" altLang="en-US" dirty="0" smtClean="0"/>
-              <a:t>言語の構文の理解を深められるシステムを</a:t>
-            </a:r>
-            <a:r>
-              <a:rPr lang="ja-JP" altLang="en-US" dirty="0" smtClean="0"/>
-              <a:t>提案．</a:t>
-            </a:r>
-            <a:endParaRPr lang="en-US" altLang="ja-JP" dirty="0"/>
-          </a:p>
-          <a:p>
-            <a:endParaRPr kumimoji="1" lang="ja-JP" altLang="en-US" dirty="0"/>
-          </a:p>
-        </p:txBody>
-      </p:sp>
-      <p:sp>
-        <p:nvSpPr>
-          <p:cNvPr id="4" name="スライド番号プレースホルダー 3"/>
-          <p:cNvSpPr>
-            <a:spLocks noGrp="1"/>
-          </p:cNvSpPr>
-          <p:nvPr>
-            <p:ph type="sldNum" sz="quarter" idx="12"/>
-          </p:nvPr>
-        </p:nvSpPr>
-        <p:spPr/>
-        <p:txBody>
           <a:bodyPr/>
           <a:lstStyle/>
           <a:p>
             <a:fld id="{B4451160-128F-4DAD-AE29-4A8CC0E7B9E9}" type="slidenum">
-              <a:rPr kumimoji="1" lang="ja-JP" altLang="en-US" smtClean="0"/>
+              <a:rPr lang="ja-JP" altLang="en-US" smtClean="0"/>
+              <a:pPr/>
               <a:t>9</a:t>
             </a:fld>
+            <a:endParaRPr lang="ja-JP" altLang="en-US" dirty="0"/>
+          </a:p>
+        </p:txBody>
+      </p:sp>
+      <p:sp>
+        <p:nvSpPr>
+          <p:cNvPr id="6" name="正方形/長方形 5"/>
+          <p:cNvSpPr/>
+          <p:nvPr/>
+        </p:nvSpPr>
+        <p:spPr>
+          <a:xfrm>
+            <a:off x="481443" y="1880436"/>
+            <a:ext cx="3337600" cy="3981450"/>
+          </a:xfrm>
+          <a:prstGeom prst="rect">
+            <a:avLst/>
+          </a:prstGeom>
+        </p:spPr>
+        <p:style>
+          <a:lnRef idx="2">
+            <a:schemeClr val="dk1"/>
+          </a:lnRef>
+          <a:fillRef idx="1">
+            <a:schemeClr val="lt1"/>
+          </a:fillRef>
+          <a:effectRef idx="0">
+            <a:schemeClr val="dk1"/>
+          </a:effectRef>
+          <a:fontRef idx="minor">
+            <a:schemeClr val="dk1"/>
+          </a:fontRef>
+        </p:style>
+        <p:txBody>
+          <a:bodyPr rtlCol="0" anchor="ctr"/>
+          <a:lstStyle/>
+          <a:p>
+            <a:pPr algn="ctr"/>
             <a:endParaRPr kumimoji="1" lang="ja-JP" altLang="en-US" dirty="0"/>
           </a:p>
         </p:txBody>
       </p:sp>
+      <p:sp>
+        <p:nvSpPr>
+          <p:cNvPr id="7" name="テキスト ボックス 6"/>
+          <p:cNvSpPr txBox="1"/>
+          <p:nvPr/>
+        </p:nvSpPr>
+        <p:spPr>
+          <a:xfrm>
+            <a:off x="1135549" y="6057770"/>
+            <a:ext cx="2397045" cy="366092"/>
+          </a:xfrm>
+          <a:prstGeom prst="rect">
+            <a:avLst/>
+          </a:prstGeom>
+          <a:noFill/>
+        </p:spPr>
+        <p:txBody>
+          <a:bodyPr wrap="square" rtlCol="0">
+            <a:spAutoFit/>
+          </a:bodyPr>
+          <a:lstStyle/>
+          <a:p>
+            <a:r>
+              <a:rPr kumimoji="1" lang="ja-JP" altLang="en-US" dirty="0" smtClean="0"/>
+              <a:t>学習者</a:t>
+            </a:r>
+            <a:r>
+              <a:rPr kumimoji="1" lang="en-US" altLang="ja-JP" dirty="0" smtClean="0"/>
+              <a:t>WEB</a:t>
+            </a:r>
+            <a:r>
+              <a:rPr kumimoji="1" lang="ja-JP" altLang="en-US" dirty="0" smtClean="0"/>
+              <a:t>ブラウザ</a:t>
+            </a:r>
+            <a:endParaRPr kumimoji="1" lang="ja-JP" altLang="en-US" dirty="0"/>
+          </a:p>
+        </p:txBody>
+      </p:sp>
+      <p:sp>
+        <p:nvSpPr>
+          <p:cNvPr id="8" name="テキスト ボックス 7"/>
+          <p:cNvSpPr txBox="1"/>
+          <p:nvPr/>
+        </p:nvSpPr>
+        <p:spPr>
+          <a:xfrm>
+            <a:off x="6008559" y="6057770"/>
+            <a:ext cx="963661" cy="366092"/>
+          </a:xfrm>
+          <a:prstGeom prst="rect">
+            <a:avLst/>
+          </a:prstGeom>
+          <a:noFill/>
+        </p:spPr>
+        <p:txBody>
+          <a:bodyPr wrap="square" rtlCol="0">
+            <a:spAutoFit/>
+          </a:bodyPr>
+          <a:lstStyle/>
+          <a:p>
+            <a:r>
+              <a:rPr kumimoji="1" lang="ja-JP" altLang="en-US" dirty="0" smtClean="0"/>
+              <a:t>サーバ</a:t>
+            </a:r>
+            <a:endParaRPr kumimoji="1" lang="ja-JP" altLang="en-US" dirty="0"/>
+          </a:p>
+        </p:txBody>
+      </p:sp>
+      <p:sp>
+        <p:nvSpPr>
+          <p:cNvPr id="9" name="正方形/長方形 8"/>
+          <p:cNvSpPr/>
+          <p:nvPr/>
+        </p:nvSpPr>
+        <p:spPr>
+          <a:xfrm>
+            <a:off x="4845330" y="1925460"/>
+            <a:ext cx="3337600" cy="3981450"/>
+          </a:xfrm>
+          <a:prstGeom prst="rect">
+            <a:avLst/>
+          </a:prstGeom>
+        </p:spPr>
+        <p:style>
+          <a:lnRef idx="2">
+            <a:schemeClr val="dk1"/>
+          </a:lnRef>
+          <a:fillRef idx="1">
+            <a:schemeClr val="lt1"/>
+          </a:fillRef>
+          <a:effectRef idx="0">
+            <a:schemeClr val="dk1"/>
+          </a:effectRef>
+          <a:fontRef idx="minor">
+            <a:schemeClr val="dk1"/>
+          </a:fontRef>
+        </p:style>
+        <p:txBody>
+          <a:bodyPr rtlCol="0" anchor="ctr"/>
+          <a:lstStyle/>
+          <a:p>
+            <a:pPr algn="ctr"/>
+            <a:endParaRPr kumimoji="1" lang="ja-JP" altLang="en-US" dirty="0"/>
+          </a:p>
+        </p:txBody>
+      </p:sp>
+      <p:sp>
+        <p:nvSpPr>
+          <p:cNvPr id="10" name="正方形/長方形 9"/>
+          <p:cNvSpPr/>
+          <p:nvPr/>
+        </p:nvSpPr>
+        <p:spPr>
+          <a:xfrm>
+            <a:off x="5210176" y="1988555"/>
+            <a:ext cx="2560427" cy="915820"/>
+          </a:xfrm>
+          <a:prstGeom prst="rect">
+            <a:avLst/>
+          </a:prstGeom>
+        </p:spPr>
+        <p:style>
+          <a:lnRef idx="2">
+            <a:schemeClr val="dk1"/>
+          </a:lnRef>
+          <a:fillRef idx="1">
+            <a:schemeClr val="lt1"/>
+          </a:fillRef>
+          <a:effectRef idx="0">
+            <a:schemeClr val="dk1"/>
+          </a:effectRef>
+          <a:fontRef idx="minor">
+            <a:schemeClr val="dk1"/>
+          </a:fontRef>
+        </p:style>
+        <p:txBody>
+          <a:bodyPr rtlCol="0" anchor="ctr"/>
+          <a:lstStyle/>
+          <a:p>
+            <a:pPr algn="ctr"/>
+            <a:r>
+              <a:rPr kumimoji="1" lang="ja-JP" altLang="en-US" dirty="0" smtClean="0"/>
+              <a:t>問題情報を送信</a:t>
+            </a:r>
+            <a:endParaRPr kumimoji="1" lang="ja-JP" altLang="en-US" dirty="0"/>
+          </a:p>
+        </p:txBody>
+      </p:sp>
+      <p:cxnSp>
+        <p:nvCxnSpPr>
+          <p:cNvPr id="12" name="直線矢印コネクタ 11"/>
+          <p:cNvCxnSpPr>
+            <a:endCxn id="14" idx="3"/>
+          </p:cNvCxnSpPr>
+          <p:nvPr/>
+        </p:nvCxnSpPr>
+        <p:spPr>
+          <a:xfrm flipH="1">
+            <a:off x="3158773" y="2442412"/>
+            <a:ext cx="2041878" cy="3530"/>
+          </a:xfrm>
+          <a:prstGeom prst="straightConnector1">
+            <a:avLst/>
+          </a:prstGeom>
+          <a:ln>
+            <a:tailEnd type="triangle"/>
+          </a:ln>
+        </p:spPr>
+        <p:style>
+          <a:lnRef idx="3">
+            <a:schemeClr val="dk1"/>
+          </a:lnRef>
+          <a:fillRef idx="0">
+            <a:schemeClr val="dk1"/>
+          </a:fillRef>
+          <a:effectRef idx="2">
+            <a:schemeClr val="dk1"/>
+          </a:effectRef>
+          <a:fontRef idx="minor">
+            <a:schemeClr val="tx1"/>
+          </a:fontRef>
+        </p:style>
+      </p:cxnSp>
+      <p:sp>
+        <p:nvSpPr>
+          <p:cNvPr id="14" name="正方形/長方形 13"/>
+          <p:cNvSpPr/>
+          <p:nvPr/>
+        </p:nvSpPr>
+        <p:spPr>
+          <a:xfrm>
+            <a:off x="1106199" y="2047041"/>
+            <a:ext cx="2052574" cy="797802"/>
+          </a:xfrm>
+          <a:prstGeom prst="rect">
+            <a:avLst/>
+          </a:prstGeom>
+        </p:spPr>
+        <p:style>
+          <a:lnRef idx="2">
+            <a:schemeClr val="dk1"/>
+          </a:lnRef>
+          <a:fillRef idx="1">
+            <a:schemeClr val="lt1"/>
+          </a:fillRef>
+          <a:effectRef idx="0">
+            <a:schemeClr val="dk1"/>
+          </a:effectRef>
+          <a:fontRef idx="minor">
+            <a:schemeClr val="dk1"/>
+          </a:fontRef>
+        </p:style>
+        <p:txBody>
+          <a:bodyPr rtlCol="0" anchor="ctr"/>
+          <a:lstStyle/>
+          <a:p>
+            <a:pPr algn="ctr"/>
+            <a:r>
+              <a:rPr kumimoji="1" lang="ja-JP" altLang="en-US" dirty="0" smtClean="0"/>
+              <a:t>問題を表示</a:t>
+            </a:r>
+            <a:endParaRPr kumimoji="1" lang="ja-JP" altLang="en-US" dirty="0"/>
+          </a:p>
+        </p:txBody>
+      </p:sp>
+      <p:sp>
+        <p:nvSpPr>
+          <p:cNvPr id="16" name="正方形/長方形 15"/>
+          <p:cNvSpPr/>
+          <p:nvPr/>
+        </p:nvSpPr>
+        <p:spPr>
+          <a:xfrm>
+            <a:off x="1106199" y="3327150"/>
+            <a:ext cx="2052574" cy="953586"/>
+          </a:xfrm>
+          <a:prstGeom prst="rect">
+            <a:avLst/>
+          </a:prstGeom>
+        </p:spPr>
+        <p:style>
+          <a:lnRef idx="2">
+            <a:schemeClr val="dk1"/>
+          </a:lnRef>
+          <a:fillRef idx="1">
+            <a:schemeClr val="lt1"/>
+          </a:fillRef>
+          <a:effectRef idx="0">
+            <a:schemeClr val="dk1"/>
+          </a:effectRef>
+          <a:fontRef idx="minor">
+            <a:schemeClr val="dk1"/>
+          </a:fontRef>
+        </p:style>
+        <p:txBody>
+          <a:bodyPr rtlCol="0" anchor="ctr"/>
+          <a:lstStyle/>
+          <a:p>
+            <a:pPr algn="ctr"/>
+            <a:r>
+              <a:rPr kumimoji="1" lang="ja-JP" altLang="en-US" dirty="0" smtClean="0"/>
+              <a:t>ブロック</a:t>
+            </a:r>
+            <a:endParaRPr kumimoji="1" lang="en-US" altLang="ja-JP" dirty="0" smtClean="0"/>
+          </a:p>
+          <a:p>
+            <a:pPr algn="ctr"/>
+            <a:r>
+              <a:rPr kumimoji="1" lang="ja-JP" altLang="en-US" dirty="0" smtClean="0"/>
+              <a:t>プログラミング</a:t>
+            </a:r>
+            <a:endParaRPr kumimoji="1" lang="ja-JP" altLang="en-US" dirty="0"/>
+          </a:p>
+        </p:txBody>
+      </p:sp>
+      <p:cxnSp>
+        <p:nvCxnSpPr>
+          <p:cNvPr id="18" name="直線矢印コネクタ 17"/>
+          <p:cNvCxnSpPr>
+            <a:stCxn id="16" idx="3"/>
+            <a:endCxn id="19" idx="1"/>
+          </p:cNvCxnSpPr>
+          <p:nvPr/>
+        </p:nvCxnSpPr>
+        <p:spPr>
+          <a:xfrm>
+            <a:off x="3158773" y="3803943"/>
+            <a:ext cx="2051403" cy="0"/>
+          </a:xfrm>
+          <a:prstGeom prst="straightConnector1">
+            <a:avLst/>
+          </a:prstGeom>
+          <a:ln>
+            <a:tailEnd type="triangle"/>
+          </a:ln>
+        </p:spPr>
+        <p:style>
+          <a:lnRef idx="3">
+            <a:schemeClr val="dk1"/>
+          </a:lnRef>
+          <a:fillRef idx="0">
+            <a:schemeClr val="dk1"/>
+          </a:fillRef>
+          <a:effectRef idx="2">
+            <a:schemeClr val="dk1"/>
+          </a:effectRef>
+          <a:fontRef idx="minor">
+            <a:schemeClr val="tx1"/>
+          </a:fontRef>
+        </p:style>
+      </p:cxnSp>
+      <p:sp>
+        <p:nvSpPr>
+          <p:cNvPr id="19" name="正方形/長方形 18"/>
+          <p:cNvSpPr/>
+          <p:nvPr/>
+        </p:nvSpPr>
+        <p:spPr>
+          <a:xfrm>
+            <a:off x="5210176" y="3327150"/>
+            <a:ext cx="2560427" cy="953586"/>
+          </a:xfrm>
+          <a:prstGeom prst="rect">
+            <a:avLst/>
+          </a:prstGeom>
+        </p:spPr>
+        <p:style>
+          <a:lnRef idx="2">
+            <a:schemeClr val="dk1"/>
+          </a:lnRef>
+          <a:fillRef idx="1">
+            <a:schemeClr val="lt1"/>
+          </a:fillRef>
+          <a:effectRef idx="0">
+            <a:schemeClr val="dk1"/>
+          </a:effectRef>
+          <a:fontRef idx="minor">
+            <a:schemeClr val="dk1"/>
+          </a:fontRef>
+        </p:style>
+        <p:txBody>
+          <a:bodyPr rtlCol="0" anchor="ctr"/>
+          <a:lstStyle/>
+          <a:p>
+            <a:pPr algn="ctr"/>
+            <a:r>
+              <a:rPr kumimoji="1" lang="ja-JP" altLang="en-US" dirty="0" smtClean="0"/>
+              <a:t>ブロックからコード</a:t>
+            </a:r>
+            <a:r>
+              <a:rPr kumimoji="1" lang="ja-JP" altLang="en-US" dirty="0" smtClean="0"/>
+              <a:t>に</a:t>
+            </a:r>
+            <a:endParaRPr kumimoji="1" lang="en-US" altLang="ja-JP" dirty="0" smtClean="0"/>
+          </a:p>
+          <a:p>
+            <a:pPr algn="ctr"/>
+            <a:r>
+              <a:rPr kumimoji="1" lang="ja-JP" altLang="en-US" dirty="0" smtClean="0"/>
+              <a:t>変換</a:t>
+            </a:r>
+            <a:endParaRPr kumimoji="1" lang="ja-JP" altLang="en-US" dirty="0"/>
+          </a:p>
+        </p:txBody>
+      </p:sp>
+      <p:sp>
+        <p:nvSpPr>
+          <p:cNvPr id="20" name="正方形/長方形 19"/>
+          <p:cNvSpPr/>
+          <p:nvPr/>
+        </p:nvSpPr>
+        <p:spPr>
+          <a:xfrm>
+            <a:off x="5233916" y="4579317"/>
+            <a:ext cx="2560427" cy="953586"/>
+          </a:xfrm>
+          <a:prstGeom prst="rect">
+            <a:avLst/>
+          </a:prstGeom>
+        </p:spPr>
+        <p:style>
+          <a:lnRef idx="2">
+            <a:schemeClr val="dk1"/>
+          </a:lnRef>
+          <a:fillRef idx="1">
+            <a:schemeClr val="lt1"/>
+          </a:fillRef>
+          <a:effectRef idx="0">
+            <a:schemeClr val="dk1"/>
+          </a:effectRef>
+          <a:fontRef idx="minor">
+            <a:schemeClr val="dk1"/>
+          </a:fontRef>
+        </p:style>
+        <p:txBody>
+          <a:bodyPr rtlCol="0" anchor="ctr"/>
+          <a:lstStyle/>
+          <a:p>
+            <a:pPr algn="ctr"/>
+            <a:r>
+              <a:rPr kumimoji="1" lang="ja-JP" altLang="en-US" dirty="0" smtClean="0"/>
+              <a:t>問題の正誤</a:t>
+            </a:r>
+            <a:r>
+              <a:rPr kumimoji="1" lang="ja-JP" altLang="en-US" dirty="0" smtClean="0"/>
+              <a:t>と</a:t>
+            </a:r>
+            <a:endParaRPr kumimoji="1" lang="en-US" altLang="ja-JP" dirty="0" smtClean="0"/>
+          </a:p>
+          <a:p>
+            <a:pPr algn="ctr"/>
+            <a:r>
+              <a:rPr kumimoji="1" lang="ja-JP" altLang="en-US" dirty="0" smtClean="0"/>
+              <a:t>作成</a:t>
+            </a:r>
+            <a:r>
+              <a:rPr kumimoji="1" lang="ja-JP" altLang="en-US" dirty="0" smtClean="0"/>
+              <a:t>されたコードを送信</a:t>
+            </a:r>
+            <a:endParaRPr kumimoji="1" lang="ja-JP" altLang="en-US" dirty="0"/>
+          </a:p>
+        </p:txBody>
+      </p:sp>
+      <p:cxnSp>
+        <p:nvCxnSpPr>
+          <p:cNvPr id="25" name="直線矢印コネクタ 24"/>
+          <p:cNvCxnSpPr>
+            <a:stCxn id="19" idx="2"/>
+            <a:endCxn id="20" idx="0"/>
+          </p:cNvCxnSpPr>
+          <p:nvPr/>
+        </p:nvCxnSpPr>
+        <p:spPr>
+          <a:xfrm>
+            <a:off x="6490390" y="4280736"/>
+            <a:ext cx="23740" cy="298581"/>
+          </a:xfrm>
+          <a:prstGeom prst="straightConnector1">
+            <a:avLst/>
+          </a:prstGeom>
+          <a:ln>
+            <a:tailEnd type="triangle"/>
+          </a:ln>
+        </p:spPr>
+        <p:style>
+          <a:lnRef idx="3">
+            <a:schemeClr val="dk1"/>
+          </a:lnRef>
+          <a:fillRef idx="0">
+            <a:schemeClr val="dk1"/>
+          </a:fillRef>
+          <a:effectRef idx="2">
+            <a:schemeClr val="dk1"/>
+          </a:effectRef>
+          <a:fontRef idx="minor">
+            <a:schemeClr val="tx1"/>
+          </a:fontRef>
+        </p:style>
+      </p:cxnSp>
+      <p:cxnSp>
+        <p:nvCxnSpPr>
+          <p:cNvPr id="30" name="直線矢印コネクタ 29"/>
+          <p:cNvCxnSpPr>
+            <a:stCxn id="14" idx="2"/>
+            <a:endCxn id="16" idx="0"/>
+          </p:cNvCxnSpPr>
+          <p:nvPr/>
+        </p:nvCxnSpPr>
+        <p:spPr>
+          <a:xfrm>
+            <a:off x="2132486" y="2844843"/>
+            <a:ext cx="0" cy="482307"/>
+          </a:xfrm>
+          <a:prstGeom prst="straightConnector1">
+            <a:avLst/>
+          </a:prstGeom>
+          <a:ln>
+            <a:tailEnd type="triangle"/>
+          </a:ln>
+        </p:spPr>
+        <p:style>
+          <a:lnRef idx="3">
+            <a:schemeClr val="dk1"/>
+          </a:lnRef>
+          <a:fillRef idx="0">
+            <a:schemeClr val="dk1"/>
+          </a:fillRef>
+          <a:effectRef idx="2">
+            <a:schemeClr val="dk1"/>
+          </a:effectRef>
+          <a:fontRef idx="minor">
+            <a:schemeClr val="tx1"/>
+          </a:fontRef>
+        </p:style>
+      </p:cxnSp>
+      <p:sp>
+        <p:nvSpPr>
+          <p:cNvPr id="32" name="正方形/長方形 31"/>
+          <p:cNvSpPr/>
+          <p:nvPr/>
+        </p:nvSpPr>
+        <p:spPr>
+          <a:xfrm>
+            <a:off x="4400550" y="238125"/>
+            <a:ext cx="4229100" cy="1452564"/>
+          </a:xfrm>
+          <a:prstGeom prst="rect">
+            <a:avLst/>
+          </a:prstGeom>
+          <a:ln w="19050"/>
+        </p:spPr>
+        <p:style>
+          <a:lnRef idx="2">
+            <a:schemeClr val="accent1"/>
+          </a:lnRef>
+          <a:fillRef idx="1">
+            <a:schemeClr val="lt1"/>
+          </a:fillRef>
+          <a:effectRef idx="0">
+            <a:schemeClr val="accent1"/>
+          </a:effectRef>
+          <a:fontRef idx="minor">
+            <a:schemeClr val="dk1"/>
+          </a:fontRef>
+        </p:style>
+        <p:txBody>
+          <a:bodyPr rtlCol="0" anchor="ctr"/>
+          <a:lstStyle/>
+          <a:p>
+            <a:pPr algn="just"/>
+            <a:r>
+              <a:rPr kumimoji="1" lang="ja-JP" altLang="en-US" dirty="0" smtClean="0"/>
+              <a:t>学習者が自身の</a:t>
+            </a:r>
+            <a:r>
+              <a:rPr kumimoji="1" lang="en-US" altLang="ja-JP" dirty="0" smtClean="0"/>
+              <a:t>WEB</a:t>
+            </a:r>
+            <a:r>
+              <a:rPr kumimoji="1" lang="ja-JP" altLang="en-US" dirty="0" smtClean="0"/>
+              <a:t>ブラウザにて問題をブロックプログラムで解くと共に，構文的に正しい</a:t>
+            </a:r>
+            <a:r>
+              <a:rPr lang="ja-JP" altLang="en-US" dirty="0" smtClean="0"/>
+              <a:t>コードを同時に</a:t>
+            </a:r>
+            <a:r>
+              <a:rPr lang="ja-JP" altLang="en-US" dirty="0" smtClean="0"/>
+              <a:t>表示</a:t>
+            </a:r>
+            <a:r>
+              <a:rPr lang="ja-JP" altLang="en-US" dirty="0" smtClean="0"/>
+              <a:t>す</a:t>
+            </a:r>
+            <a:r>
+              <a:rPr lang="ja-JP" altLang="en-US" dirty="0" smtClean="0"/>
+              <a:t>る</a:t>
+            </a:r>
+            <a:r>
+              <a:rPr lang="ja-JP" altLang="en-US" dirty="0" smtClean="0"/>
+              <a:t>ことで，論理的思考とコーディングを養う</a:t>
+            </a:r>
+            <a:endParaRPr kumimoji="1" lang="en-US" altLang="ja-JP" dirty="0" smtClean="0"/>
+          </a:p>
+        </p:txBody>
+      </p:sp>
+      <p:sp>
+        <p:nvSpPr>
+          <p:cNvPr id="33" name="正方形/長方形 32"/>
+          <p:cNvSpPr/>
+          <p:nvPr/>
+        </p:nvSpPr>
+        <p:spPr>
+          <a:xfrm>
+            <a:off x="1135549" y="4591050"/>
+            <a:ext cx="2023224" cy="971550"/>
+          </a:xfrm>
+          <a:prstGeom prst="rect">
+            <a:avLst/>
+          </a:prstGeom>
+        </p:spPr>
+        <p:style>
+          <a:lnRef idx="2">
+            <a:schemeClr val="dk1"/>
+          </a:lnRef>
+          <a:fillRef idx="1">
+            <a:schemeClr val="lt1"/>
+          </a:fillRef>
+          <a:effectRef idx="0">
+            <a:schemeClr val="dk1"/>
+          </a:effectRef>
+          <a:fontRef idx="minor">
+            <a:schemeClr val="dk1"/>
+          </a:fontRef>
+        </p:style>
+        <p:txBody>
+          <a:bodyPr rtlCol="0" anchor="ctr"/>
+          <a:lstStyle/>
+          <a:p>
+            <a:pPr algn="ctr"/>
+            <a:r>
+              <a:rPr lang="ja-JP" altLang="en-US" dirty="0" smtClean="0"/>
+              <a:t>正誤とコード</a:t>
+            </a:r>
+            <a:r>
+              <a:rPr lang="ja-JP" altLang="en-US" dirty="0" smtClean="0"/>
+              <a:t>を</a:t>
+            </a:r>
+            <a:endParaRPr lang="en-US" altLang="ja-JP" dirty="0" smtClean="0"/>
+          </a:p>
+          <a:p>
+            <a:pPr algn="ctr"/>
+            <a:r>
+              <a:rPr lang="ja-JP" altLang="en-US" dirty="0" smtClean="0"/>
+              <a:t>表示</a:t>
+            </a:r>
+            <a:endParaRPr kumimoji="1" lang="ja-JP" altLang="en-US" dirty="0"/>
+          </a:p>
+        </p:txBody>
+      </p:sp>
+      <p:cxnSp>
+        <p:nvCxnSpPr>
+          <p:cNvPr id="37" name="直線矢印コネクタ 36"/>
+          <p:cNvCxnSpPr>
+            <a:stCxn id="20" idx="1"/>
+            <a:endCxn id="33" idx="3"/>
+          </p:cNvCxnSpPr>
+          <p:nvPr/>
+        </p:nvCxnSpPr>
+        <p:spPr>
+          <a:xfrm flipH="1">
+            <a:off x="3158773" y="5056110"/>
+            <a:ext cx="2075143" cy="20715"/>
+          </a:xfrm>
+          <a:prstGeom prst="straightConnector1">
+            <a:avLst/>
+          </a:prstGeom>
+          <a:ln>
+            <a:tailEnd type="triangle"/>
+          </a:ln>
+        </p:spPr>
+        <p:style>
+          <a:lnRef idx="3">
+            <a:schemeClr val="dk1"/>
+          </a:lnRef>
+          <a:fillRef idx="0">
+            <a:schemeClr val="dk1"/>
+          </a:fillRef>
+          <a:effectRef idx="2">
+            <a:schemeClr val="dk1"/>
+          </a:effectRef>
+          <a:fontRef idx="minor">
+            <a:schemeClr val="tx1"/>
+          </a:fontRef>
+        </p:style>
+      </p:cxnSp>
+      <p:cxnSp>
+        <p:nvCxnSpPr>
+          <p:cNvPr id="39" name="直線矢印コネクタ 38"/>
+          <p:cNvCxnSpPr>
+            <a:endCxn id="16" idx="2"/>
+          </p:cNvCxnSpPr>
+          <p:nvPr/>
+        </p:nvCxnSpPr>
+        <p:spPr>
+          <a:xfrm flipH="1" flipV="1">
+            <a:off x="2132486" y="4280736"/>
+            <a:ext cx="17757" cy="304800"/>
+          </a:xfrm>
+          <a:prstGeom prst="straightConnector1">
+            <a:avLst/>
+          </a:prstGeom>
+          <a:ln>
+            <a:tailEnd type="triangle"/>
+          </a:ln>
+        </p:spPr>
+        <p:style>
+          <a:lnRef idx="3">
+            <a:schemeClr val="dk1"/>
+          </a:lnRef>
+          <a:fillRef idx="0">
+            <a:schemeClr val="dk1"/>
+          </a:fillRef>
+          <a:effectRef idx="2">
+            <a:schemeClr val="dk1"/>
+          </a:effectRef>
+          <a:fontRef idx="minor">
+            <a:schemeClr val="tx1"/>
+          </a:fontRef>
+        </p:style>
+      </p:cxnSp>
     </p:spTree>
     <p:extLst>
       <p:ext uri="{BB962C8B-B14F-4D97-AF65-F5344CB8AC3E}">
-        <p14:creationId xmlns:p14="http://schemas.microsoft.com/office/powerpoint/2010/main" val="1724661356"/>
+        <p14:creationId xmlns:p14="http://schemas.microsoft.com/office/powerpoint/2010/main" val="783922636"/>
       </p:ext>
     </p:extLst>
   </p:cSld>

--- a/1821121_shimaoka_tyuukan.pptx
+++ b/1821121_shimaoka_tyuukan.pptx
@@ -6064,8 +6064,8 @@
               <a:t>「</a:t>
             </a:r>
             <a:r>
-              <a:rPr lang="en-US" altLang="ja-JP" dirty="0" smtClean="0"/>
-              <a:t>Blackly</a:t>
+              <a:rPr lang="en-US" altLang="ja-JP" dirty="0" err="1" smtClean="0"/>
+              <a:t>Blockly</a:t>
             </a:r>
             <a:r>
               <a:rPr lang="ja-JP" altLang="en-US" dirty="0" smtClean="0"/>
@@ -6084,8 +6084,8 @@
               <a:t>「</a:t>
             </a:r>
             <a:r>
-              <a:rPr kumimoji="1" lang="en-US" altLang="ja-JP" dirty="0" smtClean="0"/>
-              <a:t>Blocky</a:t>
+              <a:rPr kumimoji="1" lang="en-US" altLang="ja-JP" dirty="0" err="1" smtClean="0"/>
+              <a:t>Blockly</a:t>
             </a:r>
             <a:r>
               <a:rPr kumimoji="1" lang="ja-JP" altLang="en-US" dirty="0" smtClean="0"/>

--- a/1821121_shimaoka_tyuukan.pptx
+++ b/1821121_shimaoka_tyuukan.pptx
@@ -5,10 +5,10 @@
     <p:sldMasterId id="2147483660" r:id="rId1"/>
   </p:sldMasterIdLst>
   <p:notesMasterIdLst>
-    <p:notesMasterId r:id="rId13"/>
+    <p:notesMasterId r:id="rId12"/>
   </p:notesMasterIdLst>
   <p:handoutMasterIdLst>
-    <p:handoutMasterId r:id="rId14"/>
+    <p:handoutMasterId r:id="rId13"/>
   </p:handoutMasterIdLst>
   <p:sldIdLst>
     <p:sldId id="257" r:id="rId2"/>
@@ -16,12 +16,11 @@
     <p:sldId id="258" r:id="rId4"/>
     <p:sldId id="259" r:id="rId5"/>
     <p:sldId id="262" r:id="rId6"/>
-    <p:sldId id="265" r:id="rId7"/>
-    <p:sldId id="261" r:id="rId8"/>
-    <p:sldId id="263" r:id="rId9"/>
-    <p:sldId id="266" r:id="rId10"/>
-    <p:sldId id="264" r:id="rId11"/>
-    <p:sldId id="256" r:id="rId12"/>
+    <p:sldId id="261" r:id="rId7"/>
+    <p:sldId id="266" r:id="rId8"/>
+    <p:sldId id="264" r:id="rId9"/>
+    <p:sldId id="256" r:id="rId10"/>
+    <p:sldId id="263" r:id="rId11"/>
   </p:sldIdLst>
   <p:sldSz cx="9144000" cy="6858000" type="screen4x3"/>
   <p:notesSz cx="6858000" cy="9144000"/>
@@ -1006,7 +1005,7 @@
           <a:p>
             <a:fld id="{9D828324-DCC9-430F-AD2C-1DD1805E2C40}" type="slidenum">
               <a:rPr kumimoji="1" lang="ja-JP" altLang="en-US" smtClean="0"/>
-              <a:t>8</a:t>
+              <a:t>7</a:t>
             </a:fld>
             <a:endParaRPr kumimoji="1" lang="ja-JP" altLang="en-US" dirty="0"/>
           </a:p>
@@ -1015,7 +1014,7 @@
     </p:spTree>
     <p:extLst>
       <p:ext uri="{BB962C8B-B14F-4D97-AF65-F5344CB8AC3E}">
-        <p14:creationId xmlns:p14="http://schemas.microsoft.com/office/powerpoint/2010/main" val="2128498725"/>
+        <p14:creationId xmlns:p14="http://schemas.microsoft.com/office/powerpoint/2010/main" val="2799924096"/>
       </p:ext>
     </p:extLst>
   </p:cSld>
@@ -1052,7 +1051,12 @@
             <p:ph type="sldImg"/>
           </p:nvPr>
         </p:nvSpPr>
-        <p:spPr/>
+        <p:spPr>
+          <a:xfrm>
+            <a:off x="1371600" y="1143000"/>
+            <a:ext cx="4114800" cy="3086100"/>
+          </a:xfrm>
+        </p:spPr>
       </p:sp>
       <p:sp>
         <p:nvSpPr>
@@ -1099,7 +1103,7 @@
     </p:spTree>
     <p:extLst>
       <p:ext uri="{BB962C8B-B14F-4D97-AF65-F5344CB8AC3E}">
-        <p14:creationId xmlns:p14="http://schemas.microsoft.com/office/powerpoint/2010/main" val="2799924096"/>
+        <p14:creationId xmlns:p14="http://schemas.microsoft.com/office/powerpoint/2010/main" val="937322828"/>
       </p:ext>
     </p:extLst>
   </p:cSld>
@@ -1136,12 +1140,7 @@
             <p:ph type="sldImg"/>
           </p:nvPr>
         </p:nvSpPr>
-        <p:spPr>
-          <a:xfrm>
-            <a:off x="1371600" y="1143000"/>
-            <a:ext cx="4114800" cy="3086100"/>
-          </a:xfrm>
-        </p:spPr>
+        <p:spPr/>
       </p:sp>
       <p:sp>
         <p:nvSpPr>
@@ -1179,7 +1178,7 @@
           <a:p>
             <a:fld id="{9D828324-DCC9-430F-AD2C-1DD1805E2C40}" type="slidenum">
               <a:rPr kumimoji="1" lang="ja-JP" altLang="en-US" smtClean="0"/>
-              <a:t>11</a:t>
+              <a:t>10</a:t>
             </a:fld>
             <a:endParaRPr kumimoji="1" lang="ja-JP" altLang="en-US" dirty="0"/>
           </a:p>
@@ -1188,7 +1187,7 @@
     </p:spTree>
     <p:extLst>
       <p:ext uri="{BB962C8B-B14F-4D97-AF65-F5344CB8AC3E}">
-        <p14:creationId xmlns:p14="http://schemas.microsoft.com/office/powerpoint/2010/main" val="937322828"/>
+        <p14:creationId xmlns:p14="http://schemas.microsoft.com/office/powerpoint/2010/main" val="2128498725"/>
       </p:ext>
     </p:extLst>
   </p:cSld>
@@ -4414,15 +4413,7 @@
             </a:r>
             <a:r>
               <a:rPr lang="ja-JP" altLang="en-US" dirty="0" smtClean="0"/>
-              <a:t>年以降に</a:t>
-            </a:r>
-            <a:r>
-              <a:rPr lang="ja-JP" altLang="en-US" dirty="0" smtClean="0"/>
-              <a:t>小学校</a:t>
-            </a:r>
-            <a:r>
-              <a:rPr lang="ja-JP" altLang="en-US" dirty="0" smtClean="0"/>
-              <a:t>，中学校</a:t>
+              <a:t>年以降小学校，中学校</a:t>
             </a:r>
             <a:r>
               <a:rPr lang="ja-JP" altLang="en-US" dirty="0"/>
@@ -4458,35 +4449,27 @@
             </a:r>
             <a:r>
               <a:rPr kumimoji="1" lang="ja-JP" altLang="en-US" dirty="0" smtClean="0"/>
-              <a:t>プログラミング</a:t>
-            </a:r>
-            <a:r>
-              <a:rPr kumimoji="1" lang="ja-JP" altLang="en-US" dirty="0" smtClean="0"/>
-              <a:t>教育の必修化は</a:t>
+              <a:t>プログラミング教育を必修とする目的は</a:t>
+            </a:r>
+            <a:r>
+              <a:rPr lang="ja-JP" altLang="en-US" dirty="0" smtClean="0"/>
+              <a:t>，</a:t>
+            </a:r>
+            <a:r>
+              <a:rPr lang="ja-JP" altLang="en-US" dirty="0" smtClean="0"/>
+              <a:t>現代社会で普遍的</a:t>
             </a:r>
             <a:r>
               <a:rPr lang="ja-JP" altLang="en-US" dirty="0"/>
-              <a:t>，</a:t>
-            </a:r>
-            <a:r>
-              <a:rPr kumimoji="1" lang="ja-JP" altLang="en-US" dirty="0" smtClean="0"/>
-              <a:t>プログラマーを育てることが目的ではなく</a:t>
+              <a:t>に求められる力として</a:t>
             </a:r>
             <a:r>
               <a:rPr lang="ja-JP" altLang="en-US" dirty="0" smtClean="0"/>
-              <a:t>，現代社会で普遍的</a:t>
+              <a:t>の論理的思考など</a:t>
             </a:r>
             <a:r>
               <a:rPr lang="ja-JP" altLang="en-US" dirty="0"/>
-              <a:t>に求められる力としての</a:t>
-            </a:r>
-            <a:r>
-              <a:rPr lang="ja-JP" altLang="en-US" dirty="0" smtClean="0"/>
-              <a:t>「論理的</a:t>
-            </a:r>
-            <a:r>
-              <a:rPr lang="ja-JP" altLang="en-US" dirty="0"/>
-              <a:t>思考」などを育む</a:t>
+              <a:t>を育む</a:t>
             </a:r>
             <a:r>
               <a:rPr lang="ja-JP" altLang="en-US" dirty="0" smtClean="0"/>
@@ -4532,7 +4515,7 @@
         <p:spPr>
           <a:xfrm>
             <a:off x="0" y="0"/>
-            <a:ext cx="9144000" cy="1873129"/>
+            <a:ext cx="9144000" cy="1784601"/>
           </a:xfrm>
           <a:prstGeom prst="rect">
             <a:avLst/>
@@ -4591,26 +4574,26 @@
             </a:r>
             <a:r>
               <a:rPr lang="ja-JP" altLang="en-US" sz="3200" dirty="0"/>
-              <a:t>を身に着けるための研究</a:t>
+              <a:t>を身に着けるための</a:t>
+            </a:r>
+            <a:r>
+              <a:rPr lang="ja-JP" altLang="en-US" sz="3200" dirty="0" smtClean="0"/>
+              <a:t>研究</a:t>
+            </a:r>
+            <a:r>
+              <a:rPr lang="ja-JP" altLang="en-US" sz="3200" dirty="0"/>
+              <a:t/>
             </a:r>
             <a:br>
               <a:rPr lang="ja-JP" altLang="en-US" sz="3200" dirty="0"/>
             </a:br>
-            <a:endParaRPr lang="en-US" altLang="ja-JP" dirty="0" smtClean="0"/>
-          </a:p>
-          <a:p>
-            <a:pPr algn="ctr"/>
+            <a:r>
+              <a:rPr lang="en-US" altLang="ja-JP" dirty="0" smtClean="0"/>
+              <a:t>1821121 </a:t>
+            </a:r>
             <a:r>
               <a:rPr lang="ja-JP" altLang="en-US" dirty="0" smtClean="0"/>
-              <a:t>氏名</a:t>
-            </a:r>
-            <a:r>
-              <a:rPr lang="ja-JP" altLang="en-US" dirty="0"/>
-              <a:t>：島岡</a:t>
-            </a:r>
-            <a:r>
-              <a:rPr lang="ja-JP" altLang="en-US" dirty="0" smtClean="0"/>
-              <a:t>慎也　指導</a:t>
+              <a:t>島岡慎也　指導</a:t>
             </a:r>
             <a:r>
               <a:rPr lang="ja-JP" altLang="en-US" dirty="0"/>
@@ -4702,22 +4685,9 @@
           <a:bodyPr/>
           <a:lstStyle/>
           <a:p>
-            <a:pPr algn="just"/>
-            <a:r>
-              <a:rPr lang="ja-JP" altLang="en-US" dirty="0"/>
-              <a:t>進捗</a:t>
-            </a:r>
-            <a:r>
-              <a:rPr lang="ja-JP" altLang="en-US" dirty="0" smtClean="0"/>
-              <a:t>状況と</a:t>
-            </a:r>
-            <a:r>
-              <a:rPr kumimoji="1" lang="ja-JP" altLang="en-US" dirty="0" smtClean="0"/>
-              <a:t>今後</a:t>
-            </a:r>
             <a:r>
               <a:rPr kumimoji="1" lang="ja-JP" altLang="en-US" dirty="0"/>
-              <a:t>のスケジュール</a:t>
+              <a:t>提案方式</a:t>
             </a:r>
           </a:p>
         </p:txBody>
@@ -4732,70 +4702,1109 @@
             <p:ph idx="1"/>
           </p:nvPr>
         </p:nvSpPr>
-        <p:spPr>
-          <a:xfrm>
-            <a:off x="628650" y="4259412"/>
-            <a:ext cx="7886700" cy="3146008"/>
-          </a:xfrm>
-        </p:spPr>
+        <p:spPr/>
         <p:txBody>
           <a:bodyPr>
             <a:normAutofit/>
           </a:bodyPr>
           <a:lstStyle/>
           <a:p>
+            <a:pPr algn="just"/>
+            <a:r>
+              <a:rPr lang="ja-JP" altLang="en-US" sz="2600" dirty="0" smtClean="0"/>
+              <a:t>学習者が</a:t>
+            </a:r>
+            <a:r>
+              <a:rPr lang="en-US" altLang="ja-JP" sz="2600" dirty="0" smtClean="0"/>
+              <a:t>WEB</a:t>
+            </a:r>
+            <a:r>
+              <a:rPr lang="ja-JP" altLang="en-US" sz="2600" dirty="0" smtClean="0"/>
+              <a:t>ブラウザ上で作業を完結</a:t>
+            </a:r>
+            <a:r>
+              <a:rPr lang="ja-JP" altLang="en-US" sz="2600" dirty="0" smtClean="0"/>
+              <a:t>できる．</a:t>
+            </a:r>
+            <a:endParaRPr lang="en-US" altLang="ja-JP" sz="2600" dirty="0" smtClean="0"/>
+          </a:p>
+          <a:p>
+            <a:pPr algn="just"/>
+            <a:r>
+              <a:rPr lang="ja-JP" altLang="en-US" sz="2600" dirty="0" smtClean="0"/>
+              <a:t>問題</a:t>
+            </a:r>
+            <a:r>
+              <a:rPr lang="ja-JP" altLang="en-US" sz="2600" dirty="0" smtClean="0"/>
+              <a:t>文やヒントなどを充実</a:t>
+            </a:r>
+            <a:r>
+              <a:rPr lang="ja-JP" altLang="en-US" sz="2600" dirty="0" smtClean="0"/>
+              <a:t>させて，学習者の効率的な論理的</a:t>
+            </a:r>
+            <a:r>
+              <a:rPr lang="ja-JP" altLang="en-US" sz="2600" dirty="0" smtClean="0"/>
+              <a:t>思考を</a:t>
+            </a:r>
+            <a:r>
+              <a:rPr lang="ja-JP" altLang="en-US" sz="2600" dirty="0" smtClean="0"/>
+              <a:t>養う．</a:t>
+            </a:r>
+            <a:endParaRPr lang="en-US" altLang="ja-JP" sz="2600" dirty="0" smtClean="0"/>
+          </a:p>
+          <a:p>
+            <a:pPr algn="just"/>
+            <a:r>
+              <a:rPr lang="ja-JP" altLang="en-US" sz="2600" dirty="0"/>
+              <a:t>プログラムの構文を覚えるために，穴埋め問題などを利用</a:t>
+            </a:r>
+            <a:r>
+              <a:rPr lang="ja-JP" altLang="en-US" sz="2600" dirty="0" smtClean="0"/>
+              <a:t>し，より</a:t>
+            </a:r>
+            <a:r>
+              <a:rPr lang="ja-JP" altLang="en-US" sz="2600" dirty="0"/>
+              <a:t>プログラミングにユーザが慣れていける環境を</a:t>
+            </a:r>
+            <a:r>
+              <a:rPr lang="ja-JP" altLang="en-US" sz="2600" dirty="0" smtClean="0"/>
+              <a:t>提案．</a:t>
+            </a:r>
+            <a:endParaRPr lang="en-US" altLang="ja-JP" sz="2600" dirty="0"/>
+          </a:p>
+          <a:p>
+            <a:pPr algn="just"/>
+            <a:r>
+              <a:rPr lang="en-US" altLang="ja-JP" sz="2600" dirty="0" err="1" smtClean="0"/>
+              <a:t>Blockly</a:t>
+            </a:r>
+            <a:r>
+              <a:rPr lang="ja-JP" altLang="en-US" sz="2600" dirty="0" smtClean="0"/>
+              <a:t>によるコードジェネレート機能を利用</a:t>
+            </a:r>
+            <a:r>
+              <a:rPr lang="ja-JP" altLang="en-US" sz="2600" dirty="0" smtClean="0"/>
+              <a:t>し，プログラミング</a:t>
+            </a:r>
+            <a:r>
+              <a:rPr lang="ja-JP" altLang="en-US" sz="2600" dirty="0" smtClean="0"/>
+              <a:t>言語の</a:t>
+            </a:r>
+            <a:r>
+              <a:rPr lang="ja-JP" altLang="en-US" sz="2600" dirty="0" smtClean="0"/>
+              <a:t>構文への</a:t>
+            </a:r>
+            <a:r>
+              <a:rPr lang="ja-JP" altLang="en-US" sz="2600" dirty="0" smtClean="0"/>
+              <a:t>理解を深められるシステムを</a:t>
+            </a:r>
+            <a:r>
+              <a:rPr lang="ja-JP" altLang="en-US" sz="2600" dirty="0" smtClean="0"/>
+              <a:t>提案．</a:t>
+            </a:r>
+            <a:endParaRPr lang="en-US" altLang="ja-JP" sz="2600" dirty="0"/>
+          </a:p>
+          <a:p>
+            <a:pPr algn="just"/>
+            <a:endParaRPr kumimoji="1" lang="ja-JP" altLang="en-US" sz="2600" dirty="0"/>
+          </a:p>
+        </p:txBody>
+      </p:sp>
+      <p:sp>
+        <p:nvSpPr>
+          <p:cNvPr id="4" name="スライド番号プレースホルダー 3"/>
+          <p:cNvSpPr>
+            <a:spLocks noGrp="1"/>
+          </p:cNvSpPr>
+          <p:nvPr>
+            <p:ph type="sldNum" sz="quarter" idx="12"/>
+          </p:nvPr>
+        </p:nvSpPr>
+        <p:spPr/>
+        <p:txBody>
+          <a:bodyPr/>
+          <a:lstStyle/>
+          <a:p>
+            <a:fld id="{B4451160-128F-4DAD-AE29-4A8CC0E7B9E9}" type="slidenum">
+              <a:rPr kumimoji="1" lang="ja-JP" altLang="en-US" smtClean="0"/>
+              <a:t>10</a:t>
+            </a:fld>
+            <a:endParaRPr kumimoji="1" lang="ja-JP" altLang="en-US" dirty="0"/>
+          </a:p>
+        </p:txBody>
+      </p:sp>
+    </p:spTree>
+    <p:extLst>
+      <p:ext uri="{BB962C8B-B14F-4D97-AF65-F5344CB8AC3E}">
+        <p14:creationId xmlns:p14="http://schemas.microsoft.com/office/powerpoint/2010/main" val="1724661356"/>
+      </p:ext>
+    </p:extLst>
+  </p:cSld>
+  <p:clrMapOvr>
+    <a:masterClrMapping/>
+  </p:clrMapOvr>
+  <p:timing>
+    <p:tnLst>
+      <p:par>
+        <p:cTn id="1" dur="indefinite" restart="never" nodeType="tmRoot"/>
+      </p:par>
+    </p:tnLst>
+  </p:timing>
+</p:sld>
+</file>
+
+<file path=ppt/slides/slide2.xml><?xml version="1.0" encoding="utf-8"?>
+<p:sld xmlns:a="http://schemas.openxmlformats.org/drawingml/2006/main" xmlns:r="http://schemas.openxmlformats.org/officeDocument/2006/relationships" xmlns:p="http://schemas.openxmlformats.org/presentationml/2006/main">
+  <p:cSld>
+    <p:spTree>
+      <p:nvGrpSpPr>
+        <p:cNvPr id="1" name=""/>
+        <p:cNvGrpSpPr/>
+        <p:nvPr/>
+      </p:nvGrpSpPr>
+      <p:grpSpPr>
+        <a:xfrm>
+          <a:off x="0" y="0"/>
+          <a:ext cx="0" cy="0"/>
+          <a:chOff x="0" y="0"/>
+          <a:chExt cx="0" cy="0"/>
+        </a:xfrm>
+      </p:grpSpPr>
+      <p:sp>
+        <p:nvSpPr>
+          <p:cNvPr id="2" name="タイトル 1"/>
+          <p:cNvSpPr>
+            <a:spLocks noGrp="1"/>
+          </p:cNvSpPr>
+          <p:nvPr>
+            <p:ph type="title"/>
+          </p:nvPr>
+        </p:nvSpPr>
+        <p:spPr/>
+        <p:txBody>
+          <a:bodyPr/>
+          <a:lstStyle/>
+          <a:p>
+            <a:r>
+              <a:rPr kumimoji="1" lang="ja-JP" altLang="en-US" dirty="0"/>
+              <a:t>研究動機</a:t>
+            </a:r>
+          </a:p>
+        </p:txBody>
+      </p:sp>
+      <p:sp>
+        <p:nvSpPr>
+          <p:cNvPr id="3" name="コンテンツ プレースホルダー 2"/>
+          <p:cNvSpPr>
+            <a:spLocks noGrp="1"/>
+          </p:cNvSpPr>
+          <p:nvPr>
+            <p:ph idx="1"/>
+          </p:nvPr>
+        </p:nvSpPr>
+        <p:spPr>
+          <a:xfrm>
+            <a:off x="628650" y="1825625"/>
+            <a:ext cx="7886700" cy="3583137"/>
+          </a:xfrm>
+        </p:spPr>
+        <p:txBody>
+          <a:bodyPr>
+            <a:normAutofit/>
+          </a:bodyPr>
+          <a:lstStyle/>
+          <a:p>
+            <a:pPr algn="just"/>
+            <a:r>
+              <a:rPr lang="ja-JP" altLang="en-US" dirty="0" smtClean="0"/>
+              <a:t>学習者が教科書</a:t>
+            </a:r>
+            <a:r>
+              <a:rPr lang="ja-JP" altLang="en-US" dirty="0"/>
+              <a:t>を読み進めるだけ</a:t>
+            </a:r>
+            <a:r>
+              <a:rPr lang="ja-JP" altLang="en-US" dirty="0" smtClean="0"/>
+              <a:t>ではなく，</a:t>
+            </a:r>
+            <a:r>
+              <a:rPr lang="ja-JP" altLang="en-US" dirty="0" smtClean="0"/>
+              <a:t>プログラミングに実際に触れる</a:t>
+            </a:r>
+            <a:r>
+              <a:rPr lang="ja-JP" altLang="en-US" dirty="0"/>
+              <a:t>ことで，論理的思考を身に</a:t>
+            </a:r>
+            <a:r>
+              <a:rPr lang="ja-JP" altLang="en-US" dirty="0" smtClean="0"/>
+              <a:t>着けられる環境</a:t>
+            </a:r>
+            <a:r>
+              <a:rPr lang="ja-JP" altLang="en-US" dirty="0"/>
+              <a:t>を</a:t>
+            </a:r>
+            <a:r>
+              <a:rPr lang="ja-JP" altLang="en-US" dirty="0" smtClean="0"/>
+              <a:t>作成したいと</a:t>
+            </a:r>
+            <a:r>
+              <a:rPr lang="ja-JP" altLang="en-US" dirty="0"/>
+              <a:t>考えた</a:t>
+            </a:r>
+            <a:r>
+              <a:rPr lang="ja-JP" altLang="en-US" dirty="0" smtClean="0"/>
+              <a:t>．</a:t>
+            </a:r>
+            <a:endParaRPr lang="en-US" altLang="ja-JP" dirty="0" smtClean="0"/>
+          </a:p>
+          <a:p>
+            <a:pPr algn="just"/>
+            <a:r>
+              <a:rPr lang="ja-JP" altLang="en-US" dirty="0" smtClean="0"/>
+              <a:t>ブロックプログラミングを利用することにより，学習</a:t>
+            </a:r>
+            <a:r>
+              <a:rPr lang="ja-JP" altLang="en-US" dirty="0" smtClean="0"/>
+              <a:t>の初期</a:t>
+            </a:r>
+            <a:r>
+              <a:rPr lang="ja-JP" altLang="en-US" dirty="0" smtClean="0"/>
+              <a:t>段階で</a:t>
+            </a:r>
+            <a:r>
+              <a:rPr lang="ja-JP" altLang="en-US" dirty="0" smtClean="0"/>
+              <a:t>プログラム言語の構文</a:t>
+            </a:r>
+            <a:r>
+              <a:rPr lang="ja-JP" altLang="en-US" dirty="0"/>
+              <a:t>への</a:t>
+            </a:r>
+            <a:r>
+              <a:rPr lang="ja-JP" altLang="en-US" dirty="0" smtClean="0"/>
+              <a:t>理解が浅い状態でもコードを実行</a:t>
+            </a:r>
+            <a:r>
+              <a:rPr lang="ja-JP" altLang="en-US" dirty="0" smtClean="0"/>
+              <a:t>することができる</a:t>
+            </a:r>
+            <a:r>
+              <a:rPr lang="ja-JP" altLang="en-US" dirty="0" smtClean="0"/>
+              <a:t>．</a:t>
+            </a:r>
+            <a:endParaRPr lang="en-US" altLang="ja-JP" dirty="0" smtClean="0"/>
+          </a:p>
+          <a:p>
+            <a:pPr algn="just"/>
+            <a:r>
+              <a:rPr lang="en-US" altLang="ja-JP" dirty="0" err="1" smtClean="0"/>
+              <a:t>Blockly</a:t>
+            </a:r>
+            <a:r>
+              <a:rPr lang="ja-JP" altLang="en-US" dirty="0" smtClean="0"/>
+              <a:t>の</a:t>
+            </a:r>
+            <a:r>
+              <a:rPr lang="ja-JP" altLang="en-US" dirty="0"/>
+              <a:t>コードジェネレート機能を</a:t>
+            </a:r>
+            <a:r>
+              <a:rPr lang="ja-JP" altLang="en-US" dirty="0" smtClean="0"/>
+              <a:t>用いることで，</a:t>
+            </a:r>
+            <a:r>
+              <a:rPr lang="ja-JP" altLang="en-US" dirty="0"/>
+              <a:t>プログラム</a:t>
+            </a:r>
+            <a:r>
+              <a:rPr lang="ja-JP" altLang="en-US" dirty="0" smtClean="0"/>
+              <a:t>の構文への理解につながる．</a:t>
+            </a:r>
+            <a:endParaRPr lang="en-US" altLang="ja-JP" dirty="0"/>
+          </a:p>
+        </p:txBody>
+      </p:sp>
+      <p:sp>
+        <p:nvSpPr>
+          <p:cNvPr id="4" name="スライド番号プレースホルダー 3"/>
+          <p:cNvSpPr>
+            <a:spLocks noGrp="1"/>
+          </p:cNvSpPr>
+          <p:nvPr>
+            <p:ph type="sldNum" sz="quarter" idx="12"/>
+          </p:nvPr>
+        </p:nvSpPr>
+        <p:spPr/>
+        <p:txBody>
+          <a:bodyPr/>
+          <a:lstStyle/>
+          <a:p>
+            <a:fld id="{B4451160-128F-4DAD-AE29-4A8CC0E7B9E9}" type="slidenum">
+              <a:rPr kumimoji="1" lang="ja-JP" altLang="en-US" smtClean="0"/>
+              <a:t>2</a:t>
+            </a:fld>
+            <a:endParaRPr kumimoji="1" lang="ja-JP" altLang="en-US" dirty="0"/>
+          </a:p>
+        </p:txBody>
+      </p:sp>
+    </p:spTree>
+    <p:extLst>
+      <p:ext uri="{BB962C8B-B14F-4D97-AF65-F5344CB8AC3E}">
+        <p14:creationId xmlns:p14="http://schemas.microsoft.com/office/powerpoint/2010/main" val="3482704347"/>
+      </p:ext>
+    </p:extLst>
+  </p:cSld>
+  <p:clrMapOvr>
+    <a:masterClrMapping/>
+  </p:clrMapOvr>
+  <p:timing>
+    <p:tnLst>
+      <p:par>
+        <p:cTn id="1" dur="indefinite" restart="never" nodeType="tmRoot"/>
+      </p:par>
+    </p:tnLst>
+  </p:timing>
+</p:sld>
+</file>
+
+<file path=ppt/slides/slide3.xml><?xml version="1.0" encoding="utf-8"?>
+<p:sld xmlns:a="http://schemas.openxmlformats.org/drawingml/2006/main" xmlns:r="http://schemas.openxmlformats.org/officeDocument/2006/relationships" xmlns:p="http://schemas.openxmlformats.org/presentationml/2006/main">
+  <p:cSld>
+    <p:spTree>
+      <p:nvGrpSpPr>
+        <p:cNvPr id="1" name=""/>
+        <p:cNvGrpSpPr/>
+        <p:nvPr/>
+      </p:nvGrpSpPr>
+      <p:grpSpPr>
+        <a:xfrm>
+          <a:off x="0" y="0"/>
+          <a:ext cx="0" cy="0"/>
+          <a:chOff x="0" y="0"/>
+          <a:chExt cx="0" cy="0"/>
+        </a:xfrm>
+      </p:grpSpPr>
+      <p:sp>
+        <p:nvSpPr>
+          <p:cNvPr id="2" name="タイトル 1"/>
+          <p:cNvSpPr>
+            <a:spLocks noGrp="1"/>
+          </p:cNvSpPr>
+          <p:nvPr>
+            <p:ph type="title"/>
+          </p:nvPr>
+        </p:nvSpPr>
+        <p:spPr/>
+        <p:txBody>
+          <a:bodyPr/>
+          <a:lstStyle/>
+          <a:p>
+            <a:r>
+              <a:rPr kumimoji="1" lang="ja-JP" altLang="en-US" dirty="0"/>
+              <a:t>関連研究</a:t>
+            </a:r>
+          </a:p>
+        </p:txBody>
+      </p:sp>
+      <p:sp>
+        <p:nvSpPr>
+          <p:cNvPr id="3" name="コンテンツ プレースホルダー 2"/>
+          <p:cNvSpPr>
+            <a:spLocks noGrp="1"/>
+          </p:cNvSpPr>
+          <p:nvPr>
+            <p:ph idx="1"/>
+          </p:nvPr>
+        </p:nvSpPr>
+        <p:spPr/>
+        <p:txBody>
+          <a:bodyPr>
+            <a:normAutofit/>
+          </a:bodyPr>
+          <a:lstStyle/>
+          <a:p>
+            <a:pPr algn="just"/>
+            <a:r>
+              <a:rPr lang="ja-JP" altLang="en-US" dirty="0"/>
+              <a:t>論理的</a:t>
+            </a:r>
+            <a:r>
+              <a:rPr lang="ja-JP" altLang="en-US" dirty="0" smtClean="0"/>
+              <a:t>思考に関連</a:t>
+            </a:r>
+            <a:endParaRPr lang="en-US" altLang="ja-JP" dirty="0" smtClean="0"/>
+          </a:p>
+          <a:p>
+            <a:pPr lvl="1" algn="just"/>
+            <a:r>
+              <a:rPr lang="en-US" altLang="ja-JP" dirty="0" smtClean="0"/>
+              <a:t>[</a:t>
+            </a:r>
+            <a:r>
+              <a:rPr lang="ja-JP" altLang="en-US" dirty="0"/>
+              <a:t>溝上</a:t>
+            </a:r>
+            <a:r>
+              <a:rPr lang="en-US" altLang="ja-JP" dirty="0" smtClean="0"/>
+              <a:t>2021</a:t>
+            </a:r>
+            <a:r>
+              <a:rPr lang="en-US" altLang="ja-JP" dirty="0" smtClean="0"/>
+              <a:t>]</a:t>
+            </a:r>
+            <a:r>
+              <a:rPr lang="ja-JP" altLang="en-US" dirty="0" smtClean="0"/>
+              <a:t>溝上 大樹</a:t>
+            </a:r>
+            <a:r>
+              <a:rPr lang="ja-JP" altLang="en-US" dirty="0" smtClean="0"/>
+              <a:t>「論理的</a:t>
+            </a:r>
+            <a:r>
+              <a:rPr lang="ja-JP" altLang="en-US" dirty="0"/>
+              <a:t>思考力を育成する国語科授業の</a:t>
+            </a:r>
+            <a:r>
+              <a:rPr lang="ja-JP" altLang="en-US" dirty="0" smtClean="0"/>
+              <a:t>検証」</a:t>
+            </a:r>
+            <a:endParaRPr lang="en-US" altLang="ja-JP" dirty="0" smtClean="0">
+              <a:latin typeface="+mn-ea"/>
+            </a:endParaRPr>
+          </a:p>
+          <a:p>
+            <a:pPr lvl="1" algn="just"/>
+            <a:r>
+              <a:rPr lang="en-US" altLang="ja-JP" dirty="0" smtClean="0">
+                <a:latin typeface="+mn-ea"/>
+              </a:rPr>
+              <a:t>[</a:t>
+            </a:r>
+            <a:r>
+              <a:rPr lang="ja-JP" altLang="en-US" dirty="0">
+                <a:latin typeface="+mn-ea"/>
+              </a:rPr>
+              <a:t>道田</a:t>
+            </a:r>
+            <a:r>
+              <a:rPr lang="en-US" altLang="ja-JP" dirty="0" smtClean="0">
+                <a:latin typeface="+mn-ea"/>
+              </a:rPr>
+              <a:t>2003</a:t>
+            </a:r>
+            <a:r>
+              <a:rPr lang="en-US" altLang="ja-JP" dirty="0" smtClean="0">
+                <a:latin typeface="+mn-ea"/>
+              </a:rPr>
+              <a:t>]</a:t>
+            </a:r>
+            <a:r>
+              <a:rPr lang="ja-JP" altLang="en-US" dirty="0" smtClean="0">
+                <a:latin typeface="+mn-ea"/>
+              </a:rPr>
+              <a:t>道田</a:t>
+            </a:r>
+            <a:r>
+              <a:rPr lang="en-US" altLang="ja-JP" dirty="0">
+                <a:latin typeface="+mn-ea"/>
+              </a:rPr>
+              <a:t> </a:t>
+            </a:r>
+            <a:r>
+              <a:rPr lang="ja-JP" altLang="en-US" dirty="0" smtClean="0">
+                <a:latin typeface="+mn-ea"/>
+              </a:rPr>
+              <a:t>泰司「論理的</a:t>
+            </a:r>
+            <a:r>
+              <a:rPr lang="ja-JP" altLang="en-US" dirty="0">
+                <a:latin typeface="+mn-ea"/>
+              </a:rPr>
+              <a:t>思考とは何か</a:t>
+            </a:r>
+            <a:r>
+              <a:rPr lang="en-US" altLang="ja-JP" dirty="0" smtClean="0">
+                <a:latin typeface="+mn-ea"/>
+              </a:rPr>
+              <a:t>?</a:t>
+            </a:r>
+            <a:r>
+              <a:rPr lang="ja-JP" altLang="en-US" dirty="0" smtClean="0">
+                <a:latin typeface="+mn-ea"/>
+              </a:rPr>
+              <a:t>」</a:t>
+            </a:r>
+            <a:endParaRPr lang="en-US" altLang="ja-JP" dirty="0" smtClean="0">
+              <a:latin typeface="+mn-ea"/>
+            </a:endParaRPr>
+          </a:p>
+          <a:p>
+            <a:pPr lvl="1" algn="just"/>
+            <a:endParaRPr lang="en-US" altLang="ja-JP" dirty="0" smtClean="0">
+              <a:latin typeface="+mn-ea"/>
+            </a:endParaRPr>
+          </a:p>
+          <a:p>
+            <a:pPr algn="just"/>
+            <a:r>
+              <a:rPr lang="ja-JP" altLang="en-US" dirty="0" smtClean="0">
+                <a:latin typeface="+mn-ea"/>
+              </a:rPr>
+              <a:t>　プログラミング教育に関連</a:t>
+            </a:r>
+            <a:endParaRPr lang="en-US" altLang="ja-JP" dirty="0" smtClean="0">
+              <a:latin typeface="+mn-ea"/>
+            </a:endParaRPr>
+          </a:p>
+          <a:p>
+            <a:pPr lvl="1" algn="just"/>
+            <a:r>
+              <a:rPr lang="en-US" altLang="ja-JP" dirty="0" smtClean="0">
+                <a:latin typeface="+mn-ea"/>
+              </a:rPr>
+              <a:t>[</a:t>
+            </a:r>
+            <a:r>
+              <a:rPr lang="ja-JP" altLang="en-US" dirty="0">
+                <a:latin typeface="+mn-ea"/>
+              </a:rPr>
+              <a:t>伊永</a:t>
+            </a:r>
+            <a:r>
+              <a:rPr lang="en-US" altLang="ja-JP" dirty="0" smtClean="0">
+                <a:latin typeface="+mn-ea"/>
+              </a:rPr>
+              <a:t>2011</a:t>
+            </a:r>
+            <a:r>
+              <a:rPr lang="en-US" altLang="ja-JP" dirty="0" smtClean="0">
+                <a:latin typeface="+mn-ea"/>
+              </a:rPr>
+              <a:t>]</a:t>
+            </a:r>
+            <a:r>
+              <a:rPr lang="ja-JP" altLang="en-US" dirty="0">
+                <a:latin typeface="+mn-ea"/>
+              </a:rPr>
+              <a:t>伊永 </a:t>
+            </a:r>
+            <a:r>
+              <a:rPr lang="ja-JP" altLang="en-US" dirty="0" smtClean="0">
+                <a:latin typeface="+mn-ea"/>
+              </a:rPr>
+              <a:t>洋輔「</a:t>
+            </a:r>
+            <a:r>
+              <a:rPr lang="en-US" altLang="ja-JP" dirty="0" smtClean="0">
+                <a:latin typeface="+mn-ea"/>
+              </a:rPr>
+              <a:t>Java</a:t>
+            </a:r>
+            <a:r>
+              <a:rPr lang="ja-JP" altLang="en-US" dirty="0" smtClean="0">
+                <a:latin typeface="+mn-ea"/>
+              </a:rPr>
+              <a:t>プログラミング</a:t>
+            </a:r>
+            <a:r>
+              <a:rPr lang="ja-JP" altLang="en-US" dirty="0">
+                <a:latin typeface="+mn-ea"/>
+              </a:rPr>
+              <a:t>の予約語学習のためのオンライン穴埋め問題機能の</a:t>
+            </a:r>
+            <a:r>
+              <a:rPr lang="ja-JP" altLang="en-US" dirty="0" smtClean="0">
+                <a:latin typeface="+mn-ea"/>
+              </a:rPr>
+              <a:t>実装」</a:t>
+            </a:r>
+            <a:endParaRPr kumimoji="1" lang="en-US" altLang="ja-JP" dirty="0">
+              <a:latin typeface="+mn-ea"/>
+            </a:endParaRPr>
+          </a:p>
+          <a:p>
+            <a:pPr lvl="1" algn="just"/>
+            <a:r>
+              <a:rPr lang="en-US" altLang="ja-JP" dirty="0" smtClean="0">
+                <a:latin typeface="+mn-ea"/>
+              </a:rPr>
+              <a:t>[</a:t>
+            </a:r>
+            <a:r>
+              <a:rPr lang="zh-TW" altLang="en-US" dirty="0">
+                <a:latin typeface="ＭＳ Ｐゴシック" panose="020B0600070205080204" pitchFamily="50" charset="-128"/>
+                <a:ea typeface="ＭＳ Ｐゴシック" panose="020B0600070205080204" pitchFamily="50" charset="-128"/>
+              </a:rPr>
+              <a:t>森</a:t>
+            </a:r>
+            <a:r>
+              <a:rPr lang="en-US" altLang="ja-JP" dirty="0" smtClean="0">
+                <a:latin typeface="+mn-ea"/>
+              </a:rPr>
+              <a:t>2011</a:t>
+            </a:r>
+            <a:r>
+              <a:rPr lang="en-US" altLang="ja-JP" dirty="0" smtClean="0">
+                <a:latin typeface="+mn-ea"/>
+              </a:rPr>
+              <a:t>]</a:t>
+            </a:r>
+            <a:r>
+              <a:rPr lang="zh-TW" altLang="en-US" dirty="0">
+                <a:latin typeface="ＭＳ Ｐゴシック" panose="020B0600070205080204" pitchFamily="50" charset="-128"/>
+                <a:ea typeface="ＭＳ Ｐゴシック" panose="020B0600070205080204" pitchFamily="50" charset="-128"/>
+              </a:rPr>
+              <a:t>森 秀樹</a:t>
+            </a:r>
+            <a:r>
+              <a:rPr lang="ja-JP" altLang="en-US" dirty="0" smtClean="0">
+                <a:latin typeface="+mn-ea"/>
+              </a:rPr>
+              <a:t>「</a:t>
+            </a:r>
+            <a:r>
+              <a:rPr lang="en-US" altLang="ja-JP" dirty="0" smtClean="0">
+                <a:latin typeface="+mn-ea"/>
+              </a:rPr>
+              <a:t>Scratch</a:t>
+            </a:r>
+            <a:r>
+              <a:rPr lang="ja-JP" altLang="en-US" dirty="0">
+                <a:latin typeface="+mn-ea"/>
+              </a:rPr>
+              <a:t>を</a:t>
+            </a:r>
+            <a:r>
+              <a:rPr lang="ja-JP" altLang="en-US" dirty="0" smtClean="0">
+                <a:latin typeface="+mn-ea"/>
+              </a:rPr>
+              <a:t>用いた小学校</a:t>
+            </a:r>
+            <a:r>
+              <a:rPr lang="ja-JP" altLang="en-US" dirty="0" smtClean="0">
+                <a:latin typeface="+mn-ea"/>
+              </a:rPr>
+              <a:t>プログラミング</a:t>
+            </a:r>
+            <a:r>
+              <a:rPr lang="ja-JP" altLang="en-US" dirty="0" smtClean="0">
+                <a:latin typeface="+mn-ea"/>
+              </a:rPr>
+              <a:t>授業の実践」</a:t>
+            </a:r>
+            <a:endParaRPr kumimoji="1" lang="ja-JP" altLang="en-US" dirty="0"/>
+          </a:p>
+        </p:txBody>
+      </p:sp>
+      <p:sp>
+        <p:nvSpPr>
+          <p:cNvPr id="4" name="スライド番号プレースホルダー 3"/>
+          <p:cNvSpPr>
+            <a:spLocks noGrp="1"/>
+          </p:cNvSpPr>
+          <p:nvPr>
+            <p:ph type="sldNum" sz="quarter" idx="12"/>
+          </p:nvPr>
+        </p:nvSpPr>
+        <p:spPr/>
+        <p:txBody>
+          <a:bodyPr/>
+          <a:lstStyle/>
+          <a:p>
+            <a:fld id="{B4451160-128F-4DAD-AE29-4A8CC0E7B9E9}" type="slidenum">
+              <a:rPr kumimoji="1" lang="ja-JP" altLang="en-US" smtClean="0"/>
+              <a:t>3</a:t>
+            </a:fld>
+            <a:endParaRPr kumimoji="1" lang="ja-JP" altLang="en-US" dirty="0"/>
+          </a:p>
+        </p:txBody>
+      </p:sp>
+    </p:spTree>
+    <p:extLst>
+      <p:ext uri="{BB962C8B-B14F-4D97-AF65-F5344CB8AC3E}">
+        <p14:creationId xmlns:p14="http://schemas.microsoft.com/office/powerpoint/2010/main" val="3769541672"/>
+      </p:ext>
+    </p:extLst>
+  </p:cSld>
+  <p:clrMapOvr>
+    <a:masterClrMapping/>
+  </p:clrMapOvr>
+  <p:timing>
+    <p:tnLst>
+      <p:par>
+        <p:cTn id="1" dur="indefinite" restart="never" nodeType="tmRoot"/>
+      </p:par>
+    </p:tnLst>
+  </p:timing>
+</p:sld>
+</file>
+
+<file path=ppt/slides/slide4.xml><?xml version="1.0" encoding="utf-8"?>
+<p:sld xmlns:a="http://schemas.openxmlformats.org/drawingml/2006/main" xmlns:r="http://schemas.openxmlformats.org/officeDocument/2006/relationships" xmlns:p="http://schemas.openxmlformats.org/presentationml/2006/main">
+  <p:cSld>
+    <p:spTree>
+      <p:nvGrpSpPr>
+        <p:cNvPr id="1" name=""/>
+        <p:cNvGrpSpPr/>
+        <p:nvPr/>
+      </p:nvGrpSpPr>
+      <p:grpSpPr>
+        <a:xfrm>
+          <a:off x="0" y="0"/>
+          <a:ext cx="0" cy="0"/>
+          <a:chOff x="0" y="0"/>
+          <a:chExt cx="0" cy="0"/>
+        </a:xfrm>
+      </p:grpSpPr>
+      <p:sp>
+        <p:nvSpPr>
+          <p:cNvPr id="2" name="タイトル 1"/>
+          <p:cNvSpPr>
+            <a:spLocks noGrp="1"/>
+          </p:cNvSpPr>
+          <p:nvPr>
+            <p:ph type="title"/>
+          </p:nvPr>
+        </p:nvSpPr>
+        <p:spPr/>
+        <p:txBody>
+          <a:bodyPr/>
+          <a:lstStyle/>
+          <a:p>
+            <a:r>
+              <a:rPr kumimoji="1" lang="ja-JP" altLang="en-US" dirty="0"/>
+              <a:t>研究課題</a:t>
+            </a:r>
+          </a:p>
+        </p:txBody>
+      </p:sp>
+      <p:sp>
+        <p:nvSpPr>
+          <p:cNvPr id="3" name="コンテンツ プレースホルダー 2"/>
+          <p:cNvSpPr>
+            <a:spLocks noGrp="1"/>
+          </p:cNvSpPr>
+          <p:nvPr>
+            <p:ph idx="1"/>
+          </p:nvPr>
+        </p:nvSpPr>
+        <p:spPr>
+          <a:xfrm>
+            <a:off x="628650" y="1847851"/>
+            <a:ext cx="7886700" cy="4018111"/>
+          </a:xfrm>
+        </p:spPr>
+        <p:txBody>
+          <a:bodyPr>
+            <a:normAutofit fontScale="92500" lnSpcReduction="10000"/>
+          </a:bodyPr>
+          <a:lstStyle/>
+          <a:p>
+            <a:pPr algn="just"/>
+            <a:r>
+              <a:rPr lang="ja-JP" altLang="en-US" dirty="0" smtClean="0"/>
+              <a:t>本研究において論理的思考とは，「思考</a:t>
+            </a:r>
+            <a:r>
+              <a:rPr lang="ja-JP" altLang="en-US" dirty="0"/>
+              <a:t>や論証の</a:t>
+            </a:r>
+            <a:r>
+              <a:rPr lang="ja-JP" altLang="en-US" dirty="0" smtClean="0"/>
+              <a:t>組み立て，思考</a:t>
+            </a:r>
+            <a:r>
+              <a:rPr lang="ja-JP" altLang="en-US" dirty="0"/>
+              <a:t>の妥当性が保証される法則や</a:t>
+            </a:r>
+            <a:r>
+              <a:rPr lang="ja-JP" altLang="en-US" dirty="0" smtClean="0"/>
+              <a:t>形式」に則って思考を組み立てることとする．</a:t>
+            </a:r>
+            <a:endParaRPr lang="en-US" altLang="ja-JP" dirty="0" smtClean="0"/>
+          </a:p>
+          <a:p>
+            <a:pPr algn="just"/>
+            <a:r>
+              <a:rPr lang="ja-JP" altLang="en-US" dirty="0" smtClean="0"/>
+              <a:t>論理的思考がすでに培われていることが前提となる教育</a:t>
+            </a:r>
+            <a:r>
+              <a:rPr lang="ja-JP" altLang="en-US" dirty="0" smtClean="0"/>
+              <a:t>環境となって</a:t>
+            </a:r>
+            <a:r>
+              <a:rPr lang="ja-JP" altLang="en-US" dirty="0"/>
+              <a:t>いる．</a:t>
+            </a:r>
+            <a:endParaRPr lang="en-US" altLang="ja-JP" dirty="0"/>
+          </a:p>
+          <a:p>
             <a:pPr marL="0" indent="0" algn="just">
               <a:buNone/>
             </a:pPr>
             <a:r>
+              <a:rPr lang="ja-JP" altLang="en-US" dirty="0"/>
+              <a:t>　</a:t>
+            </a:r>
+            <a:r>
+              <a:rPr lang="ja-JP" altLang="en-US" dirty="0" smtClean="0"/>
+              <a:t>→問題文から意味を読み取って学習者が</a:t>
+            </a:r>
+            <a:r>
+              <a:rPr lang="ja-JP" altLang="en-US" dirty="0"/>
+              <a:t>ブロックを</a:t>
+            </a:r>
+            <a:r>
+              <a:rPr lang="ja-JP" altLang="en-US" dirty="0" smtClean="0"/>
+              <a:t>組      み合わせる</a:t>
+            </a:r>
+            <a:r>
+              <a:rPr lang="ja-JP" altLang="en-US" dirty="0" smtClean="0"/>
+              <a:t>システムでは，既に学習者が論理的な思考をもって問題文を読み取ることができている必要がある</a:t>
+            </a:r>
+            <a:r>
+              <a:rPr lang="ja-JP" altLang="en-US" dirty="0" smtClean="0"/>
+              <a:t>．</a:t>
+            </a:r>
+            <a:endParaRPr lang="en-US" altLang="ja-JP" dirty="0" smtClean="0"/>
+          </a:p>
+          <a:p>
+            <a:pPr algn="just"/>
+            <a:r>
+              <a:rPr lang="en-US" altLang="ja-JP" dirty="0" err="1" smtClean="0"/>
+              <a:t>Blockly</a:t>
+            </a:r>
+            <a:r>
+              <a:rPr lang="ja-JP" altLang="en-US" dirty="0" smtClean="0"/>
+              <a:t>によって生成されたコードを見るだけではなく、実際に学習者</a:t>
+            </a:r>
+            <a:r>
+              <a:rPr lang="ja-JP" altLang="en-US" dirty="0" smtClean="0"/>
+              <a:t>が書いてみないと</a:t>
+            </a:r>
+            <a:r>
+              <a:rPr lang="ja-JP" altLang="en-US" dirty="0" smtClean="0"/>
+              <a:t>コーディングへの理解にはつながらない</a:t>
+            </a:r>
+            <a:endParaRPr lang="en-US" altLang="ja-JP" dirty="0" smtClean="0"/>
+          </a:p>
+        </p:txBody>
+      </p:sp>
+      <p:sp>
+        <p:nvSpPr>
+          <p:cNvPr id="4" name="スライド番号プレースホルダー 3"/>
+          <p:cNvSpPr>
+            <a:spLocks noGrp="1"/>
+          </p:cNvSpPr>
+          <p:nvPr>
+            <p:ph type="sldNum" sz="quarter" idx="12"/>
+          </p:nvPr>
+        </p:nvSpPr>
+        <p:spPr/>
+        <p:txBody>
+          <a:bodyPr/>
+          <a:lstStyle/>
+          <a:p>
+            <a:fld id="{B4451160-128F-4DAD-AE29-4A8CC0E7B9E9}" type="slidenum">
+              <a:rPr kumimoji="1" lang="ja-JP" altLang="en-US" smtClean="0"/>
+              <a:t>4</a:t>
+            </a:fld>
+            <a:endParaRPr kumimoji="1" lang="ja-JP" altLang="en-US" dirty="0"/>
+          </a:p>
+        </p:txBody>
+      </p:sp>
+    </p:spTree>
+    <p:extLst>
+      <p:ext uri="{BB962C8B-B14F-4D97-AF65-F5344CB8AC3E}">
+        <p14:creationId xmlns:p14="http://schemas.microsoft.com/office/powerpoint/2010/main" val="1923407823"/>
+      </p:ext>
+    </p:extLst>
+  </p:cSld>
+  <p:clrMapOvr>
+    <a:masterClrMapping/>
+  </p:clrMapOvr>
+  <p:timing>
+    <p:tnLst>
+      <p:par>
+        <p:cTn id="1" dur="indefinite" restart="never" nodeType="tmRoot"/>
+      </p:par>
+    </p:tnLst>
+  </p:timing>
+</p:sld>
+</file>
+
+<file path=ppt/slides/slide5.xml><?xml version="1.0" encoding="utf-8"?>
+<p:sld xmlns:a="http://schemas.openxmlformats.org/drawingml/2006/main" xmlns:r="http://schemas.openxmlformats.org/officeDocument/2006/relationships" xmlns:p="http://schemas.openxmlformats.org/presentationml/2006/main">
+  <p:cSld>
+    <p:spTree>
+      <p:nvGrpSpPr>
+        <p:cNvPr id="1" name=""/>
+        <p:cNvGrpSpPr/>
+        <p:nvPr/>
+      </p:nvGrpSpPr>
+      <p:grpSpPr>
+        <a:xfrm>
+          <a:off x="0" y="0"/>
+          <a:ext cx="0" cy="0"/>
+          <a:chOff x="0" y="0"/>
+          <a:chExt cx="0" cy="0"/>
+        </a:xfrm>
+      </p:grpSpPr>
+      <p:sp>
+        <p:nvSpPr>
+          <p:cNvPr id="2" name="タイトル 1"/>
+          <p:cNvSpPr>
+            <a:spLocks noGrp="1"/>
+          </p:cNvSpPr>
+          <p:nvPr>
+            <p:ph type="title"/>
+          </p:nvPr>
+        </p:nvSpPr>
+        <p:spPr/>
+        <p:txBody>
+          <a:bodyPr/>
+          <a:lstStyle/>
+          <a:p>
+            <a:r>
+              <a:rPr lang="ja-JP" altLang="en-US" dirty="0"/>
+              <a:t>コードジェネレート</a:t>
+            </a:r>
+            <a:r>
+              <a:rPr lang="ja-JP" altLang="en-US" dirty="0" smtClean="0"/>
+              <a:t>機能</a:t>
+            </a:r>
+            <a:endParaRPr kumimoji="1" lang="ja-JP" altLang="en-US" dirty="0"/>
+          </a:p>
+        </p:txBody>
+      </p:sp>
+      <p:sp>
+        <p:nvSpPr>
+          <p:cNvPr id="3" name="コンテンツ プレースホルダー 2"/>
+          <p:cNvSpPr>
+            <a:spLocks noGrp="1"/>
+          </p:cNvSpPr>
+          <p:nvPr>
+            <p:ph idx="1"/>
+          </p:nvPr>
+        </p:nvSpPr>
+        <p:spPr>
+          <a:xfrm>
+            <a:off x="628650" y="1825625"/>
+            <a:ext cx="7886700" cy="2496209"/>
+          </a:xfrm>
+        </p:spPr>
+        <p:txBody>
+          <a:bodyPr>
+            <a:normAutofit/>
+          </a:bodyPr>
+          <a:lstStyle/>
+          <a:p>
+            <a:pPr algn="just"/>
+            <a:r>
+              <a:rPr kumimoji="1" lang="ja-JP" altLang="en-US" sz="2400" dirty="0" smtClean="0"/>
+              <a:t>本研究では</a:t>
+            </a:r>
+            <a:r>
               <a:rPr lang="ja-JP" altLang="en-US" sz="2400" dirty="0" smtClean="0"/>
-              <a:t>今後の</a:t>
+              <a:t>，</a:t>
+            </a:r>
+            <a:r>
+              <a:rPr lang="en-US" altLang="ja-JP" sz="2400" dirty="0" err="1" smtClean="0"/>
+              <a:t>Blockly</a:t>
             </a:r>
             <a:r>
               <a:rPr lang="ja-JP" altLang="en-US" sz="2400" dirty="0" smtClean="0"/>
-              <a:t>スケジュール</a:t>
-            </a:r>
-            <a:endParaRPr lang="en-US" altLang="ja-JP" sz="2400" dirty="0" smtClean="0"/>
-          </a:p>
-          <a:p>
-            <a:pPr algn="just"/>
+              <a:t>を</a:t>
+            </a:r>
             <a:r>
               <a:rPr lang="ja-JP" altLang="en-US" sz="2400" dirty="0" smtClean="0"/>
-              <a:t>問題を作成するアルゴリズムを生成</a:t>
+              <a:t>利用</a:t>
             </a:r>
             <a:r>
               <a:rPr lang="ja-JP" altLang="en-US" sz="2400" dirty="0"/>
               <a:t>する．</a:t>
             </a:r>
-            <a:endParaRPr lang="en-US" altLang="ja-JP" sz="2400" dirty="0"/>
+            <a:endParaRPr lang="en-US" altLang="ja-JP" sz="2400" dirty="0" smtClean="0"/>
           </a:p>
           <a:p>
             <a:pPr algn="just"/>
             <a:r>
+              <a:rPr kumimoji="1" lang="en-US" altLang="ja-JP" sz="2400" dirty="0" err="1" smtClean="0"/>
+              <a:t>Blockly</a:t>
+            </a:r>
+            <a:r>
               <a:rPr kumimoji="1" lang="ja-JP" altLang="en-US" sz="2400" dirty="0" smtClean="0"/>
-              <a:t>論理的思考を身に着けるための</a:t>
+              <a:t>には</a:t>
+            </a:r>
+            <a:r>
+              <a:rPr kumimoji="1" lang="ja-JP" altLang="en-US" sz="2400" dirty="0" smtClean="0"/>
+              <a:t>、作成したブロック</a:t>
+            </a:r>
+            <a:r>
+              <a:rPr lang="ja-JP" altLang="en-US" sz="2400" dirty="0" smtClean="0"/>
+              <a:t>から</a:t>
             </a:r>
             <a:r>
               <a:rPr lang="ja-JP" altLang="en-US" sz="2400" dirty="0"/>
-              <a:t>，</a:t>
+              <a:t>、</a:t>
             </a:r>
             <a:r>
               <a:rPr kumimoji="1" lang="ja-JP" altLang="en-US" sz="2400" dirty="0" smtClean="0"/>
-              <a:t>問題を解くためのプロセスについて</a:t>
+              <a:t>構文的に正しいコードを自動で生成する</a:t>
+            </a:r>
+            <a:r>
+              <a:rPr lang="ja-JP" altLang="en-US" sz="2400" dirty="0" smtClean="0"/>
+              <a:t>機能が</a:t>
+            </a:r>
+            <a:r>
+              <a:rPr lang="ja-JP" altLang="en-US" sz="2400" dirty="0" smtClean="0"/>
+              <a:t>あり，</a:t>
+            </a:r>
+            <a:r>
+              <a:rPr lang="ja-JP" altLang="en-US" sz="2400" dirty="0" smtClean="0"/>
+              <a:t>この</a:t>
             </a:r>
             <a:r>
               <a:rPr lang="ja-JP" altLang="en-US" sz="2400" dirty="0"/>
-              <a:t>，</a:t>
-            </a:r>
-            <a:r>
-              <a:rPr kumimoji="1" lang="ja-JP" altLang="en-US" sz="2400" dirty="0" smtClean="0"/>
-              <a:t>小学生でもわかりやすい範囲でのフローチャートの表示など作成予定</a:t>
+              <a:t>機能をコードジェネレート機能と本研究では呼ぶ</a:t>
+            </a:r>
+            <a:r>
+              <a:rPr lang="ja-JP" altLang="en-US" sz="2400" dirty="0" smtClean="0"/>
+              <a:t>．</a:t>
+            </a:r>
+            <a:r>
+              <a:rPr lang="ja-JP" altLang="en-US" sz="2400" dirty="0" smtClean="0"/>
+              <a:t>この</a:t>
+            </a:r>
+            <a:r>
+              <a:rPr lang="ja-JP" altLang="en-US" sz="2400" dirty="0" smtClean="0"/>
+              <a:t>機能を用いること</a:t>
             </a:r>
             <a:r>
               <a:rPr lang="ja-JP" altLang="en-US" sz="2400" dirty="0"/>
+              <a:t>で，学習者</a:t>
+            </a:r>
+            <a:r>
+              <a:rPr lang="ja-JP" altLang="en-US" sz="2400" dirty="0" smtClean="0"/>
+              <a:t>はテキストでのプログラムに</a:t>
+            </a:r>
+            <a:r>
+              <a:rPr lang="ja-JP" altLang="en-US" sz="2400" dirty="0" smtClean="0"/>
+              <a:t>よるコーディング</a:t>
+            </a:r>
+            <a:r>
+              <a:rPr lang="ja-JP" altLang="en-US" sz="2400" dirty="0" smtClean="0"/>
+              <a:t>の学習が</a:t>
+            </a:r>
+            <a:r>
+              <a:rPr lang="ja-JP" altLang="en-US" sz="2400" dirty="0"/>
+              <a:t>できる</a:t>
+            </a:r>
+            <a:r>
+              <a:rPr lang="ja-JP" altLang="en-US" sz="2400" dirty="0" smtClean="0"/>
               <a:t>．</a:t>
             </a:r>
-            <a:endParaRPr lang="en-US" altLang="ja-JP" sz="2400" dirty="0"/>
+            <a:endParaRPr lang="en-US" altLang="ja-JP" sz="2400" dirty="0" smtClean="0"/>
           </a:p>
         </p:txBody>
       </p:sp>
@@ -4814,36 +5823,1251 @@
           <a:bodyPr/>
           <a:lstStyle/>
           <a:p>
-            <a:pPr algn="just"/>
             <a:fld id="{B4451160-128F-4DAD-AE29-4A8CC0E7B9E9}" type="slidenum">
               <a:rPr kumimoji="1" lang="ja-JP" altLang="en-US" smtClean="0"/>
-              <a:pPr algn="just"/>
-              <a:t>10</a:t>
+              <a:t>5</a:t>
             </a:fld>
             <a:endParaRPr kumimoji="1" lang="ja-JP" altLang="en-US" dirty="0"/>
           </a:p>
         </p:txBody>
       </p:sp>
-      <p:sp>
-        <p:nvSpPr>
-          <p:cNvPr id="5" name="コンテンツ プレースホルダー 2"/>
-          <p:cNvSpPr txBox="1">
-            <a:spLocks/>
-          </p:cNvSpPr>
+      <p:pic>
+        <p:nvPicPr>
+          <p:cNvPr id="5" name="コンテンツ プレースホルダー 4"/>
+          <p:cNvPicPr>
+            <a:picLocks noChangeAspect="1"/>
+          </p:cNvPicPr>
           <p:nvPr/>
-        </p:nvSpPr>
+        </p:nvPicPr>
+        <p:blipFill>
+          <a:blip r:embed="rId2"/>
+          <a:stretch>
+            <a:fillRect/>
+          </a:stretch>
+        </p:blipFill>
         <p:spPr>
           <a:xfrm>
-            <a:off x="628650" y="1524000"/>
-            <a:ext cx="7886700" cy="2432304"/>
+            <a:off x="2065487" y="3922261"/>
+            <a:ext cx="5013025" cy="2616652"/>
           </a:xfrm>
           <a:prstGeom prst="rect">
             <a:avLst/>
           </a:prstGeom>
         </p:spPr>
+      </p:pic>
+      <p:sp>
+        <p:nvSpPr>
+          <p:cNvPr id="6" name="テキスト ボックス 5"/>
+          <p:cNvSpPr txBox="1"/>
+          <p:nvPr/>
+        </p:nvSpPr>
+        <p:spPr>
+          <a:xfrm>
+            <a:off x="2795194" y="6538913"/>
+            <a:ext cx="3832588" cy="369332"/>
+          </a:xfrm>
+          <a:prstGeom prst="rect">
+            <a:avLst/>
+          </a:prstGeom>
+          <a:noFill/>
+        </p:spPr>
+        <p:txBody>
+          <a:bodyPr wrap="none" rtlCol="0">
+            <a:spAutoFit/>
+          </a:bodyPr>
+          <a:lstStyle/>
+          <a:p>
+            <a:r>
+              <a:rPr lang="en-US" altLang="ja-JP" dirty="0"/>
+              <a:t>https://developers.google.com/blockly</a:t>
+            </a:r>
+            <a:endParaRPr kumimoji="1" lang="ja-JP" altLang="en-US" dirty="0"/>
+          </a:p>
+        </p:txBody>
+      </p:sp>
+    </p:spTree>
+    <p:extLst>
+      <p:ext uri="{BB962C8B-B14F-4D97-AF65-F5344CB8AC3E}">
+        <p14:creationId xmlns:p14="http://schemas.microsoft.com/office/powerpoint/2010/main" val="4224668961"/>
+      </p:ext>
+    </p:extLst>
+  </p:cSld>
+  <p:clrMapOvr>
+    <a:masterClrMapping/>
+  </p:clrMapOvr>
+  <p:timing>
+    <p:tnLst>
+      <p:par>
+        <p:cTn id="1" dur="indefinite" restart="never" nodeType="tmRoot"/>
+      </p:par>
+    </p:tnLst>
+  </p:timing>
+</p:sld>
+</file>
+
+<file path=ppt/slides/slide6.xml><?xml version="1.0" encoding="utf-8"?>
+<p:sld xmlns:a="http://schemas.openxmlformats.org/drawingml/2006/main" xmlns:r="http://schemas.openxmlformats.org/officeDocument/2006/relationships" xmlns:p="http://schemas.openxmlformats.org/presentationml/2006/main">
+  <p:cSld>
+    <p:spTree>
+      <p:nvGrpSpPr>
+        <p:cNvPr id="1" name=""/>
+        <p:cNvGrpSpPr/>
+        <p:nvPr/>
+      </p:nvGrpSpPr>
+      <p:grpSpPr>
+        <a:xfrm>
+          <a:off x="0" y="0"/>
+          <a:ext cx="0" cy="0"/>
+          <a:chOff x="0" y="0"/>
+          <a:chExt cx="0" cy="0"/>
+        </a:xfrm>
+      </p:grpSpPr>
+      <p:sp>
+        <p:nvSpPr>
+          <p:cNvPr id="2" name="タイトル 1"/>
+          <p:cNvSpPr>
+            <a:spLocks noGrp="1"/>
+          </p:cNvSpPr>
+          <p:nvPr>
+            <p:ph type="title"/>
+          </p:nvPr>
+        </p:nvSpPr>
+        <p:spPr/>
+        <p:txBody>
+          <a:bodyPr/>
+          <a:lstStyle/>
+          <a:p>
+            <a:r>
+              <a:rPr kumimoji="1" lang="ja-JP" altLang="en-US" dirty="0"/>
+              <a:t>研究目的</a:t>
+            </a:r>
+          </a:p>
+        </p:txBody>
+      </p:sp>
+      <p:sp>
+        <p:nvSpPr>
+          <p:cNvPr id="3" name="コンテンツ プレースホルダー 2"/>
+          <p:cNvSpPr>
+            <a:spLocks noGrp="1"/>
+          </p:cNvSpPr>
+          <p:nvPr>
+            <p:ph idx="1"/>
+          </p:nvPr>
+        </p:nvSpPr>
+        <p:spPr/>
+        <p:txBody>
+          <a:bodyPr/>
+          <a:lstStyle/>
+          <a:p>
+            <a:pPr marL="0" indent="0" algn="just">
+              <a:buNone/>
+            </a:pPr>
+            <a:r>
+              <a:rPr kumimoji="1" lang="ja-JP" altLang="en-US" dirty="0" smtClean="0"/>
+              <a:t>本研究の目的は</a:t>
+            </a:r>
+            <a:r>
+              <a:rPr lang="ja-JP" altLang="en-US" dirty="0" smtClean="0"/>
+              <a:t>，以下の通りである．</a:t>
+            </a:r>
+            <a:endParaRPr lang="en-US" altLang="ja-JP" dirty="0" smtClean="0"/>
+          </a:p>
+          <a:p>
+            <a:pPr algn="just"/>
+            <a:r>
+              <a:rPr lang="ja-JP" altLang="en-US" dirty="0"/>
+              <a:t>学習者</a:t>
+            </a:r>
+            <a:r>
+              <a:rPr kumimoji="1" lang="ja-JP" altLang="en-US" dirty="0" smtClean="0"/>
+              <a:t>向け</a:t>
+            </a:r>
+            <a:r>
+              <a:rPr kumimoji="1" lang="ja-JP" altLang="en-US" dirty="0" smtClean="0"/>
+              <a:t>に論理的思考を身に着けるための学習支援として</a:t>
+            </a:r>
+            <a:r>
+              <a:rPr lang="ja-JP" altLang="en-US" dirty="0"/>
+              <a:t>，</a:t>
+            </a:r>
+            <a:r>
+              <a:rPr kumimoji="1" lang="ja-JP" altLang="en-US" dirty="0" smtClean="0"/>
+              <a:t>ブロックプログラミングを</a:t>
+            </a:r>
+            <a:r>
+              <a:rPr kumimoji="1" lang="ja-JP" altLang="en-US" dirty="0" smtClean="0"/>
+              <a:t>利用</a:t>
+            </a:r>
+            <a:r>
+              <a:rPr lang="ja-JP" altLang="en-US" dirty="0"/>
+              <a:t>すること</a:t>
+            </a:r>
+            <a:r>
+              <a:rPr lang="ja-JP" altLang="en-US" dirty="0" smtClean="0"/>
+              <a:t>で，視覚的に</a:t>
+            </a:r>
+            <a:r>
+              <a:rPr kumimoji="1" lang="ja-JP" altLang="en-US" dirty="0" smtClean="0"/>
+              <a:t>理解が</a:t>
+            </a:r>
+            <a:r>
+              <a:rPr kumimoji="1" lang="ja-JP" altLang="en-US" dirty="0" smtClean="0"/>
+              <a:t>できる環境を</a:t>
+            </a:r>
+            <a:r>
+              <a:rPr kumimoji="1" lang="ja-JP" altLang="en-US" dirty="0" smtClean="0"/>
+              <a:t>作成．</a:t>
+            </a:r>
+            <a:endParaRPr lang="en-US" altLang="ja-JP" dirty="0" smtClean="0"/>
+          </a:p>
+          <a:p>
+            <a:pPr algn="just"/>
+            <a:r>
+              <a:rPr kumimoji="1" lang="ja-JP" altLang="en-US" dirty="0" smtClean="0"/>
+              <a:t>構文的に正しいコードに触れることで，コーディングへの理解を深める．</a:t>
+            </a:r>
+            <a:endParaRPr kumimoji="1" lang="ja-JP" altLang="en-US" dirty="0"/>
+          </a:p>
+        </p:txBody>
+      </p:sp>
+      <p:sp>
+        <p:nvSpPr>
+          <p:cNvPr id="4" name="スライド番号プレースホルダー 3"/>
+          <p:cNvSpPr>
+            <a:spLocks noGrp="1"/>
+          </p:cNvSpPr>
+          <p:nvPr>
+            <p:ph type="sldNum" sz="quarter" idx="12"/>
+          </p:nvPr>
+        </p:nvSpPr>
+        <p:spPr/>
+        <p:txBody>
+          <a:bodyPr/>
+          <a:lstStyle/>
+          <a:p>
+            <a:fld id="{B4451160-128F-4DAD-AE29-4A8CC0E7B9E9}" type="slidenum">
+              <a:rPr kumimoji="1" lang="ja-JP" altLang="en-US" smtClean="0"/>
+              <a:t>6</a:t>
+            </a:fld>
+            <a:endParaRPr kumimoji="1" lang="ja-JP" altLang="en-US" dirty="0"/>
+          </a:p>
+        </p:txBody>
+      </p:sp>
+    </p:spTree>
+    <p:extLst>
+      <p:ext uri="{BB962C8B-B14F-4D97-AF65-F5344CB8AC3E}">
+        <p14:creationId xmlns:p14="http://schemas.microsoft.com/office/powerpoint/2010/main" val="114472190"/>
+      </p:ext>
+    </p:extLst>
+  </p:cSld>
+  <p:clrMapOvr>
+    <a:masterClrMapping/>
+  </p:clrMapOvr>
+  <p:timing>
+    <p:tnLst>
+      <p:par>
+        <p:cTn id="1" dur="indefinite" restart="never" nodeType="tmRoot"/>
+      </p:par>
+    </p:tnLst>
+  </p:timing>
+</p:sld>
+</file>
+
+<file path=ppt/slides/slide7.xml><?xml version="1.0" encoding="utf-8"?>
+<p:sld xmlns:a="http://schemas.openxmlformats.org/drawingml/2006/main" xmlns:r="http://schemas.openxmlformats.org/officeDocument/2006/relationships" xmlns:p="http://schemas.openxmlformats.org/presentationml/2006/main">
+  <p:cSld>
+    <p:spTree>
+      <p:nvGrpSpPr>
+        <p:cNvPr id="1" name=""/>
+        <p:cNvGrpSpPr/>
+        <p:nvPr/>
+      </p:nvGrpSpPr>
+      <p:grpSpPr>
+        <a:xfrm>
+          <a:off x="0" y="0"/>
+          <a:ext cx="0" cy="0"/>
+          <a:chOff x="0" y="0"/>
+          <a:chExt cx="0" cy="0"/>
+        </a:xfrm>
+      </p:grpSpPr>
+      <p:sp>
+        <p:nvSpPr>
+          <p:cNvPr id="2" name="タイトル 1"/>
+          <p:cNvSpPr>
+            <a:spLocks noGrp="1"/>
+          </p:cNvSpPr>
+          <p:nvPr>
+            <p:ph type="title"/>
+          </p:nvPr>
+        </p:nvSpPr>
+        <p:spPr/>
+        <p:txBody>
+          <a:bodyPr/>
+          <a:lstStyle/>
+          <a:p>
+            <a:r>
+              <a:rPr kumimoji="1" lang="ja-JP" altLang="en-US" dirty="0" smtClean="0"/>
+              <a:t>提案方式</a:t>
+            </a:r>
+            <a:endParaRPr kumimoji="1" lang="ja-JP" altLang="en-US" dirty="0"/>
+          </a:p>
+        </p:txBody>
+      </p:sp>
+      <p:sp>
+        <p:nvSpPr>
+          <p:cNvPr id="4" name="スライド番号プレースホルダー 3"/>
+          <p:cNvSpPr>
+            <a:spLocks noGrp="1"/>
+          </p:cNvSpPr>
+          <p:nvPr>
+            <p:ph type="sldNum" sz="quarter" idx="12"/>
+          </p:nvPr>
+        </p:nvSpPr>
+        <p:spPr/>
+        <p:txBody>
+          <a:bodyPr/>
+          <a:lstStyle/>
+          <a:p>
+            <a:fld id="{B4451160-128F-4DAD-AE29-4A8CC0E7B9E9}" type="slidenum">
+              <a:rPr lang="ja-JP" altLang="en-US" smtClean="0"/>
+              <a:pPr/>
+              <a:t>7</a:t>
+            </a:fld>
+            <a:endParaRPr lang="ja-JP" altLang="en-US" dirty="0"/>
+          </a:p>
+        </p:txBody>
+      </p:sp>
+      <p:sp>
+        <p:nvSpPr>
+          <p:cNvPr id="6" name="正方形/長方形 5"/>
+          <p:cNvSpPr/>
+          <p:nvPr/>
+        </p:nvSpPr>
+        <p:spPr>
+          <a:xfrm>
+            <a:off x="481443" y="1880436"/>
+            <a:ext cx="3337600" cy="3981450"/>
+          </a:xfrm>
+          <a:prstGeom prst="rect">
+            <a:avLst/>
+          </a:prstGeom>
+        </p:spPr>
+        <p:style>
+          <a:lnRef idx="2">
+            <a:schemeClr val="dk1"/>
+          </a:lnRef>
+          <a:fillRef idx="1">
+            <a:schemeClr val="lt1"/>
+          </a:fillRef>
+          <a:effectRef idx="0">
+            <a:schemeClr val="dk1"/>
+          </a:effectRef>
+          <a:fontRef idx="minor">
+            <a:schemeClr val="dk1"/>
+          </a:fontRef>
+        </p:style>
+        <p:txBody>
+          <a:bodyPr rtlCol="0" anchor="ctr"/>
+          <a:lstStyle/>
+          <a:p>
+            <a:pPr algn="ctr"/>
+            <a:endParaRPr kumimoji="1" lang="ja-JP" altLang="en-US" dirty="0"/>
+          </a:p>
+        </p:txBody>
+      </p:sp>
+      <p:sp>
+        <p:nvSpPr>
+          <p:cNvPr id="7" name="テキスト ボックス 6"/>
+          <p:cNvSpPr txBox="1"/>
+          <p:nvPr/>
+        </p:nvSpPr>
+        <p:spPr>
+          <a:xfrm>
+            <a:off x="1350227" y="6051633"/>
+            <a:ext cx="1564518" cy="369332"/>
+          </a:xfrm>
+          <a:prstGeom prst="rect">
+            <a:avLst/>
+          </a:prstGeom>
+          <a:noFill/>
+        </p:spPr>
+        <p:txBody>
+          <a:bodyPr wrap="square" rtlCol="0">
+            <a:spAutoFit/>
+          </a:bodyPr>
+          <a:lstStyle/>
+          <a:p>
+            <a:r>
+              <a:rPr kumimoji="1" lang="en-US" altLang="ja-JP" dirty="0" smtClean="0"/>
+              <a:t>WEB</a:t>
+            </a:r>
+            <a:r>
+              <a:rPr kumimoji="1" lang="ja-JP" altLang="en-US" dirty="0" smtClean="0"/>
+              <a:t>ブラウザ</a:t>
+            </a:r>
+            <a:endParaRPr kumimoji="1" lang="ja-JP" altLang="en-US" dirty="0"/>
+          </a:p>
+        </p:txBody>
+      </p:sp>
+      <p:sp>
+        <p:nvSpPr>
+          <p:cNvPr id="8" name="テキスト ボックス 7"/>
+          <p:cNvSpPr txBox="1"/>
+          <p:nvPr/>
+        </p:nvSpPr>
+        <p:spPr>
+          <a:xfrm>
+            <a:off x="6008559" y="6057770"/>
+            <a:ext cx="963661" cy="366092"/>
+          </a:xfrm>
+          <a:prstGeom prst="rect">
+            <a:avLst/>
+          </a:prstGeom>
+          <a:noFill/>
+        </p:spPr>
+        <p:txBody>
+          <a:bodyPr wrap="square" rtlCol="0">
+            <a:spAutoFit/>
+          </a:bodyPr>
+          <a:lstStyle/>
+          <a:p>
+            <a:r>
+              <a:rPr kumimoji="1" lang="ja-JP" altLang="en-US" dirty="0" smtClean="0"/>
+              <a:t>サーバ</a:t>
+            </a:r>
+            <a:endParaRPr kumimoji="1" lang="ja-JP" altLang="en-US" dirty="0"/>
+          </a:p>
+        </p:txBody>
+      </p:sp>
+      <p:sp>
+        <p:nvSpPr>
+          <p:cNvPr id="9" name="正方形/長方形 8"/>
+          <p:cNvSpPr/>
+          <p:nvPr/>
+        </p:nvSpPr>
+        <p:spPr>
+          <a:xfrm>
+            <a:off x="4845330" y="1925460"/>
+            <a:ext cx="3337600" cy="3981450"/>
+          </a:xfrm>
+          <a:prstGeom prst="rect">
+            <a:avLst/>
+          </a:prstGeom>
+        </p:spPr>
+        <p:style>
+          <a:lnRef idx="2">
+            <a:schemeClr val="dk1"/>
+          </a:lnRef>
+          <a:fillRef idx="1">
+            <a:schemeClr val="lt1"/>
+          </a:fillRef>
+          <a:effectRef idx="0">
+            <a:schemeClr val="dk1"/>
+          </a:effectRef>
+          <a:fontRef idx="minor">
+            <a:schemeClr val="dk1"/>
+          </a:fontRef>
+        </p:style>
+        <p:txBody>
+          <a:bodyPr rtlCol="0" anchor="ctr"/>
+          <a:lstStyle/>
+          <a:p>
+            <a:pPr algn="ctr"/>
+            <a:endParaRPr kumimoji="1" lang="ja-JP" altLang="en-US" dirty="0"/>
+          </a:p>
+        </p:txBody>
+      </p:sp>
+      <p:sp>
+        <p:nvSpPr>
+          <p:cNvPr id="10" name="正方形/長方形 9"/>
+          <p:cNvSpPr/>
+          <p:nvPr/>
+        </p:nvSpPr>
+        <p:spPr>
+          <a:xfrm>
+            <a:off x="5210176" y="1988555"/>
+            <a:ext cx="2584167" cy="915820"/>
+          </a:xfrm>
+          <a:prstGeom prst="rect">
+            <a:avLst/>
+          </a:prstGeom>
+        </p:spPr>
+        <p:style>
+          <a:lnRef idx="2">
+            <a:schemeClr val="dk1"/>
+          </a:lnRef>
+          <a:fillRef idx="1">
+            <a:schemeClr val="lt1"/>
+          </a:fillRef>
+          <a:effectRef idx="0">
+            <a:schemeClr val="dk1"/>
+          </a:effectRef>
+          <a:fontRef idx="minor">
+            <a:schemeClr val="dk1"/>
+          </a:fontRef>
+        </p:style>
+        <p:txBody>
+          <a:bodyPr rtlCol="0" anchor="ctr"/>
+          <a:lstStyle/>
+          <a:p>
+            <a:pPr algn="ctr"/>
+            <a:r>
+              <a:rPr kumimoji="1" lang="ja-JP" altLang="en-US" dirty="0" smtClean="0"/>
+              <a:t>問題情報を送信</a:t>
+            </a:r>
+            <a:endParaRPr kumimoji="1" lang="ja-JP" altLang="en-US" dirty="0"/>
+          </a:p>
+        </p:txBody>
+      </p:sp>
+      <p:cxnSp>
+        <p:nvCxnSpPr>
+          <p:cNvPr id="12" name="直線矢印コネクタ 11"/>
+          <p:cNvCxnSpPr>
+            <a:endCxn id="14" idx="3"/>
+          </p:cNvCxnSpPr>
+          <p:nvPr/>
+        </p:nvCxnSpPr>
+        <p:spPr>
+          <a:xfrm flipH="1">
+            <a:off x="3158773" y="2442412"/>
+            <a:ext cx="2041878" cy="3530"/>
+          </a:xfrm>
+          <a:prstGeom prst="straightConnector1">
+            <a:avLst/>
+          </a:prstGeom>
+          <a:ln>
+            <a:tailEnd type="triangle"/>
+          </a:ln>
+        </p:spPr>
+        <p:style>
+          <a:lnRef idx="3">
+            <a:schemeClr val="dk1"/>
+          </a:lnRef>
+          <a:fillRef idx="0">
+            <a:schemeClr val="dk1"/>
+          </a:fillRef>
+          <a:effectRef idx="2">
+            <a:schemeClr val="dk1"/>
+          </a:effectRef>
+          <a:fontRef idx="minor">
+            <a:schemeClr val="tx1"/>
+          </a:fontRef>
+        </p:style>
+      </p:cxnSp>
+      <p:sp>
+        <p:nvSpPr>
+          <p:cNvPr id="14" name="正方形/長方形 13"/>
+          <p:cNvSpPr/>
+          <p:nvPr/>
+        </p:nvSpPr>
+        <p:spPr>
+          <a:xfrm>
+            <a:off x="1106199" y="2047041"/>
+            <a:ext cx="2052574" cy="797802"/>
+          </a:xfrm>
+          <a:prstGeom prst="rect">
+            <a:avLst/>
+          </a:prstGeom>
+        </p:spPr>
+        <p:style>
+          <a:lnRef idx="2">
+            <a:schemeClr val="dk1"/>
+          </a:lnRef>
+          <a:fillRef idx="1">
+            <a:schemeClr val="lt1"/>
+          </a:fillRef>
+          <a:effectRef idx="0">
+            <a:schemeClr val="dk1"/>
+          </a:effectRef>
+          <a:fontRef idx="minor">
+            <a:schemeClr val="dk1"/>
+          </a:fontRef>
+        </p:style>
+        <p:txBody>
+          <a:bodyPr rtlCol="0" anchor="ctr"/>
+          <a:lstStyle/>
+          <a:p>
+            <a:pPr algn="ctr"/>
+            <a:r>
+              <a:rPr kumimoji="1" lang="ja-JP" altLang="en-US" dirty="0" smtClean="0"/>
+              <a:t>問題を表示</a:t>
+            </a:r>
+            <a:endParaRPr kumimoji="1" lang="ja-JP" altLang="en-US" dirty="0"/>
+          </a:p>
+        </p:txBody>
+      </p:sp>
+      <p:sp>
+        <p:nvSpPr>
+          <p:cNvPr id="16" name="正方形/長方形 15"/>
+          <p:cNvSpPr/>
+          <p:nvPr/>
+        </p:nvSpPr>
+        <p:spPr>
+          <a:xfrm>
+            <a:off x="1106199" y="3327150"/>
+            <a:ext cx="2052574" cy="953586"/>
+          </a:xfrm>
+          <a:prstGeom prst="rect">
+            <a:avLst/>
+          </a:prstGeom>
+        </p:spPr>
+        <p:style>
+          <a:lnRef idx="2">
+            <a:schemeClr val="dk1"/>
+          </a:lnRef>
+          <a:fillRef idx="1">
+            <a:schemeClr val="lt1"/>
+          </a:fillRef>
+          <a:effectRef idx="0">
+            <a:schemeClr val="dk1"/>
+          </a:effectRef>
+          <a:fontRef idx="minor">
+            <a:schemeClr val="dk1"/>
+          </a:fontRef>
+        </p:style>
+        <p:txBody>
+          <a:bodyPr rtlCol="0" anchor="ctr"/>
+          <a:lstStyle/>
+          <a:p>
+            <a:pPr algn="ctr"/>
+            <a:r>
+              <a:rPr kumimoji="1" lang="ja-JP" altLang="en-US" dirty="0" smtClean="0"/>
+              <a:t>ブロック</a:t>
+            </a:r>
+            <a:endParaRPr kumimoji="1" lang="en-US" altLang="ja-JP" dirty="0" smtClean="0"/>
+          </a:p>
+          <a:p>
+            <a:pPr algn="ctr"/>
+            <a:r>
+              <a:rPr kumimoji="1" lang="ja-JP" altLang="en-US" dirty="0" smtClean="0"/>
+              <a:t>プログラミング</a:t>
+            </a:r>
+            <a:endParaRPr kumimoji="1" lang="ja-JP" altLang="en-US" dirty="0"/>
+          </a:p>
+        </p:txBody>
+      </p:sp>
+      <p:cxnSp>
+        <p:nvCxnSpPr>
+          <p:cNvPr id="18" name="直線矢印コネクタ 17"/>
+          <p:cNvCxnSpPr>
+            <a:stCxn id="16" idx="3"/>
+            <a:endCxn id="19" idx="1"/>
+          </p:cNvCxnSpPr>
+          <p:nvPr/>
+        </p:nvCxnSpPr>
+        <p:spPr>
+          <a:xfrm>
+            <a:off x="3158773" y="3803943"/>
+            <a:ext cx="2051403" cy="0"/>
+          </a:xfrm>
+          <a:prstGeom prst="straightConnector1">
+            <a:avLst/>
+          </a:prstGeom>
+          <a:ln>
+            <a:tailEnd type="triangle"/>
+          </a:ln>
+        </p:spPr>
+        <p:style>
+          <a:lnRef idx="3">
+            <a:schemeClr val="dk1"/>
+          </a:lnRef>
+          <a:fillRef idx="0">
+            <a:schemeClr val="dk1"/>
+          </a:fillRef>
+          <a:effectRef idx="2">
+            <a:schemeClr val="dk1"/>
+          </a:effectRef>
+          <a:fontRef idx="minor">
+            <a:schemeClr val="tx1"/>
+          </a:fontRef>
+        </p:style>
+      </p:cxnSp>
+      <p:sp>
+        <p:nvSpPr>
+          <p:cNvPr id="19" name="正方形/長方形 18"/>
+          <p:cNvSpPr/>
+          <p:nvPr/>
+        </p:nvSpPr>
+        <p:spPr>
+          <a:xfrm>
+            <a:off x="5210176" y="3327150"/>
+            <a:ext cx="2584167" cy="953586"/>
+          </a:xfrm>
+          <a:prstGeom prst="rect">
+            <a:avLst/>
+          </a:prstGeom>
+        </p:spPr>
+        <p:style>
+          <a:lnRef idx="2">
+            <a:schemeClr val="dk1"/>
+          </a:lnRef>
+          <a:fillRef idx="1">
+            <a:schemeClr val="lt1"/>
+          </a:fillRef>
+          <a:effectRef idx="0">
+            <a:schemeClr val="dk1"/>
+          </a:effectRef>
+          <a:fontRef idx="minor">
+            <a:schemeClr val="dk1"/>
+          </a:fontRef>
+        </p:style>
+        <p:txBody>
+          <a:bodyPr rtlCol="0" anchor="ctr"/>
+          <a:lstStyle/>
+          <a:p>
+            <a:pPr algn="ctr"/>
+            <a:r>
+              <a:rPr kumimoji="1" lang="ja-JP" altLang="en-US" dirty="0" smtClean="0"/>
+              <a:t>ブロックからコード</a:t>
+            </a:r>
+            <a:r>
+              <a:rPr kumimoji="1" lang="ja-JP" altLang="en-US" dirty="0" smtClean="0"/>
+              <a:t>に</a:t>
+            </a:r>
+            <a:endParaRPr kumimoji="1" lang="en-US" altLang="ja-JP" dirty="0" smtClean="0"/>
+          </a:p>
+          <a:p>
+            <a:pPr algn="ctr"/>
+            <a:r>
+              <a:rPr kumimoji="1" lang="ja-JP" altLang="en-US" dirty="0" smtClean="0"/>
+              <a:t>変換</a:t>
+            </a:r>
+            <a:endParaRPr kumimoji="1" lang="ja-JP" altLang="en-US" dirty="0"/>
+          </a:p>
+        </p:txBody>
+      </p:sp>
+      <p:sp>
+        <p:nvSpPr>
+          <p:cNvPr id="20" name="正方形/長方形 19"/>
+          <p:cNvSpPr/>
+          <p:nvPr/>
+        </p:nvSpPr>
+        <p:spPr>
+          <a:xfrm>
+            <a:off x="5210176" y="4579317"/>
+            <a:ext cx="2584167" cy="953586"/>
+          </a:xfrm>
+          <a:prstGeom prst="rect">
+            <a:avLst/>
+          </a:prstGeom>
+        </p:spPr>
+        <p:style>
+          <a:lnRef idx="2">
+            <a:schemeClr val="dk1"/>
+          </a:lnRef>
+          <a:fillRef idx="1">
+            <a:schemeClr val="lt1"/>
+          </a:fillRef>
+          <a:effectRef idx="0">
+            <a:schemeClr val="dk1"/>
+          </a:effectRef>
+          <a:fontRef idx="minor">
+            <a:schemeClr val="dk1"/>
+          </a:fontRef>
+        </p:style>
+        <p:txBody>
+          <a:bodyPr rtlCol="0" anchor="ctr"/>
+          <a:lstStyle/>
+          <a:p>
+            <a:pPr algn="ctr"/>
+            <a:r>
+              <a:rPr kumimoji="1" lang="ja-JP" altLang="en-US" dirty="0" smtClean="0"/>
+              <a:t>問題の正誤</a:t>
+            </a:r>
+            <a:r>
+              <a:rPr kumimoji="1" lang="ja-JP" altLang="en-US" dirty="0" smtClean="0"/>
+              <a:t>と</a:t>
+            </a:r>
+            <a:endParaRPr kumimoji="1" lang="en-US" altLang="ja-JP" dirty="0" smtClean="0"/>
+          </a:p>
+          <a:p>
+            <a:pPr algn="ctr"/>
+            <a:r>
+              <a:rPr kumimoji="1" lang="ja-JP" altLang="en-US" dirty="0" smtClean="0"/>
+              <a:t>作成</a:t>
+            </a:r>
+            <a:r>
+              <a:rPr kumimoji="1" lang="ja-JP" altLang="en-US" dirty="0" smtClean="0"/>
+              <a:t>されたコードを送信</a:t>
+            </a:r>
+            <a:endParaRPr kumimoji="1" lang="ja-JP" altLang="en-US" dirty="0"/>
+          </a:p>
+        </p:txBody>
+      </p:sp>
+      <p:cxnSp>
+        <p:nvCxnSpPr>
+          <p:cNvPr id="25" name="直線矢印コネクタ 24"/>
+          <p:cNvCxnSpPr>
+            <a:stCxn id="19" idx="2"/>
+            <a:endCxn id="20" idx="0"/>
+          </p:cNvCxnSpPr>
+          <p:nvPr/>
+        </p:nvCxnSpPr>
+        <p:spPr>
+          <a:xfrm>
+            <a:off x="6502260" y="4280736"/>
+            <a:ext cx="0" cy="298581"/>
+          </a:xfrm>
+          <a:prstGeom prst="straightConnector1">
+            <a:avLst/>
+          </a:prstGeom>
+          <a:ln>
+            <a:tailEnd type="triangle"/>
+          </a:ln>
+        </p:spPr>
+        <p:style>
+          <a:lnRef idx="3">
+            <a:schemeClr val="dk1"/>
+          </a:lnRef>
+          <a:fillRef idx="0">
+            <a:schemeClr val="dk1"/>
+          </a:fillRef>
+          <a:effectRef idx="2">
+            <a:schemeClr val="dk1"/>
+          </a:effectRef>
+          <a:fontRef idx="minor">
+            <a:schemeClr val="tx1"/>
+          </a:fontRef>
+        </p:style>
+      </p:cxnSp>
+      <p:cxnSp>
+        <p:nvCxnSpPr>
+          <p:cNvPr id="30" name="直線矢印コネクタ 29"/>
+          <p:cNvCxnSpPr>
+            <a:stCxn id="14" idx="2"/>
+            <a:endCxn id="16" idx="0"/>
+          </p:cNvCxnSpPr>
+          <p:nvPr/>
+        </p:nvCxnSpPr>
+        <p:spPr>
+          <a:xfrm>
+            <a:off x="2132486" y="2844843"/>
+            <a:ext cx="0" cy="482307"/>
+          </a:xfrm>
+          <a:prstGeom prst="straightConnector1">
+            <a:avLst/>
+          </a:prstGeom>
+          <a:ln>
+            <a:tailEnd type="triangle"/>
+          </a:ln>
+        </p:spPr>
+        <p:style>
+          <a:lnRef idx="3">
+            <a:schemeClr val="dk1"/>
+          </a:lnRef>
+          <a:fillRef idx="0">
+            <a:schemeClr val="dk1"/>
+          </a:fillRef>
+          <a:effectRef idx="2">
+            <a:schemeClr val="dk1"/>
+          </a:effectRef>
+          <a:fontRef idx="minor">
+            <a:schemeClr val="tx1"/>
+          </a:fontRef>
+        </p:style>
+      </p:cxnSp>
+      <p:sp>
+        <p:nvSpPr>
+          <p:cNvPr id="32" name="正方形/長方形 31"/>
+          <p:cNvSpPr/>
+          <p:nvPr/>
+        </p:nvSpPr>
+        <p:spPr>
+          <a:xfrm>
+            <a:off x="4400550" y="238125"/>
+            <a:ext cx="4229100" cy="1452564"/>
+          </a:xfrm>
+          <a:prstGeom prst="rect">
+            <a:avLst/>
+          </a:prstGeom>
+          <a:ln w="19050"/>
+        </p:spPr>
+        <p:style>
+          <a:lnRef idx="2">
+            <a:schemeClr val="accent1"/>
+          </a:lnRef>
+          <a:fillRef idx="1">
+            <a:schemeClr val="lt1"/>
+          </a:fillRef>
+          <a:effectRef idx="0">
+            <a:schemeClr val="accent1"/>
+          </a:effectRef>
+          <a:fontRef idx="minor">
+            <a:schemeClr val="dk1"/>
+          </a:fontRef>
+        </p:style>
+        <p:txBody>
+          <a:bodyPr rtlCol="0" anchor="ctr"/>
+          <a:lstStyle/>
+          <a:p>
+            <a:pPr algn="just"/>
+            <a:r>
+              <a:rPr kumimoji="1" lang="ja-JP" altLang="en-US" dirty="0" smtClean="0"/>
+              <a:t>学習者</a:t>
+            </a:r>
+            <a:r>
+              <a:rPr kumimoji="1" lang="ja-JP" altLang="en-US" dirty="0" smtClean="0"/>
+              <a:t>が問題</a:t>
+            </a:r>
+            <a:r>
+              <a:rPr kumimoji="1" lang="ja-JP" altLang="en-US" dirty="0" smtClean="0"/>
+              <a:t>をブロックプログラムで解くと共に，構文的に正しい</a:t>
+            </a:r>
+            <a:r>
+              <a:rPr lang="ja-JP" altLang="en-US" dirty="0" smtClean="0"/>
+              <a:t>コードを同時に</a:t>
+            </a:r>
+            <a:r>
+              <a:rPr lang="ja-JP" altLang="en-US" dirty="0" smtClean="0"/>
+              <a:t>表示</a:t>
+            </a:r>
+            <a:r>
+              <a:rPr lang="ja-JP" altLang="en-US" dirty="0" smtClean="0"/>
+              <a:t>す</a:t>
+            </a:r>
+            <a:r>
+              <a:rPr lang="ja-JP" altLang="en-US" dirty="0" smtClean="0"/>
+              <a:t>る</a:t>
+            </a:r>
+            <a:r>
+              <a:rPr lang="ja-JP" altLang="en-US" dirty="0" smtClean="0"/>
+              <a:t>ことで，論理的思考とコーディングを養う</a:t>
+            </a:r>
+            <a:endParaRPr kumimoji="1" lang="en-US" altLang="ja-JP" dirty="0" smtClean="0"/>
+          </a:p>
+        </p:txBody>
+      </p:sp>
+      <p:sp>
+        <p:nvSpPr>
+          <p:cNvPr id="33" name="正方形/長方形 32"/>
+          <p:cNvSpPr/>
+          <p:nvPr/>
+        </p:nvSpPr>
+        <p:spPr>
+          <a:xfrm>
+            <a:off x="1106199" y="4591050"/>
+            <a:ext cx="2052574" cy="971550"/>
+          </a:xfrm>
+          <a:prstGeom prst="rect">
+            <a:avLst/>
+          </a:prstGeom>
+        </p:spPr>
+        <p:style>
+          <a:lnRef idx="2">
+            <a:schemeClr val="dk1"/>
+          </a:lnRef>
+          <a:fillRef idx="1">
+            <a:schemeClr val="lt1"/>
+          </a:fillRef>
+          <a:effectRef idx="0">
+            <a:schemeClr val="dk1"/>
+          </a:effectRef>
+          <a:fontRef idx="minor">
+            <a:schemeClr val="dk1"/>
+          </a:fontRef>
+        </p:style>
+        <p:txBody>
+          <a:bodyPr rtlCol="0" anchor="ctr"/>
+          <a:lstStyle/>
+          <a:p>
+            <a:pPr algn="ctr"/>
+            <a:r>
+              <a:rPr lang="ja-JP" altLang="en-US" dirty="0" smtClean="0"/>
+              <a:t>正誤とコード</a:t>
+            </a:r>
+            <a:r>
+              <a:rPr lang="ja-JP" altLang="en-US" dirty="0" smtClean="0"/>
+              <a:t>を</a:t>
+            </a:r>
+            <a:endParaRPr lang="en-US" altLang="ja-JP" dirty="0" smtClean="0"/>
+          </a:p>
+          <a:p>
+            <a:pPr algn="ctr"/>
+            <a:r>
+              <a:rPr lang="ja-JP" altLang="en-US" dirty="0" smtClean="0"/>
+              <a:t>表示</a:t>
+            </a:r>
+            <a:endParaRPr kumimoji="1" lang="ja-JP" altLang="en-US" dirty="0"/>
+          </a:p>
+        </p:txBody>
+      </p:sp>
+      <p:cxnSp>
+        <p:nvCxnSpPr>
+          <p:cNvPr id="37" name="直線矢印コネクタ 36"/>
+          <p:cNvCxnSpPr>
+            <a:stCxn id="20" idx="1"/>
+            <a:endCxn id="33" idx="3"/>
+          </p:cNvCxnSpPr>
+          <p:nvPr/>
+        </p:nvCxnSpPr>
+        <p:spPr>
+          <a:xfrm flipH="1">
+            <a:off x="3158773" y="5056110"/>
+            <a:ext cx="2051403" cy="20715"/>
+          </a:xfrm>
+          <a:prstGeom prst="straightConnector1">
+            <a:avLst/>
+          </a:prstGeom>
+          <a:ln>
+            <a:tailEnd type="triangle"/>
+          </a:ln>
+        </p:spPr>
+        <p:style>
+          <a:lnRef idx="3">
+            <a:schemeClr val="dk1"/>
+          </a:lnRef>
+          <a:fillRef idx="0">
+            <a:schemeClr val="dk1"/>
+          </a:fillRef>
+          <a:effectRef idx="2">
+            <a:schemeClr val="dk1"/>
+          </a:effectRef>
+          <a:fontRef idx="minor">
+            <a:schemeClr val="tx1"/>
+          </a:fontRef>
+        </p:style>
+      </p:cxnSp>
+      <p:cxnSp>
+        <p:nvCxnSpPr>
+          <p:cNvPr id="39" name="直線矢印コネクタ 38"/>
+          <p:cNvCxnSpPr>
+            <a:endCxn id="16" idx="2"/>
+          </p:cNvCxnSpPr>
+          <p:nvPr/>
+        </p:nvCxnSpPr>
+        <p:spPr>
+          <a:xfrm flipV="1">
+            <a:off x="2132486" y="4280736"/>
+            <a:ext cx="0" cy="298581"/>
+          </a:xfrm>
+          <a:prstGeom prst="straightConnector1">
+            <a:avLst/>
+          </a:prstGeom>
+          <a:ln>
+            <a:tailEnd type="triangle"/>
+          </a:ln>
+        </p:spPr>
+        <p:style>
+          <a:lnRef idx="3">
+            <a:schemeClr val="dk1"/>
+          </a:lnRef>
+          <a:fillRef idx="0">
+            <a:schemeClr val="dk1"/>
+          </a:fillRef>
+          <a:effectRef idx="2">
+            <a:schemeClr val="dk1"/>
+          </a:effectRef>
+          <a:fontRef idx="minor">
+            <a:schemeClr val="tx1"/>
+          </a:fontRef>
+        </p:style>
+      </p:cxnSp>
+    </p:spTree>
+    <p:extLst>
+      <p:ext uri="{BB962C8B-B14F-4D97-AF65-F5344CB8AC3E}">
+        <p14:creationId xmlns:p14="http://schemas.microsoft.com/office/powerpoint/2010/main" val="783922636"/>
+      </p:ext>
+    </p:extLst>
+  </p:cSld>
+  <p:clrMapOvr>
+    <a:masterClrMapping/>
+  </p:clrMapOvr>
+  <p:timing>
+    <p:tnLst>
+      <p:par>
+        <p:cTn id="1" dur="indefinite" restart="never" nodeType="tmRoot"/>
+      </p:par>
+    </p:tnLst>
+  </p:timing>
+</p:sld>
+</file>
+
+<file path=ppt/slides/slide8.xml><?xml version="1.0" encoding="utf-8"?>
+<p:sld xmlns:a="http://schemas.openxmlformats.org/drawingml/2006/main" xmlns:r="http://schemas.openxmlformats.org/officeDocument/2006/relationships" xmlns:p="http://schemas.openxmlformats.org/presentationml/2006/main">
+  <p:cSld>
+    <p:spTree>
+      <p:nvGrpSpPr>
+        <p:cNvPr id="1" name=""/>
+        <p:cNvGrpSpPr/>
+        <p:nvPr/>
+      </p:nvGrpSpPr>
+      <p:grpSpPr>
+        <a:xfrm>
+          <a:off x="0" y="0"/>
+          <a:ext cx="0" cy="0"/>
+          <a:chOff x="0" y="0"/>
+          <a:chExt cx="0" cy="0"/>
+        </a:xfrm>
+      </p:grpSpPr>
+      <p:sp>
+        <p:nvSpPr>
+          <p:cNvPr id="2" name="タイトル 1"/>
+          <p:cNvSpPr>
+            <a:spLocks noGrp="1"/>
+          </p:cNvSpPr>
+          <p:nvPr>
+            <p:ph type="title"/>
+          </p:nvPr>
+        </p:nvSpPr>
+        <p:spPr/>
+        <p:txBody>
+          <a:bodyPr/>
+          <a:lstStyle/>
+          <a:p>
+            <a:pPr algn="just"/>
+            <a:r>
+              <a:rPr lang="ja-JP" altLang="en-US" dirty="0"/>
+              <a:t>進捗</a:t>
+            </a:r>
+            <a:r>
+              <a:rPr lang="ja-JP" altLang="en-US" dirty="0" smtClean="0"/>
+              <a:t>状況と</a:t>
+            </a:r>
+            <a:r>
+              <a:rPr kumimoji="1" lang="ja-JP" altLang="en-US" dirty="0" smtClean="0"/>
+              <a:t>今後</a:t>
+            </a:r>
+            <a:r>
+              <a:rPr kumimoji="1" lang="ja-JP" altLang="en-US" dirty="0"/>
+              <a:t>のスケジュール</a:t>
+            </a:r>
+          </a:p>
+        </p:txBody>
+      </p:sp>
+      <p:sp>
+        <p:nvSpPr>
+          <p:cNvPr id="3" name="コンテンツ プレースホルダー 2"/>
+          <p:cNvSpPr>
+            <a:spLocks noGrp="1"/>
+          </p:cNvSpPr>
+          <p:nvPr>
+            <p:ph idx="1"/>
+          </p:nvPr>
+        </p:nvSpPr>
+        <p:spPr>
+          <a:xfrm>
+            <a:off x="628650" y="4259412"/>
+            <a:ext cx="7886700" cy="1994739"/>
+          </a:xfrm>
+        </p:spPr>
+        <p:txBody>
+          <a:bodyPr>
+            <a:normAutofit/>
+          </a:bodyPr>
+          <a:lstStyle/>
+          <a:p>
+            <a:pPr marL="0" indent="0" algn="just">
+              <a:buNone/>
+            </a:pPr>
+            <a:r>
+              <a:rPr lang="ja-JP" altLang="en-US" sz="2400" dirty="0" smtClean="0"/>
+              <a:t>今後の</a:t>
+            </a:r>
+            <a:r>
+              <a:rPr lang="ja-JP" altLang="en-US" sz="2400" dirty="0" smtClean="0"/>
+              <a:t>スケジュール</a:t>
+            </a:r>
+            <a:endParaRPr lang="en-US" altLang="ja-JP" sz="2400" dirty="0" smtClean="0"/>
+          </a:p>
+          <a:p>
+            <a:pPr algn="just"/>
+            <a:r>
+              <a:rPr lang="ja-JP" altLang="en-US" sz="2400" dirty="0" smtClean="0"/>
+              <a:t>穴あき問題をレベル分けに自動で作成する関数を作成．</a:t>
+            </a:r>
+            <a:endParaRPr lang="en-US" altLang="ja-JP" sz="2400" dirty="0"/>
+          </a:p>
+          <a:p>
+            <a:pPr algn="just"/>
+            <a:r>
+              <a:rPr kumimoji="1" lang="ja-JP" altLang="en-US" sz="2400" dirty="0" smtClean="0"/>
+              <a:t>論理的思考を身に着けるための</a:t>
+            </a:r>
+            <a:r>
+              <a:rPr lang="ja-JP" altLang="en-US" sz="2400" dirty="0" smtClean="0"/>
+              <a:t>，</a:t>
+            </a:r>
+            <a:r>
+              <a:rPr lang="ja-JP" altLang="en-US" sz="2400" dirty="0"/>
+              <a:t>問題文</a:t>
+            </a:r>
+            <a:r>
+              <a:rPr lang="ja-JP" altLang="en-US" sz="2400" dirty="0" smtClean="0"/>
+              <a:t>を読み解く</a:t>
+            </a:r>
+            <a:r>
+              <a:rPr kumimoji="1" lang="ja-JP" altLang="en-US" sz="2400" dirty="0" smtClean="0"/>
+              <a:t>プロセス</a:t>
+            </a:r>
+            <a:r>
+              <a:rPr kumimoji="1" lang="ja-JP" altLang="en-US" sz="2400" dirty="0" smtClean="0"/>
+              <a:t>について</a:t>
+            </a:r>
+            <a:r>
+              <a:rPr lang="ja-JP" altLang="en-US" sz="2400" dirty="0" smtClean="0"/>
+              <a:t>，</a:t>
+            </a:r>
+            <a:r>
+              <a:rPr kumimoji="1" lang="ja-JP" altLang="en-US" sz="2400" dirty="0" smtClean="0"/>
+              <a:t>フローチャート</a:t>
+            </a:r>
+            <a:r>
+              <a:rPr kumimoji="1" lang="ja-JP" altLang="en-US" sz="2400" dirty="0" smtClean="0"/>
+              <a:t>の表示</a:t>
+            </a:r>
+            <a:r>
+              <a:rPr kumimoji="1" lang="ja-JP" altLang="en-US" sz="2400" dirty="0" smtClean="0"/>
+              <a:t>など視覚的ヒントを作成．</a:t>
+            </a:r>
+            <a:endParaRPr lang="en-US" altLang="ja-JP" sz="2400" dirty="0" smtClean="0"/>
+          </a:p>
+        </p:txBody>
+      </p:sp>
+      <p:sp>
+        <p:nvSpPr>
+          <p:cNvPr id="4" name="スライド番号プレースホルダー 3"/>
+          <p:cNvSpPr>
+            <a:spLocks noGrp="1"/>
+          </p:cNvSpPr>
+          <p:nvPr>
+            <p:ph type="sldNum" sz="quarter" idx="12"/>
+          </p:nvPr>
+        </p:nvSpPr>
+        <p:spPr/>
+        <p:txBody>
+          <a:bodyPr/>
+          <a:lstStyle/>
+          <a:p>
+            <a:pPr algn="just"/>
+            <a:fld id="{B4451160-128F-4DAD-AE29-4A8CC0E7B9E9}" type="slidenum">
+              <a:rPr kumimoji="1" lang="ja-JP" altLang="en-US" smtClean="0"/>
+              <a:pPr algn="just"/>
+              <a:t>8</a:t>
+            </a:fld>
+            <a:endParaRPr kumimoji="1" lang="ja-JP" altLang="en-US" dirty="0"/>
+          </a:p>
+        </p:txBody>
+      </p:sp>
+      <p:sp>
+        <p:nvSpPr>
+          <p:cNvPr id="5" name="コンテンツ プレースホルダー 2"/>
+          <p:cNvSpPr txBox="1">
+            <a:spLocks/>
+          </p:cNvSpPr>
+          <p:nvPr/>
+        </p:nvSpPr>
+        <p:spPr>
+          <a:xfrm>
+            <a:off x="628650" y="1524000"/>
+            <a:ext cx="8144414" cy="2432304"/>
+          </a:xfrm>
+          <a:prstGeom prst="rect">
+            <a:avLst/>
+          </a:prstGeom>
+        </p:spPr>
         <p:txBody>
           <a:bodyPr vert="horz" lIns="91440" tIns="45720" rIns="91440" bIns="45720" rtlCol="0">
-            <a:normAutofit fontScale="85000" lnSpcReduction="10000"/>
+            <a:normAutofit/>
           </a:bodyPr>
           <a:lstStyle>
             <a:lvl1pPr marL="228600" indent="-228600" algn="l" defTabSz="914400" rtl="0" eaLnBrk="1" latinLnBrk="0" hangingPunct="1">
@@ -5015,62 +7239,78 @@
               <a:buNone/>
             </a:pPr>
             <a:r>
-              <a:rPr lang="ja-JP" altLang="en-US" dirty="0" smtClean="0"/>
+              <a:rPr lang="ja-JP" altLang="en-US" sz="2400" dirty="0" smtClean="0"/>
               <a:t>進捗状況</a:t>
             </a:r>
-            <a:endParaRPr lang="en-US" altLang="ja-JP" dirty="0" smtClean="0"/>
+            <a:endParaRPr lang="en-US" altLang="ja-JP" sz="2400" dirty="0" smtClean="0"/>
           </a:p>
           <a:p>
             <a:pPr algn="just"/>
             <a:r>
-              <a:rPr lang="ja-JP" altLang="en-US" dirty="0" smtClean="0"/>
-              <a:t>コードジェネレート機能を用いたプログラミング言語への変換と表示</a:t>
-            </a:r>
-            <a:endParaRPr lang="en-US" altLang="ja-JP" dirty="0" smtClean="0"/>
+              <a:rPr lang="ja-JP" altLang="en-US" sz="2400" dirty="0" smtClean="0"/>
+              <a:t>コードジェネレート機能を用いたプログラミング言語への</a:t>
+            </a:r>
+            <a:r>
+              <a:rPr lang="ja-JP" altLang="en-US" sz="2400" dirty="0" smtClean="0"/>
+              <a:t>変換．</a:t>
+            </a:r>
+            <a:endParaRPr lang="en-US" altLang="ja-JP" sz="2400" dirty="0" smtClean="0"/>
           </a:p>
           <a:p>
             <a:pPr algn="just"/>
             <a:r>
-              <a:rPr lang="en-US" altLang="ja-JP" dirty="0" err="1" smtClean="0"/>
-              <a:t>Blockly</a:t>
-            </a:r>
-            <a:r>
-              <a:rPr lang="ja-JP" altLang="en-US" dirty="0" smtClean="0"/>
-              <a:t>環境に</a:t>
-            </a:r>
-            <a:r>
-              <a:rPr lang="ja-JP" altLang="en-US" dirty="0" smtClean="0"/>
-              <a:t>おける，</a:t>
-            </a:r>
-            <a:r>
-              <a:rPr lang="en-US" altLang="ja-JP" dirty="0" smtClean="0"/>
+              <a:rPr lang="en-US" altLang="ja-JP" sz="2400" dirty="0" smtClean="0"/>
               <a:t>WEB</a:t>
             </a:r>
             <a:r>
-              <a:rPr lang="ja-JP" altLang="en-US" dirty="0" smtClean="0"/>
-              <a:t>ブラウザ上でのコードの実行</a:t>
-            </a:r>
-            <a:endParaRPr lang="en-US" altLang="ja-JP" dirty="0" smtClean="0"/>
+              <a:rPr lang="ja-JP" altLang="en-US" sz="2400" dirty="0" smtClean="0"/>
+              <a:t>ブラウザ上でのコードの</a:t>
+            </a:r>
+            <a:r>
+              <a:rPr lang="ja-JP" altLang="en-US" sz="2400" dirty="0"/>
+              <a:t>実行．</a:t>
+            </a:r>
+            <a:endParaRPr lang="en-US" altLang="ja-JP" sz="2400" dirty="0" smtClean="0"/>
           </a:p>
           <a:p>
             <a:pPr algn="just"/>
             <a:r>
-              <a:rPr lang="ja-JP" altLang="en-US" dirty="0" smtClean="0"/>
-              <a:t>問題と解答から正誤の判定</a:t>
-            </a:r>
-            <a:endParaRPr lang="en-US" altLang="ja-JP" dirty="0" smtClean="0"/>
+              <a:rPr lang="ja-JP" altLang="en-US" sz="2400" dirty="0" smtClean="0"/>
+              <a:t>解答の正誤</a:t>
+            </a:r>
+            <a:r>
+              <a:rPr lang="ja-JP" altLang="en-US" sz="2400" dirty="0"/>
+              <a:t>を</a:t>
+            </a:r>
+            <a:r>
+              <a:rPr lang="ja-JP" altLang="en-US" sz="2400" dirty="0" smtClean="0"/>
+              <a:t>判定するプログラム</a:t>
+            </a:r>
+            <a:r>
+              <a:rPr lang="ja-JP" altLang="en-US" sz="2400" dirty="0"/>
+              <a:t>の作成．</a:t>
+            </a:r>
+            <a:endParaRPr lang="en-US" altLang="ja-JP" sz="2400" dirty="0" smtClean="0"/>
           </a:p>
           <a:p>
             <a:pPr algn="just"/>
             <a:r>
-              <a:rPr lang="ja-JP" altLang="en-US" dirty="0" smtClean="0"/>
-              <a:t>問題文を一部穴あきにするサンプル</a:t>
-            </a:r>
-            <a:endParaRPr lang="en-US" altLang="ja-JP" dirty="0" smtClean="0"/>
+              <a:rPr lang="ja-JP" altLang="en-US" sz="2400" dirty="0" smtClean="0"/>
+              <a:t>問題文を一部穴あきにする</a:t>
+            </a:r>
+            <a:r>
+              <a:rPr lang="ja-JP" altLang="en-US" sz="2400" dirty="0" smtClean="0"/>
+              <a:t>サンプル</a:t>
+            </a:r>
+            <a:r>
+              <a:rPr lang="ja-JP" altLang="en-US" sz="2400" dirty="0"/>
+              <a:t>の作成．</a:t>
+            </a:r>
+            <a:endParaRPr lang="en-US" altLang="ja-JP" sz="2400" dirty="0" smtClean="0"/>
           </a:p>
           <a:p>
             <a:pPr algn="just"/>
-            <a:endParaRPr lang="ja-JP" altLang="en-US" dirty="0"/>
+            <a:endParaRPr lang="ja-JP" altLang="en-US" sz="2400" dirty="0"/>
           </a:p>
         </p:txBody>
       </p:sp>
@@ -5078,1566 +7318,6 @@
     <p:extLst>
       <p:ext uri="{BB962C8B-B14F-4D97-AF65-F5344CB8AC3E}">
         <p14:creationId xmlns:p14="http://schemas.microsoft.com/office/powerpoint/2010/main" val="2460047817"/>
-      </p:ext>
-    </p:extLst>
-  </p:cSld>
-  <p:clrMapOvr>
-    <a:masterClrMapping/>
-  </p:clrMapOvr>
-  <p:timing>
-    <p:tnLst>
-      <p:par>
-        <p:cTn id="1" dur="indefinite" restart="never" nodeType="tmRoot"/>
-      </p:par>
-    </p:tnLst>
-  </p:timing>
-</p:sld>
-</file>
-
-<file path=ppt/slides/slide11.xml><?xml version="1.0" encoding="utf-8"?>
-<p:sld xmlns:a="http://schemas.openxmlformats.org/drawingml/2006/main" xmlns:r="http://schemas.openxmlformats.org/officeDocument/2006/relationships" xmlns:p="http://schemas.openxmlformats.org/presentationml/2006/main">
-  <p:cSld>
-    <p:spTree>
-      <p:nvGrpSpPr>
-        <p:cNvPr id="1" name=""/>
-        <p:cNvGrpSpPr/>
-        <p:nvPr/>
-      </p:nvGrpSpPr>
-      <p:grpSpPr>
-        <a:xfrm>
-          <a:off x="0" y="0"/>
-          <a:ext cx="0" cy="0"/>
-          <a:chOff x="0" y="0"/>
-          <a:chExt cx="0" cy="0"/>
-        </a:xfrm>
-      </p:grpSpPr>
-      <p:sp>
-        <p:nvSpPr>
-          <p:cNvPr id="2" name="タイトル 1"/>
-          <p:cNvSpPr>
-            <a:spLocks noGrp="1"/>
-          </p:cNvSpPr>
-          <p:nvPr>
-            <p:ph type="ctrTitle"/>
-          </p:nvPr>
-        </p:nvSpPr>
-        <p:spPr>
-          <a:xfrm>
-            <a:off x="685800" y="2112963"/>
-            <a:ext cx="7772400" cy="2387600"/>
-          </a:xfrm>
-        </p:spPr>
-        <p:txBody>
-          <a:bodyPr>
-            <a:noAutofit/>
-          </a:bodyPr>
-          <a:lstStyle/>
-          <a:p>
-            <a:r>
-              <a:rPr lang="ja-JP" altLang="en-US" sz="2000" dirty="0"/>
-              <a:t/>
-            </a:r>
-            <a:br>
-              <a:rPr lang="ja-JP" altLang="en-US" sz="2000" dirty="0"/>
-            </a:br>
-            <a:r>
-              <a:rPr lang="en-US" altLang="ja-JP" sz="2000" dirty="0"/>
-              <a:t>•</a:t>
-            </a:r>
-            <a:r>
-              <a:rPr lang="ja-JP" altLang="en-US" sz="2000" dirty="0"/>
-              <a:t>ブロックプログラミングを用いた論理的思考とコーディングを身に着けるための研究</a:t>
-            </a:r>
-            <a:br>
-              <a:rPr lang="ja-JP" altLang="en-US" sz="2000" dirty="0"/>
-            </a:br>
-            <a:r>
-              <a:rPr lang="en-US" altLang="ja-JP" sz="2000" dirty="0"/>
-              <a:t>•</a:t>
-            </a:r>
-            <a:r>
-              <a:rPr lang="ja-JP" altLang="en-US" sz="2000" dirty="0"/>
-              <a:t>ブロックプログラミングによる論理的思考とコーディングを学ぶための研究</a:t>
-            </a:r>
-            <a:br>
-              <a:rPr lang="ja-JP" altLang="en-US" sz="2000" dirty="0"/>
-            </a:br>
-            <a:r>
-              <a:rPr lang="en-US" altLang="ja-JP" sz="2000" dirty="0"/>
-              <a:t>•</a:t>
-            </a:r>
-            <a:r>
-              <a:rPr lang="ja-JP" altLang="en-US" sz="2000" dirty="0"/>
-              <a:t>アルゴリズムとコードを理解するためのブロックプログラミングを用いた研究</a:t>
-            </a:r>
-            <a:br>
-              <a:rPr lang="ja-JP" altLang="en-US" sz="2000" dirty="0"/>
-            </a:br>
-            <a:r>
-              <a:rPr lang="ja-JP" altLang="en-US" sz="2000" dirty="0"/>
-              <a:t/>
-            </a:r>
-            <a:br>
-              <a:rPr lang="ja-JP" altLang="en-US" sz="2000" dirty="0"/>
-            </a:br>
-            <a:endParaRPr kumimoji="1" lang="ja-JP" altLang="en-US" sz="2000" dirty="0"/>
-          </a:p>
-        </p:txBody>
-      </p:sp>
-      <p:sp>
-        <p:nvSpPr>
-          <p:cNvPr id="3" name="サブタイトル 2"/>
-          <p:cNvSpPr>
-            <a:spLocks noGrp="1"/>
-          </p:cNvSpPr>
-          <p:nvPr>
-            <p:ph type="subTitle" idx="1"/>
-          </p:nvPr>
-        </p:nvSpPr>
-        <p:spPr>
-          <a:xfrm>
-            <a:off x="1143000" y="4700589"/>
-            <a:ext cx="6858000" cy="1655762"/>
-          </a:xfrm>
-        </p:spPr>
-        <p:txBody>
-          <a:bodyPr/>
-          <a:lstStyle/>
-          <a:p>
-            <a:r>
-              <a:rPr kumimoji="1" lang="ja-JP" altLang="en-US" dirty="0"/>
-              <a:t>学籍番号</a:t>
-            </a:r>
-            <a:r>
-              <a:rPr kumimoji="1" lang="ja-JP" altLang="en-US" dirty="0" smtClean="0"/>
-              <a:t>：１８２１１２１</a:t>
-            </a:r>
-            <a:endParaRPr kumimoji="1" lang="en-US" altLang="ja-JP" dirty="0" smtClean="0"/>
-          </a:p>
-          <a:p>
-            <a:r>
-              <a:rPr kumimoji="1" lang="ja-JP" altLang="en-US" dirty="0" smtClean="0"/>
-              <a:t>氏名：島岡慎也</a:t>
-            </a:r>
-            <a:endParaRPr kumimoji="1" lang="en-US" altLang="ja-JP" dirty="0"/>
-          </a:p>
-          <a:p>
-            <a:r>
-              <a:rPr lang="ja-JP" altLang="en-US" dirty="0"/>
-              <a:t>指導教員：鷹野 孝典 教授</a:t>
-            </a:r>
-          </a:p>
-          <a:p>
-            <a:endParaRPr kumimoji="1" lang="ja-JP" altLang="en-US" dirty="0"/>
-          </a:p>
-        </p:txBody>
-      </p:sp>
-      <p:sp>
-        <p:nvSpPr>
-          <p:cNvPr id="5" name="スライド番号プレースホルダー 4"/>
-          <p:cNvSpPr>
-            <a:spLocks noGrp="1"/>
-          </p:cNvSpPr>
-          <p:nvPr>
-            <p:ph type="sldNum" sz="quarter" idx="12"/>
-          </p:nvPr>
-        </p:nvSpPr>
-        <p:spPr/>
-        <p:txBody>
-          <a:bodyPr/>
-          <a:lstStyle/>
-          <a:p>
-            <a:fld id="{B4451160-128F-4DAD-AE29-4A8CC0E7B9E9}" type="slidenum">
-              <a:rPr kumimoji="1" lang="ja-JP" altLang="en-US" smtClean="0"/>
-              <a:t>11</a:t>
-            </a:fld>
-            <a:endParaRPr kumimoji="1" lang="ja-JP" altLang="en-US" dirty="0"/>
-          </a:p>
-        </p:txBody>
-      </p:sp>
-      <p:sp>
-        <p:nvSpPr>
-          <p:cNvPr id="4" name="テキスト ボックス 3"/>
-          <p:cNvSpPr txBox="1"/>
-          <p:nvPr/>
-        </p:nvSpPr>
-        <p:spPr>
-          <a:xfrm>
-            <a:off x="5447154" y="1122363"/>
-            <a:ext cx="3696846" cy="300082"/>
-          </a:xfrm>
-          <a:prstGeom prst="rect">
-            <a:avLst/>
-          </a:prstGeom>
-          <a:noFill/>
-        </p:spPr>
-        <p:txBody>
-          <a:bodyPr wrap="none" rtlCol="0">
-            <a:spAutoFit/>
-          </a:bodyPr>
-          <a:lstStyle/>
-          <a:p>
-            <a:r>
-              <a:rPr lang="ja-JP" altLang="en-US" sz="1350" dirty="0"/>
-              <a:t>情報工学科 中間発表　</a:t>
-            </a:r>
-            <a:r>
-              <a:rPr lang="en-US" altLang="ja-JP" sz="1350" dirty="0" smtClean="0"/>
-              <a:t>2021</a:t>
-            </a:r>
-            <a:r>
-              <a:rPr lang="ja-JP" altLang="en-US" sz="1350" dirty="0" smtClean="0"/>
-              <a:t>年</a:t>
-            </a:r>
-            <a:r>
-              <a:rPr lang="en-US" altLang="ja-JP" sz="1350" dirty="0" smtClean="0"/>
-              <a:t>07</a:t>
-            </a:r>
-            <a:r>
-              <a:rPr lang="ja-JP" altLang="en-US" sz="1350" dirty="0" smtClean="0"/>
-              <a:t>月</a:t>
-            </a:r>
-            <a:r>
-              <a:rPr lang="en-US" altLang="ja-JP" sz="1350" dirty="0" smtClean="0"/>
-              <a:t>28</a:t>
-            </a:r>
-            <a:r>
-              <a:rPr lang="ja-JP" altLang="en-US" sz="1350" dirty="0" smtClean="0"/>
-              <a:t>日</a:t>
-            </a:r>
-            <a:r>
-              <a:rPr lang="en-US" altLang="ja-JP" sz="1350" dirty="0" smtClean="0"/>
-              <a:t>~30</a:t>
-            </a:r>
-            <a:r>
-              <a:rPr lang="ja-JP" altLang="en-US" sz="1350" dirty="0" smtClean="0"/>
-              <a:t>日</a:t>
-            </a:r>
-            <a:endParaRPr lang="ja-JP" altLang="en-US" sz="1350" dirty="0"/>
-          </a:p>
-        </p:txBody>
-      </p:sp>
-    </p:spTree>
-    <p:extLst>
-      <p:ext uri="{BB962C8B-B14F-4D97-AF65-F5344CB8AC3E}">
-        <p14:creationId xmlns:p14="http://schemas.microsoft.com/office/powerpoint/2010/main" val="4177902719"/>
-      </p:ext>
-    </p:extLst>
-  </p:cSld>
-  <p:clrMapOvr>
-    <a:masterClrMapping/>
-  </p:clrMapOvr>
-  <p:timing>
-    <p:tnLst>
-      <p:par>
-        <p:cTn id="1" dur="indefinite" restart="never" nodeType="tmRoot"/>
-      </p:par>
-    </p:tnLst>
-  </p:timing>
-</p:sld>
-</file>
-
-<file path=ppt/slides/slide2.xml><?xml version="1.0" encoding="utf-8"?>
-<p:sld xmlns:a="http://schemas.openxmlformats.org/drawingml/2006/main" xmlns:r="http://schemas.openxmlformats.org/officeDocument/2006/relationships" xmlns:p="http://schemas.openxmlformats.org/presentationml/2006/main">
-  <p:cSld>
-    <p:spTree>
-      <p:nvGrpSpPr>
-        <p:cNvPr id="1" name=""/>
-        <p:cNvGrpSpPr/>
-        <p:nvPr/>
-      </p:nvGrpSpPr>
-      <p:grpSpPr>
-        <a:xfrm>
-          <a:off x="0" y="0"/>
-          <a:ext cx="0" cy="0"/>
-          <a:chOff x="0" y="0"/>
-          <a:chExt cx="0" cy="0"/>
-        </a:xfrm>
-      </p:grpSpPr>
-      <p:sp>
-        <p:nvSpPr>
-          <p:cNvPr id="2" name="タイトル 1"/>
-          <p:cNvSpPr>
-            <a:spLocks noGrp="1"/>
-          </p:cNvSpPr>
-          <p:nvPr>
-            <p:ph type="title"/>
-          </p:nvPr>
-        </p:nvSpPr>
-        <p:spPr/>
-        <p:txBody>
-          <a:bodyPr/>
-          <a:lstStyle/>
-          <a:p>
-            <a:r>
-              <a:rPr kumimoji="1" lang="ja-JP" altLang="en-US" dirty="0"/>
-              <a:t>研究動機</a:t>
-            </a:r>
-          </a:p>
-        </p:txBody>
-      </p:sp>
-      <p:sp>
-        <p:nvSpPr>
-          <p:cNvPr id="3" name="コンテンツ プレースホルダー 2"/>
-          <p:cNvSpPr>
-            <a:spLocks noGrp="1"/>
-          </p:cNvSpPr>
-          <p:nvPr>
-            <p:ph idx="1"/>
-          </p:nvPr>
-        </p:nvSpPr>
-        <p:spPr/>
-        <p:txBody>
-          <a:bodyPr>
-            <a:normAutofit/>
-          </a:bodyPr>
-          <a:lstStyle/>
-          <a:p>
-            <a:pPr algn="just"/>
-            <a:r>
-              <a:rPr lang="ja-JP" altLang="en-US" dirty="0" smtClean="0"/>
-              <a:t>小学生</a:t>
-            </a:r>
-            <a:r>
-              <a:rPr lang="ja-JP" altLang="en-US" dirty="0"/>
-              <a:t>から高校生までが勉強するために，教科書を読み進めるだけでは難しい場合が考えられる</a:t>
-            </a:r>
-            <a:r>
-              <a:rPr lang="ja-JP" altLang="en-US" dirty="0" smtClean="0"/>
-              <a:t>．</a:t>
-            </a:r>
-            <a:endParaRPr lang="en-US" altLang="ja-JP" dirty="0" smtClean="0"/>
-          </a:p>
-          <a:p>
-            <a:pPr algn="just"/>
-            <a:r>
-              <a:rPr lang="ja-JP" altLang="en-US" dirty="0" smtClean="0"/>
-              <a:t>学習者</a:t>
-            </a:r>
-            <a:r>
-              <a:rPr lang="ja-JP" altLang="en-US" dirty="0"/>
-              <a:t>が実際にプログラミングに触れてみることで，論理的思考を身に</a:t>
-            </a:r>
-            <a:r>
-              <a:rPr lang="ja-JP" altLang="en-US" dirty="0" smtClean="0"/>
-              <a:t>着けられる環境</a:t>
-            </a:r>
-            <a:r>
-              <a:rPr lang="ja-JP" altLang="en-US" dirty="0"/>
-              <a:t>を</a:t>
-            </a:r>
-            <a:r>
-              <a:rPr lang="ja-JP" altLang="en-US" dirty="0" smtClean="0"/>
-              <a:t>作成したいと</a:t>
-            </a:r>
-            <a:r>
-              <a:rPr lang="ja-JP" altLang="en-US" dirty="0"/>
-              <a:t>考えた</a:t>
-            </a:r>
-            <a:r>
-              <a:rPr lang="ja-JP" altLang="en-US" dirty="0" smtClean="0"/>
-              <a:t>．</a:t>
-            </a:r>
-            <a:endParaRPr lang="en-US" altLang="ja-JP" dirty="0" smtClean="0"/>
-          </a:p>
-          <a:p>
-            <a:pPr algn="just"/>
-            <a:r>
-              <a:rPr lang="ja-JP" altLang="en-US" dirty="0" smtClean="0"/>
-              <a:t>ブロックプログラミングを利用することにより，学習</a:t>
-            </a:r>
-            <a:r>
-              <a:rPr lang="ja-JP" altLang="en-US" dirty="0" smtClean="0"/>
-              <a:t>の最初期</a:t>
-            </a:r>
-            <a:r>
-              <a:rPr lang="ja-JP" altLang="en-US" dirty="0" smtClean="0"/>
-              <a:t>段階でプログラムの構文を理解することなく実行することができる．</a:t>
-            </a:r>
-            <a:endParaRPr lang="en-US" altLang="ja-JP" dirty="0" smtClean="0"/>
-          </a:p>
-          <a:p>
-            <a:pPr algn="just"/>
-            <a:endParaRPr lang="en-US" altLang="ja-JP" dirty="0"/>
-          </a:p>
-          <a:p>
-            <a:pPr algn="just"/>
-            <a:endParaRPr kumimoji="1" lang="ja-JP" altLang="en-US" dirty="0"/>
-          </a:p>
-        </p:txBody>
-      </p:sp>
-      <p:sp>
-        <p:nvSpPr>
-          <p:cNvPr id="4" name="スライド番号プレースホルダー 3"/>
-          <p:cNvSpPr>
-            <a:spLocks noGrp="1"/>
-          </p:cNvSpPr>
-          <p:nvPr>
-            <p:ph type="sldNum" sz="quarter" idx="12"/>
-          </p:nvPr>
-        </p:nvSpPr>
-        <p:spPr/>
-        <p:txBody>
-          <a:bodyPr/>
-          <a:lstStyle/>
-          <a:p>
-            <a:fld id="{B4451160-128F-4DAD-AE29-4A8CC0E7B9E9}" type="slidenum">
-              <a:rPr kumimoji="1" lang="ja-JP" altLang="en-US" smtClean="0"/>
-              <a:t>2</a:t>
-            </a:fld>
-            <a:endParaRPr kumimoji="1" lang="ja-JP" altLang="en-US" dirty="0"/>
-          </a:p>
-        </p:txBody>
-      </p:sp>
-    </p:spTree>
-    <p:extLst>
-      <p:ext uri="{BB962C8B-B14F-4D97-AF65-F5344CB8AC3E}">
-        <p14:creationId xmlns:p14="http://schemas.microsoft.com/office/powerpoint/2010/main" val="3482704347"/>
-      </p:ext>
-    </p:extLst>
-  </p:cSld>
-  <p:clrMapOvr>
-    <a:masterClrMapping/>
-  </p:clrMapOvr>
-  <p:timing>
-    <p:tnLst>
-      <p:par>
-        <p:cTn id="1" dur="indefinite" restart="never" nodeType="tmRoot"/>
-      </p:par>
-    </p:tnLst>
-  </p:timing>
-</p:sld>
-</file>
-
-<file path=ppt/slides/slide3.xml><?xml version="1.0" encoding="utf-8"?>
-<p:sld xmlns:a="http://schemas.openxmlformats.org/drawingml/2006/main" xmlns:r="http://schemas.openxmlformats.org/officeDocument/2006/relationships" xmlns:p="http://schemas.openxmlformats.org/presentationml/2006/main">
-  <p:cSld>
-    <p:spTree>
-      <p:nvGrpSpPr>
-        <p:cNvPr id="1" name=""/>
-        <p:cNvGrpSpPr/>
-        <p:nvPr/>
-      </p:nvGrpSpPr>
-      <p:grpSpPr>
-        <a:xfrm>
-          <a:off x="0" y="0"/>
-          <a:ext cx="0" cy="0"/>
-          <a:chOff x="0" y="0"/>
-          <a:chExt cx="0" cy="0"/>
-        </a:xfrm>
-      </p:grpSpPr>
-      <p:sp>
-        <p:nvSpPr>
-          <p:cNvPr id="2" name="タイトル 1"/>
-          <p:cNvSpPr>
-            <a:spLocks noGrp="1"/>
-          </p:cNvSpPr>
-          <p:nvPr>
-            <p:ph type="title"/>
-          </p:nvPr>
-        </p:nvSpPr>
-        <p:spPr/>
-        <p:txBody>
-          <a:bodyPr/>
-          <a:lstStyle/>
-          <a:p>
-            <a:r>
-              <a:rPr kumimoji="1" lang="ja-JP" altLang="en-US" dirty="0"/>
-              <a:t>関連研究</a:t>
-            </a:r>
-          </a:p>
-        </p:txBody>
-      </p:sp>
-      <p:sp>
-        <p:nvSpPr>
-          <p:cNvPr id="3" name="コンテンツ プレースホルダー 2"/>
-          <p:cNvSpPr>
-            <a:spLocks noGrp="1"/>
-          </p:cNvSpPr>
-          <p:nvPr>
-            <p:ph idx="1"/>
-          </p:nvPr>
-        </p:nvSpPr>
-        <p:spPr/>
-        <p:txBody>
-          <a:bodyPr>
-            <a:normAutofit/>
-          </a:bodyPr>
-          <a:lstStyle/>
-          <a:p>
-            <a:pPr algn="just"/>
-            <a:r>
-              <a:rPr lang="ja-JP" altLang="en-US" dirty="0"/>
-              <a:t>論理的</a:t>
-            </a:r>
-            <a:r>
-              <a:rPr lang="ja-JP" altLang="en-US" dirty="0" smtClean="0"/>
-              <a:t>思考に関連</a:t>
-            </a:r>
-            <a:endParaRPr lang="en-US" altLang="ja-JP" dirty="0" smtClean="0"/>
-          </a:p>
-          <a:p>
-            <a:pPr lvl="1" algn="just"/>
-            <a:r>
-              <a:rPr lang="en-US" altLang="ja-JP" dirty="0" smtClean="0"/>
-              <a:t>[2021]</a:t>
-            </a:r>
-            <a:r>
-              <a:rPr lang="ja-JP" altLang="en-US" dirty="0"/>
-              <a:t>溝上 大樹</a:t>
-            </a:r>
-            <a:r>
-              <a:rPr lang="ja-JP" altLang="en-US" dirty="0" smtClean="0"/>
-              <a:t>「論理的</a:t>
-            </a:r>
-            <a:r>
-              <a:rPr lang="ja-JP" altLang="en-US" dirty="0"/>
-              <a:t>思考力を育成する国語科授業の検証 </a:t>
-            </a:r>
-            <a:r>
-              <a:rPr lang="ja-JP" altLang="en-US" dirty="0" smtClean="0"/>
-              <a:t>」</a:t>
-            </a:r>
-            <a:endParaRPr lang="en-US" altLang="ja-JP" dirty="0" smtClean="0">
-              <a:latin typeface="+mn-ea"/>
-            </a:endParaRPr>
-          </a:p>
-          <a:p>
-            <a:pPr lvl="1" algn="just"/>
-            <a:r>
-              <a:rPr lang="en-US" altLang="ja-JP" dirty="0" smtClean="0">
-                <a:latin typeface="+mn-ea"/>
-              </a:rPr>
-              <a:t>[2003]</a:t>
-            </a:r>
-            <a:r>
-              <a:rPr lang="ja-JP" altLang="en-US" dirty="0" smtClean="0">
-                <a:latin typeface="+mn-ea"/>
-              </a:rPr>
-              <a:t>道田</a:t>
-            </a:r>
-            <a:r>
-              <a:rPr lang="en-US" altLang="ja-JP" dirty="0">
-                <a:latin typeface="+mn-ea"/>
-              </a:rPr>
-              <a:t> </a:t>
-            </a:r>
-            <a:r>
-              <a:rPr lang="ja-JP" altLang="en-US" dirty="0" smtClean="0">
-                <a:latin typeface="+mn-ea"/>
-              </a:rPr>
-              <a:t>泰司「論理的</a:t>
-            </a:r>
-            <a:r>
-              <a:rPr lang="ja-JP" altLang="en-US" dirty="0">
-                <a:latin typeface="+mn-ea"/>
-              </a:rPr>
-              <a:t>思考とは何か</a:t>
-            </a:r>
-            <a:r>
-              <a:rPr lang="en-US" altLang="ja-JP" dirty="0" smtClean="0">
-                <a:latin typeface="+mn-ea"/>
-              </a:rPr>
-              <a:t>?</a:t>
-            </a:r>
-            <a:r>
-              <a:rPr lang="ja-JP" altLang="en-US" dirty="0" smtClean="0">
-                <a:latin typeface="+mn-ea"/>
-              </a:rPr>
-              <a:t>」</a:t>
-            </a:r>
-            <a:endParaRPr lang="en-US" altLang="ja-JP" dirty="0" smtClean="0">
-              <a:latin typeface="+mn-ea"/>
-            </a:endParaRPr>
-          </a:p>
-          <a:p>
-            <a:pPr lvl="1" algn="just"/>
-            <a:endParaRPr lang="en-US" altLang="ja-JP" dirty="0" smtClean="0">
-              <a:latin typeface="+mn-ea"/>
-            </a:endParaRPr>
-          </a:p>
-          <a:p>
-            <a:pPr algn="just"/>
-            <a:r>
-              <a:rPr lang="ja-JP" altLang="en-US" dirty="0" smtClean="0">
-                <a:latin typeface="+mn-ea"/>
-              </a:rPr>
-              <a:t>　プログラミング教育に関連</a:t>
-            </a:r>
-            <a:endParaRPr lang="en-US" altLang="ja-JP" dirty="0" smtClean="0">
-              <a:latin typeface="+mn-ea"/>
-            </a:endParaRPr>
-          </a:p>
-          <a:p>
-            <a:pPr lvl="1" algn="just"/>
-            <a:r>
-              <a:rPr lang="en-US" altLang="ja-JP" dirty="0" smtClean="0">
-                <a:latin typeface="+mn-ea"/>
-              </a:rPr>
-              <a:t>[2011]</a:t>
-            </a:r>
-            <a:r>
-              <a:rPr lang="ja-JP" altLang="en-US" dirty="0">
-                <a:latin typeface="+mn-ea"/>
-              </a:rPr>
-              <a:t>伊永 </a:t>
-            </a:r>
-            <a:r>
-              <a:rPr lang="ja-JP" altLang="en-US" dirty="0" smtClean="0">
-                <a:latin typeface="+mn-ea"/>
-              </a:rPr>
-              <a:t>洋輔「</a:t>
-            </a:r>
-            <a:r>
-              <a:rPr lang="en-US" altLang="ja-JP" dirty="0" smtClean="0">
-                <a:latin typeface="+mn-ea"/>
-              </a:rPr>
-              <a:t>Java </a:t>
-            </a:r>
-            <a:r>
-              <a:rPr lang="ja-JP" altLang="en-US" dirty="0">
-                <a:latin typeface="+mn-ea"/>
-              </a:rPr>
-              <a:t>プログラミングの予約語学習のためのオンライン穴埋め問題機能の</a:t>
-            </a:r>
-            <a:r>
-              <a:rPr lang="ja-JP" altLang="en-US" dirty="0" smtClean="0">
-                <a:latin typeface="+mn-ea"/>
-              </a:rPr>
-              <a:t>実装」</a:t>
-            </a:r>
-            <a:endParaRPr kumimoji="1" lang="en-US" altLang="ja-JP" dirty="0">
-              <a:latin typeface="+mn-ea"/>
-            </a:endParaRPr>
-          </a:p>
-          <a:p>
-            <a:pPr lvl="1" algn="just"/>
-            <a:r>
-              <a:rPr lang="en-US" altLang="ja-JP" dirty="0" smtClean="0">
-                <a:latin typeface="+mn-ea"/>
-              </a:rPr>
-              <a:t>[2011]</a:t>
-            </a:r>
-            <a:r>
-              <a:rPr lang="zh-TW" altLang="en-US" dirty="0">
-                <a:latin typeface="ＭＳ Ｐゴシック" panose="020B0600070205080204" pitchFamily="50" charset="-128"/>
-                <a:ea typeface="ＭＳ Ｐゴシック" panose="020B0600070205080204" pitchFamily="50" charset="-128"/>
-              </a:rPr>
-              <a:t>森 秀樹</a:t>
-            </a:r>
-            <a:r>
-              <a:rPr lang="ja-JP" altLang="en-US" dirty="0" smtClean="0">
-                <a:latin typeface="+mn-ea"/>
-              </a:rPr>
-              <a:t>「</a:t>
-            </a:r>
-            <a:r>
-              <a:rPr lang="en-US" altLang="ja-JP" dirty="0" smtClean="0">
-                <a:latin typeface="+mn-ea"/>
-              </a:rPr>
-              <a:t>Scratch</a:t>
-            </a:r>
-            <a:r>
-              <a:rPr lang="ja-JP" altLang="en-US" dirty="0">
-                <a:latin typeface="+mn-ea"/>
-              </a:rPr>
-              <a:t>を</a:t>
-            </a:r>
-            <a:r>
-              <a:rPr lang="ja-JP" altLang="en-US" dirty="0" smtClean="0">
-                <a:latin typeface="+mn-ea"/>
-              </a:rPr>
-              <a:t>用いた小学校プログラ </a:t>
-            </a:r>
-            <a:r>
-              <a:rPr lang="ja-JP" altLang="en-US" dirty="0">
-                <a:latin typeface="+mn-ea"/>
-              </a:rPr>
-              <a:t>ミ </a:t>
-            </a:r>
-            <a:r>
-              <a:rPr lang="ja-JP" altLang="en-US" dirty="0" smtClean="0">
-                <a:latin typeface="+mn-ea"/>
-              </a:rPr>
-              <a:t>ング授業の実践」</a:t>
-            </a:r>
-            <a:endParaRPr kumimoji="1" lang="ja-JP" altLang="en-US" dirty="0"/>
-          </a:p>
-        </p:txBody>
-      </p:sp>
-      <p:sp>
-        <p:nvSpPr>
-          <p:cNvPr id="4" name="スライド番号プレースホルダー 3"/>
-          <p:cNvSpPr>
-            <a:spLocks noGrp="1"/>
-          </p:cNvSpPr>
-          <p:nvPr>
-            <p:ph type="sldNum" sz="quarter" idx="12"/>
-          </p:nvPr>
-        </p:nvSpPr>
-        <p:spPr/>
-        <p:txBody>
-          <a:bodyPr/>
-          <a:lstStyle/>
-          <a:p>
-            <a:fld id="{B4451160-128F-4DAD-AE29-4A8CC0E7B9E9}" type="slidenum">
-              <a:rPr kumimoji="1" lang="ja-JP" altLang="en-US" smtClean="0"/>
-              <a:t>3</a:t>
-            </a:fld>
-            <a:endParaRPr kumimoji="1" lang="ja-JP" altLang="en-US" dirty="0"/>
-          </a:p>
-        </p:txBody>
-      </p:sp>
-    </p:spTree>
-    <p:extLst>
-      <p:ext uri="{BB962C8B-B14F-4D97-AF65-F5344CB8AC3E}">
-        <p14:creationId xmlns:p14="http://schemas.microsoft.com/office/powerpoint/2010/main" val="3769541672"/>
-      </p:ext>
-    </p:extLst>
-  </p:cSld>
-  <p:clrMapOvr>
-    <a:masterClrMapping/>
-  </p:clrMapOvr>
-  <p:timing>
-    <p:tnLst>
-      <p:par>
-        <p:cTn id="1" dur="indefinite" restart="never" nodeType="tmRoot"/>
-      </p:par>
-    </p:tnLst>
-  </p:timing>
-</p:sld>
-</file>
-
-<file path=ppt/slides/slide4.xml><?xml version="1.0" encoding="utf-8"?>
-<p:sld xmlns:a="http://schemas.openxmlformats.org/drawingml/2006/main" xmlns:r="http://schemas.openxmlformats.org/officeDocument/2006/relationships" xmlns:p="http://schemas.openxmlformats.org/presentationml/2006/main">
-  <p:cSld>
-    <p:spTree>
-      <p:nvGrpSpPr>
-        <p:cNvPr id="1" name=""/>
-        <p:cNvGrpSpPr/>
-        <p:nvPr/>
-      </p:nvGrpSpPr>
-      <p:grpSpPr>
-        <a:xfrm>
-          <a:off x="0" y="0"/>
-          <a:ext cx="0" cy="0"/>
-          <a:chOff x="0" y="0"/>
-          <a:chExt cx="0" cy="0"/>
-        </a:xfrm>
-      </p:grpSpPr>
-      <p:sp>
-        <p:nvSpPr>
-          <p:cNvPr id="2" name="タイトル 1"/>
-          <p:cNvSpPr>
-            <a:spLocks noGrp="1"/>
-          </p:cNvSpPr>
-          <p:nvPr>
-            <p:ph type="title"/>
-          </p:nvPr>
-        </p:nvSpPr>
-        <p:spPr/>
-        <p:txBody>
-          <a:bodyPr/>
-          <a:lstStyle/>
-          <a:p>
-            <a:r>
-              <a:rPr kumimoji="1" lang="ja-JP" altLang="en-US" dirty="0"/>
-              <a:t>研究課題</a:t>
-            </a:r>
-          </a:p>
-        </p:txBody>
-      </p:sp>
-      <p:sp>
-        <p:nvSpPr>
-          <p:cNvPr id="3" name="コンテンツ プレースホルダー 2"/>
-          <p:cNvSpPr>
-            <a:spLocks noGrp="1"/>
-          </p:cNvSpPr>
-          <p:nvPr>
-            <p:ph idx="1"/>
-          </p:nvPr>
-        </p:nvSpPr>
-        <p:spPr>
-          <a:xfrm>
-            <a:off x="628650" y="1847851"/>
-            <a:ext cx="7886700" cy="4351338"/>
-          </a:xfrm>
-        </p:spPr>
-        <p:txBody>
-          <a:bodyPr>
-            <a:normAutofit/>
-          </a:bodyPr>
-          <a:lstStyle/>
-          <a:p>
-            <a:pPr algn="just"/>
-            <a:r>
-              <a:rPr lang="ja-JP" altLang="en-US" dirty="0" smtClean="0"/>
-              <a:t>本研究において論理的思考とは，「思考</a:t>
-            </a:r>
-            <a:r>
-              <a:rPr lang="ja-JP" altLang="en-US" dirty="0"/>
-              <a:t>や論証の</a:t>
-            </a:r>
-            <a:r>
-              <a:rPr lang="ja-JP" altLang="en-US" dirty="0" smtClean="0"/>
-              <a:t>組み立て，思考</a:t>
-            </a:r>
-            <a:r>
-              <a:rPr lang="ja-JP" altLang="en-US" dirty="0"/>
-              <a:t>の妥当性が保証される法則や</a:t>
-            </a:r>
-            <a:r>
-              <a:rPr lang="ja-JP" altLang="en-US" dirty="0" smtClean="0"/>
-              <a:t>形式」に則って思考を組み立てることとする．</a:t>
-            </a:r>
-            <a:endParaRPr lang="en-US" altLang="ja-JP" dirty="0" smtClean="0"/>
-          </a:p>
-          <a:p>
-            <a:pPr algn="just"/>
-            <a:r>
-              <a:rPr lang="ja-JP" altLang="en-US" dirty="0" smtClean="0"/>
-              <a:t>論理的思考がすでに培われていることが前提となる教育</a:t>
-            </a:r>
-            <a:r>
-              <a:rPr lang="ja-JP" altLang="en-US" dirty="0" smtClean="0"/>
-              <a:t>環境となって</a:t>
-            </a:r>
-            <a:r>
-              <a:rPr lang="ja-JP" altLang="en-US" dirty="0"/>
-              <a:t>いる．</a:t>
-            </a:r>
-            <a:endParaRPr lang="en-US" altLang="ja-JP" dirty="0"/>
-          </a:p>
-          <a:p>
-            <a:pPr marL="0" indent="0" algn="just">
-              <a:buNone/>
-            </a:pPr>
-            <a:r>
-              <a:rPr lang="ja-JP" altLang="en-US" dirty="0"/>
-              <a:t>　</a:t>
-            </a:r>
-            <a:r>
-              <a:rPr lang="ja-JP" altLang="en-US" dirty="0" smtClean="0"/>
-              <a:t>→問題文から意味を読み取って学習者が</a:t>
-            </a:r>
-            <a:r>
-              <a:rPr lang="ja-JP" altLang="en-US" dirty="0"/>
-              <a:t>ブロックを</a:t>
-            </a:r>
-            <a:r>
-              <a:rPr lang="ja-JP" altLang="en-US" dirty="0" smtClean="0"/>
-              <a:t>組み合わせるシステムでは，既に学習者が論理的な思考をもって問題文を読み取ることができている必要がある．</a:t>
-            </a:r>
-            <a:endParaRPr lang="en-US" altLang="ja-JP" dirty="0" smtClean="0"/>
-          </a:p>
-          <a:p>
-            <a:pPr marL="0" indent="0" algn="just">
-              <a:buNone/>
-            </a:pPr>
-            <a:r>
-              <a:rPr kumimoji="1" lang="ja-JP" altLang="en-US" sz="2600" dirty="0" smtClean="0"/>
-              <a:t>　</a:t>
-            </a:r>
-            <a:endParaRPr kumimoji="1" lang="en-US" altLang="ja-JP" sz="2600" dirty="0"/>
-          </a:p>
-        </p:txBody>
-      </p:sp>
-      <p:sp>
-        <p:nvSpPr>
-          <p:cNvPr id="4" name="スライド番号プレースホルダー 3"/>
-          <p:cNvSpPr>
-            <a:spLocks noGrp="1"/>
-          </p:cNvSpPr>
-          <p:nvPr>
-            <p:ph type="sldNum" sz="quarter" idx="12"/>
-          </p:nvPr>
-        </p:nvSpPr>
-        <p:spPr/>
-        <p:txBody>
-          <a:bodyPr/>
-          <a:lstStyle/>
-          <a:p>
-            <a:fld id="{B4451160-128F-4DAD-AE29-4A8CC0E7B9E9}" type="slidenum">
-              <a:rPr kumimoji="1" lang="ja-JP" altLang="en-US" smtClean="0"/>
-              <a:t>4</a:t>
-            </a:fld>
-            <a:endParaRPr kumimoji="1" lang="ja-JP" altLang="en-US" dirty="0"/>
-          </a:p>
-        </p:txBody>
-      </p:sp>
-    </p:spTree>
-    <p:extLst>
-      <p:ext uri="{BB962C8B-B14F-4D97-AF65-F5344CB8AC3E}">
-        <p14:creationId xmlns:p14="http://schemas.microsoft.com/office/powerpoint/2010/main" val="1923407823"/>
-      </p:ext>
-    </p:extLst>
-  </p:cSld>
-  <p:clrMapOvr>
-    <a:masterClrMapping/>
-  </p:clrMapOvr>
-  <p:timing>
-    <p:tnLst>
-      <p:par>
-        <p:cTn id="1" dur="indefinite" restart="never" nodeType="tmRoot"/>
-      </p:par>
-    </p:tnLst>
-  </p:timing>
-</p:sld>
-</file>
-
-<file path=ppt/slides/slide5.xml><?xml version="1.0" encoding="utf-8"?>
-<p:sld xmlns:a="http://schemas.openxmlformats.org/drawingml/2006/main" xmlns:r="http://schemas.openxmlformats.org/officeDocument/2006/relationships" xmlns:p="http://schemas.openxmlformats.org/presentationml/2006/main">
-  <p:cSld>
-    <p:spTree>
-      <p:nvGrpSpPr>
-        <p:cNvPr id="1" name=""/>
-        <p:cNvGrpSpPr/>
-        <p:nvPr/>
-      </p:nvGrpSpPr>
-      <p:grpSpPr>
-        <a:xfrm>
-          <a:off x="0" y="0"/>
-          <a:ext cx="0" cy="0"/>
-          <a:chOff x="0" y="0"/>
-          <a:chExt cx="0" cy="0"/>
-        </a:xfrm>
-      </p:grpSpPr>
-      <p:sp>
-        <p:nvSpPr>
-          <p:cNvPr id="2" name="タイトル 1"/>
-          <p:cNvSpPr>
-            <a:spLocks noGrp="1"/>
-          </p:cNvSpPr>
-          <p:nvPr>
-            <p:ph type="title"/>
-          </p:nvPr>
-        </p:nvSpPr>
-        <p:spPr/>
-        <p:txBody>
-          <a:bodyPr/>
-          <a:lstStyle/>
-          <a:p>
-            <a:r>
-              <a:rPr lang="ja-JP" altLang="en-US" dirty="0"/>
-              <a:t>コードジェネレート</a:t>
-            </a:r>
-            <a:r>
-              <a:rPr lang="ja-JP" altLang="en-US" dirty="0" smtClean="0"/>
-              <a:t>機能</a:t>
-            </a:r>
-            <a:endParaRPr kumimoji="1" lang="ja-JP" altLang="en-US" dirty="0"/>
-          </a:p>
-        </p:txBody>
-      </p:sp>
-      <p:sp>
-        <p:nvSpPr>
-          <p:cNvPr id="3" name="コンテンツ プレースホルダー 2"/>
-          <p:cNvSpPr>
-            <a:spLocks noGrp="1"/>
-          </p:cNvSpPr>
-          <p:nvPr>
-            <p:ph idx="1"/>
-          </p:nvPr>
-        </p:nvSpPr>
-        <p:spPr/>
-        <p:txBody>
-          <a:bodyPr>
-            <a:normAutofit/>
-          </a:bodyPr>
-          <a:lstStyle/>
-          <a:p>
-            <a:pPr algn="just"/>
-            <a:r>
-              <a:rPr kumimoji="1" lang="ja-JP" altLang="en-US" dirty="0" smtClean="0"/>
-              <a:t>本研究では</a:t>
-            </a:r>
-            <a:r>
-              <a:rPr lang="ja-JP" altLang="en-US" dirty="0"/>
-              <a:t>，</a:t>
-            </a:r>
-            <a:r>
-              <a:rPr kumimoji="1" lang="ja-JP" altLang="en-US" dirty="0" smtClean="0"/>
-              <a:t>ブロック型のプログラミング環境である</a:t>
-            </a:r>
-            <a:r>
-              <a:rPr lang="ja-JP" altLang="en-US" dirty="0" smtClean="0"/>
-              <a:t>「</a:t>
-            </a:r>
-            <a:r>
-              <a:rPr lang="en-US" altLang="ja-JP" dirty="0" err="1" smtClean="0"/>
-              <a:t>Blockly</a:t>
-            </a:r>
-            <a:r>
-              <a:rPr lang="ja-JP" altLang="en-US" dirty="0" smtClean="0"/>
-              <a:t>」を利用</a:t>
-            </a:r>
-            <a:r>
-              <a:rPr lang="ja-JP" altLang="en-US" dirty="0"/>
-              <a:t>する．</a:t>
-            </a:r>
-            <a:endParaRPr lang="en-US" altLang="ja-JP" dirty="0" smtClean="0"/>
-          </a:p>
-          <a:p>
-            <a:pPr algn="just"/>
-            <a:r>
-              <a:rPr kumimoji="1" lang="ja-JP" altLang="en-US" dirty="0" smtClean="0"/>
-              <a:t>「</a:t>
-            </a:r>
-            <a:r>
-              <a:rPr kumimoji="1" lang="en-US" altLang="ja-JP" dirty="0" err="1" smtClean="0"/>
-              <a:t>Blockly</a:t>
-            </a:r>
-            <a:r>
-              <a:rPr kumimoji="1" lang="ja-JP" altLang="en-US" dirty="0" smtClean="0"/>
-              <a:t>」には、作成したブロック</a:t>
-            </a:r>
-            <a:r>
-              <a:rPr lang="ja-JP" altLang="en-US" dirty="0" smtClean="0"/>
-              <a:t>から</a:t>
-            </a:r>
-            <a:r>
-              <a:rPr lang="ja-JP" altLang="en-US" dirty="0"/>
-              <a:t>、</a:t>
-            </a:r>
-            <a:r>
-              <a:rPr kumimoji="1" lang="ja-JP" altLang="en-US" dirty="0" smtClean="0"/>
-              <a:t>構文的に正しいコードを自動で生成する</a:t>
-            </a:r>
-            <a:r>
-              <a:rPr lang="ja-JP" altLang="en-US" dirty="0" smtClean="0"/>
-              <a:t>機能が</a:t>
-            </a:r>
-            <a:r>
-              <a:rPr lang="ja-JP" altLang="en-US" dirty="0"/>
-              <a:t>あり</a:t>
-            </a:r>
-            <a:r>
-              <a:rPr lang="ja-JP" altLang="en-US" dirty="0" smtClean="0"/>
-              <a:t>，この機能を用いること</a:t>
-            </a:r>
-            <a:r>
-              <a:rPr lang="ja-JP" altLang="en-US" dirty="0"/>
-              <a:t>で，学習者</a:t>
-            </a:r>
-            <a:r>
-              <a:rPr lang="ja-JP" altLang="en-US" dirty="0" smtClean="0"/>
-              <a:t>はテキストでのプログラムによる，コーディングの学習が</a:t>
-            </a:r>
-            <a:r>
-              <a:rPr lang="ja-JP" altLang="en-US" dirty="0"/>
-              <a:t>できる</a:t>
-            </a:r>
-            <a:r>
-              <a:rPr lang="ja-JP" altLang="en-US" dirty="0" smtClean="0"/>
-              <a:t>．</a:t>
-            </a:r>
-            <a:endParaRPr lang="en-US" altLang="ja-JP" dirty="0" smtClean="0"/>
-          </a:p>
-          <a:p>
-            <a:pPr algn="just"/>
-            <a:r>
-              <a:rPr lang="ja-JP" altLang="en-US" dirty="0" smtClean="0"/>
-              <a:t>この機能により，学習者はプログラムの正しい構文を覚える前に論理にふれることができる．</a:t>
-            </a:r>
-            <a:endParaRPr lang="en-US" altLang="ja-JP" dirty="0" smtClean="0"/>
-          </a:p>
-          <a:p>
-            <a:pPr algn="just"/>
-            <a:r>
-              <a:rPr lang="ja-JP" altLang="en-US" dirty="0" smtClean="0"/>
-              <a:t>この機能をコードジェネレート機能と本研究では</a:t>
-            </a:r>
-            <a:r>
-              <a:rPr lang="ja-JP" altLang="en-US" dirty="0"/>
-              <a:t>呼ぶ</a:t>
-            </a:r>
-            <a:r>
-              <a:rPr lang="ja-JP" altLang="en-US" dirty="0" smtClean="0"/>
-              <a:t>．</a:t>
-            </a:r>
-            <a:endParaRPr lang="en-US" altLang="ja-JP" dirty="0" smtClean="0"/>
-          </a:p>
-          <a:p>
-            <a:pPr algn="just"/>
-            <a:endParaRPr lang="en-US" altLang="ja-JP" dirty="0" smtClean="0"/>
-          </a:p>
-          <a:p>
-            <a:pPr algn="just"/>
-            <a:endParaRPr kumimoji="1" lang="ja-JP" altLang="en-US" dirty="0"/>
-          </a:p>
-        </p:txBody>
-      </p:sp>
-      <p:sp>
-        <p:nvSpPr>
-          <p:cNvPr id="4" name="スライド番号プレースホルダー 3"/>
-          <p:cNvSpPr>
-            <a:spLocks noGrp="1"/>
-          </p:cNvSpPr>
-          <p:nvPr>
-            <p:ph type="sldNum" sz="quarter" idx="12"/>
-          </p:nvPr>
-        </p:nvSpPr>
-        <p:spPr/>
-        <p:txBody>
-          <a:bodyPr/>
-          <a:lstStyle/>
-          <a:p>
-            <a:fld id="{B4451160-128F-4DAD-AE29-4A8CC0E7B9E9}" type="slidenum">
-              <a:rPr kumimoji="1" lang="ja-JP" altLang="en-US" smtClean="0"/>
-              <a:t>5</a:t>
-            </a:fld>
-            <a:endParaRPr kumimoji="1" lang="ja-JP" altLang="en-US" dirty="0"/>
-          </a:p>
-        </p:txBody>
-      </p:sp>
-    </p:spTree>
-    <p:extLst>
-      <p:ext uri="{BB962C8B-B14F-4D97-AF65-F5344CB8AC3E}">
-        <p14:creationId xmlns:p14="http://schemas.microsoft.com/office/powerpoint/2010/main" val="4224668961"/>
-      </p:ext>
-    </p:extLst>
-  </p:cSld>
-  <p:clrMapOvr>
-    <a:masterClrMapping/>
-  </p:clrMapOvr>
-  <p:timing>
-    <p:tnLst>
-      <p:par>
-        <p:cTn id="1" dur="indefinite" restart="never" nodeType="tmRoot"/>
-      </p:par>
-    </p:tnLst>
-  </p:timing>
-</p:sld>
-</file>
-
-<file path=ppt/slides/slide6.xml><?xml version="1.0" encoding="utf-8"?>
-<p:sld xmlns:a="http://schemas.openxmlformats.org/drawingml/2006/main" xmlns:r="http://schemas.openxmlformats.org/officeDocument/2006/relationships" xmlns:p="http://schemas.openxmlformats.org/presentationml/2006/main">
-  <p:cSld>
-    <p:spTree>
-      <p:nvGrpSpPr>
-        <p:cNvPr id="1" name=""/>
-        <p:cNvGrpSpPr/>
-        <p:nvPr/>
-      </p:nvGrpSpPr>
-      <p:grpSpPr>
-        <a:xfrm>
-          <a:off x="0" y="0"/>
-          <a:ext cx="0" cy="0"/>
-          <a:chOff x="0" y="0"/>
-          <a:chExt cx="0" cy="0"/>
-        </a:xfrm>
-      </p:grpSpPr>
-      <p:sp>
-        <p:nvSpPr>
-          <p:cNvPr id="2" name="タイトル 1"/>
-          <p:cNvSpPr>
-            <a:spLocks noGrp="1"/>
-          </p:cNvSpPr>
-          <p:nvPr>
-            <p:ph type="title"/>
-          </p:nvPr>
-        </p:nvSpPr>
-        <p:spPr/>
-        <p:txBody>
-          <a:bodyPr/>
-          <a:lstStyle/>
-          <a:p>
-            <a:r>
-              <a:rPr kumimoji="1" lang="ja-JP" altLang="en-US" dirty="0" smtClean="0"/>
-              <a:t>コードジェネレート機能</a:t>
-            </a:r>
-            <a:endParaRPr kumimoji="1" lang="ja-JP" altLang="en-US" dirty="0"/>
-          </a:p>
-        </p:txBody>
-      </p:sp>
-      <p:pic>
-        <p:nvPicPr>
-          <p:cNvPr id="5" name="コンテンツ プレースホルダー 4"/>
-          <p:cNvPicPr>
-            <a:picLocks noGrp="1" noChangeAspect="1"/>
-          </p:cNvPicPr>
-          <p:nvPr>
-            <p:ph idx="1"/>
-          </p:nvPr>
-        </p:nvPicPr>
-        <p:blipFill>
-          <a:blip r:embed="rId2"/>
-          <a:stretch>
-            <a:fillRect/>
-          </a:stretch>
-        </p:blipFill>
-        <p:spPr>
-          <a:xfrm>
-            <a:off x="628650" y="1881838"/>
-            <a:ext cx="7886700" cy="4238911"/>
-          </a:xfrm>
-          <a:prstGeom prst="rect">
-            <a:avLst/>
-          </a:prstGeom>
-        </p:spPr>
-      </p:pic>
-      <p:sp>
-        <p:nvSpPr>
-          <p:cNvPr id="4" name="スライド番号プレースホルダー 3"/>
-          <p:cNvSpPr>
-            <a:spLocks noGrp="1"/>
-          </p:cNvSpPr>
-          <p:nvPr>
-            <p:ph type="sldNum" sz="quarter" idx="12"/>
-          </p:nvPr>
-        </p:nvSpPr>
-        <p:spPr/>
-        <p:txBody>
-          <a:bodyPr/>
-          <a:lstStyle/>
-          <a:p>
-            <a:fld id="{B4451160-128F-4DAD-AE29-4A8CC0E7B9E9}" type="slidenum">
-              <a:rPr lang="ja-JP" altLang="en-US" smtClean="0"/>
-              <a:pPr/>
-              <a:t>6</a:t>
-            </a:fld>
-            <a:endParaRPr lang="ja-JP" altLang="en-US" dirty="0"/>
-          </a:p>
-        </p:txBody>
-      </p:sp>
-    </p:spTree>
-    <p:extLst>
-      <p:ext uri="{BB962C8B-B14F-4D97-AF65-F5344CB8AC3E}">
-        <p14:creationId xmlns:p14="http://schemas.microsoft.com/office/powerpoint/2010/main" val="3354137812"/>
-      </p:ext>
-    </p:extLst>
-  </p:cSld>
-  <p:clrMapOvr>
-    <a:masterClrMapping/>
-  </p:clrMapOvr>
-  <p:timing>
-    <p:tnLst>
-      <p:par>
-        <p:cTn id="1" dur="indefinite" restart="never" nodeType="tmRoot"/>
-      </p:par>
-    </p:tnLst>
-  </p:timing>
-</p:sld>
-</file>
-
-<file path=ppt/slides/slide7.xml><?xml version="1.0" encoding="utf-8"?>
-<p:sld xmlns:a="http://schemas.openxmlformats.org/drawingml/2006/main" xmlns:r="http://schemas.openxmlformats.org/officeDocument/2006/relationships" xmlns:p="http://schemas.openxmlformats.org/presentationml/2006/main">
-  <p:cSld>
-    <p:spTree>
-      <p:nvGrpSpPr>
-        <p:cNvPr id="1" name=""/>
-        <p:cNvGrpSpPr/>
-        <p:nvPr/>
-      </p:nvGrpSpPr>
-      <p:grpSpPr>
-        <a:xfrm>
-          <a:off x="0" y="0"/>
-          <a:ext cx="0" cy="0"/>
-          <a:chOff x="0" y="0"/>
-          <a:chExt cx="0" cy="0"/>
-        </a:xfrm>
-      </p:grpSpPr>
-      <p:sp>
-        <p:nvSpPr>
-          <p:cNvPr id="2" name="タイトル 1"/>
-          <p:cNvSpPr>
-            <a:spLocks noGrp="1"/>
-          </p:cNvSpPr>
-          <p:nvPr>
-            <p:ph type="title"/>
-          </p:nvPr>
-        </p:nvSpPr>
-        <p:spPr/>
-        <p:txBody>
-          <a:bodyPr/>
-          <a:lstStyle/>
-          <a:p>
-            <a:r>
-              <a:rPr kumimoji="1" lang="ja-JP" altLang="en-US" dirty="0"/>
-              <a:t>研究目的</a:t>
-            </a:r>
-          </a:p>
-        </p:txBody>
-      </p:sp>
-      <p:sp>
-        <p:nvSpPr>
-          <p:cNvPr id="3" name="コンテンツ プレースホルダー 2"/>
-          <p:cNvSpPr>
-            <a:spLocks noGrp="1"/>
-          </p:cNvSpPr>
-          <p:nvPr>
-            <p:ph idx="1"/>
-          </p:nvPr>
-        </p:nvSpPr>
-        <p:spPr/>
-        <p:txBody>
-          <a:bodyPr/>
-          <a:lstStyle/>
-          <a:p>
-            <a:pPr algn="just"/>
-            <a:r>
-              <a:rPr kumimoji="1" lang="ja-JP" altLang="en-US" dirty="0" smtClean="0"/>
-              <a:t>本研究の目的は</a:t>
-            </a:r>
-            <a:r>
-              <a:rPr lang="ja-JP" altLang="en-US" dirty="0"/>
-              <a:t>，</a:t>
-            </a:r>
-            <a:r>
-              <a:rPr kumimoji="1" lang="ja-JP" altLang="en-US" dirty="0" smtClean="0"/>
-              <a:t>学生向けに論理的思考を身に着けるための学習支援として</a:t>
-            </a:r>
-            <a:r>
-              <a:rPr lang="ja-JP" altLang="en-US" dirty="0"/>
-              <a:t>，</a:t>
-            </a:r>
-            <a:r>
-              <a:rPr kumimoji="1" lang="ja-JP" altLang="en-US" dirty="0" smtClean="0"/>
-              <a:t>ブロックプログラミングを利用し</a:t>
-            </a:r>
-            <a:r>
-              <a:rPr lang="ja-JP" altLang="en-US" dirty="0"/>
-              <a:t>，</a:t>
-            </a:r>
-            <a:r>
-              <a:rPr kumimoji="1" lang="ja-JP" altLang="en-US" dirty="0" smtClean="0"/>
-              <a:t>理解を深めることができる環境を作成する</a:t>
-            </a:r>
-            <a:r>
-              <a:rPr kumimoji="1" lang="ja-JP" altLang="en-US" dirty="0" smtClean="0"/>
-              <a:t>ことと</a:t>
-            </a:r>
-            <a:r>
-              <a:rPr kumimoji="1" lang="ja-JP" altLang="en-US" dirty="0" smtClean="0"/>
-              <a:t>する</a:t>
-            </a:r>
-            <a:r>
-              <a:rPr lang="ja-JP" altLang="en-US" dirty="0"/>
-              <a:t>．</a:t>
-            </a:r>
-            <a:endParaRPr kumimoji="1" lang="ja-JP" altLang="en-US" dirty="0"/>
-          </a:p>
-        </p:txBody>
-      </p:sp>
-      <p:sp>
-        <p:nvSpPr>
-          <p:cNvPr id="4" name="スライド番号プレースホルダー 3"/>
-          <p:cNvSpPr>
-            <a:spLocks noGrp="1"/>
-          </p:cNvSpPr>
-          <p:nvPr>
-            <p:ph type="sldNum" sz="quarter" idx="12"/>
-          </p:nvPr>
-        </p:nvSpPr>
-        <p:spPr/>
-        <p:txBody>
-          <a:bodyPr/>
-          <a:lstStyle/>
-          <a:p>
-            <a:fld id="{B4451160-128F-4DAD-AE29-4A8CC0E7B9E9}" type="slidenum">
-              <a:rPr kumimoji="1" lang="ja-JP" altLang="en-US" smtClean="0"/>
-              <a:t>7</a:t>
-            </a:fld>
-            <a:endParaRPr kumimoji="1" lang="ja-JP" altLang="en-US" dirty="0"/>
-          </a:p>
-        </p:txBody>
-      </p:sp>
-    </p:spTree>
-    <p:extLst>
-      <p:ext uri="{BB962C8B-B14F-4D97-AF65-F5344CB8AC3E}">
-        <p14:creationId xmlns:p14="http://schemas.microsoft.com/office/powerpoint/2010/main" val="114472190"/>
-      </p:ext>
-    </p:extLst>
-  </p:cSld>
-  <p:clrMapOvr>
-    <a:masterClrMapping/>
-  </p:clrMapOvr>
-  <p:timing>
-    <p:tnLst>
-      <p:par>
-        <p:cTn id="1" dur="indefinite" restart="never" nodeType="tmRoot"/>
-      </p:par>
-    </p:tnLst>
-  </p:timing>
-</p:sld>
-</file>
-
-<file path=ppt/slides/slide8.xml><?xml version="1.0" encoding="utf-8"?>
-<p:sld xmlns:a="http://schemas.openxmlformats.org/drawingml/2006/main" xmlns:r="http://schemas.openxmlformats.org/officeDocument/2006/relationships" xmlns:p="http://schemas.openxmlformats.org/presentationml/2006/main">
-  <p:cSld>
-    <p:spTree>
-      <p:nvGrpSpPr>
-        <p:cNvPr id="1" name=""/>
-        <p:cNvGrpSpPr/>
-        <p:nvPr/>
-      </p:nvGrpSpPr>
-      <p:grpSpPr>
-        <a:xfrm>
-          <a:off x="0" y="0"/>
-          <a:ext cx="0" cy="0"/>
-          <a:chOff x="0" y="0"/>
-          <a:chExt cx="0" cy="0"/>
-        </a:xfrm>
-      </p:grpSpPr>
-      <p:sp>
-        <p:nvSpPr>
-          <p:cNvPr id="2" name="タイトル 1"/>
-          <p:cNvSpPr>
-            <a:spLocks noGrp="1"/>
-          </p:cNvSpPr>
-          <p:nvPr>
-            <p:ph type="title"/>
-          </p:nvPr>
-        </p:nvSpPr>
-        <p:spPr/>
-        <p:txBody>
-          <a:bodyPr/>
-          <a:lstStyle/>
-          <a:p>
-            <a:r>
-              <a:rPr kumimoji="1" lang="ja-JP" altLang="en-US" dirty="0"/>
-              <a:t>提案方式</a:t>
-            </a:r>
-          </a:p>
-        </p:txBody>
-      </p:sp>
-      <p:sp>
-        <p:nvSpPr>
-          <p:cNvPr id="3" name="コンテンツ プレースホルダー 2"/>
-          <p:cNvSpPr>
-            <a:spLocks noGrp="1"/>
-          </p:cNvSpPr>
-          <p:nvPr>
-            <p:ph idx="1"/>
-          </p:nvPr>
-        </p:nvSpPr>
-        <p:spPr/>
-        <p:txBody>
-          <a:bodyPr>
-            <a:normAutofit/>
-          </a:bodyPr>
-          <a:lstStyle/>
-          <a:p>
-            <a:pPr algn="just"/>
-            <a:r>
-              <a:rPr lang="ja-JP" altLang="en-US" dirty="0" smtClean="0"/>
-              <a:t>学習者が</a:t>
-            </a:r>
-            <a:r>
-              <a:rPr lang="en-US" altLang="ja-JP" dirty="0" smtClean="0"/>
-              <a:t>WEB</a:t>
-            </a:r>
-            <a:r>
-              <a:rPr lang="ja-JP" altLang="en-US" dirty="0" smtClean="0"/>
-              <a:t>ブラウザ上で作業を完結</a:t>
-            </a:r>
-            <a:r>
-              <a:rPr lang="ja-JP" altLang="en-US" dirty="0" smtClean="0"/>
-              <a:t>できる．</a:t>
-            </a:r>
-            <a:endParaRPr lang="en-US" altLang="ja-JP" dirty="0" smtClean="0"/>
-          </a:p>
-          <a:p>
-            <a:pPr algn="just"/>
-            <a:r>
-              <a:rPr lang="ja-JP" altLang="en-US" dirty="0" smtClean="0"/>
-              <a:t>問題</a:t>
-            </a:r>
-            <a:r>
-              <a:rPr lang="ja-JP" altLang="en-US" dirty="0" smtClean="0"/>
-              <a:t>文やヒントなどを充実</a:t>
-            </a:r>
-            <a:r>
-              <a:rPr lang="ja-JP" altLang="en-US" dirty="0" smtClean="0"/>
-              <a:t>させて，学習者の効率的な論理的</a:t>
-            </a:r>
-            <a:r>
-              <a:rPr lang="ja-JP" altLang="en-US" dirty="0" smtClean="0"/>
-              <a:t>思考を</a:t>
-            </a:r>
-            <a:r>
-              <a:rPr lang="ja-JP" altLang="en-US" dirty="0" smtClean="0"/>
-              <a:t>養う．</a:t>
-            </a:r>
-            <a:endParaRPr lang="en-US" altLang="ja-JP" dirty="0" smtClean="0"/>
-          </a:p>
-          <a:p>
-            <a:pPr algn="just"/>
-            <a:r>
-              <a:rPr lang="ja-JP" altLang="en-US" dirty="0"/>
-              <a:t>プログラムの構文を覚えるために，穴埋め問題などを利用</a:t>
-            </a:r>
-            <a:r>
-              <a:rPr lang="ja-JP" altLang="en-US" dirty="0" smtClean="0"/>
-              <a:t>し，より</a:t>
-            </a:r>
-            <a:r>
-              <a:rPr lang="ja-JP" altLang="en-US" dirty="0"/>
-              <a:t>プログラミングにユーザが慣れていける環境を</a:t>
-            </a:r>
-            <a:r>
-              <a:rPr lang="ja-JP" altLang="en-US" dirty="0" smtClean="0"/>
-              <a:t>提案．</a:t>
-            </a:r>
-            <a:endParaRPr lang="en-US" altLang="ja-JP" dirty="0"/>
-          </a:p>
-          <a:p>
-            <a:pPr algn="just"/>
-            <a:r>
-              <a:rPr lang="en-US" altLang="ja-JP" dirty="0" err="1" smtClean="0"/>
-              <a:t>Blockly</a:t>
-            </a:r>
-            <a:r>
-              <a:rPr lang="ja-JP" altLang="en-US" dirty="0" smtClean="0"/>
-              <a:t>によるコードジェネレート機能を利用</a:t>
-            </a:r>
-            <a:r>
-              <a:rPr lang="ja-JP" altLang="en-US" dirty="0" smtClean="0"/>
-              <a:t>し，プログラミング</a:t>
-            </a:r>
-            <a:r>
-              <a:rPr lang="ja-JP" altLang="en-US" dirty="0" smtClean="0"/>
-              <a:t>言語の構文の理解を深められるシステムを</a:t>
-            </a:r>
-            <a:r>
-              <a:rPr lang="ja-JP" altLang="en-US" dirty="0" smtClean="0"/>
-              <a:t>提案．</a:t>
-            </a:r>
-            <a:endParaRPr lang="en-US" altLang="ja-JP" dirty="0"/>
-          </a:p>
-          <a:p>
-            <a:pPr algn="just"/>
-            <a:endParaRPr kumimoji="1" lang="ja-JP" altLang="en-US" dirty="0"/>
-          </a:p>
-        </p:txBody>
-      </p:sp>
-      <p:sp>
-        <p:nvSpPr>
-          <p:cNvPr id="4" name="スライド番号プレースホルダー 3"/>
-          <p:cNvSpPr>
-            <a:spLocks noGrp="1"/>
-          </p:cNvSpPr>
-          <p:nvPr>
-            <p:ph type="sldNum" sz="quarter" idx="12"/>
-          </p:nvPr>
-        </p:nvSpPr>
-        <p:spPr/>
-        <p:txBody>
-          <a:bodyPr/>
-          <a:lstStyle/>
-          <a:p>
-            <a:fld id="{B4451160-128F-4DAD-AE29-4A8CC0E7B9E9}" type="slidenum">
-              <a:rPr kumimoji="1" lang="ja-JP" altLang="en-US" smtClean="0"/>
-              <a:t>8</a:t>
-            </a:fld>
-            <a:endParaRPr kumimoji="1" lang="ja-JP" altLang="en-US" dirty="0"/>
-          </a:p>
-        </p:txBody>
-      </p:sp>
-    </p:spTree>
-    <p:extLst>
-      <p:ext uri="{BB962C8B-B14F-4D97-AF65-F5344CB8AC3E}">
-        <p14:creationId xmlns:p14="http://schemas.microsoft.com/office/powerpoint/2010/main" val="1724661356"/>
       </p:ext>
     </p:extLst>
   </p:cSld>
@@ -6678,7 +7358,128 @@
             <a:spLocks noGrp="1"/>
           </p:cNvSpPr>
           <p:nvPr>
-            <p:ph type="title"/>
+            <p:ph type="ctrTitle"/>
+          </p:nvPr>
+        </p:nvSpPr>
+        <p:spPr>
+          <a:xfrm>
+            <a:off x="685800" y="2112963"/>
+            <a:ext cx="7772400" cy="2387600"/>
+          </a:xfrm>
+        </p:spPr>
+        <p:txBody>
+          <a:bodyPr>
+            <a:noAutofit/>
+          </a:bodyPr>
+          <a:lstStyle/>
+          <a:p>
+            <a:r>
+              <a:rPr lang="ja-JP" altLang="en-US" sz="2000" dirty="0"/>
+              <a:t/>
+            </a:r>
+            <a:br>
+              <a:rPr lang="ja-JP" altLang="en-US" sz="2000" dirty="0"/>
+            </a:br>
+            <a:r>
+              <a:rPr lang="en-US" altLang="ja-JP" sz="2000" dirty="0"/>
+              <a:t>•</a:t>
+            </a:r>
+            <a:r>
+              <a:rPr lang="ja-JP" altLang="en-US" sz="2000" dirty="0"/>
+              <a:t>ブロックプログラミングを用いた論理的思考とコーディングを身に着けるための研究</a:t>
+            </a:r>
+            <a:br>
+              <a:rPr lang="ja-JP" altLang="en-US" sz="2000" dirty="0"/>
+            </a:br>
+            <a:r>
+              <a:rPr lang="en-US" altLang="ja-JP" sz="2000" dirty="0"/>
+              <a:t>•</a:t>
+            </a:r>
+            <a:r>
+              <a:rPr lang="ja-JP" altLang="en-US" sz="2000" dirty="0"/>
+              <a:t>ブロックプログラミングによる論理的思考とコーディングを学ぶための研究</a:t>
+            </a:r>
+            <a:br>
+              <a:rPr lang="ja-JP" altLang="en-US" sz="2000" dirty="0"/>
+            </a:br>
+            <a:r>
+              <a:rPr lang="en-US" altLang="ja-JP" sz="2000" dirty="0"/>
+              <a:t>•</a:t>
+            </a:r>
+            <a:r>
+              <a:rPr lang="ja-JP" altLang="en-US" sz="2000" dirty="0"/>
+              <a:t>アルゴリズムとコードを理解するためのブロックプログラミングを用いた研究</a:t>
+            </a:r>
+            <a:br>
+              <a:rPr lang="ja-JP" altLang="en-US" sz="2000" dirty="0"/>
+            </a:br>
+            <a:r>
+              <a:rPr lang="ja-JP" altLang="en-US" sz="2000" dirty="0"/>
+              <a:t/>
+            </a:r>
+            <a:br>
+              <a:rPr lang="ja-JP" altLang="en-US" sz="2000" dirty="0"/>
+            </a:br>
+            <a:endParaRPr kumimoji="1" lang="ja-JP" altLang="en-US" sz="2000" dirty="0"/>
+          </a:p>
+        </p:txBody>
+      </p:sp>
+      <p:sp>
+        <p:nvSpPr>
+          <p:cNvPr id="3" name="サブタイトル 2"/>
+          <p:cNvSpPr>
+            <a:spLocks noGrp="1"/>
+          </p:cNvSpPr>
+          <p:nvPr>
+            <p:ph type="subTitle" idx="1"/>
+          </p:nvPr>
+        </p:nvSpPr>
+        <p:spPr>
+          <a:xfrm>
+            <a:off x="1143000" y="4700589"/>
+            <a:ext cx="6858000" cy="1655762"/>
+          </a:xfrm>
+        </p:spPr>
+        <p:txBody>
+          <a:bodyPr/>
+          <a:lstStyle/>
+          <a:p>
+            <a:r>
+              <a:rPr kumimoji="1" lang="ja-JP" altLang="en-US" dirty="0"/>
+              <a:t>学籍番号</a:t>
+            </a:r>
+            <a:r>
+              <a:rPr kumimoji="1" lang="ja-JP" altLang="en-US" dirty="0" smtClean="0"/>
+              <a:t>：１８２１１２１</a:t>
+            </a:r>
+            <a:endParaRPr kumimoji="1" lang="en-US" altLang="ja-JP" dirty="0" smtClean="0"/>
+          </a:p>
+          <a:p>
+            <a:r>
+              <a:rPr kumimoji="1" lang="ja-JP" altLang="en-US" dirty="0" smtClean="0"/>
+              <a:t>氏名：島岡慎也</a:t>
+            </a:r>
+            <a:endParaRPr kumimoji="1" lang="en-US" altLang="ja-JP" dirty="0"/>
+          </a:p>
+          <a:p>
+            <a:r>
+              <a:rPr lang="ja-JP" altLang="en-US" dirty="0"/>
+              <a:t>指導教員：鷹野 孝典 教授</a:t>
+            </a:r>
+          </a:p>
+          <a:p>
+            <a:endParaRPr kumimoji="1" lang="ja-JP" altLang="en-US" dirty="0"/>
+          </a:p>
+        </p:txBody>
+      </p:sp>
+      <p:sp>
+        <p:nvSpPr>
+          <p:cNvPr id="5" name="スライド番号プレースホルダー 4"/>
+          <p:cNvSpPr>
+            <a:spLocks noGrp="1"/>
+          </p:cNvSpPr>
+          <p:nvPr>
+            <p:ph type="sldNum" sz="quarter" idx="12"/>
           </p:nvPr>
         </p:nvSpPr>
         <p:spPr/>
@@ -6686,86 +7487,24 @@
           <a:bodyPr/>
           <a:lstStyle/>
           <a:p>
-            <a:r>
-              <a:rPr kumimoji="1" lang="ja-JP" altLang="en-US" dirty="0" smtClean="0"/>
-              <a:t>提案方式</a:t>
-            </a:r>
-            <a:endParaRPr kumimoji="1" lang="ja-JP" altLang="en-US" dirty="0"/>
-          </a:p>
-        </p:txBody>
-      </p:sp>
-      <p:sp>
-        <p:nvSpPr>
-          <p:cNvPr id="4" name="スライド番号プレースホルダー 3"/>
-          <p:cNvSpPr>
-            <a:spLocks noGrp="1"/>
-          </p:cNvSpPr>
-          <p:nvPr>
-            <p:ph type="sldNum" sz="quarter" idx="12"/>
-          </p:nvPr>
-        </p:nvSpPr>
-        <p:spPr/>
-        <p:txBody>
-          <a:bodyPr/>
-          <a:lstStyle/>
-          <a:p>
             <a:fld id="{B4451160-128F-4DAD-AE29-4A8CC0E7B9E9}" type="slidenum">
-              <a:rPr lang="ja-JP" altLang="en-US" smtClean="0"/>
-              <a:pPr/>
+              <a:rPr kumimoji="1" lang="ja-JP" altLang="en-US" smtClean="0"/>
               <a:t>9</a:t>
             </a:fld>
-            <a:endParaRPr lang="ja-JP" altLang="en-US" dirty="0"/>
-          </a:p>
-        </p:txBody>
-      </p:sp>
-      <p:sp>
-        <p:nvSpPr>
-          <p:cNvPr id="6" name="正方形/長方形 5"/>
-          <p:cNvSpPr/>
+            <a:endParaRPr kumimoji="1" lang="ja-JP" altLang="en-US" dirty="0"/>
+          </a:p>
+        </p:txBody>
+      </p:sp>
+      <p:sp>
+        <p:nvSpPr>
+          <p:cNvPr id="4" name="テキスト ボックス 3"/>
+          <p:cNvSpPr txBox="1"/>
           <p:nvPr/>
         </p:nvSpPr>
         <p:spPr>
           <a:xfrm>
-            <a:off x="481443" y="1880436"/>
-            <a:ext cx="3337600" cy="3981450"/>
-          </a:xfrm>
-          <a:prstGeom prst="rect">
-            <a:avLst/>
-          </a:prstGeom>
-        </p:spPr>
-        <p:style>
-          <a:lnRef idx="2">
-            <a:schemeClr val="dk1"/>
-          </a:lnRef>
-          <a:fillRef idx="1">
-            <a:schemeClr val="lt1"/>
-          </a:fillRef>
-          <a:effectRef idx="0">
-            <a:schemeClr val="dk1"/>
-          </a:effectRef>
-          <a:fontRef idx="minor">
-            <a:schemeClr val="dk1"/>
-          </a:fontRef>
-        </p:style>
-        <p:txBody>
-          <a:bodyPr rtlCol="0" anchor="ctr"/>
-          <a:lstStyle/>
-          <a:p>
-            <a:pPr algn="ctr"/>
-            <a:endParaRPr kumimoji="1" lang="ja-JP" altLang="en-US" dirty="0"/>
-          </a:p>
-        </p:txBody>
-      </p:sp>
-      <p:sp>
-        <p:nvSpPr>
-          <p:cNvPr id="7" name="テキスト ボックス 6"/>
-          <p:cNvSpPr txBox="1"/>
-          <p:nvPr/>
-        </p:nvSpPr>
-        <p:spPr>
-          <a:xfrm>
-            <a:off x="1135549" y="6057770"/>
-            <a:ext cx="2397045" cy="366092"/>
+            <a:off x="5447154" y="1122363"/>
+            <a:ext cx="3696846" cy="300082"/>
           </a:xfrm>
           <a:prstGeom prst="rect">
             <a:avLst/>
@@ -6773,684 +7512,55 @@
           <a:noFill/>
         </p:spPr>
         <p:txBody>
-          <a:bodyPr wrap="square" rtlCol="0">
+          <a:bodyPr wrap="none" rtlCol="0">
             <a:spAutoFit/>
           </a:bodyPr>
           <a:lstStyle/>
           <a:p>
             <a:r>
-              <a:rPr kumimoji="1" lang="ja-JP" altLang="en-US" dirty="0" smtClean="0"/>
-              <a:t>学習者</a:t>
-            </a:r>
-            <a:r>
-              <a:rPr kumimoji="1" lang="en-US" altLang="ja-JP" dirty="0" smtClean="0"/>
-              <a:t>WEB</a:t>
-            </a:r>
-            <a:r>
-              <a:rPr kumimoji="1" lang="ja-JP" altLang="en-US" dirty="0" smtClean="0"/>
-              <a:t>ブラウザ</a:t>
-            </a:r>
-            <a:endParaRPr kumimoji="1" lang="ja-JP" altLang="en-US" dirty="0"/>
-          </a:p>
-        </p:txBody>
-      </p:sp>
-      <p:sp>
-        <p:nvSpPr>
-          <p:cNvPr id="8" name="テキスト ボックス 7"/>
-          <p:cNvSpPr txBox="1"/>
-          <p:nvPr/>
-        </p:nvSpPr>
-        <p:spPr>
-          <a:xfrm>
-            <a:off x="6008559" y="6057770"/>
-            <a:ext cx="963661" cy="366092"/>
-          </a:xfrm>
-          <a:prstGeom prst="rect">
-            <a:avLst/>
-          </a:prstGeom>
-          <a:noFill/>
-        </p:spPr>
-        <p:txBody>
-          <a:bodyPr wrap="square" rtlCol="0">
-            <a:spAutoFit/>
-          </a:bodyPr>
-          <a:lstStyle/>
-          <a:p>
-            <a:r>
-              <a:rPr kumimoji="1" lang="ja-JP" altLang="en-US" dirty="0" smtClean="0"/>
-              <a:t>サーバ</a:t>
-            </a:r>
-            <a:endParaRPr kumimoji="1" lang="ja-JP" altLang="en-US" dirty="0"/>
-          </a:p>
-        </p:txBody>
-      </p:sp>
-      <p:sp>
-        <p:nvSpPr>
-          <p:cNvPr id="9" name="正方形/長方形 8"/>
-          <p:cNvSpPr/>
-          <p:nvPr/>
-        </p:nvSpPr>
-        <p:spPr>
-          <a:xfrm>
-            <a:off x="4845330" y="1925460"/>
-            <a:ext cx="3337600" cy="3981450"/>
-          </a:xfrm>
-          <a:prstGeom prst="rect">
-            <a:avLst/>
-          </a:prstGeom>
-        </p:spPr>
-        <p:style>
-          <a:lnRef idx="2">
-            <a:schemeClr val="dk1"/>
-          </a:lnRef>
-          <a:fillRef idx="1">
-            <a:schemeClr val="lt1"/>
-          </a:fillRef>
-          <a:effectRef idx="0">
-            <a:schemeClr val="dk1"/>
-          </a:effectRef>
-          <a:fontRef idx="minor">
-            <a:schemeClr val="dk1"/>
-          </a:fontRef>
-        </p:style>
-        <p:txBody>
-          <a:bodyPr rtlCol="0" anchor="ctr"/>
-          <a:lstStyle/>
-          <a:p>
-            <a:pPr algn="ctr"/>
-            <a:endParaRPr kumimoji="1" lang="ja-JP" altLang="en-US" dirty="0"/>
-          </a:p>
-        </p:txBody>
-      </p:sp>
-      <p:sp>
-        <p:nvSpPr>
-          <p:cNvPr id="10" name="正方形/長方形 9"/>
-          <p:cNvSpPr/>
-          <p:nvPr/>
-        </p:nvSpPr>
-        <p:spPr>
-          <a:xfrm>
-            <a:off x="5210176" y="1988555"/>
-            <a:ext cx="2560427" cy="915820"/>
-          </a:xfrm>
-          <a:prstGeom prst="rect">
-            <a:avLst/>
-          </a:prstGeom>
-        </p:spPr>
-        <p:style>
-          <a:lnRef idx="2">
-            <a:schemeClr val="dk1"/>
-          </a:lnRef>
-          <a:fillRef idx="1">
-            <a:schemeClr val="lt1"/>
-          </a:fillRef>
-          <a:effectRef idx="0">
-            <a:schemeClr val="dk1"/>
-          </a:effectRef>
-          <a:fontRef idx="minor">
-            <a:schemeClr val="dk1"/>
-          </a:fontRef>
-        </p:style>
-        <p:txBody>
-          <a:bodyPr rtlCol="0" anchor="ctr"/>
-          <a:lstStyle/>
-          <a:p>
-            <a:pPr algn="ctr"/>
-            <a:r>
-              <a:rPr kumimoji="1" lang="ja-JP" altLang="en-US" dirty="0" smtClean="0"/>
-              <a:t>問題情報を送信</a:t>
-            </a:r>
-            <a:endParaRPr kumimoji="1" lang="ja-JP" altLang="en-US" dirty="0"/>
-          </a:p>
-        </p:txBody>
-      </p:sp>
-      <p:cxnSp>
-        <p:nvCxnSpPr>
-          <p:cNvPr id="12" name="直線矢印コネクタ 11"/>
-          <p:cNvCxnSpPr>
-            <a:endCxn id="14" idx="3"/>
-          </p:cNvCxnSpPr>
-          <p:nvPr/>
-        </p:nvCxnSpPr>
-        <p:spPr>
-          <a:xfrm flipH="1">
-            <a:off x="3158773" y="2442412"/>
-            <a:ext cx="2041878" cy="3530"/>
-          </a:xfrm>
-          <a:prstGeom prst="straightConnector1">
-            <a:avLst/>
-          </a:prstGeom>
-          <a:ln>
-            <a:tailEnd type="triangle"/>
-          </a:ln>
-        </p:spPr>
-        <p:style>
-          <a:lnRef idx="3">
-            <a:schemeClr val="dk1"/>
-          </a:lnRef>
-          <a:fillRef idx="0">
-            <a:schemeClr val="dk1"/>
-          </a:fillRef>
-          <a:effectRef idx="2">
-            <a:schemeClr val="dk1"/>
-          </a:effectRef>
-          <a:fontRef idx="minor">
-            <a:schemeClr val="tx1"/>
-          </a:fontRef>
-        </p:style>
-      </p:cxnSp>
-      <p:sp>
-        <p:nvSpPr>
-          <p:cNvPr id="14" name="正方形/長方形 13"/>
-          <p:cNvSpPr/>
-          <p:nvPr/>
-        </p:nvSpPr>
-        <p:spPr>
-          <a:xfrm>
-            <a:off x="1106199" y="2047041"/>
-            <a:ext cx="2052574" cy="797802"/>
-          </a:xfrm>
-          <a:prstGeom prst="rect">
-            <a:avLst/>
-          </a:prstGeom>
-        </p:spPr>
-        <p:style>
-          <a:lnRef idx="2">
-            <a:schemeClr val="dk1"/>
-          </a:lnRef>
-          <a:fillRef idx="1">
-            <a:schemeClr val="lt1"/>
-          </a:fillRef>
-          <a:effectRef idx="0">
-            <a:schemeClr val="dk1"/>
-          </a:effectRef>
-          <a:fontRef idx="minor">
-            <a:schemeClr val="dk1"/>
-          </a:fontRef>
-        </p:style>
-        <p:txBody>
-          <a:bodyPr rtlCol="0" anchor="ctr"/>
-          <a:lstStyle/>
-          <a:p>
-            <a:pPr algn="ctr"/>
-            <a:r>
-              <a:rPr kumimoji="1" lang="ja-JP" altLang="en-US" dirty="0" smtClean="0"/>
-              <a:t>問題を表示</a:t>
-            </a:r>
-            <a:endParaRPr kumimoji="1" lang="ja-JP" altLang="en-US" dirty="0"/>
-          </a:p>
-        </p:txBody>
-      </p:sp>
-      <p:sp>
-        <p:nvSpPr>
-          <p:cNvPr id="16" name="正方形/長方形 15"/>
-          <p:cNvSpPr/>
-          <p:nvPr/>
-        </p:nvSpPr>
-        <p:spPr>
-          <a:xfrm>
-            <a:off x="1106199" y="3327150"/>
-            <a:ext cx="2052574" cy="953586"/>
-          </a:xfrm>
-          <a:prstGeom prst="rect">
-            <a:avLst/>
-          </a:prstGeom>
-        </p:spPr>
-        <p:style>
-          <a:lnRef idx="2">
-            <a:schemeClr val="dk1"/>
-          </a:lnRef>
-          <a:fillRef idx="1">
-            <a:schemeClr val="lt1"/>
-          </a:fillRef>
-          <a:effectRef idx="0">
-            <a:schemeClr val="dk1"/>
-          </a:effectRef>
-          <a:fontRef idx="minor">
-            <a:schemeClr val="dk1"/>
-          </a:fontRef>
-        </p:style>
-        <p:txBody>
-          <a:bodyPr rtlCol="0" anchor="ctr"/>
-          <a:lstStyle/>
-          <a:p>
-            <a:pPr algn="ctr"/>
-            <a:r>
-              <a:rPr kumimoji="1" lang="ja-JP" altLang="en-US" dirty="0" smtClean="0"/>
-              <a:t>ブロック</a:t>
-            </a:r>
-            <a:endParaRPr kumimoji="1" lang="en-US" altLang="ja-JP" dirty="0" smtClean="0"/>
-          </a:p>
-          <a:p>
-            <a:pPr algn="ctr"/>
-            <a:r>
-              <a:rPr kumimoji="1" lang="ja-JP" altLang="en-US" dirty="0" smtClean="0"/>
-              <a:t>プログラミング</a:t>
-            </a:r>
-            <a:endParaRPr kumimoji="1" lang="ja-JP" altLang="en-US" dirty="0"/>
-          </a:p>
-        </p:txBody>
-      </p:sp>
-      <p:cxnSp>
-        <p:nvCxnSpPr>
-          <p:cNvPr id="18" name="直線矢印コネクタ 17"/>
-          <p:cNvCxnSpPr>
-            <a:stCxn id="16" idx="3"/>
-            <a:endCxn id="19" idx="1"/>
-          </p:cNvCxnSpPr>
-          <p:nvPr/>
-        </p:nvCxnSpPr>
-        <p:spPr>
-          <a:xfrm>
-            <a:off x="3158773" y="3803943"/>
-            <a:ext cx="2051403" cy="0"/>
-          </a:xfrm>
-          <a:prstGeom prst="straightConnector1">
-            <a:avLst/>
-          </a:prstGeom>
-          <a:ln>
-            <a:tailEnd type="triangle"/>
-          </a:ln>
-        </p:spPr>
-        <p:style>
-          <a:lnRef idx="3">
-            <a:schemeClr val="dk1"/>
-          </a:lnRef>
-          <a:fillRef idx="0">
-            <a:schemeClr val="dk1"/>
-          </a:fillRef>
-          <a:effectRef idx="2">
-            <a:schemeClr val="dk1"/>
-          </a:effectRef>
-          <a:fontRef idx="minor">
-            <a:schemeClr val="tx1"/>
-          </a:fontRef>
-        </p:style>
-      </p:cxnSp>
-      <p:sp>
-        <p:nvSpPr>
-          <p:cNvPr id="19" name="正方形/長方形 18"/>
-          <p:cNvSpPr/>
-          <p:nvPr/>
-        </p:nvSpPr>
-        <p:spPr>
-          <a:xfrm>
-            <a:off x="5210176" y="3327150"/>
-            <a:ext cx="2560427" cy="953586"/>
-          </a:xfrm>
-          <a:prstGeom prst="rect">
-            <a:avLst/>
-          </a:prstGeom>
-        </p:spPr>
-        <p:style>
-          <a:lnRef idx="2">
-            <a:schemeClr val="dk1"/>
-          </a:lnRef>
-          <a:fillRef idx="1">
-            <a:schemeClr val="lt1"/>
-          </a:fillRef>
-          <a:effectRef idx="0">
-            <a:schemeClr val="dk1"/>
-          </a:effectRef>
-          <a:fontRef idx="minor">
-            <a:schemeClr val="dk1"/>
-          </a:fontRef>
-        </p:style>
-        <p:txBody>
-          <a:bodyPr rtlCol="0" anchor="ctr"/>
-          <a:lstStyle/>
-          <a:p>
-            <a:pPr algn="ctr"/>
-            <a:r>
-              <a:rPr kumimoji="1" lang="ja-JP" altLang="en-US" dirty="0" smtClean="0"/>
-              <a:t>ブロックからコード</a:t>
-            </a:r>
-            <a:r>
-              <a:rPr kumimoji="1" lang="ja-JP" altLang="en-US" dirty="0" smtClean="0"/>
-              <a:t>に</a:t>
-            </a:r>
-            <a:endParaRPr kumimoji="1" lang="en-US" altLang="ja-JP" dirty="0" smtClean="0"/>
-          </a:p>
-          <a:p>
-            <a:pPr algn="ctr"/>
-            <a:r>
-              <a:rPr kumimoji="1" lang="ja-JP" altLang="en-US" dirty="0" smtClean="0"/>
-              <a:t>変換</a:t>
-            </a:r>
-            <a:endParaRPr kumimoji="1" lang="ja-JP" altLang="en-US" dirty="0"/>
-          </a:p>
-        </p:txBody>
-      </p:sp>
-      <p:sp>
-        <p:nvSpPr>
-          <p:cNvPr id="20" name="正方形/長方形 19"/>
-          <p:cNvSpPr/>
-          <p:nvPr/>
-        </p:nvSpPr>
-        <p:spPr>
-          <a:xfrm>
-            <a:off x="5233916" y="4579317"/>
-            <a:ext cx="2560427" cy="953586"/>
-          </a:xfrm>
-          <a:prstGeom prst="rect">
-            <a:avLst/>
-          </a:prstGeom>
-        </p:spPr>
-        <p:style>
-          <a:lnRef idx="2">
-            <a:schemeClr val="dk1"/>
-          </a:lnRef>
-          <a:fillRef idx="1">
-            <a:schemeClr val="lt1"/>
-          </a:fillRef>
-          <a:effectRef idx="0">
-            <a:schemeClr val="dk1"/>
-          </a:effectRef>
-          <a:fontRef idx="minor">
-            <a:schemeClr val="dk1"/>
-          </a:fontRef>
-        </p:style>
-        <p:txBody>
-          <a:bodyPr rtlCol="0" anchor="ctr"/>
-          <a:lstStyle/>
-          <a:p>
-            <a:pPr algn="ctr"/>
-            <a:r>
-              <a:rPr kumimoji="1" lang="ja-JP" altLang="en-US" dirty="0" smtClean="0"/>
-              <a:t>問題の正誤</a:t>
-            </a:r>
-            <a:r>
-              <a:rPr kumimoji="1" lang="ja-JP" altLang="en-US" dirty="0" smtClean="0"/>
-              <a:t>と</a:t>
-            </a:r>
-            <a:endParaRPr kumimoji="1" lang="en-US" altLang="ja-JP" dirty="0" smtClean="0"/>
-          </a:p>
-          <a:p>
-            <a:pPr algn="ctr"/>
-            <a:r>
-              <a:rPr kumimoji="1" lang="ja-JP" altLang="en-US" dirty="0" smtClean="0"/>
-              <a:t>作成</a:t>
-            </a:r>
-            <a:r>
-              <a:rPr kumimoji="1" lang="ja-JP" altLang="en-US" dirty="0" smtClean="0"/>
-              <a:t>されたコードを送信</a:t>
-            </a:r>
-            <a:endParaRPr kumimoji="1" lang="ja-JP" altLang="en-US" dirty="0"/>
-          </a:p>
-        </p:txBody>
-      </p:sp>
-      <p:cxnSp>
-        <p:nvCxnSpPr>
-          <p:cNvPr id="25" name="直線矢印コネクタ 24"/>
-          <p:cNvCxnSpPr>
-            <a:stCxn id="19" idx="2"/>
-            <a:endCxn id="20" idx="0"/>
-          </p:cNvCxnSpPr>
-          <p:nvPr/>
-        </p:nvCxnSpPr>
-        <p:spPr>
-          <a:xfrm>
-            <a:off x="6490390" y="4280736"/>
-            <a:ext cx="23740" cy="298581"/>
-          </a:xfrm>
-          <a:prstGeom prst="straightConnector1">
-            <a:avLst/>
-          </a:prstGeom>
-          <a:ln>
-            <a:tailEnd type="triangle"/>
-          </a:ln>
-        </p:spPr>
-        <p:style>
-          <a:lnRef idx="3">
-            <a:schemeClr val="dk1"/>
-          </a:lnRef>
-          <a:fillRef idx="0">
-            <a:schemeClr val="dk1"/>
-          </a:fillRef>
-          <a:effectRef idx="2">
-            <a:schemeClr val="dk1"/>
-          </a:effectRef>
-          <a:fontRef idx="minor">
-            <a:schemeClr val="tx1"/>
-          </a:fontRef>
-        </p:style>
-      </p:cxnSp>
-      <p:cxnSp>
-        <p:nvCxnSpPr>
-          <p:cNvPr id="30" name="直線矢印コネクタ 29"/>
-          <p:cNvCxnSpPr>
-            <a:stCxn id="14" idx="2"/>
-            <a:endCxn id="16" idx="0"/>
-          </p:cNvCxnSpPr>
-          <p:nvPr/>
-        </p:nvCxnSpPr>
-        <p:spPr>
-          <a:xfrm>
-            <a:off x="2132486" y="2844843"/>
-            <a:ext cx="0" cy="482307"/>
-          </a:xfrm>
-          <a:prstGeom prst="straightConnector1">
-            <a:avLst/>
-          </a:prstGeom>
-          <a:ln>
-            <a:tailEnd type="triangle"/>
-          </a:ln>
-        </p:spPr>
-        <p:style>
-          <a:lnRef idx="3">
-            <a:schemeClr val="dk1"/>
-          </a:lnRef>
-          <a:fillRef idx="0">
-            <a:schemeClr val="dk1"/>
-          </a:fillRef>
-          <a:effectRef idx="2">
-            <a:schemeClr val="dk1"/>
-          </a:effectRef>
-          <a:fontRef idx="minor">
-            <a:schemeClr val="tx1"/>
-          </a:fontRef>
-        </p:style>
-      </p:cxnSp>
-      <p:sp>
-        <p:nvSpPr>
-          <p:cNvPr id="32" name="正方形/長方形 31"/>
-          <p:cNvSpPr/>
-          <p:nvPr/>
-        </p:nvSpPr>
-        <p:spPr>
-          <a:xfrm>
-            <a:off x="4400550" y="238125"/>
-            <a:ext cx="4229100" cy="1452564"/>
-          </a:xfrm>
-          <a:prstGeom prst="rect">
-            <a:avLst/>
-          </a:prstGeom>
-          <a:ln w="19050"/>
-        </p:spPr>
-        <p:style>
-          <a:lnRef idx="2">
-            <a:schemeClr val="accent1"/>
-          </a:lnRef>
-          <a:fillRef idx="1">
-            <a:schemeClr val="lt1"/>
-          </a:fillRef>
-          <a:effectRef idx="0">
-            <a:schemeClr val="accent1"/>
-          </a:effectRef>
-          <a:fontRef idx="minor">
-            <a:schemeClr val="dk1"/>
-          </a:fontRef>
-        </p:style>
-        <p:txBody>
-          <a:bodyPr rtlCol="0" anchor="ctr"/>
-          <a:lstStyle/>
-          <a:p>
-            <a:pPr algn="just"/>
-            <a:r>
-              <a:rPr kumimoji="1" lang="ja-JP" altLang="en-US" dirty="0" smtClean="0"/>
-              <a:t>学習者が自身の</a:t>
-            </a:r>
-            <a:r>
-              <a:rPr kumimoji="1" lang="en-US" altLang="ja-JP" dirty="0" smtClean="0"/>
-              <a:t>WEB</a:t>
-            </a:r>
-            <a:r>
-              <a:rPr kumimoji="1" lang="ja-JP" altLang="en-US" dirty="0" smtClean="0"/>
-              <a:t>ブラウザにて問題をブロックプログラムで解くと共に，構文的に正しい</a:t>
-            </a:r>
-            <a:r>
-              <a:rPr lang="ja-JP" altLang="en-US" dirty="0" smtClean="0"/>
-              <a:t>コードを同時に</a:t>
-            </a:r>
-            <a:r>
-              <a:rPr lang="ja-JP" altLang="en-US" dirty="0" smtClean="0"/>
-              <a:t>表示</a:t>
-            </a:r>
-            <a:r>
-              <a:rPr lang="ja-JP" altLang="en-US" dirty="0" smtClean="0"/>
-              <a:t>す</a:t>
-            </a:r>
-            <a:r>
-              <a:rPr lang="ja-JP" altLang="en-US" dirty="0" smtClean="0"/>
-              <a:t>る</a:t>
-            </a:r>
-            <a:r>
-              <a:rPr lang="ja-JP" altLang="en-US" dirty="0" smtClean="0"/>
-              <a:t>ことで，論理的思考とコーディングを養う</a:t>
-            </a:r>
-            <a:endParaRPr kumimoji="1" lang="en-US" altLang="ja-JP" dirty="0" smtClean="0"/>
-          </a:p>
-        </p:txBody>
-      </p:sp>
-      <p:sp>
-        <p:nvSpPr>
-          <p:cNvPr id="33" name="正方形/長方形 32"/>
-          <p:cNvSpPr/>
-          <p:nvPr/>
-        </p:nvSpPr>
-        <p:spPr>
-          <a:xfrm>
-            <a:off x="1135549" y="4591050"/>
-            <a:ext cx="2023224" cy="971550"/>
-          </a:xfrm>
-          <a:prstGeom prst="rect">
-            <a:avLst/>
-          </a:prstGeom>
-        </p:spPr>
-        <p:style>
-          <a:lnRef idx="2">
-            <a:schemeClr val="dk1"/>
-          </a:lnRef>
-          <a:fillRef idx="1">
-            <a:schemeClr val="lt1"/>
-          </a:fillRef>
-          <a:effectRef idx="0">
-            <a:schemeClr val="dk1"/>
-          </a:effectRef>
-          <a:fontRef idx="minor">
-            <a:schemeClr val="dk1"/>
-          </a:fontRef>
-        </p:style>
-        <p:txBody>
-          <a:bodyPr rtlCol="0" anchor="ctr"/>
-          <a:lstStyle/>
-          <a:p>
-            <a:pPr algn="ctr"/>
-            <a:r>
-              <a:rPr lang="ja-JP" altLang="en-US" dirty="0" smtClean="0"/>
-              <a:t>正誤とコード</a:t>
-            </a:r>
-            <a:r>
-              <a:rPr lang="ja-JP" altLang="en-US" dirty="0" smtClean="0"/>
-              <a:t>を</a:t>
-            </a:r>
-            <a:endParaRPr lang="en-US" altLang="ja-JP" dirty="0" smtClean="0"/>
-          </a:p>
-          <a:p>
-            <a:pPr algn="ctr"/>
-            <a:r>
-              <a:rPr lang="ja-JP" altLang="en-US" dirty="0" smtClean="0"/>
-              <a:t>表示</a:t>
-            </a:r>
-            <a:endParaRPr kumimoji="1" lang="ja-JP" altLang="en-US" dirty="0"/>
-          </a:p>
-        </p:txBody>
-      </p:sp>
-      <p:cxnSp>
-        <p:nvCxnSpPr>
-          <p:cNvPr id="37" name="直線矢印コネクタ 36"/>
-          <p:cNvCxnSpPr>
-            <a:stCxn id="20" idx="1"/>
-            <a:endCxn id="33" idx="3"/>
-          </p:cNvCxnSpPr>
-          <p:nvPr/>
-        </p:nvCxnSpPr>
-        <p:spPr>
-          <a:xfrm flipH="1">
-            <a:off x="3158773" y="5056110"/>
-            <a:ext cx="2075143" cy="20715"/>
-          </a:xfrm>
-          <a:prstGeom prst="straightConnector1">
-            <a:avLst/>
-          </a:prstGeom>
-          <a:ln>
-            <a:tailEnd type="triangle"/>
-          </a:ln>
-        </p:spPr>
-        <p:style>
-          <a:lnRef idx="3">
-            <a:schemeClr val="dk1"/>
-          </a:lnRef>
-          <a:fillRef idx="0">
-            <a:schemeClr val="dk1"/>
-          </a:fillRef>
-          <a:effectRef idx="2">
-            <a:schemeClr val="dk1"/>
-          </a:effectRef>
-          <a:fontRef idx="minor">
-            <a:schemeClr val="tx1"/>
-          </a:fontRef>
-        </p:style>
-      </p:cxnSp>
-      <p:cxnSp>
-        <p:nvCxnSpPr>
-          <p:cNvPr id="39" name="直線矢印コネクタ 38"/>
-          <p:cNvCxnSpPr>
-            <a:endCxn id="16" idx="2"/>
-          </p:cNvCxnSpPr>
-          <p:nvPr/>
-        </p:nvCxnSpPr>
-        <p:spPr>
-          <a:xfrm flipH="1" flipV="1">
-            <a:off x="2132486" y="4280736"/>
-            <a:ext cx="17757" cy="304800"/>
-          </a:xfrm>
-          <a:prstGeom prst="straightConnector1">
-            <a:avLst/>
-          </a:prstGeom>
-          <a:ln>
-            <a:tailEnd type="triangle"/>
-          </a:ln>
-        </p:spPr>
-        <p:style>
-          <a:lnRef idx="3">
-            <a:schemeClr val="dk1"/>
-          </a:lnRef>
-          <a:fillRef idx="0">
-            <a:schemeClr val="dk1"/>
-          </a:fillRef>
-          <a:effectRef idx="2">
-            <a:schemeClr val="dk1"/>
-          </a:effectRef>
-          <a:fontRef idx="minor">
-            <a:schemeClr val="tx1"/>
-          </a:fontRef>
-        </p:style>
-      </p:cxnSp>
+              <a:rPr lang="ja-JP" altLang="en-US" sz="1350" dirty="0"/>
+              <a:t>情報工学科 中間発表　</a:t>
+            </a:r>
+            <a:r>
+              <a:rPr lang="en-US" altLang="ja-JP" sz="1350" dirty="0" smtClean="0"/>
+              <a:t>2021</a:t>
+            </a:r>
+            <a:r>
+              <a:rPr lang="ja-JP" altLang="en-US" sz="1350" dirty="0" smtClean="0"/>
+              <a:t>年</a:t>
+            </a:r>
+            <a:r>
+              <a:rPr lang="en-US" altLang="ja-JP" sz="1350" dirty="0" smtClean="0"/>
+              <a:t>07</a:t>
+            </a:r>
+            <a:r>
+              <a:rPr lang="ja-JP" altLang="en-US" sz="1350" dirty="0" smtClean="0"/>
+              <a:t>月</a:t>
+            </a:r>
+            <a:r>
+              <a:rPr lang="en-US" altLang="ja-JP" sz="1350" dirty="0" smtClean="0"/>
+              <a:t>28</a:t>
+            </a:r>
+            <a:r>
+              <a:rPr lang="ja-JP" altLang="en-US" sz="1350" dirty="0" smtClean="0"/>
+              <a:t>日</a:t>
+            </a:r>
+            <a:r>
+              <a:rPr lang="en-US" altLang="ja-JP" sz="1350" dirty="0" smtClean="0"/>
+              <a:t>~30</a:t>
+            </a:r>
+            <a:r>
+              <a:rPr lang="ja-JP" altLang="en-US" sz="1350" dirty="0" smtClean="0"/>
+              <a:t>日</a:t>
+            </a:r>
+            <a:endParaRPr lang="ja-JP" altLang="en-US" sz="1350" dirty="0"/>
+          </a:p>
+        </p:txBody>
+      </p:sp>
     </p:spTree>
     <p:extLst>
       <p:ext uri="{BB962C8B-B14F-4D97-AF65-F5344CB8AC3E}">
-        <p14:creationId xmlns:p14="http://schemas.microsoft.com/office/powerpoint/2010/main" val="783922636"/>
+        <p14:creationId xmlns:p14="http://schemas.microsoft.com/office/powerpoint/2010/main" val="4177902719"/>
       </p:ext>
     </p:extLst>
   </p:cSld>

--- a/1821121_shimaoka_tyuukan.pptx
+++ b/1821121_shimaoka_tyuukan.pptx
@@ -4402,7 +4402,7 @@
         </p:spPr>
         <p:txBody>
           <a:bodyPr>
-            <a:normAutofit/>
+            <a:normAutofit fontScale="92500" lnSpcReduction="20000"/>
           </a:bodyPr>
           <a:lstStyle/>
           <a:p>
@@ -4479,6 +4479,22 @@
               <a:rPr lang="ja-JP" altLang="en-US" dirty="0" smtClean="0"/>
               <a:t>ある．</a:t>
             </a:r>
+            <a:endParaRPr lang="en-US" altLang="ja-JP" dirty="0" smtClean="0"/>
+          </a:p>
+          <a:p>
+            <a:pPr algn="just"/>
+            <a:r>
+              <a:rPr lang="ja-JP" altLang="en-US" dirty="0" smtClean="0"/>
+              <a:t>論理的</a:t>
+            </a:r>
+            <a:r>
+              <a:rPr lang="ja-JP" altLang="en-US" dirty="0"/>
+              <a:t>思考とは，「思考や論証の組み立て，思考の妥当性が保証される法則や形式」に則って思考を組み立てることとする．</a:t>
+            </a:r>
+            <a:endParaRPr lang="en-US" altLang="ja-JP" dirty="0"/>
+          </a:p>
+          <a:p>
+            <a:pPr algn="just"/>
             <a:endParaRPr lang="en-US" altLang="ja-JP" dirty="0" smtClean="0"/>
           </a:p>
         </p:txBody>
@@ -4570,15 +4586,7 @@
             <a:pPr algn="ctr"/>
             <a:r>
               <a:rPr lang="ja-JP" altLang="en-US" sz="3200" dirty="0" smtClean="0"/>
-              <a:t>コーディング</a:t>
-            </a:r>
-            <a:r>
-              <a:rPr lang="ja-JP" altLang="en-US" sz="3200" dirty="0"/>
-              <a:t>を身に着けるための</a:t>
-            </a:r>
-            <a:r>
-              <a:rPr lang="ja-JP" altLang="en-US" sz="3200" dirty="0" smtClean="0"/>
-              <a:t>研究</a:t>
+              <a:t>コーディングを身に着けるための学習環境</a:t>
             </a:r>
             <a:r>
               <a:rPr lang="ja-JP" altLang="en-US" sz="3200" dirty="0"/>
@@ -4588,16 +4596,20 @@
               <a:rPr lang="ja-JP" altLang="en-US" sz="3200" dirty="0"/>
             </a:br>
             <a:r>
+              <a:rPr lang="ja-JP" altLang="en-US" dirty="0" smtClean="0"/>
+              <a:t>学籍番号：</a:t>
+            </a:r>
+            <a:r>
               <a:rPr lang="en-US" altLang="ja-JP" dirty="0" smtClean="0"/>
               <a:t>1821121 </a:t>
             </a:r>
             <a:r>
               <a:rPr lang="ja-JP" altLang="en-US" dirty="0" smtClean="0"/>
-              <a:t>島岡慎也　指導</a:t>
+              <a:t>氏名：島岡 慎也　指導教員：鷹野 </a:t>
             </a:r>
             <a:r>
               <a:rPr lang="ja-JP" altLang="en-US" dirty="0"/>
-              <a:t>教員：鷹野 孝典 教授</a:t>
+              <a:t>孝典 教授</a:t>
             </a:r>
             <a:endParaRPr lang="ja-JP" altLang="en-US" dirty="0"/>
           </a:p>
@@ -4961,7 +4973,15 @@
             <a:pPr algn="just"/>
             <a:r>
               <a:rPr lang="ja-JP" altLang="en-US" dirty="0" smtClean="0"/>
-              <a:t>ブロックプログラミングを利用することにより，学習</a:t>
+              <a:t>ブロックプログラミング</a:t>
+            </a:r>
+            <a:r>
+              <a:rPr lang="ja-JP" altLang="en-US" dirty="0" smtClean="0"/>
+              <a:t>を用いることで，</a:t>
+            </a:r>
+            <a:r>
+              <a:rPr lang="ja-JP" altLang="en-US" dirty="0" smtClean="0"/>
+              <a:t>学習</a:t>
             </a:r>
             <a:r>
               <a:rPr lang="ja-JP" altLang="en-US" dirty="0" smtClean="0"/>
@@ -4981,15 +5001,7 @@
             </a:r>
             <a:r>
               <a:rPr lang="ja-JP" altLang="en-US" dirty="0" smtClean="0"/>
-              <a:t>理解が浅い状態でもコードを実行</a:t>
-            </a:r>
-            <a:r>
-              <a:rPr lang="ja-JP" altLang="en-US" dirty="0" smtClean="0"/>
-              <a:t>することができる</a:t>
-            </a:r>
-            <a:r>
-              <a:rPr lang="ja-JP" altLang="en-US" dirty="0" smtClean="0"/>
-              <a:t>．</a:t>
+              <a:t>理解が浅い状態でもコードの実行が可能である．</a:t>
             </a:r>
             <a:endParaRPr lang="en-US" altLang="ja-JP" dirty="0" smtClean="0"/>
           </a:p>
@@ -5490,43 +5502,19 @@
         <p:spPr>
           <a:xfrm>
             <a:off x="628650" y="1847851"/>
-            <a:ext cx="7886700" cy="4018111"/>
+            <a:ext cx="7886700" cy="4095749"/>
           </a:xfrm>
         </p:spPr>
         <p:txBody>
           <a:bodyPr>
-            <a:normAutofit fontScale="92500" lnSpcReduction="10000"/>
+            <a:normAutofit/>
           </a:bodyPr>
           <a:lstStyle/>
           <a:p>
             <a:pPr algn="just"/>
             <a:r>
               <a:rPr lang="ja-JP" altLang="en-US" dirty="0" smtClean="0"/>
-              <a:t>本研究において論理的思考とは，「思考</a:t>
-            </a:r>
-            <a:r>
-              <a:rPr lang="ja-JP" altLang="en-US" dirty="0"/>
-              <a:t>や論証の</a:t>
-            </a:r>
-            <a:r>
-              <a:rPr lang="ja-JP" altLang="en-US" dirty="0" smtClean="0"/>
-              <a:t>組み立て，思考</a:t>
-            </a:r>
-            <a:r>
-              <a:rPr lang="ja-JP" altLang="en-US" dirty="0"/>
-              <a:t>の妥当性が保証される法則や</a:t>
-            </a:r>
-            <a:r>
-              <a:rPr lang="ja-JP" altLang="en-US" dirty="0" smtClean="0"/>
-              <a:t>形式」に則って思考を組み立てることとする．</a:t>
-            </a:r>
-            <a:endParaRPr lang="en-US" altLang="ja-JP" dirty="0" smtClean="0"/>
-          </a:p>
-          <a:p>
-            <a:pPr algn="just"/>
-            <a:r>
-              <a:rPr lang="ja-JP" altLang="en-US" dirty="0" smtClean="0"/>
-              <a:t>論理的思考がすでに培われていることが前提となる教育</a:t>
+              <a:t>論理的思考がすでに培われていることを前提として問題が提示される教育</a:t>
             </a:r>
             <a:r>
               <a:rPr lang="ja-JP" altLang="en-US" dirty="0" smtClean="0"/>
@@ -5539,28 +5527,25 @@
             <a:endParaRPr lang="en-US" altLang="ja-JP" dirty="0"/>
           </a:p>
           <a:p>
-            <a:pPr marL="0" indent="0" algn="just">
-              <a:buNone/>
+            <a:pPr lvl="1" algn="just">
+              <a:buFont typeface="Wingdings" panose="05000000000000000000" pitchFamily="2" charset="2"/>
+              <a:buChar char="Ø"/>
             </a:pPr>
             <a:r>
-              <a:rPr lang="ja-JP" altLang="en-US" dirty="0"/>
-              <a:t>　</a:t>
-            </a:r>
-            <a:r>
               <a:rPr lang="ja-JP" altLang="en-US" dirty="0" smtClean="0"/>
-              <a:t>→問題文から意味を読み取って学習者が</a:t>
-            </a:r>
-            <a:r>
-              <a:rPr lang="ja-JP" altLang="en-US" dirty="0"/>
-              <a:t>ブロックを</a:t>
+              <a:t>学習者</a:t>
             </a:r>
             <a:r>
               <a:rPr lang="ja-JP" altLang="en-US" dirty="0" smtClean="0"/>
-              <a:t>組      み合わせる</a:t>
+              <a:t>が論理的な思考をもって問題文を読み取ることが</a:t>
             </a:r>
             <a:r>
               <a:rPr lang="ja-JP" altLang="en-US" dirty="0" smtClean="0"/>
-              <a:t>システムでは，既に学習者が論理的な思考をもって問題文を読み取ることができている必要がある</a:t>
+              <a:t>できる必要</a:t>
+            </a:r>
+            <a:r>
+              <a:rPr lang="ja-JP" altLang="en-US" dirty="0" smtClean="0"/>
+              <a:t>がある</a:t>
             </a:r>
             <a:r>
               <a:rPr lang="ja-JP" altLang="en-US" dirty="0" smtClean="0"/>
@@ -5571,22 +5556,37 @@
           <a:p>
             <a:pPr algn="just"/>
             <a:r>
-              <a:rPr lang="en-US" altLang="ja-JP" dirty="0" err="1" smtClean="0"/>
+              <a:rPr lang="ja-JP" altLang="en-US" dirty="0" smtClean="0"/>
+              <a:t>プログラミング言語における構文を理解するには，コーディング経験も重要</a:t>
+            </a:r>
+            <a:endParaRPr lang="en-US" altLang="ja-JP" dirty="0" smtClean="0"/>
+          </a:p>
+          <a:p>
+            <a:pPr lvl="1" algn="just">
+              <a:buFont typeface="Wingdings" panose="05000000000000000000" pitchFamily="2" charset="2"/>
+              <a:buChar char="Ø"/>
+            </a:pPr>
+            <a:r>
+              <a:rPr lang="en-US" altLang="ja-JP" dirty="0" err="1"/>
               <a:t>Blockly</a:t>
             </a:r>
             <a:r>
+              <a:rPr lang="ja-JP" altLang="en-US" dirty="0"/>
+              <a:t>によって生成されたコードを見るだけではなく</a:t>
+            </a:r>
+            <a:r>
+              <a:rPr lang="en-US" altLang="ja-JP" dirty="0"/>
+              <a:t>,</a:t>
+            </a:r>
+            <a:r>
+              <a:rPr lang="ja-JP" altLang="en-US" dirty="0"/>
+              <a:t>実際に学習者がコーディングする環境でないと，プログラミング言語の構文への理解の定着にはつながらない</a:t>
+            </a:r>
+            <a:r>
               <a:rPr lang="ja-JP" altLang="en-US" dirty="0" smtClean="0"/>
-              <a:t>によって生成されたコードを見るだけではなく、実際に学習者</a:t>
-            </a:r>
-            <a:r>
-              <a:rPr lang="ja-JP" altLang="en-US" dirty="0" smtClean="0"/>
-              <a:t>が書いてみないと</a:t>
-            </a:r>
-            <a:r>
-              <a:rPr lang="ja-JP" altLang="en-US" dirty="0" smtClean="0"/>
-              <a:t>コーディングへの理解にはつながらない</a:t>
-            </a:r>
-            <a:endParaRPr lang="en-US" altLang="ja-JP" dirty="0" smtClean="0"/>
+              <a:t>．</a:t>
+            </a:r>
+            <a:endParaRPr lang="en-US" altLang="ja-JP" dirty="0"/>
           </a:p>
         </p:txBody>
       </p:sp>
@@ -5745,12 +5745,20 @@
               <a:t>から</a:t>
             </a:r>
             <a:r>
-              <a:rPr lang="ja-JP" altLang="en-US" sz="2400" dirty="0"/>
-              <a:t>、</a:t>
-            </a:r>
-            <a:r>
               <a:rPr kumimoji="1" lang="ja-JP" altLang="en-US" sz="2400" dirty="0" smtClean="0"/>
-              <a:t>構文的に正しいコードを自動で生成する</a:t>
+              <a:t>構文的</a:t>
+            </a:r>
+            <a:r>
+              <a:rPr kumimoji="1" lang="ja-JP" altLang="en-US" sz="2400" dirty="0" smtClean="0"/>
+              <a:t>に正しいコード</a:t>
+            </a:r>
+            <a:r>
+              <a:rPr kumimoji="1" lang="ja-JP" altLang="en-US" sz="2400" dirty="0" smtClean="0"/>
+              <a:t>を生成</a:t>
+            </a:r>
+            <a:r>
+              <a:rPr kumimoji="1" lang="ja-JP" altLang="en-US" sz="2400" dirty="0" smtClean="0"/>
+              <a:t>する</a:t>
             </a:r>
             <a:r>
               <a:rPr lang="ja-JP" altLang="en-US" sz="2400" dirty="0" smtClean="0"/>
@@ -5786,23 +5794,15 @@
             </a:r>
             <a:r>
               <a:rPr lang="ja-JP" altLang="en-US" sz="2400" dirty="0" smtClean="0"/>
-              <a:t>はテキストでのプログラムに</a:t>
+              <a:t>はプログラミング言語の構文を学習</a:t>
+            </a:r>
+            <a:r>
+              <a:rPr lang="ja-JP" altLang="en-US" sz="2400" dirty="0"/>
+              <a:t>することが</a:t>
             </a:r>
             <a:r>
               <a:rPr lang="ja-JP" altLang="en-US" sz="2400" dirty="0" smtClean="0"/>
-              <a:t>よるコーディング</a:t>
-            </a:r>
-            <a:r>
-              <a:rPr lang="ja-JP" altLang="en-US" sz="2400" dirty="0" smtClean="0"/>
-              <a:t>の学習が</a:t>
-            </a:r>
-            <a:r>
-              <a:rPr lang="ja-JP" altLang="en-US" sz="2400" dirty="0"/>
-              <a:t>できる</a:t>
-            </a:r>
-            <a:r>
-              <a:rPr lang="ja-JP" altLang="en-US" sz="2400" dirty="0" smtClean="0"/>
-              <a:t>．</a:t>
+              <a:t>できる．</a:t>
             </a:r>
             <a:endParaRPr lang="en-US" altLang="ja-JP" sz="2400" dirty="0" smtClean="0"/>
           </a:p>
@@ -6947,7 +6947,7 @@
         <p:spPr>
           <a:xfrm>
             <a:off x="628650" y="4259412"/>
-            <a:ext cx="7886700" cy="1994739"/>
+            <a:ext cx="8144414" cy="1994739"/>
           </a:xfrm>
         </p:spPr>
         <p:txBody>
@@ -7038,10 +7038,9 @@
           <a:bodyPr/>
           <a:lstStyle/>
           <a:p>
-            <a:pPr algn="just"/>
             <a:fld id="{B4451160-128F-4DAD-AE29-4A8CC0E7B9E9}" type="slidenum">
               <a:rPr kumimoji="1" lang="ja-JP" altLang="en-US" smtClean="0"/>
-              <a:pPr algn="just"/>
+              <a:pPr/>
               <a:t>8</a:t>
             </a:fld>
             <a:endParaRPr kumimoji="1" lang="ja-JP" altLang="en-US" dirty="0"/>

--- a/1821121_shimaoka_tyuukan.pptx
+++ b/1821121_shimaoka_tyuukan.pptx
@@ -241,7 +241,7 @@
           <a:p>
             <a:fld id="{4D62F260-72E3-4D76-A7C3-2EDF244737A6}" type="datetimeFigureOut">
               <a:rPr kumimoji="1" lang="ja-JP" altLang="en-US" smtClean="0"/>
-              <a:t>2021/7/27</a:t>
+              <a:t>2021/10/4</a:t>
             </a:fld>
             <a:endParaRPr kumimoji="1" lang="ja-JP" altLang="en-US" dirty="0"/>
           </a:p>
@@ -406,7 +406,7 @@
           <a:p>
             <a:fld id="{27571B5F-C8EC-4379-AD76-80FD414F3861}" type="datetimeFigureOut">
               <a:rPr kumimoji="1" lang="ja-JP" altLang="en-US" smtClean="0"/>
-              <a:t>2021/7/27</a:t>
+              <a:t>2021/10/4</a:t>
             </a:fld>
             <a:endParaRPr kumimoji="1" lang="ja-JP" altLang="en-US" dirty="0"/>
           </a:p>
@@ -1328,7 +1328,7 @@
           <a:p>
             <a:fld id="{C335E573-B421-42F4-AB5C-2F3D82120347}" type="datetime1">
               <a:rPr kumimoji="1" lang="ja-JP" altLang="en-US" smtClean="0"/>
-              <a:t>2021/7/27</a:t>
+              <a:t>2021/10/4</a:t>
             </a:fld>
             <a:endParaRPr kumimoji="1" lang="ja-JP" altLang="en-US" dirty="0"/>
           </a:p>
@@ -1531,7 +1531,7 @@
           <a:p>
             <a:fld id="{6C0E558A-98ED-43ED-A5EF-95B14F8C4104}" type="datetime1">
               <a:rPr kumimoji="1" lang="ja-JP" altLang="en-US" smtClean="0"/>
-              <a:t>2021/7/27</a:t>
+              <a:t>2021/10/4</a:t>
             </a:fld>
             <a:endParaRPr kumimoji="1" lang="ja-JP" altLang="en-US" dirty="0"/>
           </a:p>
@@ -1744,7 +1744,7 @@
           <a:p>
             <a:fld id="{8EFF5399-0718-4B2B-97EA-56D755853484}" type="datetime1">
               <a:rPr kumimoji="1" lang="ja-JP" altLang="en-US" smtClean="0"/>
-              <a:t>2021/7/27</a:t>
+              <a:t>2021/10/4</a:t>
             </a:fld>
             <a:endParaRPr kumimoji="1" lang="ja-JP" altLang="en-US" dirty="0"/>
           </a:p>
@@ -1947,7 +1947,7 @@
           <a:p>
             <a:fld id="{E364310B-A730-4FDD-A52E-FCDA0D9CD090}" type="datetime1">
               <a:rPr kumimoji="1" lang="ja-JP" altLang="en-US" smtClean="0"/>
-              <a:t>2021/7/27</a:t>
+              <a:t>2021/10/4</a:t>
             </a:fld>
             <a:endParaRPr kumimoji="1" lang="ja-JP" altLang="en-US" dirty="0"/>
           </a:p>
@@ -2192,7 +2192,7 @@
           <a:p>
             <a:fld id="{9EFF9BB4-F462-4009-9CDB-BE51CDCE36D2}" type="datetime1">
               <a:rPr kumimoji="1" lang="ja-JP" altLang="en-US" smtClean="0"/>
-              <a:t>2021/7/27</a:t>
+              <a:t>2021/10/4</a:t>
             </a:fld>
             <a:endParaRPr kumimoji="1" lang="ja-JP" altLang="en-US" dirty="0"/>
           </a:p>
@@ -2489,7 +2489,7 @@
           <a:p>
             <a:fld id="{4616E83A-02B2-4E37-B901-916FC1ABA284}" type="datetime1">
               <a:rPr kumimoji="1" lang="ja-JP" altLang="en-US" smtClean="0"/>
-              <a:t>2021/7/27</a:t>
+              <a:t>2021/10/4</a:t>
             </a:fld>
             <a:endParaRPr kumimoji="1" lang="ja-JP" altLang="en-US" dirty="0"/>
           </a:p>
@@ -2921,7 +2921,7 @@
           <a:p>
             <a:fld id="{0F30A100-A925-4562-8BAD-6D9DFB833C69}" type="datetime1">
               <a:rPr kumimoji="1" lang="ja-JP" altLang="en-US" smtClean="0"/>
-              <a:t>2021/7/27</a:t>
+              <a:t>2021/10/4</a:t>
             </a:fld>
             <a:endParaRPr kumimoji="1" lang="ja-JP" altLang="en-US" dirty="0"/>
           </a:p>
@@ -3040,7 +3040,7 @@
           <a:p>
             <a:fld id="{2B092801-85DE-4E2D-BB20-4CEFD3DE12D7}" type="datetime1">
               <a:rPr kumimoji="1" lang="ja-JP" altLang="en-US" smtClean="0"/>
-              <a:t>2021/7/27</a:t>
+              <a:t>2021/10/4</a:t>
             </a:fld>
             <a:endParaRPr kumimoji="1" lang="ja-JP" altLang="en-US" dirty="0"/>
           </a:p>
@@ -3136,7 +3136,7 @@
           <a:p>
             <a:fld id="{E3C0B233-1262-4C80-939E-E1C0347ED250}" type="datetime1">
               <a:rPr kumimoji="1" lang="ja-JP" altLang="en-US" smtClean="0"/>
-              <a:t>2021/7/27</a:t>
+              <a:t>2021/10/4</a:t>
             </a:fld>
             <a:endParaRPr kumimoji="1" lang="ja-JP" altLang="en-US" dirty="0"/>
           </a:p>
@@ -3446,7 +3446,7 @@
           <a:p>
             <a:fld id="{12654F1A-76CD-47D9-B513-65C1FA3EED3E}" type="datetime1">
               <a:rPr kumimoji="1" lang="ja-JP" altLang="en-US" smtClean="0"/>
-              <a:t>2021/7/27</a:t>
+              <a:t>2021/10/4</a:t>
             </a:fld>
             <a:endParaRPr kumimoji="1" lang="ja-JP" altLang="en-US" dirty="0"/>
           </a:p>
@@ -3704,7 +3704,7 @@
           <a:p>
             <a:fld id="{8261E7BE-EC7F-4989-A57E-EB9E1D8B8B4A}" type="datetime1">
               <a:rPr kumimoji="1" lang="ja-JP" altLang="en-US" smtClean="0"/>
-              <a:t>2021/7/27</a:t>
+              <a:t>2021/10/4</a:t>
             </a:fld>
             <a:endParaRPr kumimoji="1" lang="ja-JP" altLang="en-US" dirty="0"/>
           </a:p>
@@ -3950,7 +3950,7 @@
           <a:p>
             <a:fld id="{F53EBE1F-A560-407A-96D7-EDB5C3A8DEBD}" type="datetime1">
               <a:rPr kumimoji="1" lang="ja-JP" altLang="en-US" smtClean="0"/>
-              <a:t>2021/7/27</a:t>
+              <a:t>2021/10/4</a:t>
             </a:fld>
             <a:endParaRPr kumimoji="1" lang="ja-JP" altLang="en-US" dirty="0"/>
           </a:p>
@@ -4421,15 +4421,7 @@
             </a:r>
             <a:r>
               <a:rPr lang="ja-JP" altLang="en-US" dirty="0" smtClean="0"/>
-              <a:t>高等学校</a:t>
-            </a:r>
-            <a:r>
-              <a:rPr lang="ja-JP" altLang="en-US" dirty="0" smtClean="0"/>
-              <a:t>にてプログラミング教育の</a:t>
-            </a:r>
-            <a:r>
-              <a:rPr lang="ja-JP" altLang="en-US" dirty="0" smtClean="0"/>
-              <a:t>必修が全面実施</a:t>
+              <a:t>高等学校にてプログラミング教育の必修が全面実施</a:t>
             </a:r>
             <a:r>
               <a:rPr lang="ja-JP" altLang="en-US" dirty="0"/>
@@ -4453,11 +4445,7 @@
             </a:r>
             <a:r>
               <a:rPr lang="ja-JP" altLang="en-US" dirty="0" smtClean="0"/>
-              <a:t>，</a:t>
-            </a:r>
-            <a:r>
-              <a:rPr lang="ja-JP" altLang="en-US" dirty="0" smtClean="0"/>
-              <a:t>現代社会で普遍的</a:t>
+              <a:t>，現代社会で普遍的</a:t>
             </a:r>
             <a:r>
               <a:rPr lang="ja-JP" altLang="en-US" dirty="0"/>
@@ -4473,11 +4461,7 @@
             </a:r>
             <a:r>
               <a:rPr lang="ja-JP" altLang="en-US" dirty="0" smtClean="0"/>
-              <a:t>ことで</a:t>
-            </a:r>
-            <a:r>
-              <a:rPr lang="ja-JP" altLang="en-US" dirty="0" smtClean="0"/>
-              <a:t>ある．</a:t>
+              <a:t>ことである．</a:t>
             </a:r>
             <a:endParaRPr lang="en-US" altLang="ja-JP" dirty="0" smtClean="0"/>
           </a:p>
@@ -4611,7 +4595,6 @@
               <a:rPr lang="ja-JP" altLang="en-US" dirty="0"/>
               <a:t>孝典 教授</a:t>
             </a:r>
-            <a:endParaRPr lang="ja-JP" altLang="en-US" dirty="0"/>
           </a:p>
         </p:txBody>
       </p:sp>
@@ -4732,35 +4715,15 @@
             </a:r>
             <a:r>
               <a:rPr lang="ja-JP" altLang="en-US" sz="2600" dirty="0" smtClean="0"/>
-              <a:t>ブラウザ上で作業を完結</a:t>
-            </a:r>
+              <a:t>ブラウザ上で作業を完結できる．</a:t>
+            </a:r>
+            <a:endParaRPr lang="en-US" altLang="ja-JP" sz="2600" dirty="0" smtClean="0"/>
+          </a:p>
+          <a:p>
+            <a:pPr algn="just"/>
             <a:r>
               <a:rPr lang="ja-JP" altLang="en-US" sz="2600" dirty="0" smtClean="0"/>
-              <a:t>できる．</a:t>
-            </a:r>
-            <a:endParaRPr lang="en-US" altLang="ja-JP" sz="2600" dirty="0" smtClean="0"/>
-          </a:p>
-          <a:p>
-            <a:pPr algn="just"/>
-            <a:r>
-              <a:rPr lang="ja-JP" altLang="en-US" sz="2600" dirty="0" smtClean="0"/>
-              <a:t>問題</a:t>
-            </a:r>
-            <a:r>
-              <a:rPr lang="ja-JP" altLang="en-US" sz="2600" dirty="0" smtClean="0"/>
-              <a:t>文やヒントなどを充実</a:t>
-            </a:r>
-            <a:r>
-              <a:rPr lang="ja-JP" altLang="en-US" sz="2600" dirty="0" smtClean="0"/>
-              <a:t>させて，学習者の効率的な論理的</a:t>
-            </a:r>
-            <a:r>
-              <a:rPr lang="ja-JP" altLang="en-US" sz="2600" dirty="0" smtClean="0"/>
-              <a:t>思考を</a:t>
-            </a:r>
-            <a:r>
-              <a:rPr lang="ja-JP" altLang="en-US" sz="2600" dirty="0" smtClean="0"/>
-              <a:t>養う．</a:t>
+              <a:t>問題文やヒントなどを充実させて，学習者の効率的な論理的思考を養う．</a:t>
             </a:r>
             <a:endParaRPr lang="en-US" altLang="ja-JP" sz="2600" dirty="0" smtClean="0"/>
           </a:p>
@@ -4792,27 +4755,7 @@
             </a:r>
             <a:r>
               <a:rPr lang="ja-JP" altLang="en-US" sz="2600" dirty="0" smtClean="0"/>
-              <a:t>によるコードジェネレート機能を利用</a:t>
-            </a:r>
-            <a:r>
-              <a:rPr lang="ja-JP" altLang="en-US" sz="2600" dirty="0" smtClean="0"/>
-              <a:t>し，プログラミング</a:t>
-            </a:r>
-            <a:r>
-              <a:rPr lang="ja-JP" altLang="en-US" sz="2600" dirty="0" smtClean="0"/>
-              <a:t>言語の</a:t>
-            </a:r>
-            <a:r>
-              <a:rPr lang="ja-JP" altLang="en-US" sz="2600" dirty="0" smtClean="0"/>
-              <a:t>構文への</a:t>
-            </a:r>
-            <a:r>
-              <a:rPr lang="ja-JP" altLang="en-US" sz="2600" dirty="0" smtClean="0"/>
-              <a:t>理解を深められるシステムを</a:t>
-            </a:r>
-            <a:r>
-              <a:rPr lang="ja-JP" altLang="en-US" sz="2600" dirty="0" smtClean="0"/>
-              <a:t>提案．</a:t>
+              <a:t>によるコードジェネレート機能を利用し，プログラミング言語の構文への理解を深められるシステムを提案．</a:t>
             </a:r>
             <a:endParaRPr lang="en-US" altLang="ja-JP" sz="2600" dirty="0"/>
           </a:p>
@@ -4937,11 +4880,7 @@
             </a:r>
             <a:r>
               <a:rPr lang="ja-JP" altLang="en-US" dirty="0" smtClean="0"/>
-              <a:t>ではなく，</a:t>
-            </a:r>
-            <a:r>
-              <a:rPr lang="ja-JP" altLang="en-US" dirty="0" smtClean="0"/>
-              <a:t>プログラミングに実際に触れる</a:t>
+              <a:t>ではなく，プログラミングに実際に触れる</a:t>
             </a:r>
             <a:r>
               <a:rPr lang="ja-JP" altLang="en-US" dirty="0"/>
@@ -4973,27 +4912,7 @@
             <a:pPr algn="just"/>
             <a:r>
               <a:rPr lang="ja-JP" altLang="en-US" dirty="0" smtClean="0"/>
-              <a:t>ブロックプログラミング</a:t>
-            </a:r>
-            <a:r>
-              <a:rPr lang="ja-JP" altLang="en-US" dirty="0" smtClean="0"/>
-              <a:t>を用いることで，</a:t>
-            </a:r>
-            <a:r>
-              <a:rPr lang="ja-JP" altLang="en-US" dirty="0" smtClean="0"/>
-              <a:t>学習</a:t>
-            </a:r>
-            <a:r>
-              <a:rPr lang="ja-JP" altLang="en-US" dirty="0" smtClean="0"/>
-              <a:t>の初期</a:t>
-            </a:r>
-            <a:r>
-              <a:rPr lang="ja-JP" altLang="en-US" dirty="0" smtClean="0"/>
-              <a:t>段階で</a:t>
-            </a:r>
-            <a:r>
-              <a:rPr lang="ja-JP" altLang="en-US" dirty="0" smtClean="0"/>
-              <a:t>プログラム言語の構文</a:t>
+              <a:t>ブロックプログラミングを用いることで，学習の初期段階でプログラム言語の構文</a:t>
             </a:r>
             <a:r>
               <a:rPr lang="ja-JP" altLang="en-US" dirty="0"/>
@@ -5157,19 +5076,11 @@
             </a:r>
             <a:r>
               <a:rPr lang="en-US" altLang="ja-JP" dirty="0" smtClean="0"/>
-              <a:t>2021</a:t>
-            </a:r>
-            <a:r>
-              <a:rPr lang="en-US" altLang="ja-JP" dirty="0" smtClean="0"/>
-              <a:t>]</a:t>
+              <a:t>2021]</a:t>
             </a:r>
             <a:r>
               <a:rPr lang="ja-JP" altLang="en-US" dirty="0" smtClean="0"/>
-              <a:t>溝上 大樹</a:t>
-            </a:r>
-            <a:r>
-              <a:rPr lang="ja-JP" altLang="en-US" dirty="0" smtClean="0"/>
-              <a:t>「論理的</a:t>
+              <a:t>溝上 大樹「論理的</a:t>
             </a:r>
             <a:r>
               <a:rPr lang="ja-JP" altLang="en-US" dirty="0"/>
@@ -5201,13 +5112,7 @@
               <a:rPr lang="en-US" altLang="ja-JP" dirty="0" smtClean="0">
                 <a:latin typeface="+mn-ea"/>
               </a:rPr>
-              <a:t>2003</a:t>
-            </a:r>
-            <a:r>
-              <a:rPr lang="en-US" altLang="ja-JP" dirty="0" smtClean="0">
-                <a:latin typeface="+mn-ea"/>
-              </a:rPr>
-              <a:t>]</a:t>
+              <a:t>2003]</a:t>
             </a:r>
             <a:r>
               <a:rPr lang="ja-JP" altLang="en-US" dirty="0" smtClean="0">
@@ -5285,13 +5190,7 @@
               <a:rPr lang="en-US" altLang="ja-JP" dirty="0" smtClean="0">
                 <a:latin typeface="+mn-ea"/>
               </a:rPr>
-              <a:t>2011</a:t>
-            </a:r>
-            <a:r>
-              <a:rPr lang="en-US" altLang="ja-JP" dirty="0" smtClean="0">
-                <a:latin typeface="+mn-ea"/>
-              </a:rPr>
-              <a:t>]</a:t>
+              <a:t>2011]</a:t>
             </a:r>
             <a:r>
               <a:rPr lang="ja-JP" altLang="en-US" dirty="0">
@@ -5352,13 +5251,7 @@
               <a:rPr lang="en-US" altLang="ja-JP" dirty="0" smtClean="0">
                 <a:latin typeface="+mn-ea"/>
               </a:rPr>
-              <a:t>2011</a:t>
-            </a:r>
-            <a:r>
-              <a:rPr lang="en-US" altLang="ja-JP" dirty="0" smtClean="0">
-                <a:latin typeface="+mn-ea"/>
-              </a:rPr>
-              <a:t>]</a:t>
+              <a:t>2011]</a:t>
             </a:r>
             <a:r>
               <a:rPr lang="zh-TW" altLang="en-US" dirty="0">
@@ -5389,19 +5282,7 @@
               <a:rPr lang="ja-JP" altLang="en-US" dirty="0" smtClean="0">
                 <a:latin typeface="+mn-ea"/>
               </a:rPr>
-              <a:t>用いた小学校</a:t>
-            </a:r>
-            <a:r>
-              <a:rPr lang="ja-JP" altLang="en-US" dirty="0" smtClean="0">
-                <a:latin typeface="+mn-ea"/>
-              </a:rPr>
-              <a:t>プログラミング</a:t>
-            </a:r>
-            <a:r>
-              <a:rPr lang="ja-JP" altLang="en-US" dirty="0" smtClean="0">
-                <a:latin typeface="+mn-ea"/>
-              </a:rPr>
-              <a:t>授業の実践」</a:t>
+              <a:t>用いた小学校プログラミング授業の実践」</a:t>
             </a:r>
             <a:endParaRPr kumimoji="1" lang="ja-JP" altLang="en-US" dirty="0"/>
           </a:p>
@@ -5514,11 +5395,7 @@
             <a:pPr algn="just"/>
             <a:r>
               <a:rPr lang="ja-JP" altLang="en-US" dirty="0" smtClean="0"/>
-              <a:t>論理的思考がすでに培われていることを前提として問題が提示される教育</a:t>
-            </a:r>
-            <a:r>
-              <a:rPr lang="ja-JP" altLang="en-US" dirty="0" smtClean="0"/>
-              <a:t>環境となって</a:t>
+              <a:t>論理的思考がすでに培われていることを前提として問題が提示される教育環境となって</a:t>
             </a:r>
             <a:r>
               <a:rPr lang="ja-JP" altLang="en-US" dirty="0"/>
@@ -5533,23 +5410,7 @@
             </a:pPr>
             <a:r>
               <a:rPr lang="ja-JP" altLang="en-US" dirty="0" smtClean="0"/>
-              <a:t>学習者</a:t>
-            </a:r>
-            <a:r>
-              <a:rPr lang="ja-JP" altLang="en-US" dirty="0" smtClean="0"/>
-              <a:t>が論理的な思考をもって問題文を読み取ることが</a:t>
-            </a:r>
-            <a:r>
-              <a:rPr lang="ja-JP" altLang="en-US" dirty="0" smtClean="0"/>
-              <a:t>できる必要</a:t>
-            </a:r>
-            <a:r>
-              <a:rPr lang="ja-JP" altLang="en-US" dirty="0" smtClean="0"/>
-              <a:t>がある</a:t>
-            </a:r>
-            <a:r>
-              <a:rPr lang="ja-JP" altLang="en-US" dirty="0" smtClean="0"/>
-              <a:t>．</a:t>
+              <a:t>学習者が論理的な思考をもって問題文を読み取ることができる必要がある．</a:t>
             </a:r>
             <a:endParaRPr lang="en-US" altLang="ja-JP" dirty="0" smtClean="0"/>
           </a:p>
@@ -5714,11 +5575,7 @@
             </a:r>
             <a:r>
               <a:rPr lang="ja-JP" altLang="en-US" sz="2400" dirty="0" smtClean="0"/>
-              <a:t>を</a:t>
-            </a:r>
-            <a:r>
-              <a:rPr lang="ja-JP" altLang="en-US" sz="2400" dirty="0" smtClean="0"/>
-              <a:t>利用</a:t>
+              <a:t>を利用</a:t>
             </a:r>
             <a:r>
               <a:rPr lang="ja-JP" altLang="en-US" sz="2400" dirty="0"/>
@@ -5734,11 +5591,7 @@
             </a:r>
             <a:r>
               <a:rPr kumimoji="1" lang="ja-JP" altLang="en-US" sz="2400" dirty="0" smtClean="0"/>
-              <a:t>には</a:t>
-            </a:r>
-            <a:r>
-              <a:rPr kumimoji="1" lang="ja-JP" altLang="en-US" sz="2400" dirty="0" smtClean="0"/>
-              <a:t>、作成したブロック</a:t>
+              <a:t>には、作成したブロック</a:t>
             </a:r>
             <a:r>
               <a:rPr lang="ja-JP" altLang="en-US" sz="2400" dirty="0" smtClean="0"/>
@@ -5746,31 +5599,11 @@
             </a:r>
             <a:r>
               <a:rPr kumimoji="1" lang="ja-JP" altLang="en-US" sz="2400" dirty="0" smtClean="0"/>
-              <a:t>構文的</a:t>
-            </a:r>
-            <a:r>
-              <a:rPr kumimoji="1" lang="ja-JP" altLang="en-US" sz="2400" dirty="0" smtClean="0"/>
-              <a:t>に正しいコード</a:t>
-            </a:r>
-            <a:r>
-              <a:rPr kumimoji="1" lang="ja-JP" altLang="en-US" sz="2400" dirty="0" smtClean="0"/>
-              <a:t>を生成</a:t>
-            </a:r>
-            <a:r>
-              <a:rPr kumimoji="1" lang="ja-JP" altLang="en-US" sz="2400" dirty="0" smtClean="0"/>
-              <a:t>する</a:t>
+              <a:t>構文的に正しいコードを生成する</a:t>
             </a:r>
             <a:r>
               <a:rPr lang="ja-JP" altLang="en-US" sz="2400" dirty="0" smtClean="0"/>
-              <a:t>機能が</a:t>
-            </a:r>
-            <a:r>
-              <a:rPr lang="ja-JP" altLang="en-US" sz="2400" dirty="0" smtClean="0"/>
-              <a:t>あり，</a:t>
-            </a:r>
-            <a:r>
-              <a:rPr lang="ja-JP" altLang="en-US" sz="2400" dirty="0" smtClean="0"/>
-              <a:t>この</a:t>
+              <a:t>機能があり，この</a:t>
             </a:r>
             <a:r>
               <a:rPr lang="ja-JP" altLang="en-US" sz="2400" dirty="0"/>
@@ -5778,15 +5611,7 @@
             </a:r>
             <a:r>
               <a:rPr lang="ja-JP" altLang="en-US" sz="2400" dirty="0" smtClean="0"/>
-              <a:t>．</a:t>
-            </a:r>
-            <a:r>
-              <a:rPr lang="ja-JP" altLang="en-US" sz="2400" dirty="0" smtClean="0"/>
-              <a:t>この</a:t>
-            </a:r>
-            <a:r>
-              <a:rPr lang="ja-JP" altLang="en-US" sz="2400" dirty="0" smtClean="0"/>
-              <a:t>機能を用いること</a:t>
+              <a:t>．この機能を用いること</a:t>
             </a:r>
             <a:r>
               <a:rPr lang="ja-JP" altLang="en-US" sz="2400" dirty="0"/>
@@ -5980,11 +5805,7 @@
             </a:r>
             <a:r>
               <a:rPr kumimoji="1" lang="ja-JP" altLang="en-US" dirty="0" smtClean="0"/>
-              <a:t>向け</a:t>
-            </a:r>
-            <a:r>
-              <a:rPr kumimoji="1" lang="ja-JP" altLang="en-US" dirty="0" smtClean="0"/>
-              <a:t>に論理的思考を身に着けるための学習支援として</a:t>
+              <a:t>向けに論理的思考を身に着けるための学習支援として</a:t>
             </a:r>
             <a:r>
               <a:rPr lang="ja-JP" altLang="en-US" dirty="0"/>
@@ -5992,11 +5813,7 @@
             </a:r>
             <a:r>
               <a:rPr kumimoji="1" lang="ja-JP" altLang="en-US" dirty="0" smtClean="0"/>
-              <a:t>ブロックプログラミングを</a:t>
-            </a:r>
-            <a:r>
-              <a:rPr kumimoji="1" lang="ja-JP" altLang="en-US" dirty="0" smtClean="0"/>
-              <a:t>利用</a:t>
+              <a:t>ブロックプログラミングを利用</a:t>
             </a:r>
             <a:r>
               <a:rPr lang="ja-JP" altLang="en-US" dirty="0"/>
@@ -6008,15 +5825,7 @@
             </a:r>
             <a:r>
               <a:rPr kumimoji="1" lang="ja-JP" altLang="en-US" dirty="0" smtClean="0"/>
-              <a:t>理解が</a:t>
-            </a:r>
-            <a:r>
-              <a:rPr kumimoji="1" lang="ja-JP" altLang="en-US" dirty="0" smtClean="0"/>
-              <a:t>できる環境を</a:t>
-            </a:r>
-            <a:r>
-              <a:rPr kumimoji="1" lang="ja-JP" altLang="en-US" dirty="0" smtClean="0"/>
-              <a:t>作成．</a:t>
+              <a:t>理解ができる環境を作成．</a:t>
             </a:r>
             <a:endParaRPr lang="en-US" altLang="ja-JP" dirty="0" smtClean="0"/>
           </a:p>
@@ -6518,11 +6327,7 @@
             <a:pPr algn="ctr"/>
             <a:r>
               <a:rPr kumimoji="1" lang="ja-JP" altLang="en-US" dirty="0" smtClean="0"/>
-              <a:t>ブロックからコード</a:t>
-            </a:r>
-            <a:r>
-              <a:rPr kumimoji="1" lang="ja-JP" altLang="en-US" dirty="0" smtClean="0"/>
-              <a:t>に</a:t>
+              <a:t>ブロックからコードに</a:t>
             </a:r>
             <a:endParaRPr kumimoji="1" lang="en-US" altLang="ja-JP" dirty="0" smtClean="0"/>
           </a:p>
@@ -6572,23 +6377,15 @@
             <a:pPr algn="ctr"/>
             <a:r>
               <a:rPr kumimoji="1" lang="ja-JP" altLang="en-US" dirty="0" smtClean="0"/>
-              <a:t>問題の正誤</a:t>
-            </a:r>
+              <a:t>問題の正誤と</a:t>
+            </a:r>
+            <a:endParaRPr kumimoji="1" lang="en-US" altLang="ja-JP" dirty="0" smtClean="0"/>
+          </a:p>
+          <a:p>
+            <a:pPr algn="ctr"/>
             <a:r>
               <a:rPr kumimoji="1" lang="ja-JP" altLang="en-US" dirty="0" smtClean="0"/>
-              <a:t>と</a:t>
-            </a:r>
-            <a:endParaRPr kumimoji="1" lang="en-US" altLang="ja-JP" dirty="0" smtClean="0"/>
-          </a:p>
-          <a:p>
-            <a:pPr algn="ctr"/>
-            <a:r>
-              <a:rPr kumimoji="1" lang="ja-JP" altLang="en-US" dirty="0" smtClean="0"/>
-              <a:t>作成</a:t>
-            </a:r>
-            <a:r>
-              <a:rPr kumimoji="1" lang="ja-JP" altLang="en-US" dirty="0" smtClean="0"/>
-              <a:t>されたコードを送信</a:t>
+              <a:t>作成されたコードを送信</a:t>
             </a:r>
             <a:endParaRPr kumimoji="1" lang="ja-JP" altLang="en-US" dirty="0"/>
           </a:p>
@@ -6703,35 +6500,11 @@
             <a:pPr algn="just"/>
             <a:r>
               <a:rPr kumimoji="1" lang="ja-JP" altLang="en-US" dirty="0" smtClean="0"/>
-              <a:t>学習者</a:t>
-            </a:r>
-            <a:r>
-              <a:rPr kumimoji="1" lang="ja-JP" altLang="en-US" dirty="0" smtClean="0"/>
-              <a:t>が問題</a:t>
-            </a:r>
-            <a:r>
-              <a:rPr kumimoji="1" lang="ja-JP" altLang="en-US" dirty="0" smtClean="0"/>
-              <a:t>をブロックプログラムで解くと共に，構文的に正しい</a:t>
+              <a:t>学習者が問題をブロックプログラムで解くと共に，構文的に正しい</a:t>
             </a:r>
             <a:r>
               <a:rPr lang="ja-JP" altLang="en-US" dirty="0" smtClean="0"/>
-              <a:t>コードを同時に</a:t>
-            </a:r>
-            <a:r>
-              <a:rPr lang="ja-JP" altLang="en-US" dirty="0" smtClean="0"/>
-              <a:t>表示</a:t>
-            </a:r>
-            <a:r>
-              <a:rPr lang="ja-JP" altLang="en-US" dirty="0" smtClean="0"/>
-              <a:t>す</a:t>
-            </a:r>
-            <a:r>
-              <a:rPr lang="ja-JP" altLang="en-US" dirty="0" smtClean="0"/>
-              <a:t>る</a:t>
-            </a:r>
-            <a:r>
-              <a:rPr lang="ja-JP" altLang="en-US" dirty="0" smtClean="0"/>
-              <a:t>ことで，論理的思考とコーディングを養う</a:t>
+              <a:t>コードを同時に表示することで，論理的思考とコーディングを養う</a:t>
             </a:r>
             <a:endParaRPr kumimoji="1" lang="en-US" altLang="ja-JP" dirty="0" smtClean="0"/>
           </a:p>
@@ -6773,11 +6546,7 @@
             <a:pPr algn="ctr"/>
             <a:r>
               <a:rPr lang="ja-JP" altLang="en-US" dirty="0" smtClean="0"/>
-              <a:t>正誤とコード</a:t>
-            </a:r>
-            <a:r>
-              <a:rPr lang="ja-JP" altLang="en-US" dirty="0" smtClean="0"/>
-              <a:t>を</a:t>
+              <a:t>正誤とコードを</a:t>
             </a:r>
             <a:endParaRPr lang="en-US" altLang="ja-JP" dirty="0" smtClean="0"/>
           </a:p>
@@ -6961,11 +6730,7 @@
             </a:pPr>
             <a:r>
               <a:rPr lang="ja-JP" altLang="en-US" sz="2400" dirty="0" smtClean="0"/>
-              <a:t>今後の</a:t>
-            </a:r>
-            <a:r>
-              <a:rPr lang="ja-JP" altLang="en-US" sz="2400" dirty="0" smtClean="0"/>
-              <a:t>スケジュール</a:t>
+              <a:t>今後のスケジュール</a:t>
             </a:r>
             <a:endParaRPr lang="en-US" altLang="ja-JP" sz="2400" dirty="0" smtClean="0"/>
           </a:p>
@@ -6997,11 +6762,7 @@
             </a:r>
             <a:r>
               <a:rPr kumimoji="1" lang="ja-JP" altLang="en-US" sz="2400" dirty="0" smtClean="0"/>
-              <a:t>プロセス</a:t>
-            </a:r>
-            <a:r>
-              <a:rPr kumimoji="1" lang="ja-JP" altLang="en-US" sz="2400" dirty="0" smtClean="0"/>
-              <a:t>について</a:t>
+              <a:t>プロセスについて</a:t>
             </a:r>
             <a:r>
               <a:rPr lang="ja-JP" altLang="en-US" sz="2400" dirty="0" smtClean="0"/>
@@ -7009,15 +6770,7 @@
             </a:r>
             <a:r>
               <a:rPr kumimoji="1" lang="ja-JP" altLang="en-US" sz="2400" dirty="0" smtClean="0"/>
-              <a:t>フローチャート</a:t>
-            </a:r>
-            <a:r>
-              <a:rPr kumimoji="1" lang="ja-JP" altLang="en-US" sz="2400" dirty="0" smtClean="0"/>
-              <a:t>の表示</a:t>
-            </a:r>
-            <a:r>
-              <a:rPr kumimoji="1" lang="ja-JP" altLang="en-US" sz="2400" dirty="0" smtClean="0"/>
-              <a:t>など視覚的ヒントを作成．</a:t>
+              <a:t>フローチャートの表示など視覚的ヒントを作成．</a:t>
             </a:r>
             <a:endParaRPr lang="en-US" altLang="ja-JP" sz="2400" dirty="0" smtClean="0"/>
           </a:p>
@@ -7247,11 +7000,7 @@
             <a:pPr algn="just"/>
             <a:r>
               <a:rPr lang="ja-JP" altLang="en-US" sz="2400" dirty="0" smtClean="0"/>
-              <a:t>コードジェネレート機能を用いたプログラミング言語への</a:t>
-            </a:r>
-            <a:r>
-              <a:rPr lang="ja-JP" altLang="en-US" sz="2400" dirty="0" smtClean="0"/>
-              <a:t>変換．</a:t>
+              <a:t>コードジェネレート機能を用いたプログラミング言語への変換．</a:t>
             </a:r>
             <a:endParaRPr lang="en-US" altLang="ja-JP" sz="2400" dirty="0" smtClean="0"/>
           </a:p>
@@ -7295,11 +7044,7 @@
             <a:pPr algn="just"/>
             <a:r>
               <a:rPr lang="ja-JP" altLang="en-US" sz="2400" dirty="0" smtClean="0"/>
-              <a:t>問題文を一部穴あきにする</a:t>
-            </a:r>
-            <a:r>
-              <a:rPr lang="ja-JP" altLang="en-US" sz="2400" dirty="0" smtClean="0"/>
-              <a:t>サンプル</a:t>
+              <a:t>問題文を一部穴あきにするサンプル</a:t>
             </a:r>
             <a:r>
               <a:rPr lang="ja-JP" altLang="en-US" sz="2400" dirty="0"/>

--- a/1821121_shimaoka_tyuukan.pptx
+++ b/1821121_shimaoka_tyuukan.pptx
@@ -241,7 +241,7 @@
           <a:p>
             <a:fld id="{4D62F260-72E3-4D76-A7C3-2EDF244737A6}" type="datetimeFigureOut">
               <a:rPr kumimoji="1" lang="ja-JP" altLang="en-US" smtClean="0"/>
-              <a:t>2021/10/4</a:t>
+              <a:t>2022/1/11</a:t>
             </a:fld>
             <a:endParaRPr kumimoji="1" lang="ja-JP" altLang="en-US" dirty="0"/>
           </a:p>
@@ -406,7 +406,7 @@
           <a:p>
             <a:fld id="{27571B5F-C8EC-4379-AD76-80FD414F3861}" type="datetimeFigureOut">
               <a:rPr kumimoji="1" lang="ja-JP" altLang="en-US" smtClean="0"/>
-              <a:t>2021/10/4</a:t>
+              <a:t>2022/1/11</a:t>
             </a:fld>
             <a:endParaRPr kumimoji="1" lang="ja-JP" altLang="en-US" dirty="0"/>
           </a:p>
@@ -1328,7 +1328,7 @@
           <a:p>
             <a:fld id="{C335E573-B421-42F4-AB5C-2F3D82120347}" type="datetime1">
               <a:rPr kumimoji="1" lang="ja-JP" altLang="en-US" smtClean="0"/>
-              <a:t>2021/10/4</a:t>
+              <a:t>2022/1/11</a:t>
             </a:fld>
             <a:endParaRPr kumimoji="1" lang="ja-JP" altLang="en-US" dirty="0"/>
           </a:p>
@@ -1531,7 +1531,7 @@
           <a:p>
             <a:fld id="{6C0E558A-98ED-43ED-A5EF-95B14F8C4104}" type="datetime1">
               <a:rPr kumimoji="1" lang="ja-JP" altLang="en-US" smtClean="0"/>
-              <a:t>2021/10/4</a:t>
+              <a:t>2022/1/11</a:t>
             </a:fld>
             <a:endParaRPr kumimoji="1" lang="ja-JP" altLang="en-US" dirty="0"/>
           </a:p>
@@ -1744,7 +1744,7 @@
           <a:p>
             <a:fld id="{8EFF5399-0718-4B2B-97EA-56D755853484}" type="datetime1">
               <a:rPr kumimoji="1" lang="ja-JP" altLang="en-US" smtClean="0"/>
-              <a:t>2021/10/4</a:t>
+              <a:t>2022/1/11</a:t>
             </a:fld>
             <a:endParaRPr kumimoji="1" lang="ja-JP" altLang="en-US" dirty="0"/>
           </a:p>
@@ -1947,7 +1947,7 @@
           <a:p>
             <a:fld id="{E364310B-A730-4FDD-A52E-FCDA0D9CD090}" type="datetime1">
               <a:rPr kumimoji="1" lang="ja-JP" altLang="en-US" smtClean="0"/>
-              <a:t>2021/10/4</a:t>
+              <a:t>2022/1/11</a:t>
             </a:fld>
             <a:endParaRPr kumimoji="1" lang="ja-JP" altLang="en-US" dirty="0"/>
           </a:p>
@@ -2192,7 +2192,7 @@
           <a:p>
             <a:fld id="{9EFF9BB4-F462-4009-9CDB-BE51CDCE36D2}" type="datetime1">
               <a:rPr kumimoji="1" lang="ja-JP" altLang="en-US" smtClean="0"/>
-              <a:t>2021/10/4</a:t>
+              <a:t>2022/1/11</a:t>
             </a:fld>
             <a:endParaRPr kumimoji="1" lang="ja-JP" altLang="en-US" dirty="0"/>
           </a:p>
@@ -2489,7 +2489,7 @@
           <a:p>
             <a:fld id="{4616E83A-02B2-4E37-B901-916FC1ABA284}" type="datetime1">
               <a:rPr kumimoji="1" lang="ja-JP" altLang="en-US" smtClean="0"/>
-              <a:t>2021/10/4</a:t>
+              <a:t>2022/1/11</a:t>
             </a:fld>
             <a:endParaRPr kumimoji="1" lang="ja-JP" altLang="en-US" dirty="0"/>
           </a:p>
@@ -2921,7 +2921,7 @@
           <a:p>
             <a:fld id="{0F30A100-A925-4562-8BAD-6D9DFB833C69}" type="datetime1">
               <a:rPr kumimoji="1" lang="ja-JP" altLang="en-US" smtClean="0"/>
-              <a:t>2021/10/4</a:t>
+              <a:t>2022/1/11</a:t>
             </a:fld>
             <a:endParaRPr kumimoji="1" lang="ja-JP" altLang="en-US" dirty="0"/>
           </a:p>
@@ -3040,7 +3040,7 @@
           <a:p>
             <a:fld id="{2B092801-85DE-4E2D-BB20-4CEFD3DE12D7}" type="datetime1">
               <a:rPr kumimoji="1" lang="ja-JP" altLang="en-US" smtClean="0"/>
-              <a:t>2021/10/4</a:t>
+              <a:t>2022/1/11</a:t>
             </a:fld>
             <a:endParaRPr kumimoji="1" lang="ja-JP" altLang="en-US" dirty="0"/>
           </a:p>
@@ -3136,7 +3136,7 @@
           <a:p>
             <a:fld id="{E3C0B233-1262-4C80-939E-E1C0347ED250}" type="datetime1">
               <a:rPr kumimoji="1" lang="ja-JP" altLang="en-US" smtClean="0"/>
-              <a:t>2021/10/4</a:t>
+              <a:t>2022/1/11</a:t>
             </a:fld>
             <a:endParaRPr kumimoji="1" lang="ja-JP" altLang="en-US" dirty="0"/>
           </a:p>
@@ -3446,7 +3446,7 @@
           <a:p>
             <a:fld id="{12654F1A-76CD-47D9-B513-65C1FA3EED3E}" type="datetime1">
               <a:rPr kumimoji="1" lang="ja-JP" altLang="en-US" smtClean="0"/>
-              <a:t>2021/10/4</a:t>
+              <a:t>2022/1/11</a:t>
             </a:fld>
             <a:endParaRPr kumimoji="1" lang="ja-JP" altLang="en-US" dirty="0"/>
           </a:p>
@@ -3704,7 +3704,7 @@
           <a:p>
             <a:fld id="{8261E7BE-EC7F-4989-A57E-EB9E1D8B8B4A}" type="datetime1">
               <a:rPr kumimoji="1" lang="ja-JP" altLang="en-US" smtClean="0"/>
-              <a:t>2021/10/4</a:t>
+              <a:t>2022/1/11</a:t>
             </a:fld>
             <a:endParaRPr kumimoji="1" lang="ja-JP" altLang="en-US" dirty="0"/>
           </a:p>
@@ -3950,7 +3950,7 @@
           <a:p>
             <a:fld id="{F53EBE1F-A560-407A-96D7-EDB5C3A8DEBD}" type="datetime1">
               <a:rPr kumimoji="1" lang="ja-JP" altLang="en-US" smtClean="0"/>
-              <a:t>2021/10/4</a:t>
+              <a:t>2022/1/11</a:t>
             </a:fld>
             <a:endParaRPr kumimoji="1" lang="ja-JP" altLang="en-US" dirty="0"/>
           </a:p>
